--- a/方案/组内分享.pptx
+++ b/方案/组内分享.pptx
@@ -13,11 +13,11 @@
   <p:sldIdLst>
     <p:sldId id="263" r:id="rId3"/>
     <p:sldId id="404" r:id="rId4"/>
-    <p:sldId id="416" r:id="rId6"/>
-    <p:sldId id="414" r:id="rId7"/>
-    <p:sldId id="411" r:id="rId8"/>
-    <p:sldId id="412" r:id="rId9"/>
-    <p:sldId id="415" r:id="rId10"/>
+    <p:sldId id="418" r:id="rId6"/>
+    <p:sldId id="416" r:id="rId7"/>
+    <p:sldId id="419" r:id="rId8"/>
+    <p:sldId id="414" r:id="rId9"/>
+    <p:sldId id="411" r:id="rId10"/>
     <p:sldId id="389" r:id="rId11"/>
   </p:sldIdLst>
   <p:sldSz cx="12192000" cy="6858000"/>
@@ -128,7 +128,7 @@
             <a:srgbClr val="A4A3A4"/>
           </p15:clr>
         </p15:guide>
-        <p15:guide id="2" pos="3887" userDrawn="1">
+        <p15:guide id="2" pos="3871" userDrawn="1">
           <p15:clr>
             <a:srgbClr val="A4A3A4"/>
           </p15:clr>
@@ -796,54 +796,6 @@
 </file>
 
 <file path=ppt/notesSlides/notesSlide4.xml><?xml version="1.0" encoding="utf-8"?>
-<p:notes xmlns:a="http://schemas.openxmlformats.org/drawingml/2006/main" xmlns:r="http://schemas.openxmlformats.org/officeDocument/2006/relationships" xmlns:p="http://schemas.openxmlformats.org/presentationml/2006/main">
-  <p:cSld>
-    <p:spTree>
-      <p:nvGrpSpPr>
-        <p:cNvPr id="1" name=""/>
-        <p:cNvGrpSpPr/>
-        <p:nvPr/>
-      </p:nvGrpSpPr>
-      <p:grpSpPr/>
-      <p:sp>
-        <p:nvSpPr>
-          <p:cNvPr id="2" name="幻灯片图像占位符 1"/>
-          <p:cNvSpPr>
-            <a:spLocks noGrp="1"/>
-          </p:cNvSpPr>
-          <p:nvPr>
-            <p:ph type="sldImg" idx="2"/>
-          </p:nvPr>
-        </p:nvSpPr>
-        <p:spPr/>
-      </p:sp>
-      <p:sp>
-        <p:nvSpPr>
-          <p:cNvPr id="3" name="文本占位符 2"/>
-          <p:cNvSpPr>
-            <a:spLocks noGrp="1"/>
-          </p:cNvSpPr>
-          <p:nvPr>
-            <p:ph type="body" idx="3"/>
-          </p:nvPr>
-        </p:nvSpPr>
-        <p:spPr/>
-        <p:txBody>
-          <a:bodyPr/>
-          <a:p>
-            <a:endParaRPr lang="zh-CN" altLang="en-US"/>
-          </a:p>
-        </p:txBody>
-      </p:sp>
-    </p:spTree>
-  </p:cSld>
-  <p:clrMapOvr>
-    <a:masterClrMapping/>
-  </p:clrMapOvr>
-</p:notes>
-</file>
-
-<file path=ppt/notesSlides/notesSlide5.xml><?xml version="1.0" encoding="utf-8"?>
 <p:notes xmlns:a="http://schemas.openxmlformats.org/drawingml/2006/main" xmlns:r="http://schemas.openxmlformats.org/officeDocument/2006/relationships" xmlns:p="http://schemas.openxmlformats.org/presentationml/2006/main">
   <p:cSld>
     <p:spTree>
@@ -4162,7 +4114,7 @@
                 <a:ea typeface="微软雅黑" panose="020B0503020204020204" charset="-122"/>
                 <a:cs typeface="Times New Roman" panose="02020603050405020304" charset="0"/>
               </a:rPr>
-              <a:t>2025-12-26</a:t>
+              <a:t>2026-01-16</a:t>
             </a:r>
             <a:endParaRPr lang="en-US" altLang="zh-CN" dirty="0">
               <a:solidFill>
@@ -4648,712 +4600,6 @@
         <p:cNvGrpSpPr/>
         <p:nvPr/>
       </p:nvGrpSpPr>
-      <p:grpSpPr>
-        <a:xfrm>
-          <a:off x="0" y="0"/>
-          <a:ext cx="0" cy="0"/>
-          <a:chOff x="0" y="0"/>
-          <a:chExt cx="0" cy="0"/>
-        </a:xfrm>
-      </p:grpSpPr>
-      <p:sp>
-        <p:nvSpPr>
-          <p:cNvPr id="4" name="文本框 3"/>
-          <p:cNvSpPr txBox="1"/>
-          <p:nvPr/>
-        </p:nvSpPr>
-        <p:spPr>
-          <a:xfrm>
-            <a:off x="174625" y="570230"/>
-            <a:ext cx="11910695" cy="1329690"/>
-          </a:xfrm>
-          <a:prstGeom prst="rect">
-            <a:avLst/>
-          </a:prstGeom>
-          <a:noFill/>
-        </p:spPr>
-        <p:txBody>
-          <a:bodyPr wrap="square" rtlCol="0">
-            <a:noAutofit/>
-          </a:bodyPr>
-          <a:p>
-            <a:pPr algn="l">
-              <a:lnSpc>
-                <a:spcPct val="130000"/>
-              </a:lnSpc>
-              <a:buClrTx/>
-              <a:buSzTx/>
-              <a:buFontTx/>
-            </a:pPr>
-            <a:r>
-              <a:rPr lang="zh-CN" altLang="en-US" sz="1800" b="1">
-                <a:latin typeface="Times New Roman" panose="02020603050405020304" charset="0"/>
-                <a:cs typeface="Times New Roman" panose="02020603050405020304" charset="0"/>
-              </a:rPr>
-              <a:t>二、处理长尾问题</a:t>
-            </a:r>
-            <a:r>
-              <a:rPr lang="en-US" altLang="zh-CN" sz="1800" b="1">
-                <a:latin typeface="Times New Roman" panose="02020603050405020304" charset="0"/>
-                <a:cs typeface="Times New Roman" panose="02020603050405020304" charset="0"/>
-              </a:rPr>
-              <a:t>——Repack Mechanism</a:t>
-            </a:r>
-            <a:endParaRPr lang="en-US" altLang="zh-CN" sz="1800" b="1">
-              <a:latin typeface="Times New Roman" panose="02020603050405020304" charset="0"/>
-              <a:cs typeface="Times New Roman" panose="02020603050405020304" charset="0"/>
-            </a:endParaRPr>
-          </a:p>
-          <a:p>
-            <a:pPr algn="l">
-              <a:lnSpc>
-                <a:spcPct val="130000"/>
-              </a:lnSpc>
-            </a:pPr>
-            <a:r>
-              <a:rPr lang="en-US" altLang="zh-CN" sz="1400">
-                <a:latin typeface="Times New Roman" panose="02020603050405020304" charset="0"/>
-                <a:cs typeface="Times New Roman" panose="02020603050405020304" charset="0"/>
-              </a:rPr>
-              <a:t>Source Rollouts</a:t>
-            </a:r>
-            <a:r>
-              <a:rPr lang="zh-CN" altLang="en-US" sz="1400">
-                <a:latin typeface="Times New Roman" panose="02020603050405020304" charset="0"/>
-                <a:cs typeface="Times New Roman" panose="02020603050405020304" charset="0"/>
-              </a:rPr>
-              <a:t>：</a:t>
-            </a:r>
-            <a:r>
-              <a:rPr lang="en-US" altLang="zh-CN" sz="1400">
-                <a:latin typeface="Times New Roman" panose="02020603050405020304" charset="0"/>
-                <a:cs typeface="Times New Roman" panose="02020603050405020304" charset="0"/>
-              </a:rPr>
-              <a:t> </a:t>
-            </a:r>
-            <a:r>
-              <a:rPr lang="zh-CN" altLang="en-US" sz="1400">
-                <a:latin typeface="Times New Roman" panose="02020603050405020304" charset="0"/>
-                <a:cs typeface="Times New Roman" panose="02020603050405020304" charset="0"/>
-              </a:rPr>
-              <a:t>那些被判定为处于长尾阶段、</a:t>
-            </a:r>
-            <a:r>
-              <a:rPr lang="en-US" altLang="zh-CN" sz="1400">
-                <a:latin typeface="Times New Roman" panose="02020603050405020304" charset="0"/>
-                <a:cs typeface="Times New Roman" panose="02020603050405020304" charset="0"/>
-              </a:rPr>
-              <a:t>GPU </a:t>
-            </a:r>
-            <a:r>
-              <a:rPr lang="zh-CN" altLang="en-US" sz="1400">
-                <a:latin typeface="Times New Roman" panose="02020603050405020304" charset="0"/>
-                <a:cs typeface="Times New Roman" panose="02020603050405020304" charset="0"/>
-              </a:rPr>
-              <a:t>未跑满的副本，它们是需要被清空并释放的对象</a:t>
-            </a:r>
-            <a:r>
-              <a:rPr lang="en-US" altLang="zh-CN" sz="1400">
-                <a:latin typeface="Times New Roman" panose="02020603050405020304" charset="0"/>
-                <a:cs typeface="Times New Roman" panose="02020603050405020304" charset="0"/>
-              </a:rPr>
-              <a:t> </a:t>
-            </a:r>
-            <a:r>
-              <a:rPr lang="zh-CN" altLang="en-US" sz="1400">
-                <a:latin typeface="Times New Roman" panose="02020603050405020304" charset="0"/>
-                <a:cs typeface="Times New Roman" panose="02020603050405020304" charset="0"/>
-              </a:rPr>
-              <a:t>。</a:t>
-            </a:r>
-            <a:endParaRPr lang="en-US" altLang="zh-CN" sz="1400">
-              <a:latin typeface="Times New Roman" panose="02020603050405020304" charset="0"/>
-              <a:cs typeface="Times New Roman" panose="02020603050405020304" charset="0"/>
-            </a:endParaRPr>
-          </a:p>
-          <a:p>
-            <a:pPr algn="l">
-              <a:lnSpc>
-                <a:spcPct val="130000"/>
-              </a:lnSpc>
-            </a:pPr>
-            <a:r>
-              <a:rPr lang="en-US" altLang="zh-CN" sz="1400">
-                <a:latin typeface="Times New Roman" panose="02020603050405020304" charset="0"/>
-                <a:cs typeface="Times New Roman" panose="02020603050405020304" charset="0"/>
-              </a:rPr>
-              <a:t>Destination Rollouts</a:t>
-            </a:r>
-            <a:r>
-              <a:rPr lang="zh-CN" altLang="en-US" sz="1400">
-                <a:latin typeface="Times New Roman" panose="02020603050405020304" charset="0"/>
-                <a:cs typeface="Times New Roman" panose="02020603050405020304" charset="0"/>
-              </a:rPr>
-              <a:t>：</a:t>
-            </a:r>
-            <a:r>
-              <a:rPr lang="en-US" altLang="zh-CN" sz="1400">
-                <a:latin typeface="Times New Roman" panose="02020603050405020304" charset="0"/>
-                <a:cs typeface="Times New Roman" panose="02020603050405020304" charset="0"/>
-              </a:rPr>
-              <a:t> </a:t>
-            </a:r>
-            <a:r>
-              <a:rPr lang="zh-CN" altLang="en-US" sz="1400">
-                <a:latin typeface="Times New Roman" panose="02020603050405020304" charset="0"/>
-                <a:cs typeface="Times New Roman" panose="02020603050405020304" charset="0"/>
-              </a:rPr>
-              <a:t>同样处于</a:t>
-            </a:r>
-            <a:r>
-              <a:rPr lang="zh-CN" altLang="en-US" sz="1400">
-                <a:latin typeface="Times New Roman" panose="02020603050405020304" charset="0"/>
-                <a:cs typeface="Times New Roman" panose="02020603050405020304" charset="0"/>
-                <a:sym typeface="+mn-ea"/>
-              </a:rPr>
-              <a:t>处于长尾阶段、</a:t>
-            </a:r>
-            <a:r>
-              <a:rPr lang="en-US" altLang="zh-CN" sz="1400">
-                <a:latin typeface="Times New Roman" panose="02020603050405020304" charset="0"/>
-                <a:cs typeface="Times New Roman" panose="02020603050405020304" charset="0"/>
-                <a:sym typeface="+mn-ea"/>
-              </a:rPr>
-              <a:t>GPU </a:t>
-            </a:r>
-            <a:r>
-              <a:rPr lang="zh-CN" altLang="en-US" sz="1400">
-                <a:latin typeface="Times New Roman" panose="02020603050405020304" charset="0"/>
-                <a:cs typeface="Times New Roman" panose="02020603050405020304" charset="0"/>
-                <a:sym typeface="+mn-ea"/>
-              </a:rPr>
-              <a:t>未跑满的副本</a:t>
-            </a:r>
-            <a:r>
-              <a:rPr lang="zh-CN" altLang="en-US" sz="1400">
-                <a:latin typeface="Times New Roman" panose="02020603050405020304" charset="0"/>
-                <a:cs typeface="Times New Roman" panose="02020603050405020304" charset="0"/>
-              </a:rPr>
-              <a:t>，但被选作容器来接收来自源副本的任务，以便将它们打包成效率更高的</a:t>
-            </a:r>
-            <a:r>
-              <a:rPr lang="en-US" altLang="zh-CN" sz="1400">
-                <a:latin typeface="Times New Roman" panose="02020603050405020304" charset="0"/>
-                <a:cs typeface="Times New Roman" panose="02020603050405020304" charset="0"/>
-              </a:rPr>
-              <a:t> Batch </a:t>
-            </a:r>
-            <a:r>
-              <a:rPr lang="zh-CN" altLang="en-US" sz="1400">
-                <a:latin typeface="Times New Roman" panose="02020603050405020304" charset="0"/>
-                <a:cs typeface="Times New Roman" panose="02020603050405020304" charset="0"/>
-              </a:rPr>
-              <a:t>。</a:t>
-            </a:r>
-            <a:endParaRPr lang="zh-CN" altLang="en-US" sz="1400">
-              <a:latin typeface="Times New Roman" panose="02020603050405020304" charset="0"/>
-              <a:cs typeface="Times New Roman" panose="02020603050405020304" charset="0"/>
-            </a:endParaRPr>
-          </a:p>
-          <a:p>
-            <a:pPr algn="l">
-              <a:lnSpc>
-                <a:spcPct val="130000"/>
-              </a:lnSpc>
-            </a:pPr>
-            <a:r>
-              <a:rPr lang="en-US" altLang="zh-CN" sz="1800" b="1">
-                <a:latin typeface="Times New Roman" panose="02020603050405020304" charset="0"/>
-                <a:cs typeface="Times New Roman" panose="02020603050405020304" charset="0"/>
-              </a:rPr>
-              <a:t>执行最佳拟合算法 (Best-Fit Algorithm)</a:t>
-            </a:r>
-            <a:endParaRPr lang="en-US" altLang="zh-CN" sz="1800" b="1">
-              <a:latin typeface="Times New Roman" panose="02020603050405020304" charset="0"/>
-              <a:cs typeface="Times New Roman" panose="02020603050405020304" charset="0"/>
-            </a:endParaRPr>
-          </a:p>
-        </p:txBody>
-      </p:sp>
-      <p:pic>
-        <p:nvPicPr>
-          <p:cNvPr id="5" name="图片 4"/>
-          <p:cNvPicPr>
-            <a:picLocks noChangeAspect="1"/>
-          </p:cNvPicPr>
-          <p:nvPr/>
-        </p:nvPicPr>
-        <p:blipFill>
-          <a:blip r:embed="rId1"/>
-          <a:stretch>
-            <a:fillRect/>
-          </a:stretch>
-        </p:blipFill>
-        <p:spPr>
-          <a:xfrm>
-            <a:off x="334645" y="1921510"/>
-            <a:ext cx="5207635" cy="4824095"/>
-          </a:xfrm>
-          <a:prstGeom prst="rect">
-            <a:avLst/>
-          </a:prstGeom>
-        </p:spPr>
-      </p:pic>
-      <p:sp>
-        <p:nvSpPr>
-          <p:cNvPr id="7" name="矩形 6"/>
-          <p:cNvSpPr/>
-          <p:nvPr/>
-        </p:nvSpPr>
-        <p:spPr>
-          <a:xfrm>
-            <a:off x="215900" y="3035300"/>
-            <a:ext cx="6024245" cy="264160"/>
-          </a:xfrm>
-          <a:prstGeom prst="rect">
-            <a:avLst/>
-          </a:prstGeom>
-          <a:noFill/>
-          <a:ln>
-            <a:solidFill>
-              <a:srgbClr val="FF0000"/>
-            </a:solidFill>
-          </a:ln>
-          <a:extLst>
-            <a:ext uri="{909E8E84-426E-40DD-AFC4-6F175D3DCCD1}">
-              <a14:hiddenFill xmlns:a14="http://schemas.microsoft.com/office/drawing/2010/main">
-                <a:solidFill>
-                  <a:schemeClr val="accent1"/>
-                </a:solidFill>
-              </a14:hiddenFill>
-            </a:ext>
-          </a:extLst>
-        </p:spPr>
-        <p:style>
-          <a:lnRef idx="2">
-            <a:schemeClr val="accent1">
-              <a:lumMod val="75000"/>
-            </a:schemeClr>
-          </a:lnRef>
-          <a:fillRef idx="1">
-            <a:schemeClr val="accent1"/>
-          </a:fillRef>
-          <a:effectRef idx="0">
-            <a:srgbClr val="FFFFFF"/>
-          </a:effectRef>
-          <a:fontRef idx="minor">
-            <a:schemeClr val="lt1"/>
-          </a:fontRef>
-        </p:style>
-        <p:txBody>
-          <a:bodyPr rtlCol="0" anchor="ctr"/>
-          <a:p>
-            <a:pPr algn="ctr"/>
-            <a:endParaRPr lang="zh-CN" altLang="en-US">
-              <a:latin typeface="Times New Roman" panose="02020603050405020304" charset="0"/>
-              <a:cs typeface="Times New Roman" panose="02020603050405020304" charset="0"/>
-            </a:endParaRPr>
-          </a:p>
-        </p:txBody>
-      </p:sp>
-      <p:sp>
-        <p:nvSpPr>
-          <p:cNvPr id="8" name="文本框 7"/>
-          <p:cNvSpPr txBox="1"/>
-          <p:nvPr/>
-        </p:nvSpPr>
-        <p:spPr>
-          <a:xfrm>
-            <a:off x="6537960" y="2983230"/>
-            <a:ext cx="4064000" cy="306705"/>
-          </a:xfrm>
-          <a:prstGeom prst="rect">
-            <a:avLst/>
-          </a:prstGeom>
-          <a:noFill/>
-        </p:spPr>
-        <p:txBody>
-          <a:bodyPr wrap="square" rtlCol="0">
-            <a:spAutoFit/>
-          </a:bodyPr>
-          <a:p>
-            <a:r>
-              <a:rPr lang="zh-CN" altLang="en-US" sz="1400">
-                <a:solidFill>
-                  <a:srgbClr val="FF0000"/>
-                </a:solidFill>
-                <a:latin typeface="Times New Roman" panose="02020603050405020304" charset="0"/>
-                <a:cs typeface="Times New Roman" panose="02020603050405020304" charset="0"/>
-              </a:rPr>
-              <a:t>长尾</a:t>
-            </a:r>
-            <a:r>
-              <a:rPr lang="zh-CN" altLang="en-US" sz="1400">
-                <a:solidFill>
-                  <a:srgbClr val="FF0000"/>
-                </a:solidFill>
-                <a:latin typeface="Times New Roman" panose="02020603050405020304" charset="0"/>
-                <a:cs typeface="Times New Roman" panose="02020603050405020304" charset="0"/>
-              </a:rPr>
-              <a:t>replicas</a:t>
-            </a:r>
-            <a:endParaRPr lang="zh-CN" altLang="en-US" sz="1400">
-              <a:solidFill>
-                <a:srgbClr val="FF0000"/>
-              </a:solidFill>
-              <a:latin typeface="Times New Roman" panose="02020603050405020304" charset="0"/>
-              <a:cs typeface="Times New Roman" panose="02020603050405020304" charset="0"/>
-            </a:endParaRPr>
-          </a:p>
-        </p:txBody>
-      </p:sp>
-      <p:sp>
-        <p:nvSpPr>
-          <p:cNvPr id="9" name="矩形 8"/>
-          <p:cNvSpPr/>
-          <p:nvPr/>
-        </p:nvSpPr>
-        <p:spPr>
-          <a:xfrm>
-            <a:off x="276860" y="3307715"/>
-            <a:ext cx="3652520" cy="189230"/>
-          </a:xfrm>
-          <a:prstGeom prst="rect">
-            <a:avLst/>
-          </a:prstGeom>
-          <a:noFill/>
-          <a:ln>
-            <a:solidFill>
-              <a:srgbClr val="FF0000"/>
-            </a:solidFill>
-          </a:ln>
-          <a:extLst>
-            <a:ext uri="{909E8E84-426E-40DD-AFC4-6F175D3DCCD1}">
-              <a14:hiddenFill xmlns:a14="http://schemas.microsoft.com/office/drawing/2010/main">
-                <a:solidFill>
-                  <a:schemeClr val="accent1"/>
-                </a:solidFill>
-              </a14:hiddenFill>
-            </a:ext>
-          </a:extLst>
-        </p:spPr>
-        <p:style>
-          <a:lnRef idx="2">
-            <a:schemeClr val="accent1">
-              <a:lumMod val="75000"/>
-            </a:schemeClr>
-          </a:lnRef>
-          <a:fillRef idx="1">
-            <a:schemeClr val="accent1"/>
-          </a:fillRef>
-          <a:effectRef idx="0">
-            <a:srgbClr val="FFFFFF"/>
-          </a:effectRef>
-          <a:fontRef idx="minor">
-            <a:schemeClr val="lt1"/>
-          </a:fontRef>
-        </p:style>
-        <p:txBody>
-          <a:bodyPr rtlCol="0" anchor="ctr"/>
-          <a:p>
-            <a:pPr algn="ctr"/>
-            <a:endParaRPr lang="zh-CN" altLang="en-US">
-              <a:latin typeface="Times New Roman" panose="02020603050405020304" charset="0"/>
-              <a:cs typeface="Times New Roman" panose="02020603050405020304" charset="0"/>
-            </a:endParaRPr>
-          </a:p>
-        </p:txBody>
-      </p:sp>
-      <p:sp>
-        <p:nvSpPr>
-          <p:cNvPr id="10" name="文本框 9"/>
-          <p:cNvSpPr txBox="1"/>
-          <p:nvPr/>
-        </p:nvSpPr>
-        <p:spPr>
-          <a:xfrm>
-            <a:off x="5299710" y="3307715"/>
-            <a:ext cx="6102985" cy="306705"/>
-          </a:xfrm>
-          <a:prstGeom prst="rect">
-            <a:avLst/>
-          </a:prstGeom>
-          <a:noFill/>
-        </p:spPr>
-        <p:txBody>
-          <a:bodyPr wrap="square" rtlCol="0">
-            <a:spAutoFit/>
-          </a:bodyPr>
-          <a:p>
-            <a:r>
-              <a:rPr lang="en-US" altLang="zh-CN" sz="1400">
-                <a:solidFill>
-                  <a:srgbClr val="FF0000"/>
-                </a:solidFill>
-                <a:latin typeface="Times New Roman" panose="02020603050405020304" charset="0"/>
-                <a:cs typeface="Times New Roman" panose="02020603050405020304" charset="0"/>
-              </a:rPr>
-              <a:t>KVcache</a:t>
-            </a:r>
-            <a:r>
-              <a:rPr lang="zh-CN" altLang="en-US" sz="1400">
-                <a:solidFill>
-                  <a:srgbClr val="FF0000"/>
-                </a:solidFill>
-                <a:latin typeface="Times New Roman" panose="02020603050405020304" charset="0"/>
-                <a:cs typeface="Times New Roman" panose="02020603050405020304" charset="0"/>
-              </a:rPr>
-              <a:t>越小的副本</a:t>
-            </a:r>
-            <a:r>
-              <a:rPr lang="en-US" altLang="zh-CN" sz="1400">
-                <a:solidFill>
-                  <a:srgbClr val="FF0000"/>
-                </a:solidFill>
-                <a:latin typeface="Times New Roman" panose="02020603050405020304" charset="0"/>
-                <a:cs typeface="Times New Roman" panose="02020603050405020304" charset="0"/>
-              </a:rPr>
-              <a:t> </a:t>
-            </a:r>
-            <a:r>
-              <a:rPr lang="zh-CN" altLang="en-US" sz="1400">
-                <a:solidFill>
-                  <a:srgbClr val="FF0000"/>
-                </a:solidFill>
-                <a:latin typeface="Times New Roman" panose="02020603050405020304" charset="0"/>
-                <a:cs typeface="Times New Roman" panose="02020603050405020304" charset="0"/>
-              </a:rPr>
-              <a:t>优先被移动</a:t>
-            </a:r>
-            <a:endParaRPr lang="zh-CN" altLang="en-US" sz="1400">
-              <a:solidFill>
-                <a:srgbClr val="FF0000"/>
-              </a:solidFill>
-              <a:latin typeface="Times New Roman" panose="02020603050405020304" charset="0"/>
-              <a:cs typeface="Times New Roman" panose="02020603050405020304" charset="0"/>
-            </a:endParaRPr>
-          </a:p>
-        </p:txBody>
-      </p:sp>
-      <p:sp>
-        <p:nvSpPr>
-          <p:cNvPr id="2" name="矩形 1"/>
-          <p:cNvSpPr/>
-          <p:nvPr/>
-        </p:nvSpPr>
-        <p:spPr>
-          <a:xfrm>
-            <a:off x="215900" y="4902200"/>
-            <a:ext cx="5138420" cy="340995"/>
-          </a:xfrm>
-          <a:prstGeom prst="rect">
-            <a:avLst/>
-          </a:prstGeom>
-          <a:noFill/>
-          <a:ln>
-            <a:solidFill>
-              <a:srgbClr val="FF0000"/>
-            </a:solidFill>
-          </a:ln>
-          <a:extLst>
-            <a:ext uri="{909E8E84-426E-40DD-AFC4-6F175D3DCCD1}">
-              <a14:hiddenFill xmlns:a14="http://schemas.microsoft.com/office/drawing/2010/main">
-                <a:solidFill>
-                  <a:schemeClr val="accent1"/>
-                </a:solidFill>
-              </a14:hiddenFill>
-            </a:ext>
-          </a:extLst>
-        </p:spPr>
-        <p:style>
-          <a:lnRef idx="2">
-            <a:schemeClr val="accent1">
-              <a:lumMod val="75000"/>
-            </a:schemeClr>
-          </a:lnRef>
-          <a:fillRef idx="1">
-            <a:schemeClr val="accent1"/>
-          </a:fillRef>
-          <a:effectRef idx="0">
-            <a:srgbClr val="FFFFFF"/>
-          </a:effectRef>
-          <a:fontRef idx="minor">
-            <a:schemeClr val="lt1"/>
-          </a:fontRef>
-        </p:style>
-        <p:txBody>
-          <a:bodyPr rtlCol="0" anchor="ctr"/>
-          <a:p>
-            <a:pPr algn="ctr"/>
-            <a:endParaRPr lang="zh-CN" altLang="en-US">
-              <a:latin typeface="Times New Roman" panose="02020603050405020304" charset="0"/>
-              <a:cs typeface="Times New Roman" panose="02020603050405020304" charset="0"/>
-            </a:endParaRPr>
-          </a:p>
-        </p:txBody>
-      </p:sp>
-      <p:sp>
-        <p:nvSpPr>
-          <p:cNvPr id="3" name="文本框 2"/>
-          <p:cNvSpPr txBox="1"/>
-          <p:nvPr/>
-        </p:nvSpPr>
-        <p:spPr>
-          <a:xfrm>
-            <a:off x="5443855" y="4902200"/>
-            <a:ext cx="6577330" cy="306705"/>
-          </a:xfrm>
-          <a:prstGeom prst="rect">
-            <a:avLst/>
-          </a:prstGeom>
-          <a:noFill/>
-        </p:spPr>
-        <p:txBody>
-          <a:bodyPr wrap="square" rtlCol="0">
-            <a:spAutoFit/>
-          </a:bodyPr>
-          <a:p>
-            <a:r>
-              <a:rPr lang="zh-CN" altLang="en-US" sz="1400">
-                <a:solidFill>
-                  <a:srgbClr val="FF0000"/>
-                </a:solidFill>
-                <a:latin typeface="Times New Roman" panose="02020603050405020304" charset="0"/>
-                <a:cs typeface="Times New Roman" panose="02020603050405020304" charset="0"/>
-              </a:rPr>
-              <a:t>如果对当前</a:t>
-            </a:r>
-            <a:r>
-              <a:rPr lang="en-US" altLang="zh-CN" sz="1400">
-                <a:solidFill>
-                  <a:srgbClr val="FF0000"/>
-                </a:solidFill>
-                <a:latin typeface="Times New Roman" panose="02020603050405020304" charset="0"/>
-                <a:cs typeface="Times New Roman" panose="02020603050405020304" charset="0"/>
-              </a:rPr>
-              <a:t>s</a:t>
-            </a:r>
-            <a:r>
-              <a:rPr lang="zh-CN" altLang="en-US" sz="1400">
-                <a:solidFill>
-                  <a:srgbClr val="FF0000"/>
-                </a:solidFill>
-                <a:latin typeface="Times New Roman" panose="02020603050405020304" charset="0"/>
-                <a:cs typeface="Times New Roman" panose="02020603050405020304" charset="0"/>
-              </a:rPr>
-              <a:t>，有多个满足</a:t>
-            </a:r>
-            <a:r>
-              <a:rPr lang="en-US" altLang="zh-CN" sz="1400">
-                <a:solidFill>
-                  <a:srgbClr val="FF0000"/>
-                </a:solidFill>
-                <a:latin typeface="Times New Roman" panose="02020603050405020304" charset="0"/>
-                <a:cs typeface="Times New Roman" panose="02020603050405020304" charset="0"/>
-              </a:rPr>
-              <a:t>CanFit() </a:t>
-            </a:r>
-            <a:r>
-              <a:rPr lang="zh-CN" altLang="en-US" sz="1400">
-                <a:solidFill>
-                  <a:srgbClr val="FF0000"/>
-                </a:solidFill>
-                <a:latin typeface="Times New Roman" panose="02020603050405020304" charset="0"/>
-                <a:cs typeface="Times New Roman" panose="02020603050405020304" charset="0"/>
-              </a:rPr>
-              <a:t>条件的副本，则采用移动后</a:t>
-            </a:r>
-            <a:r>
-              <a:rPr lang="en-US" altLang="zh-CN" sz="1400">
-                <a:solidFill>
-                  <a:srgbClr val="FF0000"/>
-                </a:solidFill>
-                <a:latin typeface="Times New Roman" panose="02020603050405020304" charset="0"/>
-                <a:cs typeface="Times New Roman" panose="02020603050405020304" charset="0"/>
-              </a:rPr>
-              <a:t>KVcache</a:t>
-            </a:r>
-            <a:r>
-              <a:rPr lang="zh-CN" altLang="en-US" sz="1400">
-                <a:solidFill>
-                  <a:srgbClr val="FF0000"/>
-                </a:solidFill>
-                <a:latin typeface="Times New Roman" panose="02020603050405020304" charset="0"/>
-                <a:cs typeface="Times New Roman" panose="02020603050405020304" charset="0"/>
-              </a:rPr>
-              <a:t>最大的</a:t>
-            </a:r>
-            <a:endParaRPr lang="zh-CN" altLang="en-US" sz="1400">
-              <a:solidFill>
-                <a:srgbClr val="FF0000"/>
-              </a:solidFill>
-              <a:latin typeface="Times New Roman" panose="02020603050405020304" charset="0"/>
-              <a:cs typeface="Times New Roman" panose="02020603050405020304" charset="0"/>
-            </a:endParaRPr>
-          </a:p>
-        </p:txBody>
-      </p:sp>
-      <p:sp>
-        <p:nvSpPr>
-          <p:cNvPr id="6" name="文本框 5"/>
-          <p:cNvSpPr txBox="1"/>
-          <p:nvPr/>
-        </p:nvSpPr>
-        <p:spPr>
-          <a:xfrm>
-            <a:off x="41275" y="51435"/>
-            <a:ext cx="10831830" cy="460375"/>
-          </a:xfrm>
-          <a:prstGeom prst="rect">
-            <a:avLst/>
-          </a:prstGeom>
-          <a:noFill/>
-        </p:spPr>
-        <p:txBody>
-          <a:bodyPr wrap="square" rtlCol="0">
-            <a:spAutoFit/>
-          </a:bodyPr>
-          <a:p>
-            <a:r>
-              <a:rPr lang="en-US" altLang="zh-CN" sz="2400" b="1">
-                <a:solidFill>
-                  <a:srgbClr val="C00000"/>
-                </a:solidFill>
-                <a:latin typeface="Times New Roman" panose="02020603050405020304" charset="0"/>
-                <a:cs typeface="Times New Roman" panose="02020603050405020304" charset="0"/>
-              </a:rPr>
-              <a:t>Laminar: A Scalable Asynchronous RL Post-Training Framework</a:t>
-            </a:r>
-            <a:endParaRPr lang="en-US" altLang="zh-CN" sz="2400" b="1">
-              <a:solidFill>
-                <a:srgbClr val="C00000"/>
-              </a:solidFill>
-              <a:latin typeface="Times New Roman" panose="02020603050405020304" charset="0"/>
-              <a:cs typeface="Times New Roman" panose="02020603050405020304" charset="0"/>
-            </a:endParaRPr>
-          </a:p>
-        </p:txBody>
-      </p:sp>
-    </p:spTree>
-    <p:custDataLst>
-      <p:tags r:id="rId2"/>
-    </p:custDataLst>
-  </p:cSld>
-  <p:clrMapOvr>
-    <a:masterClrMapping/>
-  </p:clrMapOvr>
-</p:sld>
-</file>
-
-<file path=ppt/slides/slide4.xml><?xml version="1.0" encoding="utf-8"?>
-<p:sld xmlns:a="http://schemas.openxmlformats.org/drawingml/2006/main" xmlns:r="http://schemas.openxmlformats.org/officeDocument/2006/relationships" xmlns:p="http://schemas.openxmlformats.org/presentationml/2006/main">
-  <p:cSld>
-    <p:spTree>
-      <p:nvGrpSpPr>
-        <p:cNvPr id="1" name=""/>
-        <p:cNvGrpSpPr/>
-        <p:nvPr/>
-      </p:nvGrpSpPr>
       <p:grpSpPr/>
       <p:sp>
         <p:nvSpPr>
@@ -5403,36 +4649,6 @@
           </a:p>
         </p:txBody>
       </p:sp>
-      <p:pic>
-        <p:nvPicPr>
-          <p:cNvPr id="20" name="图片 19"/>
-          <p:cNvPicPr>
-            <a:picLocks noChangeAspect="1"/>
-          </p:cNvPicPr>
-          <p:nvPr/>
-        </p:nvPicPr>
-        <p:blipFill>
-          <a:blip r:embed="rId1" cstate="print">
-            <a:extLst>
-              <a:ext uri="{28A0092B-C50C-407E-A947-70E740481C1C}">
-                <a14:useLocalDpi xmlns:a14="http://schemas.microsoft.com/office/drawing/2010/main" val="0"/>
-              </a:ext>
-            </a:extLst>
-          </a:blip>
-          <a:stretch>
-            <a:fillRect/>
-          </a:stretch>
-        </p:blipFill>
-        <p:spPr>
-          <a:xfrm>
-            <a:off x="8945356" y="192448"/>
-            <a:ext cx="3041951" cy="469946"/>
-          </a:xfrm>
-          <a:prstGeom prst="rect">
-            <a:avLst/>
-          </a:prstGeom>
-        </p:spPr>
-      </p:pic>
       <p:sp>
         <p:nvSpPr>
           <p:cNvPr id="19" name="文本框 37"/>
@@ -5442,7 +4658,7 @@
         <p:spPr>
           <a:xfrm>
             <a:off x="173355" y="165735"/>
-            <a:ext cx="6948805" cy="520700"/>
+            <a:ext cx="11476355" cy="520700"/>
           </a:xfrm>
           <a:prstGeom prst="rect">
             <a:avLst/>
@@ -5454,23 +4670,45 @@
             <a:spAutoFit/>
           </a:bodyPr>
           <a:p>
+            <a:pPr algn="l">
+              <a:buClrTx/>
+              <a:buSzTx/>
+              <a:buFontTx/>
+            </a:pPr>
             <a:r>
               <a:rPr lang="zh-CN" altLang="en-US" sz="2800" b="1" dirty="0">
+                <a:solidFill>
+                  <a:schemeClr val="tx1"/>
+                </a:solidFill>
                 <a:latin typeface="Times New Roman" panose="02020603050405020304" charset="0"/>
                 <a:cs typeface="Times New Roman" panose="02020603050405020304" charset="0"/>
                 <a:sym typeface="+mn-ea"/>
               </a:rPr>
-              <a:t>二、</a:t>
-            </a:r>
-            <a:r>
-              <a:rPr lang="en-US" sz="2800" b="1" dirty="0">
+              <a:t>二、方案优化</a:t>
+            </a:r>
+            <a:r>
+              <a:rPr lang="en-US" altLang="zh-CN" sz="2800" b="1" dirty="0">
+                <a:solidFill>
+                  <a:schemeClr val="tx1"/>
+                </a:solidFill>
                 <a:latin typeface="Times New Roman" panose="02020603050405020304" charset="0"/>
                 <a:cs typeface="Times New Roman" panose="02020603050405020304" charset="0"/>
                 <a:sym typeface="+mn-ea"/>
               </a:rPr>
-              <a:t>Methods</a:t>
-            </a:r>
-            <a:endParaRPr lang="en-US" sz="2800" b="1" dirty="0">
+              <a:t>: </a:t>
+            </a:r>
+            <a:r>
+              <a:rPr lang="en-US" altLang="zh-CN" sz="1800" b="1">
+                <a:solidFill>
+                  <a:srgbClr val="C00000"/>
+                </a:solidFill>
+                <a:latin typeface="Times New Roman" panose="02020603050405020304" charset="0"/>
+                <a:cs typeface="Times New Roman" panose="02020603050405020304" charset="0"/>
+                <a:sym typeface="+mn-ea"/>
+              </a:rPr>
+              <a:t>StreamRL: Scalable, Heterogeneous, RL for LLMs with Disaggregeted Stream Generation</a:t>
+            </a:r>
+            <a:endParaRPr lang="zh-CN" altLang="en-US" sz="2800" b="1" dirty="0">
               <a:solidFill>
                 <a:schemeClr val="tx1"/>
               </a:solidFill>
@@ -5483,14 +4721,14 @@
       </p:sp>
       <p:sp>
         <p:nvSpPr>
-          <p:cNvPr id="2" name="文本框 1"/>
+          <p:cNvPr id="5" name="文本框 4"/>
           <p:cNvSpPr txBox="1"/>
           <p:nvPr/>
         </p:nvSpPr>
         <p:spPr>
           <a:xfrm>
-            <a:off x="462915" y="1038860"/>
-            <a:ext cx="11525250" cy="3610610"/>
+            <a:off x="89535" y="870585"/>
+            <a:ext cx="11910695" cy="1560830"/>
           </a:xfrm>
           <a:prstGeom prst="rect">
             <a:avLst/>
@@ -5499,257 +4737,448 @@
         </p:spPr>
         <p:txBody>
           <a:bodyPr wrap="square" rtlCol="0">
-            <a:spAutoFit/>
+            <a:noAutofit/>
           </a:bodyPr>
           <a:p>
-            <a:pPr>
+            <a:pPr algn="l">
+              <a:lnSpc>
+                <a:spcPct val="130000"/>
+              </a:lnSpc>
+              <a:buClrTx/>
+              <a:buSzTx/>
+              <a:buFontTx/>
+            </a:pPr>
+            <a:r>
+              <a:rPr lang="zh-CN" altLang="en-US" sz="1800" b="1">
+                <a:latin typeface="Times New Roman" panose="02020603050405020304" charset="0"/>
+                <a:cs typeface="Times New Roman" panose="02020603050405020304" charset="0"/>
+              </a:rPr>
+              <a:t>一、识别长尾</a:t>
+            </a:r>
+            <a:r>
+              <a:rPr lang="zh-CN" altLang="en-US" sz="1800" b="1">
+                <a:latin typeface="Times New Roman" panose="02020603050405020304" charset="0"/>
+                <a:cs typeface="Times New Roman" panose="02020603050405020304" charset="0"/>
+              </a:rPr>
+              <a:t>问题</a:t>
+            </a:r>
+            <a:endParaRPr lang="zh-CN" altLang="en-US" sz="1800" b="1">
+              <a:latin typeface="Times New Roman" panose="02020603050405020304" charset="0"/>
+              <a:cs typeface="Times New Roman" panose="02020603050405020304" charset="0"/>
+            </a:endParaRPr>
+          </a:p>
+          <a:p>
+            <a:pPr algn="l">
+              <a:lnSpc>
+                <a:spcPct val="130000"/>
+              </a:lnSpc>
+              <a:buClrTx/>
+              <a:buSzTx/>
+              <a:buFontTx/>
+              <a:buNone/>
+            </a:pPr>
+            <a:r>
+              <a:rPr lang="zh-CN" altLang="en-US" sz="1400">
+                <a:latin typeface="Times New Roman" panose="02020603050405020304" charset="0"/>
+                <a:cs typeface="Times New Roman" panose="02020603050405020304" charset="0"/>
+              </a:rPr>
+              <a:t>事先</a:t>
+            </a:r>
+            <a:r>
+              <a:rPr lang="en-US" altLang="zh-CN" sz="1400">
+                <a:latin typeface="Times New Roman" panose="02020603050405020304" charset="0"/>
+                <a:cs typeface="Times New Roman" panose="02020603050405020304" charset="0"/>
+              </a:rPr>
+              <a:t>SFT</a:t>
+            </a:r>
+            <a:r>
+              <a:rPr lang="zh-CN" altLang="en-US" sz="1400">
+                <a:latin typeface="Times New Roman" panose="02020603050405020304" charset="0"/>
+                <a:cs typeface="Times New Roman" panose="02020603050405020304" charset="0"/>
+              </a:rPr>
+              <a:t>一个小模型</a:t>
+            </a:r>
+            <a:r>
+              <a:rPr lang="en-US" altLang="zh-CN" sz="1400">
+                <a:latin typeface="Times New Roman" panose="02020603050405020304" charset="0"/>
+                <a:cs typeface="Times New Roman" panose="02020603050405020304" charset="0"/>
+              </a:rPr>
+              <a:t>LLM model</a:t>
+            </a:r>
+            <a:r>
+              <a:rPr lang="zh-CN" altLang="en-US" sz="1400">
+                <a:latin typeface="Times New Roman" panose="02020603050405020304" charset="0"/>
+                <a:cs typeface="Times New Roman" panose="02020603050405020304" charset="0"/>
+              </a:rPr>
+              <a:t>，对</a:t>
+            </a:r>
+            <a:r>
+              <a:rPr lang="en-US" altLang="zh-CN" sz="1400">
+                <a:latin typeface="Times New Roman" panose="02020603050405020304" charset="0"/>
+                <a:cs typeface="Times New Roman" panose="02020603050405020304" charset="0"/>
+              </a:rPr>
+              <a:t>Prompt</a:t>
+            </a:r>
+            <a:r>
+              <a:rPr lang="zh-CN" altLang="en-US" sz="1400">
+                <a:latin typeface="Times New Roman" panose="02020603050405020304" charset="0"/>
+                <a:cs typeface="Times New Roman" panose="02020603050405020304" charset="0"/>
+              </a:rPr>
+              <a:t>的生成长度预测相对排名，随着训练地进行，定期使用最近生成的数据对排名器进行在线微调。</a:t>
+            </a:r>
+            <a:endParaRPr lang="en-US" altLang="zh-CN" sz="1400">
+              <a:latin typeface="Times New Roman" panose="02020603050405020304" charset="0"/>
+              <a:cs typeface="Times New Roman" panose="02020603050405020304" charset="0"/>
+            </a:endParaRPr>
+          </a:p>
+          <a:p>
+            <a:pPr algn="l">
+              <a:lnSpc>
+                <a:spcPct val="130000"/>
+              </a:lnSpc>
+              <a:buClrTx/>
+              <a:buSzTx/>
+              <a:buFontTx/>
+              <a:buNone/>
+            </a:pPr>
+            <a:r>
+              <a:rPr lang="zh-CN" altLang="en-US" sz="1800" b="1">
+                <a:latin typeface="Times New Roman" panose="02020603050405020304" charset="0"/>
+                <a:cs typeface="Times New Roman" panose="02020603050405020304" charset="0"/>
+              </a:rPr>
+              <a:t>二、处理长尾问题</a:t>
+            </a:r>
+            <a:endParaRPr lang="en-US" altLang="zh-CN" sz="1800" b="1">
+              <a:latin typeface="Times New Roman" panose="02020603050405020304" charset="0"/>
+              <a:cs typeface="Times New Roman" panose="02020603050405020304" charset="0"/>
+            </a:endParaRPr>
+          </a:p>
+          <a:p>
+            <a:pPr algn="l">
               <a:lnSpc>
                 <a:spcPct val="130000"/>
               </a:lnSpc>
             </a:pPr>
             <a:r>
-              <a:rPr lang="en-US" altLang="zh-CN" sz="1600" b="1">
-                <a:latin typeface="Times New Roman" panose="02020603050405020304" charset="0"/>
+              <a:rPr lang="zh-CN" altLang="en-US" sz="1400">
+                <a:latin typeface="Times New Roman" panose="02020603050405020304" charset="0"/>
+                <a:cs typeface="Times New Roman" panose="02020603050405020304" charset="0"/>
+              </a:rPr>
+              <a:t>将排好序的样本队列取前</a:t>
+            </a:r>
+            <a:r>
+              <a:rPr lang="en-US" altLang="zh-CN" sz="1400">
+                <a:latin typeface="Times New Roman" panose="02020603050405020304" charset="0"/>
+                <a:cs typeface="Times New Roman" panose="02020603050405020304" charset="0"/>
+              </a:rPr>
+              <a:t>20%</a:t>
+            </a:r>
+            <a:r>
+              <a:rPr lang="zh-CN" altLang="en-US" sz="1400">
+                <a:latin typeface="Times New Roman" panose="02020603050405020304" charset="0"/>
+                <a:cs typeface="Times New Roman" panose="02020603050405020304" charset="0"/>
+              </a:rPr>
+              <a:t>作为长尾样本，并划分出一部分</a:t>
+            </a:r>
+            <a:r>
+              <a:rPr lang="en-US" altLang="zh-CN" sz="1400">
+                <a:latin typeface="Times New Roman" panose="02020603050405020304" charset="0"/>
+                <a:cs typeface="Times New Roman" panose="02020603050405020304" charset="0"/>
+              </a:rPr>
+              <a:t>worker</a:t>
+            </a:r>
+            <a:r>
+              <a:rPr lang="zh-CN" altLang="en-US" sz="1400">
+                <a:latin typeface="Times New Roman" panose="02020603050405020304" charset="0"/>
+                <a:cs typeface="Times New Roman" panose="02020603050405020304" charset="0"/>
                 <a:sym typeface="+mn-ea"/>
               </a:rPr>
-              <a:t>1. </a:t>
-            </a:r>
-            <a:r>
-              <a:rPr lang="zh-CN" altLang="en-US" sz="1600" b="1">
-                <a:latin typeface="Times New Roman" panose="02020603050405020304" charset="0"/>
+              <a:t>采用小</a:t>
+            </a:r>
+            <a:r>
+              <a:rPr lang="en-US" altLang="zh-CN" sz="1400">
+                <a:latin typeface="Times New Roman" panose="02020603050405020304" charset="0"/>
+                <a:cs typeface="Times New Roman" panose="02020603050405020304" charset="0"/>
                 <a:sym typeface="+mn-ea"/>
               </a:rPr>
-              <a:t>核心理念：基于预测的分层异步调度</a:t>
-            </a:r>
-            <a:endParaRPr lang="zh-CN" altLang="en-US" sz="1600" b="1">
+              <a:t>batch</a:t>
+            </a:r>
+            <a:r>
+              <a:rPr lang="zh-CN" altLang="en-US" sz="1400">
+                <a:latin typeface="Times New Roman" panose="02020603050405020304" charset="0"/>
+                <a:cs typeface="Times New Roman" panose="02020603050405020304" charset="0"/>
+                <a:sym typeface="+mn-ea"/>
+              </a:rPr>
+              <a:t>运行</a:t>
+            </a:r>
+            <a:r>
+              <a:rPr lang="zh-CN" altLang="en-US" sz="1400">
+                <a:latin typeface="Times New Roman" panose="02020603050405020304" charset="0"/>
+                <a:cs typeface="Times New Roman" panose="02020603050405020304" charset="0"/>
+              </a:rPr>
+              <a:t>来处理长尾样本；其余的</a:t>
+            </a:r>
+            <a:r>
+              <a:rPr lang="en-US" altLang="zh-CN" sz="1400">
+                <a:latin typeface="Times New Roman" panose="02020603050405020304" charset="0"/>
+                <a:cs typeface="Times New Roman" panose="02020603050405020304" charset="0"/>
+              </a:rPr>
+              <a:t>worker</a:t>
+            </a:r>
+            <a:r>
+              <a:rPr lang="zh-CN" altLang="en-US" sz="1400">
+                <a:latin typeface="Times New Roman" panose="02020603050405020304" charset="0"/>
+                <a:cs typeface="Times New Roman" panose="02020603050405020304" charset="0"/>
+              </a:rPr>
+              <a:t>采用大</a:t>
+            </a:r>
+            <a:r>
+              <a:rPr lang="en-US" altLang="zh-CN" sz="1400">
+                <a:latin typeface="Times New Roman" panose="02020603050405020304" charset="0"/>
+                <a:cs typeface="Times New Roman" panose="02020603050405020304" charset="0"/>
+              </a:rPr>
+              <a:t>batch</a:t>
+            </a:r>
+            <a:r>
+              <a:rPr lang="zh-CN" altLang="en-US" sz="1400">
+                <a:latin typeface="Times New Roman" panose="02020603050405020304" charset="0"/>
+                <a:cs typeface="Times New Roman" panose="02020603050405020304" charset="0"/>
+              </a:rPr>
+              <a:t>处理普通样本。</a:t>
+            </a:r>
+            <a:endParaRPr lang="en-US" altLang="zh-CN" sz="1800" b="1">
               <a:latin typeface="Times New Roman" panose="02020603050405020304" charset="0"/>
-              <a:sym typeface="+mn-ea"/>
+              <a:cs typeface="Times New Roman" panose="02020603050405020304" charset="0"/>
             </a:endParaRPr>
           </a:p>
           <a:p>
-            <a:pPr>
+            <a:pPr algn="l">
               <a:lnSpc>
                 <a:spcPct val="130000"/>
               </a:lnSpc>
             </a:pPr>
-            <a:r>
-              <a:rPr lang="zh-CN" altLang="en-US" sz="1600">
-                <a:latin typeface="Times New Roman" panose="02020603050405020304" charset="0"/>
-                <a:sym typeface="+mn-ea"/>
-              </a:rPr>
-              <a:t>我们不再把所有样本一视同仁地塞进同一个</a:t>
-            </a:r>
-            <a:r>
-              <a:rPr lang="en-US" altLang="zh-CN" sz="1600">
-                <a:latin typeface="Times New Roman" panose="02020603050405020304" charset="0"/>
-                <a:sym typeface="+mn-ea"/>
-              </a:rPr>
-              <a:t> Batch</a:t>
-            </a:r>
-            <a:r>
-              <a:rPr lang="zh-CN" altLang="en-US" sz="1600">
-                <a:latin typeface="Times New Roman" panose="02020603050405020304" charset="0"/>
-                <a:sym typeface="+mn-ea"/>
-              </a:rPr>
-              <a:t>，而是先跑一个</a:t>
-            </a:r>
-            <a:r>
-              <a:rPr lang="en-US" altLang="zh-CN" sz="1600">
-                <a:latin typeface="Times New Roman" panose="02020603050405020304" charset="0"/>
-                <a:sym typeface="+mn-ea"/>
-              </a:rPr>
-              <a:t>Epoch</a:t>
-            </a:r>
-            <a:r>
-              <a:rPr lang="zh-CN" altLang="en-US" sz="1600">
-                <a:latin typeface="Times New Roman" panose="02020603050405020304" charset="0"/>
-                <a:sym typeface="+mn-ea"/>
-              </a:rPr>
-              <a:t>，根据它</a:t>
-            </a:r>
-            <a:r>
-              <a:rPr lang="zh-CN" altLang="en-US" sz="1600">
-                <a:latin typeface="Times New Roman" panose="02020603050405020304" charset="0"/>
-                <a:ea typeface="微软雅黑" panose="020B0503020204020204" charset="-122"/>
-                <a:cs typeface="Times New Roman" panose="02020603050405020304" charset="0"/>
-                <a:sym typeface="+mn-ea"/>
-              </a:rPr>
-              <a:t>们 “预计要消耗的时间” 进</a:t>
-            </a:r>
-            <a:r>
-              <a:rPr lang="zh-CN" altLang="en-US" sz="1600">
-                <a:latin typeface="Times New Roman" panose="02020603050405020304" charset="0"/>
-                <a:sym typeface="+mn-ea"/>
-              </a:rPr>
-              <a:t>行</a:t>
-            </a:r>
-            <a:r>
-              <a:rPr lang="zh-CN" altLang="en-US" sz="1600">
-                <a:latin typeface="Times New Roman" panose="02020603050405020304" charset="0"/>
-                <a:sym typeface="+mn-ea"/>
-              </a:rPr>
-              <a:t>排序。</a:t>
-            </a:r>
-            <a:endParaRPr lang="en-US" altLang="zh-CN" sz="1600">
+            <a:endParaRPr lang="en-US" altLang="zh-CN" sz="1800" b="1">
               <a:latin typeface="Times New Roman" panose="02020603050405020304" charset="0"/>
-              <a:sym typeface="+mn-ea"/>
+              <a:cs typeface="Times New Roman" panose="02020603050405020304" charset="0"/>
             </a:endParaRPr>
           </a:p>
-          <a:p>
-            <a:pPr>
+        </p:txBody>
+      </p:sp>
+      <p:pic>
+        <p:nvPicPr>
+          <p:cNvPr id="6" name="图片 5"/>
+          <p:cNvPicPr>
+            <a:picLocks noChangeAspect="1"/>
+          </p:cNvPicPr>
+          <p:nvPr/>
+        </p:nvPicPr>
+        <p:blipFill>
+          <a:blip r:embed="rId1"/>
+          <a:stretch>
+            <a:fillRect/>
+          </a:stretch>
+        </p:blipFill>
+        <p:spPr>
+          <a:xfrm>
+            <a:off x="173355" y="2431415"/>
+            <a:ext cx="4821555" cy="3889375"/>
+          </a:xfrm>
+          <a:prstGeom prst="rect">
+            <a:avLst/>
+          </a:prstGeom>
+        </p:spPr>
+      </p:pic>
+      <p:sp>
+        <p:nvSpPr>
+          <p:cNvPr id="7" name="文本框 6"/>
+          <p:cNvSpPr txBox="1"/>
+          <p:nvPr/>
+        </p:nvSpPr>
+        <p:spPr>
+          <a:xfrm>
+            <a:off x="5418455" y="3263265"/>
+            <a:ext cx="6477635" cy="1731010"/>
+          </a:xfrm>
+          <a:prstGeom prst="rect">
+            <a:avLst/>
+          </a:prstGeom>
+          <a:noFill/>
+        </p:spPr>
+        <p:txBody>
+          <a:bodyPr wrap="square" rtlCol="0">
+            <a:spAutoFit/>
+          </a:bodyPr>
+          <a:p>
+            <a:pPr algn="l">
               <a:lnSpc>
                 <a:spcPct val="130000"/>
               </a:lnSpc>
             </a:pPr>
             <a:r>
-              <a:rPr lang="zh-CN" altLang="en-US" sz="1600">
-                <a:latin typeface="Times New Roman" panose="02020603050405020304" charset="0"/>
-                <a:sym typeface="+mn-ea"/>
-              </a:rPr>
-              <a:t>动作：</a:t>
-            </a:r>
-            <a:endParaRPr lang="en-US" altLang="zh-CN" sz="1600">
+              <a:rPr lang="zh-CN" altLang="en-US" sz="1800" b="1">
+                <a:latin typeface="Times New Roman" panose="02020603050405020304" charset="0"/>
+                <a:cs typeface="Times New Roman" panose="02020603050405020304" charset="0"/>
+              </a:rPr>
+              <a:t>优化点</a:t>
+            </a:r>
+            <a:endParaRPr lang="zh-CN" altLang="en-US" sz="1800" b="1">
               <a:latin typeface="Times New Roman" panose="02020603050405020304" charset="0"/>
-              <a:sym typeface="+mn-ea"/>
+              <a:cs typeface="Times New Roman" panose="02020603050405020304" charset="0"/>
             </a:endParaRPr>
           </a:p>
           <a:p>
-            <a:pPr marL="285750" indent="-285750">
-              <a:lnSpc>
-                <a:spcPct val="130000"/>
-              </a:lnSpc>
-              <a:buFont typeface="Arial" panose="020B0604020202020204" pitchFamily="34" charset="0"/>
-              <a:buChar char="•"/>
-            </a:pPr>
-            <a:r>
-              <a:rPr lang="zh-CN" altLang="en-US" sz="1600">
-                <a:latin typeface="Times New Roman" panose="02020603050405020304" charset="0"/>
-                <a:sym typeface="+mn-ea"/>
-              </a:rPr>
-              <a:t>简单</a:t>
-            </a:r>
-            <a:r>
-              <a:rPr lang="en-US" altLang="zh-CN" sz="1600">
-                <a:latin typeface="Times New Roman" panose="02020603050405020304" charset="0"/>
-                <a:sym typeface="+mn-ea"/>
-              </a:rPr>
-              <a:t>/</a:t>
-            </a:r>
-            <a:r>
-              <a:rPr lang="zh-CN" altLang="en-US" sz="1600">
-                <a:latin typeface="Times New Roman" panose="02020603050405020304" charset="0"/>
-                <a:sym typeface="+mn-ea"/>
-              </a:rPr>
-              <a:t>中等样本（预测耗时短）：分发给</a:t>
-            </a:r>
-            <a:r>
-              <a:rPr lang="en-US" altLang="zh-CN" sz="1600">
-                <a:latin typeface="Times New Roman" panose="02020603050405020304" charset="0"/>
-                <a:sym typeface="+mn-ea"/>
-              </a:rPr>
-              <a:t> Fast Workers</a:t>
-            </a:r>
-            <a:r>
-              <a:rPr lang="zh-CN" altLang="en-US" sz="1600">
-                <a:latin typeface="Times New Roman" panose="02020603050405020304" charset="0"/>
-                <a:sym typeface="+mn-ea"/>
-              </a:rPr>
-              <a:t>。这些节点追求高并发、快速周转。</a:t>
-            </a:r>
-            <a:endParaRPr lang="en-US" altLang="zh-CN" sz="1600">
-              <a:latin typeface="Times New Roman" panose="02020603050405020304" charset="0"/>
-              <a:sym typeface="+mn-ea"/>
-            </a:endParaRPr>
-          </a:p>
-          <a:p>
-            <a:pPr marL="285750" indent="-285750">
-              <a:lnSpc>
-                <a:spcPct val="130000"/>
-              </a:lnSpc>
-              <a:buFont typeface="Arial" panose="020B0604020202020204" pitchFamily="34" charset="0"/>
-              <a:buChar char="•"/>
-            </a:pPr>
-            <a:r>
-              <a:rPr lang="zh-CN" altLang="en-US" sz="1600">
-                <a:latin typeface="Times New Roman" panose="02020603050405020304" charset="0"/>
-                <a:sym typeface="+mn-ea"/>
-              </a:rPr>
-              <a:t>长尾样本（预测耗时长）：分发给</a:t>
-            </a:r>
-            <a:r>
-              <a:rPr lang="en-US" altLang="zh-CN" sz="1600">
-                <a:latin typeface="Times New Roman" panose="02020603050405020304" charset="0"/>
-                <a:sym typeface="+mn-ea"/>
-              </a:rPr>
-              <a:t> Heavy Workers</a:t>
-            </a:r>
-            <a:r>
-              <a:rPr lang="zh-CN" altLang="en-US" sz="1600">
-                <a:latin typeface="Times New Roman" panose="02020603050405020304" charset="0"/>
-                <a:sym typeface="+mn-ea"/>
-              </a:rPr>
-              <a:t>。这些节点显存充足，</a:t>
-            </a:r>
-            <a:r>
-              <a:rPr lang="en-US" altLang="zh-CN" sz="1600">
-                <a:latin typeface="Times New Roman" panose="02020603050405020304" charset="0"/>
-                <a:sym typeface="+mn-ea"/>
-              </a:rPr>
-              <a:t>Batch Size </a:t>
-            </a:r>
-            <a:r>
-              <a:rPr lang="zh-CN" altLang="en-US" sz="1600">
-                <a:latin typeface="Times New Roman" panose="02020603050405020304" charset="0"/>
-                <a:sym typeface="+mn-ea"/>
-              </a:rPr>
-              <a:t>较小，专门处理</a:t>
-            </a:r>
-            <a:r>
-              <a:rPr lang="zh-CN" altLang="en-US" sz="1600">
-                <a:latin typeface="Times New Roman" panose="02020603050405020304" charset="0"/>
-                <a:sym typeface="+mn-ea"/>
-              </a:rPr>
-              <a:t>长样本。</a:t>
-            </a:r>
-            <a:endParaRPr lang="en-US" altLang="zh-CN" sz="1600">
-              <a:latin typeface="Times New Roman" panose="02020603050405020304" charset="0"/>
-              <a:sym typeface="+mn-ea"/>
-            </a:endParaRPr>
-          </a:p>
-          <a:p>
-            <a:pPr>
+            <a:pPr algn="l">
               <a:lnSpc>
                 <a:spcPct val="130000"/>
               </a:lnSpc>
             </a:pPr>
             <a:r>
-              <a:rPr lang="en-US" altLang="zh-CN" sz="1600" b="1">
-                <a:latin typeface="Times New Roman" panose="02020603050405020304" charset="0"/>
-                <a:sym typeface="+mn-ea"/>
-              </a:rPr>
-              <a:t>2. </a:t>
-            </a:r>
-            <a:r>
-              <a:rPr lang="zh-CN" altLang="en-US" sz="1600" b="1">
-                <a:latin typeface="Times New Roman" panose="02020603050405020304" charset="0"/>
-                <a:sym typeface="+mn-ea"/>
-              </a:rPr>
-              <a:t>异常处理：时间熔断与重打包</a:t>
-            </a:r>
-            <a:r>
-              <a:rPr lang="en-US" altLang="zh-CN" sz="1600" b="1">
-                <a:latin typeface="Times New Roman" panose="02020603050405020304" charset="0"/>
-                <a:sym typeface="+mn-ea"/>
-              </a:rPr>
-              <a:t> (Time-Based Repack)</a:t>
-            </a:r>
-            <a:endParaRPr lang="en-US" altLang="zh-CN" sz="1600" b="1">
+              <a:rPr lang="zh-CN" altLang="en-US" sz="1600">
+                <a:latin typeface="Times New Roman" panose="02020603050405020304" charset="0"/>
+                <a:cs typeface="Times New Roman" panose="02020603050405020304" charset="0"/>
+              </a:rPr>
+              <a:t>既然</a:t>
+            </a:r>
+            <a:r>
+              <a:rPr lang="en-US" altLang="zh-CN" sz="1600">
+                <a:latin typeface="Times New Roman" panose="02020603050405020304" charset="0"/>
+                <a:cs typeface="Times New Roman" panose="02020603050405020304" charset="0"/>
+              </a:rPr>
+              <a:t> GRPO </a:t>
+            </a:r>
+            <a:r>
+              <a:rPr lang="zh-CN" altLang="en-US" sz="1600">
+                <a:latin typeface="Times New Roman" panose="02020603050405020304" charset="0"/>
+                <a:cs typeface="Times New Roman" panose="02020603050405020304" charset="0"/>
+              </a:rPr>
+              <a:t>需要对同一个</a:t>
+            </a:r>
+            <a:r>
+              <a:rPr lang="en-US" altLang="zh-CN" sz="1600">
+                <a:latin typeface="Times New Roman" panose="02020603050405020304" charset="0"/>
+                <a:cs typeface="Times New Roman" panose="02020603050405020304" charset="0"/>
+              </a:rPr>
+              <a:t> Prompt </a:t>
+            </a:r>
+            <a:r>
+              <a:rPr lang="zh-CN" altLang="en-US" sz="1600">
+                <a:latin typeface="Times New Roman" panose="02020603050405020304" charset="0"/>
+                <a:cs typeface="Times New Roman" panose="02020603050405020304" charset="0"/>
+              </a:rPr>
+              <a:t>采样</a:t>
+            </a:r>
+            <a:r>
+              <a:rPr lang="en-US" altLang="zh-CN" sz="1600">
+                <a:latin typeface="Times New Roman" panose="02020603050405020304" charset="0"/>
+                <a:cs typeface="Times New Roman" panose="02020603050405020304" charset="0"/>
+              </a:rPr>
+              <a:t> N </a:t>
+            </a:r>
+            <a:r>
+              <a:rPr lang="zh-CN" altLang="en-US" sz="1600">
+                <a:latin typeface="Times New Roman" panose="02020603050405020304" charset="0"/>
+                <a:cs typeface="Times New Roman" panose="02020603050405020304" charset="0"/>
+              </a:rPr>
+              <a:t>次（假设</a:t>
+            </a:r>
+            <a:r>
+              <a:rPr lang="en-US" altLang="zh-CN" sz="1600">
+                <a:latin typeface="Times New Roman" panose="02020603050405020304" charset="0"/>
+                <a:cs typeface="Times New Roman" panose="02020603050405020304" charset="0"/>
+              </a:rPr>
+              <a:t> N=8</a:t>
+            </a:r>
+            <a:r>
+              <a:rPr lang="zh-CN" altLang="en-US" sz="1600">
+                <a:latin typeface="Times New Roman" panose="02020603050405020304" charset="0"/>
+                <a:cs typeface="Times New Roman" panose="02020603050405020304" charset="0"/>
+              </a:rPr>
+              <a:t>），我们利用第</a:t>
+            </a:r>
+            <a:r>
+              <a:rPr lang="en-US" altLang="zh-CN" sz="1600">
+                <a:latin typeface="Times New Roman" panose="02020603050405020304" charset="0"/>
+                <a:cs typeface="Times New Roman" panose="02020603050405020304" charset="0"/>
+              </a:rPr>
+              <a:t> 1 </a:t>
+            </a:r>
+            <a:r>
+              <a:rPr lang="zh-CN" altLang="en-US" sz="1600">
+                <a:latin typeface="Times New Roman" panose="02020603050405020304" charset="0"/>
+                <a:cs typeface="Times New Roman" panose="02020603050405020304" charset="0"/>
+              </a:rPr>
+              <a:t>次采样作为</a:t>
+            </a:r>
+            <a:r>
+              <a:rPr lang="en-US" altLang="zh-CN" sz="1600">
+                <a:latin typeface="Times New Roman" panose="02020603050405020304" charset="0"/>
+                <a:cs typeface="Times New Roman" panose="02020603050405020304" charset="0"/>
+              </a:rPr>
+              <a:t>“</a:t>
+            </a:r>
+            <a:r>
+              <a:rPr lang="zh-CN" altLang="en-US" sz="1600">
+                <a:latin typeface="Times New Roman" panose="02020603050405020304" charset="0"/>
+                <a:cs typeface="Times New Roman" panose="02020603050405020304" charset="0"/>
+              </a:rPr>
+              <a:t>探路者</a:t>
+            </a:r>
+            <a:r>
+              <a:rPr lang="en-US" altLang="zh-CN" sz="1600">
+                <a:latin typeface="Times New Roman" panose="02020603050405020304" charset="0"/>
+                <a:cs typeface="Times New Roman" panose="02020603050405020304" charset="0"/>
+              </a:rPr>
+              <a:t>”</a:t>
+            </a:r>
+            <a:r>
+              <a:rPr lang="zh-CN" altLang="en-US" sz="1600">
+                <a:latin typeface="Times New Roman" panose="02020603050405020304" charset="0"/>
+                <a:cs typeface="Times New Roman" panose="02020603050405020304" charset="0"/>
+              </a:rPr>
+              <a:t>，如果这</a:t>
+            </a:r>
+            <a:r>
+              <a:rPr lang="en-US" altLang="zh-CN" sz="1600">
+                <a:latin typeface="Times New Roman" panose="02020603050405020304" charset="0"/>
+                <a:cs typeface="Times New Roman" panose="02020603050405020304" charset="0"/>
+              </a:rPr>
+              <a:t> 1 </a:t>
+            </a:r>
+            <a:r>
+              <a:rPr lang="zh-CN" altLang="en-US" sz="1600">
+                <a:latin typeface="Times New Roman" panose="02020603050405020304" charset="0"/>
+                <a:cs typeface="Times New Roman" panose="02020603050405020304" charset="0"/>
+              </a:rPr>
+              <a:t>条在规定时间做完了则标记为</a:t>
+            </a:r>
+            <a:r>
+              <a:rPr lang="en-US" altLang="zh-CN" sz="1600">
+                <a:latin typeface="Times New Roman" panose="02020603050405020304" charset="0"/>
+                <a:cs typeface="Times New Roman" panose="02020603050405020304" charset="0"/>
+              </a:rPr>
+              <a:t> Simple</a:t>
+            </a:r>
+            <a:r>
+              <a:rPr lang="zh-CN" altLang="en-US" sz="1600">
+                <a:latin typeface="Times New Roman" panose="02020603050405020304" charset="0"/>
+                <a:cs typeface="Times New Roman" panose="02020603050405020304" charset="0"/>
+              </a:rPr>
+              <a:t>，如果没有完成触发了熔断，则标记为标记为长尾</a:t>
+            </a:r>
+            <a:r>
+              <a:rPr lang="zh-CN" altLang="en-US" sz="1600">
+                <a:latin typeface="Times New Roman" panose="02020603050405020304" charset="0"/>
+                <a:cs typeface="Times New Roman" panose="02020603050405020304" charset="0"/>
+              </a:rPr>
+              <a:t>样本。</a:t>
+            </a:r>
+            <a:endParaRPr lang="zh-CN" altLang="en-US" sz="1600">
               <a:latin typeface="Times New Roman" panose="02020603050405020304" charset="0"/>
-              <a:sym typeface="+mn-ea"/>
+              <a:cs typeface="Times New Roman" panose="02020603050405020304" charset="0"/>
             </a:endParaRPr>
           </a:p>
           <a:p>
-            <a:pPr>
+            <a:pPr algn="l">
               <a:lnSpc>
                 <a:spcPct val="130000"/>
               </a:lnSpc>
@@ -5757,168 +5186,20 @@
             <a:r>
               <a:rPr lang="zh-CN" altLang="en-US" sz="1600">
                 <a:latin typeface="Times New Roman" panose="02020603050405020304" charset="0"/>
-                <a:sym typeface="+mn-ea"/>
-              </a:rPr>
-              <a:t>预测总会出错。当一个被认</a:t>
+                <a:cs typeface="Times New Roman" panose="02020603050405020304" charset="0"/>
+              </a:rPr>
+              <a:t>处理长尾样本</a:t>
             </a:r>
             <a:r>
               <a:rPr lang="zh-CN" altLang="en-US" sz="1600">
                 <a:latin typeface="Times New Roman" panose="02020603050405020304" charset="0"/>
-                <a:ea typeface="微软雅黑" panose="020B0503020204020204" charset="-122"/>
-                <a:cs typeface="Times New Roman" panose="02020603050405020304" charset="0"/>
-                <a:sym typeface="+mn-ea"/>
-              </a:rPr>
-              <a:t>为是“短任务”的样本在 Fast Worker 上跑了太久，必须有机制把它踢出去，防止它阻塞其他几千个短任务的快速流转。</a:t>
+                <a:cs typeface="Times New Roman" panose="02020603050405020304" charset="0"/>
+              </a:rPr>
+              <a:t>同上。</a:t>
             </a:r>
             <a:endParaRPr lang="zh-CN" altLang="en-US" sz="1600">
               <a:latin typeface="Times New Roman" panose="02020603050405020304" charset="0"/>
-              <a:ea typeface="微软雅黑" panose="020B0503020204020204" charset="-122"/>
               <a:cs typeface="Times New Roman" panose="02020603050405020304" charset="0"/>
-              <a:sym typeface="+mn-ea"/>
-            </a:endParaRPr>
-          </a:p>
-          <a:p>
-            <a:pPr marL="285750" indent="-285750">
-              <a:lnSpc>
-                <a:spcPct val="130000"/>
-              </a:lnSpc>
-              <a:buFont typeface="Arial" panose="020B0604020202020204" pitchFamily="34" charset="0"/>
-              <a:buChar char="•"/>
-            </a:pPr>
-            <a:r>
-              <a:rPr lang="zh-CN" altLang="en-US" sz="1600">
-                <a:latin typeface="Times New Roman" panose="02020603050405020304" charset="0"/>
-                <a:sym typeface="+mn-ea"/>
-              </a:rPr>
-              <a:t>监控：</a:t>
-            </a:r>
-            <a:r>
-              <a:rPr lang="en-US" altLang="zh-CN" sz="1600">
-                <a:latin typeface="Times New Roman" panose="02020603050405020304" charset="0"/>
-                <a:sym typeface="+mn-ea"/>
-              </a:rPr>
-              <a:t>Fast Worker </a:t>
-            </a:r>
-            <a:r>
-              <a:rPr lang="zh-CN" altLang="en-US" sz="1600">
-                <a:latin typeface="Times New Roman" panose="02020603050405020304" charset="0"/>
-                <a:sym typeface="+mn-ea"/>
-              </a:rPr>
-              <a:t>实时监控每个样本的累计生成时间</a:t>
-            </a:r>
-            <a:r>
-              <a:rPr lang="en-US" altLang="zh-CN" sz="1600">
-                <a:latin typeface="Times New Roman" panose="02020603050405020304" charset="0"/>
-                <a:sym typeface="+mn-ea"/>
-              </a:rPr>
-              <a:t> (Elapsed Duration)</a:t>
-            </a:r>
-            <a:r>
-              <a:rPr lang="zh-CN" altLang="en-US" sz="1600">
-                <a:latin typeface="Times New Roman" panose="02020603050405020304" charset="0"/>
-                <a:sym typeface="+mn-ea"/>
-              </a:rPr>
-              <a:t>。</a:t>
-            </a:r>
-            <a:endParaRPr lang="en-US" altLang="zh-CN" sz="1600">
-              <a:latin typeface="Times New Roman" panose="02020603050405020304" charset="0"/>
-              <a:sym typeface="+mn-ea"/>
-            </a:endParaRPr>
-          </a:p>
-          <a:p>
-            <a:pPr marL="285750" indent="-285750">
-              <a:lnSpc>
-                <a:spcPct val="130000"/>
-              </a:lnSpc>
-              <a:buFont typeface="Arial" panose="020B0604020202020204" pitchFamily="34" charset="0"/>
-              <a:buChar char="•"/>
-            </a:pPr>
-            <a:r>
-              <a:rPr lang="zh-CN" altLang="en-US" sz="1600">
-                <a:latin typeface="Times New Roman" panose="02020603050405020304" charset="0"/>
-                <a:sym typeface="+mn-ea"/>
-              </a:rPr>
-              <a:t>熔断：一旦某样本超过</a:t>
-            </a:r>
-            <a:r>
-              <a:rPr lang="en-US" altLang="zh-CN" sz="1600">
-                <a:latin typeface="Times New Roman" panose="02020603050405020304" charset="0"/>
-                <a:sym typeface="+mn-ea"/>
-              </a:rPr>
-              <a:t> </a:t>
-            </a:r>
-            <a:r>
-              <a:rPr lang="zh-CN" altLang="en-US" sz="1600">
-                <a:latin typeface="Times New Roman" panose="02020603050405020304" charset="0"/>
-                <a:sym typeface="+mn-ea"/>
-              </a:rPr>
-              <a:t>时间阈值</a:t>
-            </a:r>
-            <a:r>
-              <a:rPr lang="en-US" altLang="zh-CN" sz="1600">
-                <a:latin typeface="Times New Roman" panose="02020603050405020304" charset="0"/>
-                <a:sym typeface="+mn-ea"/>
-              </a:rPr>
-              <a:t> (Time Limit)</a:t>
-            </a:r>
-            <a:r>
-              <a:rPr lang="zh-CN" altLang="en-US" sz="1600">
-                <a:latin typeface="Times New Roman" panose="02020603050405020304" charset="0"/>
-                <a:sym typeface="+mn-ea"/>
-              </a:rPr>
-              <a:t>，立即暂停生成。</a:t>
-            </a:r>
-            <a:endParaRPr lang="zh-CN" altLang="en-US" sz="1600">
-              <a:latin typeface="Times New Roman" panose="02020603050405020304" charset="0"/>
-              <a:sym typeface="+mn-ea"/>
-            </a:endParaRPr>
-          </a:p>
-          <a:p>
-            <a:pPr marL="285750" indent="-285750">
-              <a:lnSpc>
-                <a:spcPct val="130000"/>
-              </a:lnSpc>
-              <a:buFont typeface="Arial" panose="020B0604020202020204" pitchFamily="34" charset="0"/>
-              <a:buChar char="•"/>
-            </a:pPr>
-            <a:r>
-              <a:rPr lang="zh-CN" altLang="en-US" sz="1600">
-                <a:latin typeface="Times New Roman" panose="02020603050405020304" charset="0"/>
-                <a:sym typeface="+mn-ea"/>
-              </a:rPr>
-              <a:t>迁移：仅将该样本的</a:t>
-            </a:r>
-            <a:r>
-              <a:rPr lang="en-US" altLang="zh-CN" sz="1600">
-                <a:latin typeface="Times New Roman" panose="02020603050405020304" charset="0"/>
-                <a:sym typeface="+mn-ea"/>
-              </a:rPr>
-              <a:t> Token IDs </a:t>
-            </a:r>
-            <a:r>
-              <a:rPr lang="zh-CN" altLang="en-US" sz="1600">
-                <a:latin typeface="Times New Roman" panose="02020603050405020304" charset="0"/>
-                <a:sym typeface="+mn-ea"/>
-              </a:rPr>
-              <a:t>打包，发送给</a:t>
-            </a:r>
-            <a:r>
-              <a:rPr lang="en-US" altLang="zh-CN" sz="1600">
-                <a:latin typeface="Times New Roman" panose="02020603050405020304" charset="0"/>
-                <a:sym typeface="+mn-ea"/>
-              </a:rPr>
-              <a:t> Heavy Worker </a:t>
-            </a:r>
-            <a:r>
-              <a:rPr lang="zh-CN" altLang="en-US" sz="1600">
-                <a:latin typeface="Times New Roman" panose="02020603050405020304" charset="0"/>
-                <a:sym typeface="+mn-ea"/>
-              </a:rPr>
-              <a:t>接盘。原节点立即释放资源。</a:t>
-            </a:r>
-            <a:endParaRPr lang="zh-CN" altLang="en-US" sz="1600">
-              <a:latin typeface="Times New Roman" panose="02020603050405020304" charset="0"/>
-              <a:sym typeface="+mn-ea"/>
             </a:endParaRPr>
           </a:p>
         </p:txBody>
@@ -5934,7 +5215,7 @@
 </p:sld>
 </file>
 
-<file path=ppt/slides/slide5.xml><?xml version="1.0" encoding="utf-8"?>
+<file path=ppt/slides/slide4.xml><?xml version="1.0" encoding="utf-8"?>
 <p:sld xmlns:a="http://schemas.openxmlformats.org/drawingml/2006/main" xmlns:r="http://schemas.openxmlformats.org/officeDocument/2006/relationships" xmlns:p="http://schemas.openxmlformats.org/presentationml/2006/main">
   <p:cSld>
     <p:spTree>
@@ -5943,7 +5224,477 @@
         <p:cNvGrpSpPr/>
         <p:nvPr/>
       </p:nvGrpSpPr>
-      <p:grpSpPr/>
+      <p:grpSpPr>
+        <a:xfrm>
+          <a:off x="0" y="0"/>
+          <a:ext cx="0" cy="0"/>
+          <a:chOff x="0" y="0"/>
+          <a:chExt cx="0" cy="0"/>
+        </a:xfrm>
+      </p:grpSpPr>
+      <p:sp>
+        <p:nvSpPr>
+          <p:cNvPr id="4" name="文本框 3"/>
+          <p:cNvSpPr txBox="1"/>
+          <p:nvPr/>
+        </p:nvSpPr>
+        <p:spPr>
+          <a:xfrm>
+            <a:off x="89535" y="870585"/>
+            <a:ext cx="11910695" cy="2055495"/>
+          </a:xfrm>
+          <a:prstGeom prst="rect">
+            <a:avLst/>
+          </a:prstGeom>
+          <a:noFill/>
+        </p:spPr>
+        <p:txBody>
+          <a:bodyPr wrap="square" rtlCol="0">
+            <a:noAutofit/>
+          </a:bodyPr>
+          <a:p>
+            <a:pPr algn="l">
+              <a:lnSpc>
+                <a:spcPct val="130000"/>
+              </a:lnSpc>
+              <a:buClrTx/>
+              <a:buSzTx/>
+              <a:buFontTx/>
+            </a:pPr>
+            <a:r>
+              <a:rPr lang="zh-CN" altLang="en-US" sz="1800" b="1">
+                <a:latin typeface="Times New Roman" panose="02020603050405020304" charset="0"/>
+                <a:cs typeface="Times New Roman" panose="02020603050405020304" charset="0"/>
+              </a:rPr>
+              <a:t>一、识别长尾</a:t>
+            </a:r>
+            <a:r>
+              <a:rPr lang="zh-CN" altLang="en-US" sz="1800" b="1">
+                <a:latin typeface="Times New Roman" panose="02020603050405020304" charset="0"/>
+                <a:cs typeface="Times New Roman" panose="02020603050405020304" charset="0"/>
+              </a:rPr>
+              <a:t>问题</a:t>
+            </a:r>
+            <a:endParaRPr lang="zh-CN" altLang="en-US" sz="1800" b="1">
+              <a:latin typeface="Times New Roman" panose="02020603050405020304" charset="0"/>
+              <a:cs typeface="Times New Roman" panose="02020603050405020304" charset="0"/>
+            </a:endParaRPr>
+          </a:p>
+          <a:p>
+            <a:pPr algn="l">
+              <a:lnSpc>
+                <a:spcPct val="130000"/>
+              </a:lnSpc>
+              <a:buClrTx/>
+              <a:buSzTx/>
+              <a:buFontTx/>
+              <a:buNone/>
+            </a:pPr>
+            <a:r>
+              <a:rPr lang="zh-CN" altLang="en-US" sz="1400">
+                <a:latin typeface="Times New Roman" panose="02020603050405020304" charset="0"/>
+                <a:cs typeface="Times New Roman" panose="02020603050405020304" charset="0"/>
+              </a:rPr>
+              <a:t>当</a:t>
+            </a:r>
+            <a:r>
+              <a:rPr lang="en-US" altLang="zh-CN" sz="1400">
+                <a:latin typeface="Times New Roman" panose="02020603050405020304" charset="0"/>
+                <a:cs typeface="Times New Roman" panose="02020603050405020304" charset="0"/>
+              </a:rPr>
+              <a:t>GPU</a:t>
+            </a:r>
+            <a:r>
+              <a:rPr lang="zh-CN" altLang="en-US" sz="1400">
+                <a:latin typeface="Times New Roman" panose="02020603050405020304" charset="0"/>
+                <a:cs typeface="Times New Roman" panose="02020603050405020304" charset="0"/>
+              </a:rPr>
+              <a:t>的</a:t>
+            </a:r>
+            <a:r>
+              <a:rPr lang="en-US" altLang="zh-CN" sz="1400">
+                <a:latin typeface="Times New Roman" panose="02020603050405020304" charset="0"/>
+                <a:cs typeface="Times New Roman" panose="02020603050405020304" charset="0"/>
+              </a:rPr>
+              <a:t>KV Cache</a:t>
+            </a:r>
+            <a:r>
+              <a:rPr lang="zh-CN" altLang="en-US" sz="1400">
+                <a:latin typeface="Times New Roman" panose="02020603050405020304" charset="0"/>
+                <a:cs typeface="Times New Roman" panose="02020603050405020304" charset="0"/>
+              </a:rPr>
+              <a:t>不在增加</a:t>
+            </a:r>
+            <a:r>
+              <a:rPr lang="zh-CN" altLang="en-US" sz="1400">
+                <a:latin typeface="Times New Roman" panose="02020603050405020304" charset="0"/>
+                <a:cs typeface="Times New Roman" panose="02020603050405020304" charset="0"/>
+              </a:rPr>
+              <a:t>且低于最大阈值时，</a:t>
+            </a:r>
+            <a:endParaRPr lang="en-US" altLang="zh-CN" sz="1400">
+              <a:latin typeface="Times New Roman" panose="02020603050405020304" charset="0"/>
+              <a:cs typeface="Times New Roman" panose="02020603050405020304" charset="0"/>
+            </a:endParaRPr>
+          </a:p>
+          <a:p>
+            <a:pPr algn="l">
+              <a:lnSpc>
+                <a:spcPct val="130000"/>
+              </a:lnSpc>
+              <a:buClrTx/>
+              <a:buSzTx/>
+              <a:buFontTx/>
+              <a:buNone/>
+            </a:pPr>
+            <a:r>
+              <a:rPr lang="zh-CN" altLang="en-US" sz="1800" b="1">
+                <a:latin typeface="Times New Roman" panose="02020603050405020304" charset="0"/>
+                <a:cs typeface="Times New Roman" panose="02020603050405020304" charset="0"/>
+              </a:rPr>
+              <a:t>二、处理长尾问题</a:t>
+            </a:r>
+            <a:r>
+              <a:rPr lang="en-US" altLang="zh-CN" sz="1800" b="1">
+                <a:latin typeface="Times New Roman" panose="02020603050405020304" charset="0"/>
+                <a:cs typeface="Times New Roman" panose="02020603050405020304" charset="0"/>
+              </a:rPr>
+              <a:t>——Repack Mechanism</a:t>
+            </a:r>
+            <a:endParaRPr lang="en-US" altLang="zh-CN" sz="1800" b="1">
+              <a:latin typeface="Times New Roman" panose="02020603050405020304" charset="0"/>
+              <a:cs typeface="Times New Roman" panose="02020603050405020304" charset="0"/>
+            </a:endParaRPr>
+          </a:p>
+          <a:p>
+            <a:pPr algn="l">
+              <a:lnSpc>
+                <a:spcPct val="130000"/>
+              </a:lnSpc>
+            </a:pPr>
+            <a:r>
+              <a:rPr lang="en-US" altLang="zh-CN" sz="1400">
+                <a:latin typeface="Times New Roman" panose="02020603050405020304" charset="0"/>
+                <a:cs typeface="Times New Roman" panose="02020603050405020304" charset="0"/>
+              </a:rPr>
+              <a:t>Source Rollouts</a:t>
+            </a:r>
+            <a:r>
+              <a:rPr lang="zh-CN" altLang="en-US" sz="1400">
+                <a:latin typeface="Times New Roman" panose="02020603050405020304" charset="0"/>
+                <a:cs typeface="Times New Roman" panose="02020603050405020304" charset="0"/>
+              </a:rPr>
+              <a:t>：</a:t>
+            </a:r>
+            <a:r>
+              <a:rPr lang="en-US" altLang="zh-CN" sz="1400">
+                <a:latin typeface="Times New Roman" panose="02020603050405020304" charset="0"/>
+                <a:cs typeface="Times New Roman" panose="02020603050405020304" charset="0"/>
+              </a:rPr>
+              <a:t> </a:t>
+            </a:r>
+            <a:r>
+              <a:rPr lang="zh-CN" altLang="en-US" sz="1400">
+                <a:latin typeface="Times New Roman" panose="02020603050405020304" charset="0"/>
+                <a:cs typeface="Times New Roman" panose="02020603050405020304" charset="0"/>
+              </a:rPr>
+              <a:t>那些被判定为处于长尾阶段、</a:t>
+            </a:r>
+            <a:r>
+              <a:rPr lang="en-US" altLang="zh-CN" sz="1400">
+                <a:latin typeface="Times New Roman" panose="02020603050405020304" charset="0"/>
+                <a:cs typeface="Times New Roman" panose="02020603050405020304" charset="0"/>
+              </a:rPr>
+              <a:t>GPU </a:t>
+            </a:r>
+            <a:r>
+              <a:rPr lang="zh-CN" altLang="en-US" sz="1400">
+                <a:latin typeface="Times New Roman" panose="02020603050405020304" charset="0"/>
+                <a:cs typeface="Times New Roman" panose="02020603050405020304" charset="0"/>
+              </a:rPr>
+              <a:t>未跑满的副本，它们是需要被清空并释放的对象</a:t>
+            </a:r>
+            <a:r>
+              <a:rPr lang="en-US" altLang="zh-CN" sz="1400">
+                <a:latin typeface="Times New Roman" panose="02020603050405020304" charset="0"/>
+                <a:cs typeface="Times New Roman" panose="02020603050405020304" charset="0"/>
+              </a:rPr>
+              <a:t> </a:t>
+            </a:r>
+            <a:r>
+              <a:rPr lang="zh-CN" altLang="en-US" sz="1400">
+                <a:latin typeface="Times New Roman" panose="02020603050405020304" charset="0"/>
+                <a:cs typeface="Times New Roman" panose="02020603050405020304" charset="0"/>
+              </a:rPr>
+              <a:t>。</a:t>
+            </a:r>
+            <a:endParaRPr lang="en-US" altLang="zh-CN" sz="1400">
+              <a:latin typeface="Times New Roman" panose="02020603050405020304" charset="0"/>
+              <a:cs typeface="Times New Roman" panose="02020603050405020304" charset="0"/>
+            </a:endParaRPr>
+          </a:p>
+          <a:p>
+            <a:pPr algn="l">
+              <a:lnSpc>
+                <a:spcPct val="130000"/>
+              </a:lnSpc>
+            </a:pPr>
+            <a:r>
+              <a:rPr lang="en-US" altLang="zh-CN" sz="1400">
+                <a:latin typeface="Times New Roman" panose="02020603050405020304" charset="0"/>
+                <a:cs typeface="Times New Roman" panose="02020603050405020304" charset="0"/>
+              </a:rPr>
+              <a:t>Destination Rollouts</a:t>
+            </a:r>
+            <a:r>
+              <a:rPr lang="zh-CN" altLang="en-US" sz="1400">
+                <a:latin typeface="Times New Roman" panose="02020603050405020304" charset="0"/>
+                <a:cs typeface="Times New Roman" panose="02020603050405020304" charset="0"/>
+              </a:rPr>
+              <a:t>：</a:t>
+            </a:r>
+            <a:r>
+              <a:rPr lang="en-US" altLang="zh-CN" sz="1400">
+                <a:latin typeface="Times New Roman" panose="02020603050405020304" charset="0"/>
+                <a:cs typeface="Times New Roman" panose="02020603050405020304" charset="0"/>
+              </a:rPr>
+              <a:t> </a:t>
+            </a:r>
+            <a:r>
+              <a:rPr lang="zh-CN" altLang="en-US" sz="1400">
+                <a:latin typeface="Times New Roman" panose="02020603050405020304" charset="0"/>
+                <a:cs typeface="Times New Roman" panose="02020603050405020304" charset="0"/>
+              </a:rPr>
+              <a:t>同样处于</a:t>
+            </a:r>
+            <a:r>
+              <a:rPr lang="zh-CN" altLang="en-US" sz="1400">
+                <a:latin typeface="Times New Roman" panose="02020603050405020304" charset="0"/>
+                <a:cs typeface="Times New Roman" panose="02020603050405020304" charset="0"/>
+                <a:sym typeface="+mn-ea"/>
+              </a:rPr>
+              <a:t>处于长尾阶段、</a:t>
+            </a:r>
+            <a:r>
+              <a:rPr lang="en-US" altLang="zh-CN" sz="1400">
+                <a:latin typeface="Times New Roman" panose="02020603050405020304" charset="0"/>
+                <a:cs typeface="Times New Roman" panose="02020603050405020304" charset="0"/>
+                <a:sym typeface="+mn-ea"/>
+              </a:rPr>
+              <a:t>GPU </a:t>
+            </a:r>
+            <a:r>
+              <a:rPr lang="zh-CN" altLang="en-US" sz="1400">
+                <a:latin typeface="Times New Roman" panose="02020603050405020304" charset="0"/>
+                <a:cs typeface="Times New Roman" panose="02020603050405020304" charset="0"/>
+                <a:sym typeface="+mn-ea"/>
+              </a:rPr>
+              <a:t>未跑满的副本</a:t>
+            </a:r>
+            <a:r>
+              <a:rPr lang="zh-CN" altLang="en-US" sz="1400">
+                <a:latin typeface="Times New Roman" panose="02020603050405020304" charset="0"/>
+                <a:cs typeface="Times New Roman" panose="02020603050405020304" charset="0"/>
+              </a:rPr>
+              <a:t>，但被选作容器来接收来自源副本的任务，以便将它们打包成效率更高的</a:t>
+            </a:r>
+            <a:r>
+              <a:rPr lang="en-US" altLang="zh-CN" sz="1400">
+                <a:latin typeface="Times New Roman" panose="02020603050405020304" charset="0"/>
+                <a:cs typeface="Times New Roman" panose="02020603050405020304" charset="0"/>
+              </a:rPr>
+              <a:t> Batch </a:t>
+            </a:r>
+            <a:r>
+              <a:rPr lang="zh-CN" altLang="en-US" sz="1400">
+                <a:latin typeface="Times New Roman" panose="02020603050405020304" charset="0"/>
+                <a:cs typeface="Times New Roman" panose="02020603050405020304" charset="0"/>
+              </a:rPr>
+              <a:t>。</a:t>
+            </a:r>
+            <a:endParaRPr lang="en-US" altLang="zh-CN" sz="1800" b="1">
+              <a:latin typeface="Times New Roman" panose="02020603050405020304" charset="0"/>
+              <a:cs typeface="Times New Roman" panose="02020603050405020304" charset="0"/>
+            </a:endParaRPr>
+          </a:p>
+          <a:p>
+            <a:pPr algn="l">
+              <a:lnSpc>
+                <a:spcPct val="130000"/>
+              </a:lnSpc>
+            </a:pPr>
+            <a:endParaRPr lang="en-US" altLang="zh-CN" sz="1800" b="1">
+              <a:latin typeface="Times New Roman" panose="02020603050405020304" charset="0"/>
+              <a:cs typeface="Times New Roman" panose="02020603050405020304" charset="0"/>
+            </a:endParaRPr>
+          </a:p>
+        </p:txBody>
+      </p:sp>
+      <p:pic>
+        <p:nvPicPr>
+          <p:cNvPr id="11" name="图片 10"/>
+          <p:cNvPicPr>
+            <a:picLocks noChangeAspect="1"/>
+          </p:cNvPicPr>
+          <p:nvPr/>
+        </p:nvPicPr>
+        <p:blipFill>
+          <a:blip r:embed="rId1"/>
+          <a:stretch>
+            <a:fillRect/>
+          </a:stretch>
+        </p:blipFill>
+        <p:spPr>
+          <a:xfrm>
+            <a:off x="89535" y="3262630"/>
+            <a:ext cx="5534660" cy="2668270"/>
+          </a:xfrm>
+          <a:prstGeom prst="rect">
+            <a:avLst/>
+          </a:prstGeom>
+        </p:spPr>
+      </p:pic>
+      <p:sp>
+        <p:nvSpPr>
+          <p:cNvPr id="12" name="文本框 11"/>
+          <p:cNvSpPr txBox="1"/>
+          <p:nvPr/>
+        </p:nvSpPr>
+        <p:spPr>
+          <a:xfrm>
+            <a:off x="198755" y="6073140"/>
+            <a:ext cx="6276340" cy="521970"/>
+          </a:xfrm>
+          <a:prstGeom prst="rect">
+            <a:avLst/>
+          </a:prstGeom>
+          <a:noFill/>
+        </p:spPr>
+        <p:txBody>
+          <a:bodyPr wrap="square" rtlCol="0">
+            <a:spAutoFit/>
+          </a:bodyPr>
+          <a:p>
+            <a:pPr algn="ctr"/>
+            <a:r>
+              <a:rPr lang="zh-CN" altLang="en-US" sz="1400" b="1">
+                <a:latin typeface="Times New Roman" panose="02020603050405020304" charset="0"/>
+                <a:cs typeface="Times New Roman" panose="02020603050405020304" charset="0"/>
+              </a:rPr>
+              <a:t>把</a:t>
+            </a:r>
+            <a:r>
+              <a:rPr lang="en-US" altLang="zh-CN" sz="1400" b="1">
+                <a:latin typeface="Times New Roman" panose="02020603050405020304" charset="0"/>
+                <a:cs typeface="Times New Roman" panose="02020603050405020304" charset="0"/>
+              </a:rPr>
+              <a:t>Unfinished</a:t>
+            </a:r>
+            <a:r>
+              <a:rPr lang="zh-CN" altLang="en-US" sz="1400" b="1">
+                <a:latin typeface="Times New Roman" panose="02020603050405020304" charset="0"/>
+                <a:cs typeface="Times New Roman" panose="02020603050405020304" charset="0"/>
+              </a:rPr>
+              <a:t>的计算状态和</a:t>
+            </a:r>
+            <a:r>
+              <a:rPr lang="en-US" altLang="zh-CN" sz="1400" b="1">
+                <a:latin typeface="Times New Roman" panose="02020603050405020304" charset="0"/>
+                <a:cs typeface="Times New Roman" panose="02020603050405020304" charset="0"/>
+              </a:rPr>
+              <a:t>KV Cache</a:t>
+            </a:r>
+            <a:r>
+              <a:rPr lang="zh-CN" altLang="en-US" sz="1400" b="1">
+                <a:latin typeface="Times New Roman" panose="02020603050405020304" charset="0"/>
+                <a:cs typeface="Times New Roman" panose="02020603050405020304" charset="0"/>
+              </a:rPr>
+              <a:t>从一个进程</a:t>
+            </a:r>
+            <a:r>
+              <a:rPr lang="en-US" altLang="zh-CN" sz="1400" b="1">
+                <a:latin typeface="Times New Roman" panose="02020603050405020304" charset="0"/>
+                <a:cs typeface="Times New Roman" panose="02020603050405020304" charset="0"/>
+                <a:sym typeface="+mn-ea"/>
+              </a:rPr>
+              <a:t>Source Rollouts</a:t>
+            </a:r>
+            <a:r>
+              <a:rPr lang="zh-CN" altLang="en-US" sz="1400" b="1">
+                <a:latin typeface="Times New Roman" panose="02020603050405020304" charset="0"/>
+                <a:cs typeface="Times New Roman" panose="02020603050405020304" charset="0"/>
+              </a:rPr>
+              <a:t>迁移到另一个进程</a:t>
+            </a:r>
+            <a:r>
+              <a:rPr lang="en-US" altLang="zh-CN" sz="1400" b="1">
+                <a:latin typeface="Times New Roman" panose="02020603050405020304" charset="0"/>
+                <a:cs typeface="Times New Roman" panose="02020603050405020304" charset="0"/>
+                <a:sym typeface="+mn-ea"/>
+              </a:rPr>
+              <a:t>Destination Rollouts</a:t>
+            </a:r>
+            <a:endParaRPr lang="zh-CN" altLang="en-US" sz="1400" b="1">
+              <a:latin typeface="Times New Roman" panose="02020603050405020304" charset="0"/>
+              <a:cs typeface="Times New Roman" panose="02020603050405020304" charset="0"/>
+            </a:endParaRPr>
+          </a:p>
+        </p:txBody>
+      </p:sp>
+      <p:sp>
+        <p:nvSpPr>
+          <p:cNvPr id="19" name="文本框 37"/>
+          <p:cNvSpPr txBox="1"/>
+          <p:nvPr/>
+        </p:nvSpPr>
+        <p:spPr>
+          <a:xfrm>
+            <a:off x="173355" y="165735"/>
+            <a:ext cx="11870055" cy="520700"/>
+          </a:xfrm>
+          <a:prstGeom prst="rect">
+            <a:avLst/>
+          </a:prstGeom>
+          <a:noFill/>
+        </p:spPr>
+        <p:txBody>
+          <a:bodyPr wrap="square" lIns="91431" tIns="45716" rIns="91431" bIns="45716" rtlCol="0">
+            <a:spAutoFit/>
+          </a:bodyPr>
+          <a:p>
+            <a:r>
+              <a:rPr lang="zh-CN" altLang="en-US" sz="2800" b="1" dirty="0">
+                <a:solidFill>
+                  <a:schemeClr val="tx1"/>
+                </a:solidFill>
+                <a:latin typeface="Times New Roman" panose="02020603050405020304" charset="0"/>
+                <a:cs typeface="Times New Roman" panose="02020603050405020304" charset="0"/>
+                <a:sym typeface="+mn-ea"/>
+              </a:rPr>
+              <a:t>二、方案优化：</a:t>
+            </a:r>
+            <a:r>
+              <a:rPr lang="en-US" altLang="zh-CN" b="1">
+                <a:solidFill>
+                  <a:srgbClr val="C00000"/>
+                </a:solidFill>
+                <a:latin typeface="Times New Roman" panose="02020603050405020304" charset="0"/>
+                <a:cs typeface="Times New Roman" panose="02020603050405020304" charset="0"/>
+                <a:sym typeface="+mn-ea"/>
+              </a:rPr>
+              <a:t>Laminar: A Scalable Asynchronous RL Post-Training Framework</a:t>
+            </a:r>
+            <a:endParaRPr lang="en-US" altLang="zh-CN" b="1" dirty="0">
+              <a:solidFill>
+                <a:srgbClr val="C00000"/>
+              </a:solidFill>
+              <a:latin typeface="Times New Roman" panose="02020603050405020304" charset="0"/>
+              <a:cs typeface="Times New Roman" panose="02020603050405020304" charset="0"/>
+              <a:sym typeface="+mn-ea"/>
+            </a:endParaRPr>
+          </a:p>
+        </p:txBody>
+      </p:sp>
       <p:sp>
         <p:nvSpPr>
           <p:cNvPr id="18" name="矩形 17"/>
@@ -5992,46 +5743,16 @@
           </a:p>
         </p:txBody>
       </p:sp>
-      <p:pic>
-        <p:nvPicPr>
-          <p:cNvPr id="20" name="图片 19"/>
-          <p:cNvPicPr>
-            <a:picLocks noChangeAspect="1"/>
-          </p:cNvPicPr>
+      <p:sp>
+        <p:nvSpPr>
+          <p:cNvPr id="14" name="文本框 13"/>
+          <p:cNvSpPr txBox="1"/>
           <p:nvPr/>
-        </p:nvPicPr>
-        <p:blipFill>
-          <a:blip r:embed="rId1" cstate="print">
-            <a:extLst>
-              <a:ext uri="{28A0092B-C50C-407E-A947-70E740481C1C}">
-                <a14:useLocalDpi xmlns:a14="http://schemas.microsoft.com/office/drawing/2010/main" val="0"/>
-              </a:ext>
-            </a:extLst>
-          </a:blip>
-          <a:stretch>
-            <a:fillRect/>
-          </a:stretch>
-        </p:blipFill>
+        </p:nvSpPr>
         <p:spPr>
           <a:xfrm>
-            <a:off x="8945356" y="192448"/>
-            <a:ext cx="3041951" cy="469946"/>
-          </a:xfrm>
-          <a:prstGeom prst="rect">
-            <a:avLst/>
-          </a:prstGeom>
-        </p:spPr>
-      </p:pic>
-      <p:sp>
-        <p:nvSpPr>
-          <p:cNvPr id="19" name="文本框 37"/>
-          <p:cNvSpPr txBox="1"/>
-          <p:nvPr/>
-        </p:nvSpPr>
-        <p:spPr>
-          <a:xfrm>
-            <a:off x="173355" y="165735"/>
-            <a:ext cx="6948805" cy="520700"/>
+            <a:off x="6161405" y="3263265"/>
+            <a:ext cx="5734685" cy="1410970"/>
           </a:xfrm>
           <a:prstGeom prst="rect">
             <a:avLst/>
@@ -6039,582 +5760,134 @@
           <a:noFill/>
         </p:spPr>
         <p:txBody>
-          <a:bodyPr wrap="square" lIns="91431" tIns="45716" rIns="91431" bIns="45716" rtlCol="0">
-            <a:spAutoFit/>
-          </a:bodyPr>
-          <a:p>
-            <a:r>
-              <a:rPr lang="zh-CN" altLang="en-US" sz="2800" b="1" dirty="0">
-                <a:latin typeface="Times New Roman" panose="02020603050405020304" charset="0"/>
-                <a:cs typeface="Times New Roman" panose="02020603050405020304" charset="0"/>
-                <a:sym typeface="+mn-ea"/>
-              </a:rPr>
-              <a:t>二、</a:t>
-            </a:r>
-            <a:r>
-              <a:rPr lang="en-US" sz="2800" b="1" dirty="0">
-                <a:latin typeface="Times New Roman" panose="02020603050405020304" charset="0"/>
-                <a:cs typeface="Times New Roman" panose="02020603050405020304" charset="0"/>
-                <a:sym typeface="+mn-ea"/>
-              </a:rPr>
-              <a:t>Methods</a:t>
-            </a:r>
-            <a:endParaRPr lang="en-US" sz="2800" b="1" dirty="0">
-              <a:solidFill>
-                <a:schemeClr val="tx1"/>
-              </a:solidFill>
-              <a:latin typeface="Times New Roman" panose="02020603050405020304" charset="0"/>
-              <a:cs typeface="Times New Roman" panose="02020603050405020304" charset="0"/>
-              <a:sym typeface="+mn-ea"/>
-            </a:endParaRPr>
-          </a:p>
-        </p:txBody>
-      </p:sp>
-      <p:sp>
-        <p:nvSpPr>
-          <p:cNvPr id="2" name="文本框 1"/>
-          <p:cNvSpPr txBox="1"/>
-          <p:nvPr/>
-        </p:nvSpPr>
-        <p:spPr>
-          <a:xfrm>
-            <a:off x="304800" y="1038860"/>
-            <a:ext cx="11682730" cy="3051175"/>
-          </a:xfrm>
-          <a:prstGeom prst="rect">
-            <a:avLst/>
-          </a:prstGeom>
-          <a:noFill/>
-        </p:spPr>
-        <p:txBody>
           <a:bodyPr wrap="square" rtlCol="0">
             <a:spAutoFit/>
           </a:bodyPr>
           <a:p>
-            <a:pPr>
+            <a:pPr algn="l">
               <a:lnSpc>
                 <a:spcPct val="130000"/>
               </a:lnSpc>
             </a:pPr>
             <a:r>
-              <a:rPr lang="en-US" altLang="zh-CN" sz="2000" b="1">
-                <a:latin typeface="Times New Roman" panose="02020603050405020304" charset="0"/>
-                <a:cs typeface="Times New Roman" panose="02020603050405020304" charset="0"/>
-              </a:rPr>
-              <a:t>Dynamic </a:t>
-            </a:r>
-            <a:r>
-              <a:rPr lang="en-US" altLang="zh-CN" sz="2000" b="1">
-                <a:latin typeface="Times New Roman" panose="02020603050405020304" charset="0"/>
-                <a:cs typeface="Times New Roman" panose="02020603050405020304" charset="0"/>
-              </a:rPr>
-              <a:t>Segment Rollout </a:t>
-            </a:r>
-            <a:endParaRPr lang="en-US" altLang="zh-CN" sz="2000" b="1">
+              <a:rPr lang="zh-CN" altLang="en-US" sz="1800" b="1">
+                <a:latin typeface="Times New Roman" panose="02020603050405020304" charset="0"/>
+                <a:cs typeface="Times New Roman" panose="02020603050405020304" charset="0"/>
+              </a:rPr>
+              <a:t>优化点</a:t>
+            </a:r>
+            <a:endParaRPr lang="zh-CN" altLang="en-US" sz="1800" b="1">
               <a:latin typeface="Times New Roman" panose="02020603050405020304" charset="0"/>
               <a:cs typeface="Times New Roman" panose="02020603050405020304" charset="0"/>
             </a:endParaRPr>
           </a:p>
           <a:p>
-            <a:pPr>
+            <a:pPr algn="l">
               <a:lnSpc>
                 <a:spcPct val="130000"/>
               </a:lnSpc>
             </a:pPr>
             <a:r>
-              <a:rPr lang="zh-CN" altLang="en-US" sz="1600" b="1">
-                <a:latin typeface="Times New Roman" panose="02020603050405020304" charset="0"/>
-                <a:ea typeface="微软雅黑" panose="020B0503020204020204" charset="-122"/>
-                <a:cs typeface="Times New Roman" panose="02020603050405020304" charset="0"/>
-              </a:rPr>
-              <a:t>定义一</a:t>
-            </a:r>
-            <a:r>
-              <a:rPr lang="zh-CN" altLang="en-US" sz="1600" b="1">
-                <a:latin typeface="微软雅黑" panose="020B0503020204020204" charset="-122"/>
-                <a:ea typeface="微软雅黑" panose="020B0503020204020204" charset="-122"/>
-                <a:cs typeface="微软雅黑" panose="020B0503020204020204" charset="-122"/>
-              </a:rPr>
-              <a:t>个</a:t>
-            </a:r>
-            <a:r>
-              <a:rPr lang="en-US" altLang="zh-CN" sz="1600" b="1">
-                <a:latin typeface="微软雅黑" panose="020B0503020204020204" charset="-122"/>
-                <a:ea typeface="微软雅黑" panose="020B0503020204020204" charset="-122"/>
-                <a:cs typeface="微软雅黑" panose="020B0503020204020204" charset="-122"/>
-              </a:rPr>
-              <a:t>”</a:t>
-            </a:r>
-            <a:r>
-              <a:rPr lang="zh-CN" altLang="en-US" sz="1600" b="1">
-                <a:latin typeface="Times New Roman" panose="02020603050405020304" charset="0"/>
-                <a:ea typeface="微软雅黑" panose="020B0503020204020204" charset="-122"/>
-                <a:cs typeface="Times New Roman" panose="02020603050405020304" charset="0"/>
-              </a:rPr>
-              <a:t>单</a:t>
-            </a:r>
-            <a:r>
-              <a:rPr lang="en-US" altLang="zh-CN" sz="1600" b="1">
-                <a:latin typeface="Times New Roman" panose="02020603050405020304" charset="0"/>
-                <a:ea typeface="微软雅黑" panose="020B0503020204020204" charset="-122"/>
-                <a:cs typeface="Times New Roman" panose="02020603050405020304" charset="0"/>
-              </a:rPr>
-              <a:t>batch</a:t>
-            </a:r>
-            <a:r>
-              <a:rPr lang="zh-CN" altLang="en-US" sz="1600" b="1">
-                <a:latin typeface="Times New Roman" panose="02020603050405020304" charset="0"/>
-                <a:ea typeface="微软雅黑" panose="020B0503020204020204" charset="-122"/>
-                <a:cs typeface="Times New Roman" panose="02020603050405020304" charset="0"/>
-              </a:rPr>
-              <a:t>次最大处理</a:t>
-            </a:r>
-            <a:r>
-              <a:rPr lang="en-US" altLang="zh-CN" sz="1600" b="1">
-                <a:latin typeface="Times New Roman" panose="02020603050405020304" charset="0"/>
-                <a:ea typeface="微软雅黑" panose="020B0503020204020204" charset="-122"/>
-                <a:cs typeface="Times New Roman" panose="02020603050405020304" charset="0"/>
-              </a:rPr>
-              <a:t>token</a:t>
-            </a:r>
-            <a:r>
-              <a:rPr lang="zh-CN" altLang="en-US" sz="1600" b="1">
-                <a:latin typeface="Times New Roman" panose="02020603050405020304" charset="0"/>
-                <a:ea typeface="微软雅黑" panose="020B0503020204020204" charset="-122"/>
-                <a:cs typeface="Times New Roman" panose="02020603050405020304" charset="0"/>
-              </a:rPr>
-              <a:t>数</a:t>
-            </a:r>
-            <a:r>
-              <a:rPr lang="zh-CN" altLang="en-US" sz="1600" b="1">
-                <a:latin typeface="微软雅黑" panose="020B0503020204020204" charset="-122"/>
-                <a:ea typeface="微软雅黑" panose="020B0503020204020204" charset="-122"/>
-                <a:cs typeface="微软雅黑" panose="020B0503020204020204" charset="-122"/>
-              </a:rPr>
-              <a:t>”</a:t>
-            </a:r>
-            <a:r>
-              <a:rPr lang="en-US" altLang="zh-CN" sz="1600" b="1" i="1">
-                <a:latin typeface="Times New Roman" panose="02020603050405020304" charset="0"/>
-                <a:ea typeface="微软雅黑" panose="020B0503020204020204" charset="-122"/>
-                <a:cs typeface="Times New Roman" panose="02020603050405020304" charset="0"/>
-              </a:rPr>
-              <a:t>Total_Token_Capacity</a:t>
-            </a:r>
-            <a:r>
-              <a:rPr lang="zh-CN" altLang="en-US" sz="1600" b="1">
-                <a:latin typeface="Times New Roman" panose="02020603050405020304" charset="0"/>
-                <a:ea typeface="微软雅黑" panose="020B0503020204020204" charset="-122"/>
-                <a:cs typeface="Times New Roman" panose="02020603050405020304" charset="0"/>
-              </a:rPr>
-              <a:t>，</a:t>
-            </a:r>
-            <a:endParaRPr lang="zh-CN" altLang="en-US" sz="1600" b="1">
+              <a:rPr lang="zh-CN" altLang="en-US" sz="1600">
+                <a:latin typeface="Times New Roman" panose="02020603050405020304" charset="0"/>
+                <a:cs typeface="Times New Roman" panose="02020603050405020304" charset="0"/>
+              </a:rPr>
+              <a:t>借鉴其重打包的思想，当一个</a:t>
+            </a:r>
+            <a:r>
+              <a:rPr lang="en-US" altLang="zh-CN" sz="1600">
+                <a:latin typeface="Times New Roman" panose="02020603050405020304" charset="0"/>
+                <a:cs typeface="Times New Roman" panose="02020603050405020304" charset="0"/>
+              </a:rPr>
+              <a:t>worker</a:t>
+            </a:r>
+            <a:r>
+              <a:rPr lang="zh-CN" altLang="en-US" sz="1600">
+                <a:latin typeface="Times New Roman" panose="02020603050405020304" charset="0"/>
+                <a:cs typeface="Times New Roman" panose="02020603050405020304" charset="0"/>
+              </a:rPr>
+              <a:t>处于处理长尾阶段时，把其的</a:t>
+            </a:r>
+            <a:r>
+              <a:rPr lang="en-US" altLang="zh-CN" sz="1600">
+                <a:latin typeface="Times New Roman" panose="02020603050405020304" charset="0"/>
+                <a:cs typeface="Times New Roman" panose="02020603050405020304" charset="0"/>
+              </a:rPr>
+              <a:t>prompt + </a:t>
+            </a:r>
+            <a:r>
+              <a:rPr lang="zh-CN" altLang="en-US" sz="1600">
+                <a:latin typeface="Times New Roman" panose="02020603050405020304" charset="0"/>
+                <a:cs typeface="Times New Roman" panose="02020603050405020304" charset="0"/>
+              </a:rPr>
+              <a:t>生成的部分</a:t>
+            </a:r>
+            <a:r>
+              <a:rPr lang="en-US" altLang="zh-CN" sz="1600">
+                <a:latin typeface="Times New Roman" panose="02020603050405020304" charset="0"/>
+                <a:cs typeface="Times New Roman" panose="02020603050405020304" charset="0"/>
+              </a:rPr>
+              <a:t>response</a:t>
+            </a:r>
+            <a:r>
+              <a:rPr lang="zh-CN" altLang="en-US" sz="1600">
+                <a:latin typeface="Times New Roman" panose="02020603050405020304" charset="0"/>
+                <a:cs typeface="Times New Roman" panose="02020603050405020304" charset="0"/>
+              </a:rPr>
+              <a:t>发给专门处理长尾的</a:t>
+            </a:r>
+            <a:r>
+              <a:rPr lang="en-US" altLang="zh-CN" sz="1600">
+                <a:latin typeface="Times New Roman" panose="02020603050405020304" charset="0"/>
+                <a:cs typeface="Times New Roman" panose="02020603050405020304" charset="0"/>
+              </a:rPr>
+              <a:t>worker</a:t>
+            </a:r>
+            <a:r>
+              <a:rPr lang="zh-CN" altLang="en-US" sz="1600">
+                <a:latin typeface="Times New Roman" panose="02020603050405020304" charset="0"/>
+                <a:cs typeface="Times New Roman" panose="02020603050405020304" charset="0"/>
+              </a:rPr>
+              <a:t>，同时后面的</a:t>
+            </a:r>
+            <a:r>
+              <a:rPr lang="en-US" altLang="zh-CN" sz="1600">
+                <a:latin typeface="Times New Roman" panose="02020603050405020304" charset="0"/>
+                <a:cs typeface="Times New Roman" panose="02020603050405020304" charset="0"/>
+              </a:rPr>
+              <a:t>7</a:t>
+            </a:r>
+            <a:r>
+              <a:rPr lang="zh-CN" altLang="en-US" sz="1600">
+                <a:latin typeface="Times New Roman" panose="02020603050405020304" charset="0"/>
+                <a:cs typeface="Times New Roman" panose="02020603050405020304" charset="0"/>
+              </a:rPr>
+              <a:t>次采样也都交给处理长尾的</a:t>
+            </a:r>
+            <a:r>
+              <a:rPr lang="en-US" altLang="zh-CN" sz="1600">
+                <a:latin typeface="Times New Roman" panose="02020603050405020304" charset="0"/>
+                <a:cs typeface="Times New Roman" panose="02020603050405020304" charset="0"/>
+              </a:rPr>
+              <a:t>worker</a:t>
+            </a:r>
+            <a:r>
+              <a:rPr lang="zh-CN" altLang="en-US" sz="1600">
+                <a:latin typeface="Times New Roman" panose="02020603050405020304" charset="0"/>
+                <a:cs typeface="Times New Roman" panose="02020603050405020304" charset="0"/>
+              </a:rPr>
+              <a:t>。</a:t>
+            </a:r>
+            <a:endParaRPr lang="zh-CN" altLang="en-US" sz="1600">
               <a:latin typeface="Times New Roman" panose="02020603050405020304" charset="0"/>
-              <a:ea typeface="微软雅黑" panose="020B0503020204020204" charset="-122"/>
               <a:cs typeface="Times New Roman" panose="02020603050405020304" charset="0"/>
             </a:endParaRPr>
           </a:p>
-          <a:p>
-            <a:pPr>
-              <a:lnSpc>
-                <a:spcPct val="130000"/>
-              </a:lnSpc>
-            </a:pPr>
-            <a:r>
-              <a:rPr lang="zh-CN" altLang="en-US" sz="1600" b="1">
-                <a:latin typeface="Times New Roman" panose="02020603050405020304" charset="0"/>
-                <a:ea typeface="微软雅黑" panose="020B0503020204020204" charset="-122"/>
-                <a:cs typeface="Times New Roman" panose="02020603050405020304" charset="0"/>
-              </a:rPr>
-              <a:t>以及</a:t>
-            </a:r>
-            <a:endParaRPr lang="zh-CN" altLang="en-US" sz="1600" b="1">
-              <a:latin typeface="Times New Roman" panose="02020603050405020304" charset="0"/>
-              <a:ea typeface="微软雅黑" panose="020B0503020204020204" charset="-122"/>
-              <a:cs typeface="Times New Roman" panose="02020603050405020304" charset="0"/>
-            </a:endParaRPr>
-          </a:p>
-          <a:p>
-            <a:pPr>
-              <a:lnSpc>
-                <a:spcPct val="130000"/>
-              </a:lnSpc>
-            </a:pPr>
-            <a:r>
-              <a:rPr lang="en-US" altLang="zh-CN" sz="1600" b="1">
-                <a:latin typeface="Times New Roman" panose="02020603050405020304" charset="0"/>
-                <a:ea typeface="微软雅黑" panose="020B0503020204020204" charset="-122"/>
-                <a:cs typeface="Times New Roman" panose="02020603050405020304" charset="0"/>
-              </a:rPr>
-              <a:t>Lmax</a:t>
-            </a:r>
-            <a:r>
-              <a:rPr lang="zh-CN" altLang="en-US" sz="1600" b="1">
-                <a:latin typeface="Times New Roman" panose="02020603050405020304" charset="0"/>
-                <a:ea typeface="微软雅黑" panose="020B0503020204020204" charset="-122"/>
-                <a:cs typeface="Times New Roman" panose="02020603050405020304" charset="0"/>
-              </a:rPr>
-              <a:t>：</a:t>
-            </a:r>
-            <a:r>
-              <a:rPr lang="en-US" altLang="zh-CN" sz="1600" b="1">
-                <a:latin typeface="Times New Roman" panose="02020603050405020304" charset="0"/>
-                <a:ea typeface="微软雅黑" panose="020B0503020204020204" charset="-122"/>
-                <a:cs typeface="Times New Roman" panose="02020603050405020304" charset="0"/>
-              </a:rPr>
-              <a:t>(</a:t>
-            </a:r>
-            <a:r>
-              <a:rPr lang="zh-CN" altLang="en-US" sz="1600" b="1">
-                <a:latin typeface="Times New Roman" panose="02020603050405020304" charset="0"/>
-                <a:ea typeface="微软雅黑" panose="020B0503020204020204" charset="-122"/>
-                <a:cs typeface="Times New Roman" panose="02020603050405020304" charset="0"/>
-              </a:rPr>
-              <a:t>单次最大步长</a:t>
-            </a:r>
-            <a:r>
-              <a:rPr lang="en-US" altLang="zh-CN" sz="1600" b="1">
-                <a:latin typeface="Times New Roman" panose="02020603050405020304" charset="0"/>
-                <a:ea typeface="微软雅黑" panose="020B0503020204020204" charset="-122"/>
-                <a:cs typeface="Times New Roman" panose="02020603050405020304" charset="0"/>
-              </a:rPr>
-              <a:t>)4096</a:t>
-            </a:r>
-            <a:r>
-              <a:rPr lang="zh-CN" altLang="en-US" sz="1600" b="1">
-                <a:latin typeface="Times New Roman" panose="02020603050405020304" charset="0"/>
-                <a:ea typeface="微软雅黑" panose="020B0503020204020204" charset="-122"/>
-                <a:cs typeface="Times New Roman" panose="02020603050405020304" charset="0"/>
-              </a:rPr>
-              <a:t>。</a:t>
-            </a:r>
-            <a:r>
-              <a:rPr lang="en-US" altLang="zh-CN" sz="1600" b="1">
-                <a:latin typeface="Times New Roman" panose="02020603050405020304" charset="0"/>
-                <a:ea typeface="微软雅黑" panose="020B0503020204020204" charset="-122"/>
-                <a:cs typeface="Times New Roman" panose="02020603050405020304" charset="0"/>
-              </a:rPr>
-              <a:t> (</a:t>
-            </a:r>
-            <a:r>
-              <a:rPr lang="zh-CN" altLang="en-US" sz="1600" b="1">
-                <a:latin typeface="Times New Roman" panose="02020603050405020304" charset="0"/>
-                <a:ea typeface="微软雅黑" panose="020B0503020204020204" charset="-122"/>
-                <a:cs typeface="Times New Roman" panose="02020603050405020304" charset="0"/>
-              </a:rPr>
-              <a:t>即使只有</a:t>
-            </a:r>
-            <a:r>
-              <a:rPr lang="en-US" altLang="zh-CN" sz="1600" b="1">
-                <a:latin typeface="Times New Roman" panose="02020603050405020304" charset="0"/>
-                <a:ea typeface="微软雅黑" panose="020B0503020204020204" charset="-122"/>
-                <a:cs typeface="Times New Roman" panose="02020603050405020304" charset="0"/>
-              </a:rPr>
-              <a:t> 1 </a:t>
-            </a:r>
-            <a:r>
-              <a:rPr lang="zh-CN" altLang="en-US" sz="1600" b="1">
-                <a:latin typeface="Times New Roman" panose="02020603050405020304" charset="0"/>
-                <a:ea typeface="微软雅黑" panose="020B0503020204020204" charset="-122"/>
-                <a:cs typeface="Times New Roman" panose="02020603050405020304" charset="0"/>
-              </a:rPr>
-              <a:t>个样本，一次也不要生成超过</a:t>
-            </a:r>
-            <a:r>
-              <a:rPr lang="en-US" altLang="zh-CN" sz="1600" b="1">
-                <a:latin typeface="Times New Roman" panose="02020603050405020304" charset="0"/>
-                <a:ea typeface="微软雅黑" panose="020B0503020204020204" charset="-122"/>
-                <a:cs typeface="Times New Roman" panose="02020603050405020304" charset="0"/>
-              </a:rPr>
-              <a:t> 4k</a:t>
-            </a:r>
-            <a:r>
-              <a:rPr lang="zh-CN" altLang="en-US" sz="1600" b="1">
-                <a:latin typeface="Times New Roman" panose="02020603050405020304" charset="0"/>
-                <a:ea typeface="微软雅黑" panose="020B0503020204020204" charset="-122"/>
-                <a:cs typeface="Times New Roman" panose="02020603050405020304" charset="0"/>
-              </a:rPr>
-              <a:t>，防止单次卡顿太久，</a:t>
-            </a:r>
-            <a:endParaRPr lang="zh-CN" altLang="en-US" sz="1600" b="1">
-              <a:latin typeface="Times New Roman" panose="02020603050405020304" charset="0"/>
-              <a:ea typeface="微软雅黑" panose="020B0503020204020204" charset="-122"/>
-              <a:cs typeface="Times New Roman" panose="02020603050405020304" charset="0"/>
-            </a:endParaRPr>
-          </a:p>
-          <a:p>
-            <a:pPr>
-              <a:lnSpc>
-                <a:spcPct val="130000"/>
-              </a:lnSpc>
-            </a:pPr>
-            <a:r>
-              <a:rPr lang="en-US" altLang="zh-CN" sz="1600" b="1">
-                <a:latin typeface="Times New Roman" panose="02020603050405020304" charset="0"/>
-                <a:ea typeface="微软雅黑" panose="020B0503020204020204" charset="-122"/>
-                <a:cs typeface="Times New Roman" panose="02020603050405020304" charset="0"/>
-              </a:rPr>
-              <a:t>Lmin</a:t>
-            </a:r>
-            <a:r>
-              <a:rPr lang="zh-CN" altLang="en-US" sz="1600" b="1">
-                <a:latin typeface="Times New Roman" panose="02020603050405020304" charset="0"/>
-                <a:ea typeface="微软雅黑" panose="020B0503020204020204" charset="-122"/>
-                <a:cs typeface="Times New Roman" panose="02020603050405020304" charset="0"/>
-              </a:rPr>
-              <a:t>：</a:t>
-            </a:r>
-            <a:r>
-              <a:rPr lang="en-US" altLang="zh-CN" sz="1600" b="1">
-                <a:latin typeface="Times New Roman" panose="02020603050405020304" charset="0"/>
-                <a:ea typeface="微软雅黑" panose="020B0503020204020204" charset="-122"/>
-                <a:cs typeface="Times New Roman" panose="02020603050405020304" charset="0"/>
-              </a:rPr>
-              <a:t>(</a:t>
-            </a:r>
-            <a:r>
-              <a:rPr lang="zh-CN" altLang="en-US" sz="1600" b="1">
-                <a:latin typeface="Times New Roman" panose="02020603050405020304" charset="0"/>
-                <a:ea typeface="微软雅黑" panose="020B0503020204020204" charset="-122"/>
-                <a:cs typeface="Times New Roman" panose="02020603050405020304" charset="0"/>
-              </a:rPr>
-              <a:t>单次最小步长</a:t>
-            </a:r>
-            <a:r>
-              <a:rPr lang="en-US" altLang="zh-CN" sz="1600" b="1">
-                <a:latin typeface="Times New Roman" panose="02020603050405020304" charset="0"/>
-                <a:ea typeface="微软雅黑" panose="020B0503020204020204" charset="-122"/>
-                <a:cs typeface="Times New Roman" panose="02020603050405020304" charset="0"/>
-              </a:rPr>
-              <a:t>)</a:t>
-            </a:r>
-            <a:r>
-              <a:rPr lang="zh-CN" altLang="en-US" sz="1600" b="1">
-                <a:latin typeface="Times New Roman" panose="02020603050405020304" charset="0"/>
-                <a:ea typeface="微软雅黑" panose="020B0503020204020204" charset="-122"/>
-                <a:cs typeface="Times New Roman" panose="02020603050405020304" charset="0"/>
-              </a:rPr>
-              <a:t>：</a:t>
-            </a:r>
-            <a:r>
-              <a:rPr lang="en-US" altLang="zh-CN" sz="1600" b="1">
-                <a:latin typeface="Times New Roman" panose="02020603050405020304" charset="0"/>
-                <a:ea typeface="微软雅黑" panose="020B0503020204020204" charset="-122"/>
-                <a:cs typeface="Times New Roman" panose="02020603050405020304" charset="0"/>
-              </a:rPr>
-              <a:t>64</a:t>
-            </a:r>
-            <a:r>
-              <a:rPr lang="zh-CN" altLang="en-US" sz="1600" b="1">
-                <a:latin typeface="Times New Roman" panose="02020603050405020304" charset="0"/>
-                <a:ea typeface="微软雅黑" panose="020B0503020204020204" charset="-122"/>
-                <a:cs typeface="Times New Roman" panose="02020603050405020304" charset="0"/>
-              </a:rPr>
-              <a:t>。</a:t>
-            </a:r>
-            <a:r>
-              <a:rPr lang="en-US" altLang="zh-CN" sz="1600" b="1">
-                <a:latin typeface="Times New Roman" panose="02020603050405020304" charset="0"/>
-                <a:ea typeface="微软雅黑" panose="020B0503020204020204" charset="-122"/>
-                <a:cs typeface="Times New Roman" panose="02020603050405020304" charset="0"/>
-              </a:rPr>
-              <a:t> (</a:t>
-            </a:r>
-            <a:r>
-              <a:rPr lang="zh-CN" altLang="en-US" sz="1600" b="1">
-                <a:latin typeface="Times New Roman" panose="02020603050405020304" charset="0"/>
-                <a:ea typeface="微软雅黑" panose="020B0503020204020204" charset="-122"/>
-                <a:cs typeface="Times New Roman" panose="02020603050405020304" charset="0"/>
-              </a:rPr>
-              <a:t>太短了会导致</a:t>
-            </a:r>
-            <a:r>
-              <a:rPr lang="en-US" altLang="zh-CN" sz="1600" b="1">
-                <a:latin typeface="Times New Roman" panose="02020603050405020304" charset="0"/>
-                <a:ea typeface="微软雅黑" panose="020B0503020204020204" charset="-122"/>
-                <a:cs typeface="Times New Roman" panose="02020603050405020304" charset="0"/>
-              </a:rPr>
-              <a:t> Python </a:t>
-            </a:r>
-            <a:r>
-              <a:rPr lang="zh-CN" altLang="en-US" sz="1600" b="1">
-                <a:latin typeface="Times New Roman" panose="02020603050405020304" charset="0"/>
-                <a:ea typeface="微软雅黑" panose="020B0503020204020204" charset="-122"/>
-                <a:cs typeface="Times New Roman" panose="02020603050405020304" charset="0"/>
-              </a:rPr>
-              <a:t>循环开销大于</a:t>
-            </a:r>
-            <a:r>
-              <a:rPr lang="en-US" altLang="zh-CN" sz="1600" b="1">
-                <a:latin typeface="Times New Roman" panose="02020603050405020304" charset="0"/>
-                <a:ea typeface="微软雅黑" panose="020B0503020204020204" charset="-122"/>
-                <a:cs typeface="Times New Roman" panose="02020603050405020304" charset="0"/>
-              </a:rPr>
-              <a:t> GPU </a:t>
-            </a:r>
-            <a:r>
-              <a:rPr lang="zh-CN" altLang="en-US" sz="1600" b="1">
-                <a:latin typeface="Times New Roman" panose="02020603050405020304" charset="0"/>
-                <a:ea typeface="微软雅黑" panose="020B0503020204020204" charset="-122"/>
-                <a:cs typeface="Times New Roman" panose="02020603050405020304" charset="0"/>
-              </a:rPr>
-              <a:t>计算时间，得不偿失。</a:t>
-            </a:r>
-            <a:r>
-              <a:rPr lang="en-US" altLang="zh-CN" sz="1600" b="1">
-                <a:latin typeface="Times New Roman" panose="02020603050405020304" charset="0"/>
-                <a:ea typeface="微软雅黑" panose="020B0503020204020204" charset="-122"/>
-                <a:cs typeface="Times New Roman" panose="02020603050405020304" charset="0"/>
-              </a:rPr>
-              <a:t>)</a:t>
-            </a:r>
-            <a:endParaRPr lang="en-US" altLang="zh-CN" sz="1600" b="1">
-              <a:latin typeface="Times New Roman" panose="02020603050405020304" charset="0"/>
-              <a:ea typeface="微软雅黑" panose="020B0503020204020204" charset="-122"/>
-              <a:cs typeface="Times New Roman" panose="02020603050405020304" charset="0"/>
-            </a:endParaRPr>
-          </a:p>
-          <a:p>
-            <a:pPr>
-              <a:lnSpc>
-                <a:spcPct val="130000"/>
-              </a:lnSpc>
-            </a:pPr>
-            <a:endParaRPr lang="en-US" altLang="zh-CN" sz="1600" b="1">
-              <a:latin typeface="Times New Roman" panose="02020603050405020304" charset="0"/>
-              <a:ea typeface="微软雅黑" panose="020B0503020204020204" charset="-122"/>
-              <a:cs typeface="Times New Roman" panose="02020603050405020304" charset="0"/>
-            </a:endParaRPr>
-          </a:p>
-          <a:p>
-            <a:pPr>
-              <a:lnSpc>
-                <a:spcPct val="130000"/>
-              </a:lnSpc>
-            </a:pPr>
-            <a:endParaRPr lang="en-US" altLang="zh-CN" sz="1600" b="1">
-              <a:latin typeface="Times New Roman" panose="02020603050405020304" charset="0"/>
-              <a:ea typeface="微软雅黑" panose="020B0503020204020204" charset="-122"/>
-              <a:cs typeface="Times New Roman" panose="02020603050405020304" charset="0"/>
-            </a:endParaRPr>
-          </a:p>
-          <a:p>
-            <a:pPr>
-              <a:lnSpc>
-                <a:spcPct val="130000"/>
-              </a:lnSpc>
-            </a:pPr>
-            <a:endParaRPr lang="en-US" altLang="zh-CN" sz="1600" b="1">
-              <a:latin typeface="Times New Roman" panose="02020603050405020304" charset="0"/>
-              <a:ea typeface="微软雅黑" panose="020B0503020204020204" charset="-122"/>
-              <a:cs typeface="Times New Roman" panose="02020603050405020304" charset="0"/>
-            </a:endParaRPr>
-          </a:p>
-          <a:p>
-            <a:pPr>
-              <a:lnSpc>
-                <a:spcPct val="130000"/>
-              </a:lnSpc>
-            </a:pPr>
-            <a:r>
-              <a:rPr lang="zh-CN" altLang="en-US" sz="1600">
-                <a:latin typeface="Times New Roman" panose="02020603050405020304" charset="0"/>
-                <a:sym typeface="+mn-ea"/>
-              </a:rPr>
-              <a:t>流程：起步阶段（</a:t>
-            </a:r>
-            <a:r>
-              <a:rPr lang="en-US" altLang="zh-CN" sz="1600" b="1" i="1">
-                <a:latin typeface="Times New Roman" panose="02020603050405020304" charset="0"/>
-                <a:sym typeface="+mn-ea"/>
-              </a:rPr>
-              <a:t>N</a:t>
-            </a:r>
-            <a:r>
-              <a:rPr lang="en-US" altLang="zh-CN" sz="1600" b="1" i="1" baseline="-25000">
-                <a:latin typeface="Times New Roman" panose="02020603050405020304" charset="0"/>
-                <a:sym typeface="+mn-ea"/>
-              </a:rPr>
-              <a:t>active </a:t>
-            </a:r>
-            <a:r>
-              <a:rPr lang="zh-CN" altLang="en-US" sz="1600">
-                <a:latin typeface="Times New Roman" panose="02020603050405020304" charset="0"/>
-                <a:sym typeface="+mn-ea"/>
-              </a:rPr>
-              <a:t>大）用极短步长（如</a:t>
-            </a:r>
-            <a:r>
-              <a:rPr lang="en-US" altLang="zh-CN" sz="1600">
-                <a:latin typeface="Times New Roman" panose="02020603050405020304" charset="0"/>
-                <a:sym typeface="+mn-ea"/>
-              </a:rPr>
-              <a:t> 64</a:t>
-            </a:r>
-            <a:r>
-              <a:rPr lang="zh-CN" altLang="en-US" sz="1600">
-                <a:latin typeface="Times New Roman" panose="02020603050405020304" charset="0"/>
-                <a:sym typeface="+mn-ea"/>
-              </a:rPr>
-              <a:t>）快速清洗简单题；收尾阶段（</a:t>
-            </a:r>
-            <a:r>
-              <a:rPr lang="en-US" altLang="zh-CN" sz="1600" b="1" i="1">
-                <a:latin typeface="Times New Roman" panose="02020603050405020304" charset="0"/>
-                <a:sym typeface="+mn-ea"/>
-              </a:rPr>
-              <a:t>N</a:t>
-            </a:r>
-            <a:r>
-              <a:rPr lang="en-US" altLang="zh-CN" sz="1600" b="1" i="1" baseline="-25000">
-                <a:latin typeface="Times New Roman" panose="02020603050405020304" charset="0"/>
-                <a:sym typeface="+mn-ea"/>
-              </a:rPr>
-              <a:t>active </a:t>
-            </a:r>
-            <a:r>
-              <a:rPr lang="zh-CN" altLang="en-US" sz="1600">
-                <a:latin typeface="Times New Roman" panose="02020603050405020304" charset="0"/>
-                <a:sym typeface="+mn-ea"/>
-              </a:rPr>
-              <a:t>小）步长自动拉满，让长尾任务全速跑完。</a:t>
-            </a:r>
-            <a:endParaRPr lang="en-US" altLang="zh-CN" sz="1600" b="1">
-              <a:latin typeface="Times New Roman" panose="02020603050405020304" charset="0"/>
-              <a:ea typeface="微软雅黑" panose="020B0503020204020204" charset="-122"/>
-              <a:cs typeface="Times New Roman" panose="02020603050405020304" charset="0"/>
-            </a:endParaRPr>
-          </a:p>
-        </p:txBody>
-      </p:sp>
-      <p:pic>
-        <p:nvPicPr>
-          <p:cNvPr id="4" name="图片 3"/>
-          <p:cNvPicPr>
-            <a:picLocks noChangeAspect="1"/>
-          </p:cNvPicPr>
-          <p:nvPr/>
-        </p:nvPicPr>
-        <p:blipFill>
-          <a:blip r:embed="rId2"/>
-          <a:stretch>
-            <a:fillRect/>
-          </a:stretch>
-        </p:blipFill>
-        <p:spPr>
-          <a:xfrm>
-            <a:off x="3124835" y="2969260"/>
-            <a:ext cx="5039360" cy="580390"/>
-          </a:xfrm>
-          <a:prstGeom prst="rect">
-            <a:avLst/>
-          </a:prstGeom>
-        </p:spPr>
-      </p:pic>
+        </p:txBody>
+      </p:sp>
     </p:spTree>
     <p:custDataLst>
-      <p:tags r:id="rId3"/>
+      <p:tags r:id="rId2"/>
     </p:custDataLst>
   </p:cSld>
   <p:clrMapOvr>
@@ -6623,7 +5896,7 @@
 </p:sld>
 </file>
 
-<file path=ppt/slides/slide6.xml><?xml version="1.0" encoding="utf-8"?>
+<file path=ppt/slides/slide5.xml><?xml version="1.0" encoding="utf-8"?>
 <p:sld xmlns:a="http://schemas.openxmlformats.org/drawingml/2006/main" xmlns:r="http://schemas.openxmlformats.org/officeDocument/2006/relationships" xmlns:p="http://schemas.openxmlformats.org/presentationml/2006/main">
   <p:cSld>
     <p:spTree>
@@ -6632,7 +5905,176 @@
         <p:cNvGrpSpPr/>
         <p:nvPr/>
       </p:nvGrpSpPr>
-      <p:grpSpPr/>
+      <p:grpSpPr>
+        <a:xfrm>
+          <a:off x="0" y="0"/>
+          <a:ext cx="0" cy="0"/>
+          <a:chOff x="0" y="0"/>
+          <a:chExt cx="0" cy="0"/>
+        </a:xfrm>
+      </p:grpSpPr>
+      <p:sp>
+        <p:nvSpPr>
+          <p:cNvPr id="4" name="文本框 3"/>
+          <p:cNvSpPr txBox="1"/>
+          <p:nvPr/>
+        </p:nvSpPr>
+        <p:spPr>
+          <a:xfrm>
+            <a:off x="89535" y="870585"/>
+            <a:ext cx="11910695" cy="1643380"/>
+          </a:xfrm>
+          <a:prstGeom prst="rect">
+            <a:avLst/>
+          </a:prstGeom>
+          <a:noFill/>
+        </p:spPr>
+        <p:txBody>
+          <a:bodyPr wrap="square" rtlCol="0">
+            <a:noAutofit/>
+          </a:bodyPr>
+          <a:p>
+            <a:pPr algn="l">
+              <a:lnSpc>
+                <a:spcPct val="130000"/>
+              </a:lnSpc>
+              <a:buClrTx/>
+              <a:buSzTx/>
+              <a:buFontTx/>
+              <a:buNone/>
+            </a:pPr>
+            <a:r>
+              <a:rPr lang="zh-CN" altLang="en-US" sz="1800" b="1">
+                <a:latin typeface="Times New Roman" panose="02020603050405020304" charset="0"/>
+                <a:cs typeface="Times New Roman" panose="02020603050405020304" charset="0"/>
+              </a:rPr>
+              <a:t>处理长尾问题</a:t>
+            </a:r>
+            <a:endParaRPr lang="en-US" altLang="zh-CN" sz="1800" b="1">
+              <a:latin typeface="Times New Roman" panose="02020603050405020304" charset="0"/>
+              <a:cs typeface="Times New Roman" panose="02020603050405020304" charset="0"/>
+            </a:endParaRPr>
+          </a:p>
+          <a:p>
+            <a:pPr algn="l">
+              <a:lnSpc>
+                <a:spcPct val="130000"/>
+              </a:lnSpc>
+            </a:pPr>
+            <a:r>
+              <a:rPr lang="en-US" altLang="zh-CN" sz="1400">
+                <a:latin typeface="Times New Roman" panose="02020603050405020304" charset="0"/>
+                <a:cs typeface="Times New Roman" panose="02020603050405020304" charset="0"/>
+              </a:rPr>
+              <a:t>Segment Rollout</a:t>
+            </a:r>
+            <a:r>
+              <a:rPr lang="zh-CN" altLang="en-US" sz="1400">
+                <a:latin typeface="Times New Roman" panose="02020603050405020304" charset="0"/>
+                <a:cs typeface="Times New Roman" panose="02020603050405020304" charset="0"/>
+              </a:rPr>
+              <a:t>将超长输出的解码过程划分为多个短片段阶段，使模型每次仅需解码较短的长度</a:t>
+            </a:r>
+            <a:r>
+              <a:rPr lang="en-US" altLang="zh-CN" sz="1400">
+                <a:latin typeface="Times New Roman" panose="02020603050405020304" charset="0"/>
+                <a:cs typeface="Times New Roman" panose="02020603050405020304" charset="0"/>
+              </a:rPr>
+              <a:t> </a:t>
+            </a:r>
+            <a:r>
+              <a:rPr lang="zh-CN" altLang="en-US" sz="1400">
+                <a:latin typeface="Times New Roman" panose="02020603050405020304" charset="0"/>
+                <a:cs typeface="Times New Roman" panose="02020603050405020304" charset="0"/>
+              </a:rPr>
+              <a:t>。这种机制允许已完成解码的样本立即进入经验池参与训练，而未完成的样本在后续迭代中继续生成</a:t>
+            </a:r>
+            <a:r>
+              <a:rPr lang="zh-CN" altLang="en-US" sz="1400">
+                <a:latin typeface="Times New Roman" panose="02020603050405020304" charset="0"/>
+                <a:cs typeface="Times New Roman" panose="02020603050405020304" charset="0"/>
+              </a:rPr>
+              <a:t>。</a:t>
+            </a:r>
+            <a:endParaRPr lang="zh-CN" altLang="en-US" sz="1400">
+              <a:latin typeface="Times New Roman" panose="02020603050405020304" charset="0"/>
+              <a:cs typeface="Times New Roman" panose="02020603050405020304" charset="0"/>
+            </a:endParaRPr>
+          </a:p>
+          <a:p>
+            <a:pPr algn="l">
+              <a:lnSpc>
+                <a:spcPct val="130000"/>
+              </a:lnSpc>
+            </a:pPr>
+            <a:r>
+              <a:rPr lang="zh-CN" altLang="en-US" sz="1400">
+                <a:latin typeface="Times New Roman" panose="02020603050405020304" charset="0"/>
+                <a:cs typeface="Times New Roman" panose="02020603050405020304" charset="0"/>
+              </a:rPr>
+              <a:t>但是静态的segment长度导致步长僵化，设大了：短样本（如 50 tokens）需要空等很久才能退出，增加了 Latency。设小了，长样本需要经历极多次 Python 循环和 Kernel 启动，增加了 Overhead。</a:t>
+            </a:r>
+            <a:endParaRPr lang="zh-CN" altLang="en-US" sz="1400">
+              <a:latin typeface="Times New Roman" panose="02020603050405020304" charset="0"/>
+              <a:cs typeface="Times New Roman" panose="02020603050405020304" charset="0"/>
+            </a:endParaRPr>
+          </a:p>
+        </p:txBody>
+      </p:sp>
+      <p:sp>
+        <p:nvSpPr>
+          <p:cNvPr id="19" name="文本框 37"/>
+          <p:cNvSpPr txBox="1"/>
+          <p:nvPr/>
+        </p:nvSpPr>
+        <p:spPr>
+          <a:xfrm>
+            <a:off x="173355" y="165735"/>
+            <a:ext cx="11870055" cy="520700"/>
+          </a:xfrm>
+          <a:prstGeom prst="rect">
+            <a:avLst/>
+          </a:prstGeom>
+          <a:noFill/>
+        </p:spPr>
+        <p:txBody>
+          <a:bodyPr wrap="square" lIns="91431" tIns="45716" rIns="91431" bIns="45716" rtlCol="0">
+            <a:spAutoFit/>
+          </a:bodyPr>
+          <a:p>
+            <a:r>
+              <a:rPr lang="zh-CN" altLang="en-US" sz="2800" b="1" dirty="0">
+                <a:solidFill>
+                  <a:schemeClr val="tx1"/>
+                </a:solidFill>
+                <a:latin typeface="Times New Roman" panose="02020603050405020304" charset="0"/>
+                <a:cs typeface="Times New Roman" panose="02020603050405020304" charset="0"/>
+                <a:sym typeface="+mn-ea"/>
+              </a:rPr>
+              <a:t>二、方案优化：</a:t>
+            </a:r>
+            <a:r>
+              <a:rPr lang="en-US" altLang="zh-CN" b="1" dirty="0">
+                <a:solidFill>
+                  <a:srgbClr val="C00000"/>
+                </a:solidFill>
+                <a:latin typeface="Times New Roman" panose="02020603050405020304" charset="0"/>
+                <a:cs typeface="Times New Roman" panose="02020603050405020304" charset="0"/>
+                <a:sym typeface="+mn-ea"/>
+              </a:rPr>
+              <a:t>UloRL:An Ultra-Long Output Reinforcement Learning Approach for Advancing Reasoning</a:t>
+            </a:r>
+            <a:endParaRPr lang="en-US" altLang="zh-CN" b="1" dirty="0">
+              <a:solidFill>
+                <a:srgbClr val="C00000"/>
+              </a:solidFill>
+              <a:latin typeface="Times New Roman" panose="02020603050405020304" charset="0"/>
+              <a:cs typeface="Times New Roman" panose="02020603050405020304" charset="0"/>
+              <a:sym typeface="+mn-ea"/>
+            </a:endParaRPr>
+          </a:p>
+        </p:txBody>
+      </p:sp>
       <p:sp>
         <p:nvSpPr>
           <p:cNvPr id="18" name="矩形 17"/>
@@ -6683,28 +6125,22 @@
       </p:sp>
       <p:pic>
         <p:nvPicPr>
-          <p:cNvPr id="20" name="图片 19"/>
+          <p:cNvPr id="3" name="图片 2"/>
           <p:cNvPicPr>
             <a:picLocks noChangeAspect="1"/>
           </p:cNvPicPr>
           <p:nvPr/>
         </p:nvPicPr>
         <p:blipFill>
-          <a:blip r:embed="rId1" cstate="print">
-            <a:extLst>
-              <a:ext uri="{28A0092B-C50C-407E-A947-70E740481C1C}">
-                <a14:useLocalDpi xmlns:a14="http://schemas.microsoft.com/office/drawing/2010/main" val="0"/>
-              </a:ext>
-            </a:extLst>
-          </a:blip>
+          <a:blip r:embed="rId1"/>
           <a:stretch>
             <a:fillRect/>
           </a:stretch>
         </p:blipFill>
         <p:spPr>
           <a:xfrm>
-            <a:off x="8945356" y="192448"/>
-            <a:ext cx="3041951" cy="469946"/>
+            <a:off x="3239770" y="4704715"/>
+            <a:ext cx="5039360" cy="580390"/>
           </a:xfrm>
           <a:prstGeom prst="rect">
             <a:avLst/>
@@ -6713,14 +6149,14 @@
       </p:pic>
       <p:sp>
         <p:nvSpPr>
-          <p:cNvPr id="19" name="文本框 37"/>
+          <p:cNvPr id="5" name="文本框 4"/>
           <p:cNvSpPr txBox="1"/>
           <p:nvPr/>
         </p:nvSpPr>
         <p:spPr>
           <a:xfrm>
-            <a:off x="173355" y="165735"/>
-            <a:ext cx="6948805" cy="520700"/>
+            <a:off x="419735" y="2698115"/>
+            <a:ext cx="11682730" cy="1609725"/>
           </a:xfrm>
           <a:prstGeom prst="rect">
             <a:avLst/>
@@ -6728,47 +6164,430 @@
           <a:noFill/>
         </p:spPr>
         <p:txBody>
-          <a:bodyPr wrap="square" lIns="91431" tIns="45716" rIns="91431" bIns="45716" rtlCol="0">
+          <a:bodyPr wrap="square" rtlCol="0">
             <a:spAutoFit/>
           </a:bodyPr>
           <a:p>
-            <a:r>
-              <a:rPr lang="zh-CN" altLang="en-US" sz="2800" b="1" dirty="0">
-                <a:latin typeface="Times New Roman" panose="02020603050405020304" charset="0"/>
-                <a:cs typeface="Times New Roman" panose="02020603050405020304" charset="0"/>
-                <a:sym typeface="+mn-ea"/>
-              </a:rPr>
-              <a:t>二、</a:t>
-            </a:r>
-            <a:r>
-              <a:rPr lang="en-US" sz="2800" b="1" dirty="0">
-                <a:latin typeface="Times New Roman" panose="02020603050405020304" charset="0"/>
-                <a:cs typeface="Times New Roman" panose="02020603050405020304" charset="0"/>
-                <a:sym typeface="+mn-ea"/>
-              </a:rPr>
-              <a:t>Methods</a:t>
-            </a:r>
-            <a:endParaRPr lang="en-US" sz="2800" b="1" dirty="0">
-              <a:solidFill>
-                <a:schemeClr val="tx1"/>
-              </a:solidFill>
+            <a:pPr>
+              <a:lnSpc>
+                <a:spcPct val="130000"/>
+              </a:lnSpc>
+            </a:pPr>
+            <a:r>
+              <a:rPr lang="en-US" altLang="zh-CN" sz="2000" b="1">
+                <a:latin typeface="Times New Roman" panose="02020603050405020304" charset="0"/>
+                <a:cs typeface="Times New Roman" panose="02020603050405020304" charset="0"/>
+              </a:rPr>
+              <a:t>Dynamic Segment Rollout </a:t>
+            </a:r>
+            <a:endParaRPr lang="en-US" altLang="zh-CN" sz="2000" b="1">
               <a:latin typeface="Times New Roman" panose="02020603050405020304" charset="0"/>
               <a:cs typeface="Times New Roman" panose="02020603050405020304" charset="0"/>
-              <a:sym typeface="+mn-ea"/>
             </a:endParaRPr>
           </a:p>
-        </p:txBody>
-      </p:sp>
-      <p:sp>
-        <p:nvSpPr>
-          <p:cNvPr id="3" name="文本框 2"/>
+          <a:p>
+            <a:pPr>
+              <a:lnSpc>
+                <a:spcPct val="130000"/>
+              </a:lnSpc>
+            </a:pPr>
+            <a:r>
+              <a:rPr lang="zh-CN" altLang="en-US" sz="1400">
+                <a:latin typeface="Times New Roman" panose="02020603050405020304" charset="0"/>
+                <a:ea typeface="微软雅黑" panose="020B0503020204020204" charset="-122"/>
+                <a:cs typeface="Times New Roman" panose="02020603050405020304" charset="0"/>
+              </a:rPr>
+              <a:t>定义一</a:t>
+            </a:r>
+            <a:r>
+              <a:rPr lang="zh-CN" altLang="en-US" sz="1400">
+                <a:latin typeface="微软雅黑" panose="020B0503020204020204" charset="-122"/>
+                <a:ea typeface="微软雅黑" panose="020B0503020204020204" charset="-122"/>
+                <a:cs typeface="微软雅黑" panose="020B0503020204020204" charset="-122"/>
+              </a:rPr>
+              <a:t>个</a:t>
+            </a:r>
+            <a:r>
+              <a:rPr lang="en-US" altLang="zh-CN" sz="1400">
+                <a:latin typeface="微软雅黑" panose="020B0503020204020204" charset="-122"/>
+                <a:ea typeface="微软雅黑" panose="020B0503020204020204" charset="-122"/>
+                <a:cs typeface="微软雅黑" panose="020B0503020204020204" charset="-122"/>
+              </a:rPr>
+              <a:t>”</a:t>
+            </a:r>
+            <a:r>
+              <a:rPr lang="zh-CN" altLang="en-US" sz="1400">
+                <a:latin typeface="Times New Roman" panose="02020603050405020304" charset="0"/>
+                <a:ea typeface="微软雅黑" panose="020B0503020204020204" charset="-122"/>
+                <a:cs typeface="Times New Roman" panose="02020603050405020304" charset="0"/>
+              </a:rPr>
+              <a:t>单</a:t>
+            </a:r>
+            <a:r>
+              <a:rPr lang="en-US" altLang="zh-CN" sz="1400">
+                <a:latin typeface="Times New Roman" panose="02020603050405020304" charset="0"/>
+                <a:ea typeface="微软雅黑" panose="020B0503020204020204" charset="-122"/>
+                <a:cs typeface="Times New Roman" panose="02020603050405020304" charset="0"/>
+              </a:rPr>
+              <a:t>batch</a:t>
+            </a:r>
+            <a:r>
+              <a:rPr lang="zh-CN" altLang="en-US" sz="1400">
+                <a:latin typeface="Times New Roman" panose="02020603050405020304" charset="0"/>
+                <a:ea typeface="微软雅黑" panose="020B0503020204020204" charset="-122"/>
+                <a:cs typeface="Times New Roman" panose="02020603050405020304" charset="0"/>
+              </a:rPr>
+              <a:t>次最大处理</a:t>
+            </a:r>
+            <a:r>
+              <a:rPr lang="en-US" altLang="zh-CN" sz="1400">
+                <a:latin typeface="Times New Roman" panose="02020603050405020304" charset="0"/>
+                <a:ea typeface="微软雅黑" panose="020B0503020204020204" charset="-122"/>
+                <a:cs typeface="Times New Roman" panose="02020603050405020304" charset="0"/>
+              </a:rPr>
+              <a:t>token</a:t>
+            </a:r>
+            <a:r>
+              <a:rPr lang="zh-CN" altLang="en-US" sz="1400">
+                <a:latin typeface="Times New Roman" panose="02020603050405020304" charset="0"/>
+                <a:ea typeface="微软雅黑" panose="020B0503020204020204" charset="-122"/>
+                <a:cs typeface="Times New Roman" panose="02020603050405020304" charset="0"/>
+              </a:rPr>
+              <a:t>数</a:t>
+            </a:r>
+            <a:r>
+              <a:rPr lang="zh-CN" altLang="en-US" sz="1400">
+                <a:latin typeface="微软雅黑" panose="020B0503020204020204" charset="-122"/>
+                <a:ea typeface="微软雅黑" panose="020B0503020204020204" charset="-122"/>
+                <a:cs typeface="微软雅黑" panose="020B0503020204020204" charset="-122"/>
+              </a:rPr>
+              <a:t>”</a:t>
+            </a:r>
+            <a:r>
+              <a:rPr lang="en-US" altLang="zh-CN" sz="1400" i="1">
+                <a:solidFill>
+                  <a:srgbClr val="FF0000"/>
+                </a:solidFill>
+                <a:latin typeface="Times New Roman" panose="02020603050405020304" charset="0"/>
+                <a:ea typeface="微软雅黑" panose="020B0503020204020204" charset="-122"/>
+                <a:cs typeface="Times New Roman" panose="02020603050405020304" charset="0"/>
+              </a:rPr>
+              <a:t>Total_Token_Capacity</a:t>
+            </a:r>
+            <a:r>
+              <a:rPr lang="zh-CN" altLang="en-US" sz="1400">
+                <a:latin typeface="Times New Roman" panose="02020603050405020304" charset="0"/>
+                <a:ea typeface="微软雅黑" panose="020B0503020204020204" charset="-122"/>
+                <a:cs typeface="Times New Roman" panose="02020603050405020304" charset="0"/>
+              </a:rPr>
+              <a:t>，</a:t>
+            </a:r>
+            <a:endParaRPr lang="zh-CN" altLang="en-US" sz="1400">
+              <a:latin typeface="Times New Roman" panose="02020603050405020304" charset="0"/>
+              <a:ea typeface="微软雅黑" panose="020B0503020204020204" charset="-122"/>
+              <a:cs typeface="Times New Roman" panose="02020603050405020304" charset="0"/>
+            </a:endParaRPr>
+          </a:p>
+          <a:p>
+            <a:pPr>
+              <a:lnSpc>
+                <a:spcPct val="130000"/>
+              </a:lnSpc>
+            </a:pPr>
+            <a:r>
+              <a:rPr lang="zh-CN" altLang="en-US" sz="1400">
+                <a:latin typeface="Times New Roman" panose="02020603050405020304" charset="0"/>
+                <a:ea typeface="微软雅黑" panose="020B0503020204020204" charset="-122"/>
+                <a:cs typeface="Times New Roman" panose="02020603050405020304" charset="0"/>
+              </a:rPr>
+              <a:t>以及</a:t>
+            </a:r>
+            <a:endParaRPr lang="zh-CN" altLang="en-US" sz="1400">
+              <a:latin typeface="Times New Roman" panose="02020603050405020304" charset="0"/>
+              <a:ea typeface="微软雅黑" panose="020B0503020204020204" charset="-122"/>
+              <a:cs typeface="Times New Roman" panose="02020603050405020304" charset="0"/>
+            </a:endParaRPr>
+          </a:p>
+          <a:p>
+            <a:pPr>
+              <a:lnSpc>
+                <a:spcPct val="130000"/>
+              </a:lnSpc>
+            </a:pPr>
+            <a:r>
+              <a:rPr lang="en-US" altLang="zh-CN" sz="1400" i="1">
+                <a:solidFill>
+                  <a:srgbClr val="FF0000"/>
+                </a:solidFill>
+                <a:latin typeface="Times New Roman" panose="02020603050405020304" charset="0"/>
+                <a:ea typeface="微软雅黑" panose="020B0503020204020204" charset="-122"/>
+                <a:cs typeface="Times New Roman" panose="02020603050405020304" charset="0"/>
+              </a:rPr>
+              <a:t>L</a:t>
+            </a:r>
+            <a:r>
+              <a:rPr lang="en-US" altLang="zh-CN" sz="1400" i="1" baseline="-25000">
+                <a:solidFill>
+                  <a:srgbClr val="FF0000"/>
+                </a:solidFill>
+                <a:latin typeface="Times New Roman" panose="02020603050405020304" charset="0"/>
+                <a:ea typeface="微软雅黑" panose="020B0503020204020204" charset="-122"/>
+                <a:cs typeface="Times New Roman" panose="02020603050405020304" charset="0"/>
+              </a:rPr>
+              <a:t>max</a:t>
+            </a:r>
+            <a:r>
+              <a:rPr lang="zh-CN" altLang="en-US" sz="1400">
+                <a:latin typeface="Times New Roman" panose="02020603050405020304" charset="0"/>
+                <a:ea typeface="微软雅黑" panose="020B0503020204020204" charset="-122"/>
+                <a:cs typeface="Times New Roman" panose="02020603050405020304" charset="0"/>
+              </a:rPr>
+              <a:t>：</a:t>
+            </a:r>
+            <a:r>
+              <a:rPr lang="en-US" altLang="zh-CN" sz="1400">
+                <a:latin typeface="Times New Roman" panose="02020603050405020304" charset="0"/>
+                <a:ea typeface="微软雅黑" panose="020B0503020204020204" charset="-122"/>
+                <a:cs typeface="Times New Roman" panose="02020603050405020304" charset="0"/>
+              </a:rPr>
+              <a:t>(</a:t>
+            </a:r>
+            <a:r>
+              <a:rPr lang="zh-CN" altLang="en-US" sz="1400">
+                <a:latin typeface="Times New Roman" panose="02020603050405020304" charset="0"/>
+                <a:ea typeface="微软雅黑" panose="020B0503020204020204" charset="-122"/>
+                <a:cs typeface="Times New Roman" panose="02020603050405020304" charset="0"/>
+              </a:rPr>
+              <a:t>单次最大步长</a:t>
+            </a:r>
+            <a:r>
+              <a:rPr lang="en-US" altLang="zh-CN" sz="1400">
+                <a:latin typeface="Times New Roman" panose="02020603050405020304" charset="0"/>
+                <a:ea typeface="微软雅黑" panose="020B0503020204020204" charset="-122"/>
+                <a:cs typeface="Times New Roman" panose="02020603050405020304" charset="0"/>
+              </a:rPr>
+              <a:t>)4096</a:t>
+            </a:r>
+            <a:r>
+              <a:rPr lang="zh-CN" altLang="en-US" sz="1400">
+                <a:latin typeface="Times New Roman" panose="02020603050405020304" charset="0"/>
+                <a:ea typeface="微软雅黑" panose="020B0503020204020204" charset="-122"/>
+                <a:cs typeface="Times New Roman" panose="02020603050405020304" charset="0"/>
+              </a:rPr>
+              <a:t>。</a:t>
+            </a:r>
+            <a:r>
+              <a:rPr lang="en-US" altLang="zh-CN" sz="1400">
+                <a:latin typeface="Times New Roman" panose="02020603050405020304" charset="0"/>
+                <a:ea typeface="微软雅黑" panose="020B0503020204020204" charset="-122"/>
+                <a:cs typeface="Times New Roman" panose="02020603050405020304" charset="0"/>
+              </a:rPr>
+              <a:t> (</a:t>
+            </a:r>
+            <a:r>
+              <a:rPr lang="zh-CN" altLang="en-US" sz="1400">
+                <a:latin typeface="Times New Roman" panose="02020603050405020304" charset="0"/>
+                <a:ea typeface="微软雅黑" panose="020B0503020204020204" charset="-122"/>
+                <a:cs typeface="Times New Roman" panose="02020603050405020304" charset="0"/>
+              </a:rPr>
+              <a:t>即使只有</a:t>
+            </a:r>
+            <a:r>
+              <a:rPr lang="en-US" altLang="zh-CN" sz="1400">
+                <a:latin typeface="Times New Roman" panose="02020603050405020304" charset="0"/>
+                <a:ea typeface="微软雅黑" panose="020B0503020204020204" charset="-122"/>
+                <a:cs typeface="Times New Roman" panose="02020603050405020304" charset="0"/>
+              </a:rPr>
+              <a:t> 1 </a:t>
+            </a:r>
+            <a:r>
+              <a:rPr lang="zh-CN" altLang="en-US" sz="1400">
+                <a:latin typeface="Times New Roman" panose="02020603050405020304" charset="0"/>
+                <a:ea typeface="微软雅黑" panose="020B0503020204020204" charset="-122"/>
+                <a:cs typeface="Times New Roman" panose="02020603050405020304" charset="0"/>
+              </a:rPr>
+              <a:t>个样本，一次也不要生成超过</a:t>
+            </a:r>
+            <a:r>
+              <a:rPr lang="en-US" altLang="zh-CN" sz="1400">
+                <a:latin typeface="Times New Roman" panose="02020603050405020304" charset="0"/>
+                <a:ea typeface="微软雅黑" panose="020B0503020204020204" charset="-122"/>
+                <a:cs typeface="Times New Roman" panose="02020603050405020304" charset="0"/>
+              </a:rPr>
+              <a:t> 4k</a:t>
+            </a:r>
+            <a:r>
+              <a:rPr lang="zh-CN" altLang="en-US" sz="1400">
+                <a:latin typeface="Times New Roman" panose="02020603050405020304" charset="0"/>
+                <a:ea typeface="微软雅黑" panose="020B0503020204020204" charset="-122"/>
+                <a:cs typeface="Times New Roman" panose="02020603050405020304" charset="0"/>
+              </a:rPr>
+              <a:t>，防止单次卡顿太久，</a:t>
+            </a:r>
+            <a:endParaRPr lang="zh-CN" altLang="en-US" sz="1400">
+              <a:latin typeface="Times New Roman" panose="02020603050405020304" charset="0"/>
+              <a:ea typeface="微软雅黑" panose="020B0503020204020204" charset="-122"/>
+              <a:cs typeface="Times New Roman" panose="02020603050405020304" charset="0"/>
+            </a:endParaRPr>
+          </a:p>
+          <a:p>
+            <a:pPr>
+              <a:lnSpc>
+                <a:spcPct val="130000"/>
+              </a:lnSpc>
+            </a:pPr>
+            <a:r>
+              <a:rPr lang="en-US" altLang="zh-CN" sz="1400" i="1">
+                <a:solidFill>
+                  <a:srgbClr val="FF0000"/>
+                </a:solidFill>
+                <a:latin typeface="Times New Roman" panose="02020603050405020304" charset="0"/>
+                <a:ea typeface="微软雅黑" panose="020B0503020204020204" charset="-122"/>
+                <a:cs typeface="Times New Roman" panose="02020603050405020304" charset="0"/>
+              </a:rPr>
+              <a:t>L</a:t>
+            </a:r>
+            <a:r>
+              <a:rPr lang="en-US" altLang="zh-CN" sz="1400" i="1" baseline="-25000">
+                <a:solidFill>
+                  <a:srgbClr val="FF0000"/>
+                </a:solidFill>
+                <a:latin typeface="Times New Roman" panose="02020603050405020304" charset="0"/>
+                <a:ea typeface="微软雅黑" panose="020B0503020204020204" charset="-122"/>
+                <a:cs typeface="Times New Roman" panose="02020603050405020304" charset="0"/>
+              </a:rPr>
+              <a:t>min</a:t>
+            </a:r>
+            <a:r>
+              <a:rPr lang="zh-CN" altLang="en-US" sz="1400">
+                <a:latin typeface="Times New Roman" panose="02020603050405020304" charset="0"/>
+                <a:ea typeface="微软雅黑" panose="020B0503020204020204" charset="-122"/>
+                <a:cs typeface="Times New Roman" panose="02020603050405020304" charset="0"/>
+              </a:rPr>
+              <a:t>：</a:t>
+            </a:r>
+            <a:r>
+              <a:rPr lang="en-US" altLang="zh-CN" sz="1400">
+                <a:latin typeface="Times New Roman" panose="02020603050405020304" charset="0"/>
+                <a:ea typeface="微软雅黑" panose="020B0503020204020204" charset="-122"/>
+                <a:cs typeface="Times New Roman" panose="02020603050405020304" charset="0"/>
+              </a:rPr>
+              <a:t>(</a:t>
+            </a:r>
+            <a:r>
+              <a:rPr lang="zh-CN" altLang="en-US" sz="1400">
+                <a:latin typeface="Times New Roman" panose="02020603050405020304" charset="0"/>
+                <a:ea typeface="微软雅黑" panose="020B0503020204020204" charset="-122"/>
+                <a:cs typeface="Times New Roman" panose="02020603050405020304" charset="0"/>
+              </a:rPr>
+              <a:t>单次最小步长</a:t>
+            </a:r>
+            <a:r>
+              <a:rPr lang="en-US" altLang="zh-CN" sz="1400">
+                <a:latin typeface="Times New Roman" panose="02020603050405020304" charset="0"/>
+                <a:ea typeface="微软雅黑" panose="020B0503020204020204" charset="-122"/>
+                <a:cs typeface="Times New Roman" panose="02020603050405020304" charset="0"/>
+              </a:rPr>
+              <a:t>)</a:t>
+            </a:r>
+            <a:r>
+              <a:rPr lang="zh-CN" altLang="en-US" sz="1400">
+                <a:latin typeface="Times New Roman" panose="02020603050405020304" charset="0"/>
+                <a:ea typeface="微软雅黑" panose="020B0503020204020204" charset="-122"/>
+                <a:cs typeface="Times New Roman" panose="02020603050405020304" charset="0"/>
+              </a:rPr>
+              <a:t>：</a:t>
+            </a:r>
+            <a:r>
+              <a:rPr lang="en-US" altLang="zh-CN" sz="1400">
+                <a:latin typeface="Times New Roman" panose="02020603050405020304" charset="0"/>
+                <a:ea typeface="微软雅黑" panose="020B0503020204020204" charset="-122"/>
+                <a:cs typeface="Times New Roman" panose="02020603050405020304" charset="0"/>
+              </a:rPr>
+              <a:t>64</a:t>
+            </a:r>
+            <a:r>
+              <a:rPr lang="zh-CN" altLang="en-US" sz="1400">
+                <a:latin typeface="Times New Roman" panose="02020603050405020304" charset="0"/>
+                <a:ea typeface="微软雅黑" panose="020B0503020204020204" charset="-122"/>
+                <a:cs typeface="Times New Roman" panose="02020603050405020304" charset="0"/>
+              </a:rPr>
+              <a:t>。</a:t>
+            </a:r>
+            <a:r>
+              <a:rPr lang="en-US" altLang="zh-CN" sz="1400">
+                <a:latin typeface="Times New Roman" panose="02020603050405020304" charset="0"/>
+                <a:ea typeface="微软雅黑" panose="020B0503020204020204" charset="-122"/>
+                <a:cs typeface="Times New Roman" panose="02020603050405020304" charset="0"/>
+              </a:rPr>
+              <a:t> (</a:t>
+            </a:r>
+            <a:r>
+              <a:rPr lang="zh-CN" altLang="en-US" sz="1400">
+                <a:latin typeface="Times New Roman" panose="02020603050405020304" charset="0"/>
+                <a:ea typeface="微软雅黑" panose="020B0503020204020204" charset="-122"/>
+                <a:cs typeface="Times New Roman" panose="02020603050405020304" charset="0"/>
+              </a:rPr>
+              <a:t>太短了会导致</a:t>
+            </a:r>
+            <a:r>
+              <a:rPr lang="en-US" altLang="zh-CN" sz="1400">
+                <a:latin typeface="Times New Roman" panose="02020603050405020304" charset="0"/>
+                <a:ea typeface="微软雅黑" panose="020B0503020204020204" charset="-122"/>
+                <a:cs typeface="Times New Roman" panose="02020603050405020304" charset="0"/>
+              </a:rPr>
+              <a:t> Python </a:t>
+            </a:r>
+            <a:r>
+              <a:rPr lang="zh-CN" altLang="en-US" sz="1400">
+                <a:latin typeface="Times New Roman" panose="02020603050405020304" charset="0"/>
+                <a:ea typeface="微软雅黑" panose="020B0503020204020204" charset="-122"/>
+                <a:cs typeface="Times New Roman" panose="02020603050405020304" charset="0"/>
+              </a:rPr>
+              <a:t>循环开销大于</a:t>
+            </a:r>
+            <a:r>
+              <a:rPr lang="en-US" altLang="zh-CN" sz="1400">
+                <a:latin typeface="Times New Roman" panose="02020603050405020304" charset="0"/>
+                <a:ea typeface="微软雅黑" panose="020B0503020204020204" charset="-122"/>
+                <a:cs typeface="Times New Roman" panose="02020603050405020304" charset="0"/>
+              </a:rPr>
+              <a:t> GPU </a:t>
+            </a:r>
+            <a:r>
+              <a:rPr lang="zh-CN" altLang="en-US" sz="1400">
+                <a:latin typeface="Times New Roman" panose="02020603050405020304" charset="0"/>
+                <a:ea typeface="微软雅黑" panose="020B0503020204020204" charset="-122"/>
+                <a:cs typeface="Times New Roman" panose="02020603050405020304" charset="0"/>
+              </a:rPr>
+              <a:t>计算时间，得不偿失。</a:t>
+            </a:r>
+            <a:r>
+              <a:rPr lang="en-US" altLang="zh-CN" sz="1400">
+                <a:latin typeface="Times New Roman" panose="02020603050405020304" charset="0"/>
+                <a:ea typeface="微软雅黑" panose="020B0503020204020204" charset="-122"/>
+                <a:cs typeface="Times New Roman" panose="02020603050405020304" charset="0"/>
+              </a:rPr>
+              <a:t>)</a:t>
+            </a:r>
+            <a:endParaRPr lang="en-US" altLang="zh-CN" sz="1400">
+              <a:latin typeface="Times New Roman" panose="02020603050405020304" charset="0"/>
+              <a:ea typeface="微软雅黑" panose="020B0503020204020204" charset="-122"/>
+              <a:cs typeface="Times New Roman" panose="02020603050405020304" charset="0"/>
+            </a:endParaRPr>
+          </a:p>
+        </p:txBody>
+      </p:sp>
+      <p:sp>
+        <p:nvSpPr>
+          <p:cNvPr id="6" name="文本框 5"/>
           <p:cNvSpPr txBox="1"/>
           <p:nvPr/>
         </p:nvSpPr>
         <p:spPr>
           <a:xfrm>
-            <a:off x="281940" y="852170"/>
-            <a:ext cx="11778615" cy="4407535"/>
+            <a:off x="488950" y="5562600"/>
+            <a:ext cx="10953750" cy="730885"/>
           </a:xfrm>
           <a:prstGeom prst="rect">
             <a:avLst/>
@@ -6786,725 +6605,83 @@
               </a:lnSpc>
             </a:pPr>
             <a:r>
-              <a:rPr lang="en-US" altLang="zh-CN">
-                <a:latin typeface="Times New Roman" panose="02020603050405020304" charset="0"/>
-                <a:cs typeface="Times New Roman" panose="02020603050405020304" charset="0"/>
-              </a:rPr>
-              <a:t>Fast Workers: 4 </a:t>
-            </a:r>
-            <a:r>
-              <a:rPr lang="zh-CN" altLang="en-US">
-                <a:latin typeface="Times New Roman" panose="02020603050405020304" charset="0"/>
-                <a:cs typeface="Times New Roman" panose="02020603050405020304" charset="0"/>
-              </a:rPr>
-              <a:t>张</a:t>
-            </a:r>
-            <a:r>
-              <a:rPr lang="en-US" altLang="zh-CN">
-                <a:latin typeface="Times New Roman" panose="02020603050405020304" charset="0"/>
-                <a:cs typeface="Times New Roman" panose="02020603050405020304" charset="0"/>
-              </a:rPr>
-              <a:t>, </a:t>
-            </a:r>
-            <a:r>
-              <a:rPr lang="zh-CN" altLang="en-US">
-                <a:latin typeface="Times New Roman" panose="02020603050405020304" charset="0"/>
-                <a:cs typeface="Times New Roman" panose="02020603050405020304" charset="0"/>
-              </a:rPr>
-              <a:t>追求高吞吐</a:t>
-            </a:r>
-            <a:r>
-              <a:rPr lang="en-US" altLang="zh-CN">
-                <a:latin typeface="Times New Roman" panose="02020603050405020304" charset="0"/>
-                <a:cs typeface="Times New Roman" panose="02020603050405020304" charset="0"/>
-              </a:rPr>
-              <a:t>		Heavy Workers: 1 </a:t>
-            </a:r>
-            <a:r>
-              <a:rPr lang="zh-CN" altLang="en-US">
-                <a:latin typeface="Times New Roman" panose="02020603050405020304" charset="0"/>
-                <a:cs typeface="Times New Roman" panose="02020603050405020304" charset="0"/>
-              </a:rPr>
-              <a:t>张</a:t>
-            </a:r>
-            <a:r>
-              <a:rPr lang="en-US" altLang="zh-CN">
-                <a:latin typeface="Times New Roman" panose="02020603050405020304" charset="0"/>
-                <a:cs typeface="Times New Roman" panose="02020603050405020304" charset="0"/>
-              </a:rPr>
-              <a:t> </a:t>
-            </a:r>
-            <a:r>
-              <a:rPr lang="zh-CN" altLang="en-US">
-                <a:latin typeface="Times New Roman" panose="02020603050405020304" charset="0"/>
-                <a:cs typeface="Times New Roman" panose="02020603050405020304" charset="0"/>
-              </a:rPr>
-              <a:t>专门处理长尾</a:t>
-            </a:r>
-            <a:endParaRPr lang="en-US" altLang="zh-CN">
+              <a:rPr lang="zh-CN" altLang="en-US" sz="1600">
+                <a:latin typeface="Times New Roman" panose="02020603050405020304" charset="0"/>
+                <a:sym typeface="+mn-ea"/>
+              </a:rPr>
+              <a:t>流程：起步阶段（</a:t>
+            </a:r>
+            <a:r>
+              <a:rPr lang="en-US" altLang="zh-CN" sz="1600" b="1" i="1">
+                <a:solidFill>
+                  <a:srgbClr val="FF0000"/>
+                </a:solidFill>
+                <a:latin typeface="Times New Roman" panose="02020603050405020304" charset="0"/>
+                <a:sym typeface="+mn-ea"/>
+              </a:rPr>
+              <a:t>N</a:t>
+            </a:r>
+            <a:r>
+              <a:rPr lang="en-US" altLang="zh-CN" sz="1600" b="1" i="1" baseline="-25000">
+                <a:solidFill>
+                  <a:srgbClr val="FF0000"/>
+                </a:solidFill>
+                <a:latin typeface="Times New Roman" panose="02020603050405020304" charset="0"/>
+                <a:sym typeface="+mn-ea"/>
+              </a:rPr>
+              <a:t>active </a:t>
+            </a:r>
+            <a:r>
+              <a:rPr lang="zh-CN" altLang="en-US" sz="1600">
+                <a:latin typeface="Times New Roman" panose="02020603050405020304" charset="0"/>
+                <a:sym typeface="+mn-ea"/>
+              </a:rPr>
+              <a:t>大）用极短步长（如</a:t>
+            </a:r>
+            <a:r>
+              <a:rPr lang="en-US" altLang="zh-CN" sz="1600">
+                <a:latin typeface="Times New Roman" panose="02020603050405020304" charset="0"/>
+                <a:sym typeface="+mn-ea"/>
+              </a:rPr>
+              <a:t> 64</a:t>
+            </a:r>
+            <a:r>
+              <a:rPr lang="zh-CN" altLang="en-US" sz="1600">
+                <a:latin typeface="Times New Roman" panose="02020603050405020304" charset="0"/>
+                <a:sym typeface="+mn-ea"/>
+              </a:rPr>
+              <a:t>）快速清洗简单题；收尾阶段（</a:t>
+            </a:r>
+            <a:r>
+              <a:rPr lang="en-US" altLang="zh-CN" sz="1600" b="1" i="1">
+                <a:solidFill>
+                  <a:srgbClr val="FF0000"/>
+                </a:solidFill>
+                <a:latin typeface="Times New Roman" panose="02020603050405020304" charset="0"/>
+                <a:sym typeface="+mn-ea"/>
+              </a:rPr>
+              <a:t>N</a:t>
+            </a:r>
+            <a:r>
+              <a:rPr lang="en-US" altLang="zh-CN" sz="1600" b="1" i="1" baseline="-25000">
+                <a:solidFill>
+                  <a:srgbClr val="FF0000"/>
+                </a:solidFill>
+                <a:latin typeface="Times New Roman" panose="02020603050405020304" charset="0"/>
+                <a:sym typeface="+mn-ea"/>
+              </a:rPr>
+              <a:t>active </a:t>
+            </a:r>
+            <a:r>
+              <a:rPr lang="zh-CN" altLang="en-US" sz="1600">
+                <a:latin typeface="Times New Roman" panose="02020603050405020304" charset="0"/>
+                <a:sym typeface="+mn-ea"/>
+              </a:rPr>
+              <a:t>小）步长自动拉满，让长尾任务全速跑完。</a:t>
+            </a:r>
+            <a:endParaRPr lang="en-US" altLang="zh-CN" sz="1600" b="1">
               <a:latin typeface="Times New Roman" panose="02020603050405020304" charset="0"/>
-              <a:cs typeface="Times New Roman" panose="02020603050405020304" charset="0"/>
-            </a:endParaRPr>
-          </a:p>
-          <a:p>
-            <a:pPr>
-              <a:lnSpc>
-                <a:spcPct val="130000"/>
-              </a:lnSpc>
-            </a:pPr>
-            <a:r>
-              <a:rPr lang="zh-CN" altLang="en-US" b="1">
-                <a:latin typeface="Times New Roman" panose="02020603050405020304" charset="0"/>
-                <a:cs typeface="Times New Roman" panose="02020603050405020304" charset="0"/>
-              </a:rPr>
-              <a:t>全局参数：</a:t>
-            </a:r>
-            <a:endParaRPr lang="en-US" altLang="zh-CN" b="1">
-              <a:latin typeface="Times New Roman" panose="02020603050405020304" charset="0"/>
-              <a:cs typeface="Times New Roman" panose="02020603050405020304" charset="0"/>
-            </a:endParaRPr>
-          </a:p>
-          <a:p>
-            <a:pPr>
-              <a:lnSpc>
-                <a:spcPct val="130000"/>
-              </a:lnSpc>
-            </a:pPr>
-            <a:r>
-              <a:rPr lang="en-US" altLang="zh-CN" b="1">
-                <a:latin typeface="Times New Roman" panose="02020603050405020304" charset="0"/>
-                <a:cs typeface="Times New Roman" panose="02020603050405020304" charset="0"/>
-              </a:rPr>
-              <a:t>Total_Token_Capacity: </a:t>
-            </a:r>
-            <a:r>
-              <a:rPr lang="en-US" altLang="zh-CN">
-                <a:latin typeface="Times New Roman" panose="02020603050405020304" charset="0"/>
-                <a:cs typeface="Times New Roman" panose="02020603050405020304" charset="0"/>
-              </a:rPr>
-              <a:t>65,536 (</a:t>
-            </a:r>
-            <a:r>
-              <a:rPr lang="zh-CN" altLang="en-US">
-                <a:latin typeface="Times New Roman" panose="02020603050405020304" charset="0"/>
-                <a:cs typeface="Times New Roman" panose="02020603050405020304" charset="0"/>
-              </a:rPr>
-              <a:t>单卡单次最大处理</a:t>
-            </a:r>
-            <a:r>
-              <a:rPr lang="en-US" altLang="zh-CN">
-                <a:latin typeface="Times New Roman" panose="02020603050405020304" charset="0"/>
-                <a:cs typeface="Times New Roman" panose="02020603050405020304" charset="0"/>
-              </a:rPr>
-              <a:t> Token </a:t>
-            </a:r>
-            <a:r>
-              <a:rPr lang="zh-CN" altLang="en-US">
-                <a:latin typeface="Times New Roman" panose="02020603050405020304" charset="0"/>
-                <a:cs typeface="Times New Roman" panose="02020603050405020304" charset="0"/>
-              </a:rPr>
-              <a:t>数</a:t>
-            </a:r>
-            <a:r>
-              <a:rPr lang="en-US" altLang="zh-CN">
-                <a:latin typeface="Times New Roman" panose="02020603050405020304" charset="0"/>
-                <a:cs typeface="Times New Roman" panose="02020603050405020304" charset="0"/>
-              </a:rPr>
-              <a:t>)	</a:t>
-            </a:r>
-            <a:r>
-              <a:rPr lang="en-US" altLang="zh-CN" b="1">
-                <a:latin typeface="Times New Roman" panose="02020603050405020304" charset="0"/>
-                <a:cs typeface="Times New Roman" panose="02020603050405020304" charset="0"/>
-              </a:rPr>
-              <a:t>L_max: </a:t>
-            </a:r>
-            <a:r>
-              <a:rPr lang="en-US" altLang="zh-CN">
-                <a:latin typeface="Times New Roman" panose="02020603050405020304" charset="0"/>
-                <a:cs typeface="Times New Roman" panose="02020603050405020304" charset="0"/>
-              </a:rPr>
-              <a:t>4096, 	</a:t>
-            </a:r>
-            <a:r>
-              <a:rPr lang="en-US" altLang="zh-CN" b="1">
-                <a:latin typeface="Times New Roman" panose="02020603050405020304" charset="0"/>
-                <a:cs typeface="Times New Roman" panose="02020603050405020304" charset="0"/>
-              </a:rPr>
-              <a:t>L_min:</a:t>
-            </a:r>
-            <a:r>
-              <a:rPr lang="en-US" altLang="zh-CN">
-                <a:latin typeface="Times New Roman" panose="02020603050405020304" charset="0"/>
-                <a:cs typeface="Times New Roman" panose="02020603050405020304" charset="0"/>
-              </a:rPr>
-              <a:t> 64</a:t>
-            </a:r>
-            <a:r>
-              <a:rPr lang="zh-CN" altLang="en-US">
-                <a:latin typeface="Times New Roman" panose="02020603050405020304" charset="0"/>
-                <a:cs typeface="Times New Roman" panose="02020603050405020304" charset="0"/>
-              </a:rPr>
-              <a:t>。</a:t>
-            </a:r>
-            <a:endParaRPr lang="en-US" altLang="zh-CN">
-              <a:latin typeface="Times New Roman" panose="02020603050405020304" charset="0"/>
-              <a:cs typeface="Times New Roman" panose="02020603050405020304" charset="0"/>
-            </a:endParaRPr>
-          </a:p>
-          <a:p>
-            <a:pPr>
-              <a:lnSpc>
-                <a:spcPct val="130000"/>
-              </a:lnSpc>
-            </a:pPr>
-            <a:r>
-              <a:rPr lang="en-US" altLang="zh-CN" b="1">
-                <a:latin typeface="Times New Roman" panose="02020603050405020304" charset="0"/>
-                <a:cs typeface="Times New Roman" panose="02020603050405020304" charset="0"/>
-              </a:rPr>
-              <a:t>Time_Limit_Fast: </a:t>
-            </a:r>
-            <a:r>
-              <a:rPr lang="en-US" altLang="zh-CN">
-                <a:latin typeface="Times New Roman" panose="02020603050405020304" charset="0"/>
-                <a:cs typeface="Times New Roman" panose="02020603050405020304" charset="0"/>
-              </a:rPr>
-              <a:t>5</a:t>
-            </a:r>
-            <a:r>
-              <a:rPr lang="zh-CN" altLang="en-US">
-                <a:latin typeface="Times New Roman" panose="02020603050405020304" charset="0"/>
-                <a:cs typeface="Times New Roman" panose="02020603050405020304" charset="0"/>
-              </a:rPr>
-              <a:t>秒</a:t>
-            </a:r>
-            <a:r>
-              <a:rPr lang="en-US" altLang="zh-CN">
-                <a:latin typeface="Times New Roman" panose="02020603050405020304" charset="0"/>
-                <a:cs typeface="Times New Roman" panose="02020603050405020304" charset="0"/>
-              </a:rPr>
-              <a:t> (Fast Worker </a:t>
-            </a:r>
-            <a:r>
-              <a:rPr lang="zh-CN" altLang="en-US">
-                <a:latin typeface="Times New Roman" panose="02020603050405020304" charset="0"/>
-                <a:cs typeface="Times New Roman" panose="02020603050405020304" charset="0"/>
-              </a:rPr>
-              <a:t>单样本最大容忍时间</a:t>
-            </a:r>
-            <a:r>
-              <a:rPr lang="en-US" altLang="zh-CN">
-                <a:latin typeface="Times New Roman" panose="02020603050405020304" charset="0"/>
-                <a:cs typeface="Times New Roman" panose="02020603050405020304" charset="0"/>
-              </a:rPr>
-              <a:t>)</a:t>
-            </a:r>
-            <a:endParaRPr lang="en-US" altLang="zh-CN">
-              <a:latin typeface="Times New Roman" panose="02020603050405020304" charset="0"/>
-              <a:cs typeface="Times New Roman" panose="02020603050405020304" charset="0"/>
-            </a:endParaRPr>
-          </a:p>
-          <a:p>
-            <a:pPr>
-              <a:lnSpc>
-                <a:spcPct val="130000"/>
-              </a:lnSpc>
-            </a:pPr>
-            <a:r>
-              <a:rPr lang="zh-CN" altLang="en-US">
-                <a:latin typeface="Times New Roman" panose="02020603050405020304" charset="0"/>
-                <a:cs typeface="Times New Roman" panose="02020603050405020304" charset="0"/>
-              </a:rPr>
-              <a:t>数据</a:t>
-            </a:r>
-            <a:r>
-              <a:rPr lang="en-US" altLang="zh-CN">
-                <a:latin typeface="Times New Roman" panose="02020603050405020304" charset="0"/>
-                <a:cs typeface="Times New Roman" panose="02020603050405020304" charset="0"/>
-              </a:rPr>
-              <a:t> Batch (10,000 </a:t>
-            </a:r>
-            <a:r>
-              <a:rPr lang="zh-CN" altLang="en-US">
-                <a:latin typeface="Times New Roman" panose="02020603050405020304" charset="0"/>
-                <a:cs typeface="Times New Roman" panose="02020603050405020304" charset="0"/>
-              </a:rPr>
-              <a:t>条</a:t>
-            </a:r>
-            <a:r>
-              <a:rPr lang="en-US" altLang="zh-CN">
-                <a:latin typeface="Times New Roman" panose="02020603050405020304" charset="0"/>
-                <a:cs typeface="Times New Roman" panose="02020603050405020304" charset="0"/>
-              </a:rPr>
-              <a:t> Prompt)</a:t>
-            </a:r>
-            <a:r>
-              <a:rPr lang="zh-CN" altLang="en-US">
-                <a:latin typeface="Times New Roman" panose="02020603050405020304" charset="0"/>
-                <a:cs typeface="Times New Roman" panose="02020603050405020304" charset="0"/>
-              </a:rPr>
-              <a:t>：</a:t>
-            </a:r>
-            <a:endParaRPr lang="en-US" altLang="zh-CN">
-              <a:latin typeface="Times New Roman" panose="02020603050405020304" charset="0"/>
-              <a:cs typeface="Times New Roman" panose="02020603050405020304" charset="0"/>
-            </a:endParaRPr>
-          </a:p>
-          <a:p>
-            <a:pPr>
-              <a:lnSpc>
-                <a:spcPct val="130000"/>
-              </a:lnSpc>
-            </a:pPr>
-            <a:r>
-              <a:rPr lang="zh-CN" altLang="en-US">
-                <a:latin typeface="Times New Roman" panose="02020603050405020304" charset="0"/>
-                <a:cs typeface="Times New Roman" panose="02020603050405020304" charset="0"/>
-              </a:rPr>
-              <a:t>绝大部分</a:t>
-            </a:r>
-            <a:r>
-              <a:rPr lang="en-US" altLang="zh-CN">
-                <a:latin typeface="Times New Roman" panose="02020603050405020304" charset="0"/>
-                <a:cs typeface="Times New Roman" panose="02020603050405020304" charset="0"/>
-              </a:rPr>
-              <a:t> (80%): </a:t>
-            </a:r>
-            <a:r>
-              <a:rPr lang="zh-CN" altLang="en-US">
-                <a:latin typeface="Times New Roman" panose="02020603050405020304" charset="0"/>
-                <a:cs typeface="Times New Roman" panose="02020603050405020304" charset="0"/>
-              </a:rPr>
-              <a:t>简单问答，预计生成</a:t>
-            </a:r>
-            <a:r>
-              <a:rPr lang="en-US" altLang="zh-CN">
-                <a:latin typeface="Times New Roman" panose="02020603050405020304" charset="0"/>
-                <a:cs typeface="Times New Roman" panose="02020603050405020304" charset="0"/>
-              </a:rPr>
-              <a:t> &lt; 200 tokens</a:t>
-            </a:r>
-            <a:endParaRPr lang="en-US" altLang="zh-CN">
-              <a:latin typeface="Times New Roman" panose="02020603050405020304" charset="0"/>
-              <a:cs typeface="Times New Roman" panose="02020603050405020304" charset="0"/>
-            </a:endParaRPr>
-          </a:p>
-          <a:p>
-            <a:pPr>
-              <a:lnSpc>
-                <a:spcPct val="130000"/>
-              </a:lnSpc>
-            </a:pPr>
-            <a:r>
-              <a:rPr lang="zh-CN" altLang="en-US">
-                <a:latin typeface="Times New Roman" panose="02020603050405020304" charset="0"/>
-                <a:cs typeface="Times New Roman" panose="02020603050405020304" charset="0"/>
-              </a:rPr>
-              <a:t>极少数</a:t>
-            </a:r>
-            <a:r>
-              <a:rPr lang="en-US" altLang="zh-CN">
-                <a:latin typeface="Times New Roman" panose="02020603050405020304" charset="0"/>
-                <a:cs typeface="Times New Roman" panose="02020603050405020304" charset="0"/>
-              </a:rPr>
-              <a:t> (5%): </a:t>
-            </a:r>
-            <a:r>
-              <a:rPr lang="zh-CN" altLang="en-US">
-                <a:latin typeface="Times New Roman" panose="02020603050405020304" charset="0"/>
-                <a:cs typeface="Times New Roman" panose="02020603050405020304" charset="0"/>
-              </a:rPr>
-              <a:t>代码生成</a:t>
-            </a:r>
-            <a:r>
-              <a:rPr lang="en-US" altLang="zh-CN">
-                <a:latin typeface="Times New Roman" panose="02020603050405020304" charset="0"/>
-                <a:cs typeface="Times New Roman" panose="02020603050405020304" charset="0"/>
-              </a:rPr>
-              <a:t>/</a:t>
-            </a:r>
-            <a:r>
-              <a:rPr lang="zh-CN" altLang="en-US">
-                <a:latin typeface="Times New Roman" panose="02020603050405020304" charset="0"/>
-                <a:cs typeface="Times New Roman" panose="02020603050405020304" charset="0"/>
-              </a:rPr>
-              <a:t>长文，预计生成</a:t>
-            </a:r>
-            <a:r>
-              <a:rPr lang="en-US" altLang="zh-CN">
-                <a:latin typeface="Times New Roman" panose="02020603050405020304" charset="0"/>
-                <a:cs typeface="Times New Roman" panose="02020603050405020304" charset="0"/>
-              </a:rPr>
-              <a:t> &gt; 2000 tokens</a:t>
-            </a:r>
-            <a:endParaRPr lang="en-US" altLang="zh-CN">
-              <a:latin typeface="Times New Roman" panose="02020603050405020304" charset="0"/>
-              <a:cs typeface="Times New Roman" panose="02020603050405020304" charset="0"/>
-            </a:endParaRPr>
-          </a:p>
-          <a:p>
-            <a:pPr>
-              <a:lnSpc>
-                <a:spcPct val="130000"/>
-              </a:lnSpc>
-            </a:pPr>
-            <a:r>
-              <a:rPr lang="zh-CN" altLang="en-US">
-                <a:latin typeface="Times New Roman" panose="02020603050405020304" charset="0"/>
-                <a:cs typeface="Times New Roman" panose="02020603050405020304" charset="0"/>
-              </a:rPr>
-              <a:t>刺头样本</a:t>
-            </a:r>
-            <a:r>
-              <a:rPr lang="en-US" altLang="zh-CN">
-                <a:latin typeface="Times New Roman" panose="02020603050405020304" charset="0"/>
-                <a:cs typeface="Times New Roman" panose="02020603050405020304" charset="0"/>
-              </a:rPr>
-              <a:t> (ID #9527): </a:t>
-            </a:r>
-            <a:r>
-              <a:rPr lang="zh-CN" altLang="en-US">
-                <a:latin typeface="Times New Roman" panose="02020603050405020304" charset="0"/>
-                <a:cs typeface="Times New Roman" panose="02020603050405020304" charset="0"/>
-              </a:rPr>
-              <a:t>历史记录</a:t>
-            </a:r>
-            <a:r>
-              <a:rPr lang="zh-CN" altLang="en-US">
-                <a:latin typeface="微软雅黑" panose="020B0503020204020204" charset="-122"/>
-                <a:ea typeface="微软雅黑" panose="020B0503020204020204" charset="-122"/>
-                <a:cs typeface="微软雅黑" panose="020B0503020204020204" charset="-122"/>
-              </a:rPr>
-              <a:t>它是</a:t>
-            </a:r>
-            <a:r>
-              <a:rPr lang="en-US" altLang="zh-CN">
-                <a:latin typeface="微软雅黑" panose="020B0503020204020204" charset="-122"/>
-                <a:ea typeface="微软雅黑" panose="020B0503020204020204" charset="-122"/>
-                <a:cs typeface="微软雅黑" panose="020B0503020204020204" charset="-122"/>
-              </a:rPr>
-              <a:t>“</a:t>
-            </a:r>
-            <a:r>
-              <a:rPr lang="zh-CN" altLang="en-US">
-                <a:latin typeface="微软雅黑" panose="020B0503020204020204" charset="-122"/>
-                <a:ea typeface="微软雅黑" panose="020B0503020204020204" charset="-122"/>
-                <a:cs typeface="微软雅黑" panose="020B0503020204020204" charset="-122"/>
-              </a:rPr>
-              <a:t>短样本</a:t>
-            </a:r>
-            <a:r>
-              <a:rPr lang="en-US" altLang="zh-CN">
-                <a:latin typeface="微软雅黑" panose="020B0503020204020204" charset="-122"/>
-                <a:ea typeface="微软雅黑" panose="020B0503020204020204" charset="-122"/>
-                <a:cs typeface="微软雅黑" panose="020B0503020204020204" charset="-122"/>
-              </a:rPr>
-              <a:t>”</a:t>
-            </a:r>
-            <a:r>
-              <a:rPr lang="zh-CN" altLang="en-US">
-                <a:latin typeface="微软雅黑" panose="020B0503020204020204" charset="-122"/>
-                <a:ea typeface="微软雅黑" panose="020B0503020204020204" charset="-122"/>
-                <a:cs typeface="微软雅黑" panose="020B0503020204020204" charset="-122"/>
-              </a:rPr>
-              <a:t>，但这次模型突然</a:t>
-            </a:r>
-            <a:r>
-              <a:rPr lang="en-US" altLang="zh-CN">
-                <a:latin typeface="微软雅黑" panose="020B0503020204020204" charset="-122"/>
-                <a:ea typeface="微软雅黑" panose="020B0503020204020204" charset="-122"/>
-                <a:cs typeface="微软雅黑" panose="020B0503020204020204" charset="-122"/>
-              </a:rPr>
-              <a:t>“</a:t>
-            </a:r>
-            <a:r>
-              <a:rPr lang="zh-CN" altLang="en-US">
-                <a:latin typeface="微软雅黑" panose="020B0503020204020204" charset="-122"/>
-                <a:ea typeface="微软雅黑" panose="020B0503020204020204" charset="-122"/>
-                <a:cs typeface="微软雅黑" panose="020B0503020204020204" charset="-122"/>
-              </a:rPr>
-              <a:t>顿悟</a:t>
-            </a:r>
-            <a:r>
-              <a:rPr lang="en-US" altLang="zh-CN">
-                <a:latin typeface="微软雅黑" panose="020B0503020204020204" charset="-122"/>
-                <a:ea typeface="微软雅黑" panose="020B0503020204020204" charset="-122"/>
-                <a:cs typeface="微软雅黑" panose="020B0503020204020204" charset="-122"/>
-              </a:rPr>
-              <a:t>”</a:t>
-            </a:r>
-            <a:r>
-              <a:rPr lang="zh-CN" altLang="en-US">
-                <a:latin typeface="微软雅黑" panose="020B0503020204020204" charset="-122"/>
-                <a:ea typeface="微软雅黑" panose="020B0503020204020204" charset="-122"/>
-                <a:cs typeface="微软雅黑" panose="020B0503020204020204" charset="-122"/>
-              </a:rPr>
-              <a:t>了</a:t>
-            </a:r>
-            <a:r>
-              <a:rPr lang="zh-CN" altLang="en-US">
-                <a:latin typeface="Times New Roman" panose="02020603050405020304" charset="0"/>
-                <a:cs typeface="Times New Roman" panose="02020603050405020304" charset="0"/>
-              </a:rPr>
-              <a:t>，准备生成</a:t>
-            </a:r>
-            <a:r>
-              <a:rPr lang="en-US" altLang="zh-CN">
-                <a:latin typeface="Times New Roman" panose="02020603050405020304" charset="0"/>
-                <a:cs typeface="Times New Roman" panose="02020603050405020304" charset="0"/>
-              </a:rPr>
-              <a:t> 5000 tokens</a:t>
-            </a:r>
-            <a:r>
-              <a:rPr lang="zh-CN" altLang="en-US">
-                <a:latin typeface="Times New Roman" panose="02020603050405020304" charset="0"/>
-                <a:cs typeface="Times New Roman" panose="02020603050405020304" charset="0"/>
-              </a:rPr>
-              <a:t>。</a:t>
-            </a:r>
-            <a:endParaRPr lang="zh-CN" altLang="en-US">
-              <a:latin typeface="Times New Roman" panose="02020603050405020304" charset="0"/>
-              <a:cs typeface="Times New Roman" panose="02020603050405020304" charset="0"/>
-            </a:endParaRPr>
-          </a:p>
-          <a:p>
-            <a:pPr>
-              <a:lnSpc>
-                <a:spcPct val="130000"/>
-              </a:lnSpc>
-            </a:pPr>
-            <a:endParaRPr lang="zh-CN" altLang="en-US">
-              <a:latin typeface="Times New Roman" panose="02020603050405020304" charset="0"/>
-              <a:cs typeface="Times New Roman" panose="02020603050405020304" charset="0"/>
-            </a:endParaRPr>
-          </a:p>
-          <a:p>
-            <a:pPr>
-              <a:lnSpc>
-                <a:spcPct val="130000"/>
-              </a:lnSpc>
-            </a:pPr>
-            <a:r>
-              <a:rPr lang="zh-CN" altLang="en-US" b="1">
-                <a:latin typeface="Times New Roman" panose="02020603050405020304" charset="0"/>
-                <a:cs typeface="Times New Roman" panose="02020603050405020304" charset="0"/>
-              </a:rPr>
-              <a:t>第一阶段：宏观调度</a:t>
-            </a:r>
-            <a:r>
-              <a:rPr lang="en-US" altLang="zh-CN" b="1">
-                <a:latin typeface="Times New Roman" panose="02020603050405020304" charset="0"/>
-                <a:cs typeface="Times New Roman" panose="02020603050405020304" charset="0"/>
-              </a:rPr>
-              <a:t> (The Dispatch)</a:t>
-            </a:r>
-            <a:endParaRPr lang="en-US" altLang="zh-CN" b="1">
-              <a:latin typeface="Times New Roman" panose="02020603050405020304" charset="0"/>
-              <a:cs typeface="Times New Roman" panose="02020603050405020304" charset="0"/>
-            </a:endParaRPr>
-          </a:p>
-          <a:p>
-            <a:pPr>
-              <a:lnSpc>
-                <a:spcPct val="130000"/>
-              </a:lnSpc>
-            </a:pPr>
-            <a:r>
-              <a:rPr lang="en-US" altLang="zh-CN">
-                <a:latin typeface="Times New Roman" panose="02020603050405020304" charset="0"/>
-                <a:cs typeface="Times New Roman" panose="02020603050405020304" charset="0"/>
-              </a:rPr>
-              <a:t>Dispatcher </a:t>
-            </a:r>
-            <a:r>
-              <a:rPr lang="zh-CN" altLang="en-US">
-                <a:latin typeface="Times New Roman" panose="02020603050405020304" charset="0"/>
-                <a:cs typeface="Times New Roman" panose="02020603050405020304" charset="0"/>
-              </a:rPr>
-              <a:t>扫描这</a:t>
-            </a:r>
-            <a:r>
-              <a:rPr lang="en-US" altLang="zh-CN">
-                <a:latin typeface="Times New Roman" panose="02020603050405020304" charset="0"/>
-                <a:cs typeface="Times New Roman" panose="02020603050405020304" charset="0"/>
-              </a:rPr>
-              <a:t> 10,000 </a:t>
-            </a:r>
-            <a:r>
-              <a:rPr lang="zh-CN" altLang="en-US">
-                <a:latin typeface="Times New Roman" panose="02020603050405020304" charset="0"/>
-                <a:cs typeface="Times New Roman" panose="02020603050405020304" charset="0"/>
-              </a:rPr>
-              <a:t>条样本的</a:t>
-            </a:r>
-            <a:r>
-              <a:rPr lang="en-US" altLang="zh-CN">
-                <a:latin typeface="Times New Roman" panose="02020603050405020304" charset="0"/>
-                <a:cs typeface="Times New Roman" panose="02020603050405020304" charset="0"/>
-              </a:rPr>
-              <a:t> Prompt_Hash</a:t>
-            </a:r>
-            <a:r>
-              <a:rPr lang="zh-CN" altLang="en-US">
-                <a:latin typeface="Times New Roman" panose="02020603050405020304" charset="0"/>
-                <a:cs typeface="Times New Roman" panose="02020603050405020304" charset="0"/>
-              </a:rPr>
-              <a:t>，在</a:t>
-            </a:r>
-            <a:r>
-              <a:rPr lang="en-US" altLang="zh-CN">
-                <a:latin typeface="Times New Roman" panose="02020603050405020304" charset="0"/>
-                <a:cs typeface="Times New Roman" panose="02020603050405020304" charset="0"/>
-              </a:rPr>
-              <a:t> Redis </a:t>
-            </a:r>
-            <a:r>
-              <a:rPr lang="zh-CN" altLang="en-US">
-                <a:latin typeface="Times New Roman" panose="02020603050405020304" charset="0"/>
-                <a:cs typeface="Times New Roman" panose="02020603050405020304" charset="0"/>
-              </a:rPr>
-              <a:t>表中查询</a:t>
-            </a:r>
-            <a:r>
-              <a:rPr lang="en-US" altLang="zh-CN">
-                <a:latin typeface="Times New Roman" panose="02020603050405020304" charset="0"/>
-                <a:cs typeface="Times New Roman" panose="02020603050405020304" charset="0"/>
-              </a:rPr>
-              <a:t> EMA_Duration</a:t>
-            </a:r>
-            <a:r>
-              <a:rPr lang="zh-CN" altLang="en-US">
-                <a:latin typeface="Times New Roman" panose="02020603050405020304" charset="0"/>
-                <a:cs typeface="Times New Roman" panose="02020603050405020304" charset="0"/>
-              </a:rPr>
-              <a:t>（历史耗时）</a:t>
-            </a:r>
-            <a:endParaRPr lang="zh-CN" altLang="en-US">
-              <a:latin typeface="Times New Roman" panose="02020603050405020304" charset="0"/>
-              <a:cs typeface="Times New Roman" panose="02020603050405020304" charset="0"/>
-            </a:endParaRPr>
-          </a:p>
-          <a:p>
-            <a:pPr>
-              <a:lnSpc>
-                <a:spcPct val="130000"/>
-              </a:lnSpc>
-            </a:pPr>
-            <a:r>
-              <a:rPr lang="zh-CN" altLang="en-US">
-                <a:latin typeface="Times New Roman" panose="02020603050405020304" charset="0"/>
-                <a:cs typeface="Times New Roman" panose="02020603050405020304" charset="0"/>
-              </a:rPr>
-              <a:t>分流：</a:t>
-            </a:r>
-            <a:r>
-              <a:rPr lang="en-US" altLang="zh-CN">
-                <a:latin typeface="Times New Roman" panose="02020603050405020304" charset="0"/>
-                <a:cs typeface="Times New Roman" panose="02020603050405020304" charset="0"/>
-              </a:rPr>
-              <a:t>9,500 </a:t>
-            </a:r>
-            <a:r>
-              <a:rPr lang="zh-CN" altLang="en-US">
-                <a:latin typeface="Times New Roman" panose="02020603050405020304" charset="0"/>
-                <a:cs typeface="Times New Roman" panose="02020603050405020304" charset="0"/>
-              </a:rPr>
-              <a:t>条</a:t>
-            </a:r>
-            <a:r>
-              <a:rPr lang="en-US" altLang="zh-CN">
-                <a:latin typeface="Times New Roman" panose="02020603050405020304" charset="0"/>
-                <a:cs typeface="Times New Roman" panose="02020603050405020304" charset="0"/>
-              </a:rPr>
-              <a:t> (</a:t>
-            </a:r>
-            <a:r>
-              <a:rPr lang="zh-CN" altLang="en-US">
-                <a:latin typeface="Times New Roman" panose="02020603050405020304" charset="0"/>
-                <a:cs typeface="Times New Roman" panose="02020603050405020304" charset="0"/>
-              </a:rPr>
-              <a:t>预测短</a:t>
-            </a:r>
-            <a:r>
-              <a:rPr lang="en-US" altLang="zh-CN">
-                <a:latin typeface="Times New Roman" panose="02020603050405020304" charset="0"/>
-                <a:cs typeface="Times New Roman" panose="02020603050405020304" charset="0"/>
-              </a:rPr>
-              <a:t>/</a:t>
-            </a:r>
-            <a:r>
-              <a:rPr lang="zh-CN" altLang="en-US">
-                <a:latin typeface="Times New Roman" panose="02020603050405020304" charset="0"/>
-                <a:cs typeface="Times New Roman" panose="02020603050405020304" charset="0"/>
-              </a:rPr>
-              <a:t>中</a:t>
-            </a:r>
-            <a:r>
-              <a:rPr lang="en-US" altLang="zh-CN">
-                <a:latin typeface="Times New Roman" panose="02020603050405020304" charset="0"/>
-                <a:cs typeface="Times New Roman" panose="02020603050405020304" charset="0"/>
-              </a:rPr>
-              <a:t>) ——&gt; </a:t>
-            </a:r>
-            <a:r>
-              <a:rPr lang="zh-CN" altLang="en-US">
-                <a:latin typeface="Times New Roman" panose="02020603050405020304" charset="0"/>
-                <a:cs typeface="Times New Roman" panose="02020603050405020304" charset="0"/>
-              </a:rPr>
-              <a:t>被推送到</a:t>
-            </a:r>
-            <a:r>
-              <a:rPr lang="en-US" altLang="zh-CN">
-                <a:latin typeface="Times New Roman" panose="02020603050405020304" charset="0"/>
-                <a:cs typeface="Times New Roman" panose="02020603050405020304" charset="0"/>
-              </a:rPr>
-              <a:t> Fast Queue		500 </a:t>
-            </a:r>
-            <a:r>
-              <a:rPr lang="zh-CN" altLang="en-US">
-                <a:latin typeface="Times New Roman" panose="02020603050405020304" charset="0"/>
-                <a:cs typeface="Times New Roman" panose="02020603050405020304" charset="0"/>
-              </a:rPr>
-              <a:t>条</a:t>
-            </a:r>
-            <a:r>
-              <a:rPr lang="en-US" altLang="zh-CN">
-                <a:latin typeface="Times New Roman" panose="02020603050405020304" charset="0"/>
-                <a:cs typeface="Times New Roman" panose="02020603050405020304" charset="0"/>
-              </a:rPr>
-              <a:t> (</a:t>
-            </a:r>
-            <a:r>
-              <a:rPr lang="zh-CN" altLang="en-US">
-                <a:latin typeface="Times New Roman" panose="02020603050405020304" charset="0"/>
-                <a:cs typeface="Times New Roman" panose="02020603050405020304" charset="0"/>
-              </a:rPr>
-              <a:t>预测长</a:t>
-            </a:r>
-            <a:r>
-              <a:rPr lang="en-US" altLang="zh-CN">
-                <a:latin typeface="Times New Roman" panose="02020603050405020304" charset="0"/>
-                <a:cs typeface="Times New Roman" panose="02020603050405020304" charset="0"/>
-              </a:rPr>
-              <a:t>) ——&gt; </a:t>
-            </a:r>
-            <a:r>
-              <a:rPr lang="zh-CN" altLang="en-US">
-                <a:latin typeface="Times New Roman" panose="02020603050405020304" charset="0"/>
-                <a:cs typeface="Times New Roman" panose="02020603050405020304" charset="0"/>
-              </a:rPr>
-              <a:t>被推送到</a:t>
-            </a:r>
-            <a:r>
-              <a:rPr lang="en-US" altLang="zh-CN">
-                <a:latin typeface="Times New Roman" panose="02020603050405020304" charset="0"/>
-                <a:cs typeface="Times New Roman" panose="02020603050405020304" charset="0"/>
-              </a:rPr>
-              <a:t> Heavy Queue</a:t>
-            </a:r>
-            <a:endParaRPr lang="zh-CN" altLang="en-US">
-              <a:latin typeface="Times New Roman" panose="02020603050405020304" charset="0"/>
+              <a:ea typeface="微软雅黑" panose="020B0503020204020204" charset="-122"/>
               <a:cs typeface="Times New Roman" panose="02020603050405020304" charset="0"/>
             </a:endParaRPr>
           </a:p>
@@ -7521,7 +6698,7 @@
 </p:sld>
 </file>
 
-<file path=ppt/slides/slide7.xml><?xml version="1.0" encoding="utf-8"?>
+<file path=ppt/slides/slide6.xml><?xml version="1.0" encoding="utf-8"?>
 <p:sld xmlns:a="http://schemas.openxmlformats.org/drawingml/2006/main" xmlns:r="http://schemas.openxmlformats.org/officeDocument/2006/relationships" xmlns:p="http://schemas.openxmlformats.org/presentationml/2006/main">
   <p:cSld>
     <p:spTree>
@@ -7636,17 +6813,236 @@
                 <a:cs typeface="Times New Roman" panose="02020603050405020304" charset="0"/>
                 <a:sym typeface="+mn-ea"/>
               </a:rPr>
-              <a:t>二、</a:t>
-            </a:r>
-            <a:r>
-              <a:rPr lang="en-US" sz="2800" b="1" dirty="0">
+              <a:t>三、最终</a:t>
+            </a:r>
+            <a:r>
+              <a:rPr lang="zh-CN" altLang="en-US" sz="2800" b="1" dirty="0">
                 <a:latin typeface="Times New Roman" panose="02020603050405020304" charset="0"/>
                 <a:cs typeface="Times New Roman" panose="02020603050405020304" charset="0"/>
                 <a:sym typeface="+mn-ea"/>
               </a:rPr>
-              <a:t>Methods</a:t>
-            </a:r>
-            <a:endParaRPr lang="en-US" sz="2800" b="1" dirty="0">
+              <a:t>方案</a:t>
+            </a:r>
+            <a:endParaRPr lang="zh-CN" altLang="en-US" sz="2800" b="1" dirty="0">
+              <a:latin typeface="Times New Roman" panose="02020603050405020304" charset="0"/>
+              <a:cs typeface="Times New Roman" panose="02020603050405020304" charset="0"/>
+              <a:sym typeface="+mn-ea"/>
+            </a:endParaRPr>
+          </a:p>
+        </p:txBody>
+      </p:sp>
+      <p:pic>
+        <p:nvPicPr>
+          <p:cNvPr id="5" name="图片 4"/>
+          <p:cNvPicPr>
+            <a:picLocks noChangeAspect="1"/>
+          </p:cNvPicPr>
+          <p:nvPr/>
+        </p:nvPicPr>
+        <p:blipFill>
+          <a:blip r:embed="rId2"/>
+          <a:stretch>
+            <a:fillRect/>
+          </a:stretch>
+        </p:blipFill>
+        <p:spPr>
+          <a:xfrm>
+            <a:off x="406400" y="901700"/>
+            <a:ext cx="5805170" cy="2801620"/>
+          </a:xfrm>
+          <a:prstGeom prst="rect">
+            <a:avLst/>
+          </a:prstGeom>
+        </p:spPr>
+      </p:pic>
+      <p:pic>
+        <p:nvPicPr>
+          <p:cNvPr id="6" name="图片 5"/>
+          <p:cNvPicPr>
+            <a:picLocks noChangeAspect="1"/>
+          </p:cNvPicPr>
+          <p:nvPr/>
+        </p:nvPicPr>
+        <p:blipFill>
+          <a:blip r:embed="rId3"/>
+          <a:stretch>
+            <a:fillRect/>
+          </a:stretch>
+        </p:blipFill>
+        <p:spPr>
+          <a:xfrm>
+            <a:off x="406400" y="3792855"/>
+            <a:ext cx="4432935" cy="2930525"/>
+          </a:xfrm>
+          <a:prstGeom prst="rect">
+            <a:avLst/>
+          </a:prstGeom>
+        </p:spPr>
+      </p:pic>
+      <p:pic>
+        <p:nvPicPr>
+          <p:cNvPr id="7" name="图片 6"/>
+          <p:cNvPicPr>
+            <a:picLocks noChangeAspect="1"/>
+          </p:cNvPicPr>
+          <p:nvPr/>
+        </p:nvPicPr>
+        <p:blipFill>
+          <a:blip r:embed="rId4"/>
+          <a:stretch>
+            <a:fillRect/>
+          </a:stretch>
+        </p:blipFill>
+        <p:spPr>
+          <a:xfrm>
+            <a:off x="6716395" y="901700"/>
+            <a:ext cx="4133215" cy="2982595"/>
+          </a:xfrm>
+          <a:prstGeom prst="rect">
+            <a:avLst/>
+          </a:prstGeom>
+        </p:spPr>
+      </p:pic>
+    </p:spTree>
+    <p:custDataLst>
+      <p:tags r:id="rId5"/>
+    </p:custDataLst>
+  </p:cSld>
+  <p:clrMapOvr>
+    <a:masterClrMapping/>
+  </p:clrMapOvr>
+</p:sld>
+</file>
+
+<file path=ppt/slides/slide7.xml><?xml version="1.0" encoding="utf-8"?>
+<p:sld xmlns:a="http://schemas.openxmlformats.org/drawingml/2006/main" xmlns:r="http://schemas.openxmlformats.org/officeDocument/2006/relationships" xmlns:p="http://schemas.openxmlformats.org/presentationml/2006/main">
+  <p:cSld>
+    <p:spTree>
+      <p:nvGrpSpPr>
+        <p:cNvPr id="1" name=""/>
+        <p:cNvGrpSpPr/>
+        <p:nvPr/>
+      </p:nvGrpSpPr>
+      <p:grpSpPr/>
+      <p:sp>
+        <p:nvSpPr>
+          <p:cNvPr id="18" name="矩形 17"/>
+          <p:cNvSpPr/>
+          <p:nvPr/>
+        </p:nvSpPr>
+        <p:spPr>
+          <a:xfrm>
+            <a:off x="0" y="135620"/>
+            <a:ext cx="89452" cy="526774"/>
+          </a:xfrm>
+          <a:prstGeom prst="rect">
+            <a:avLst/>
+          </a:prstGeom>
+          <a:solidFill>
+            <a:srgbClr val="C00000"/>
+          </a:solidFill>
+          <a:ln>
+            <a:noFill/>
+          </a:ln>
+        </p:spPr>
+        <p:style>
+          <a:lnRef idx="2">
+            <a:schemeClr val="accent1">
+              <a:shade val="50000"/>
+            </a:schemeClr>
+          </a:lnRef>
+          <a:fillRef idx="1">
+            <a:schemeClr val="accent1"/>
+          </a:fillRef>
+          <a:effectRef idx="0">
+            <a:schemeClr val="accent1"/>
+          </a:effectRef>
+          <a:fontRef idx="minor">
+            <a:schemeClr val="lt1"/>
+          </a:fontRef>
+        </p:style>
+        <p:txBody>
+          <a:bodyPr rtlCol="0" anchor="ctr"/>
+          <a:p>
+            <a:pPr algn="ctr"/>
+            <a:endParaRPr lang="zh-CN" altLang="en-US" b="1">
+              <a:latin typeface="Times New Roman" panose="02020603050405020304" charset="0"/>
+              <a:cs typeface="Times New Roman" panose="02020603050405020304" charset="0"/>
+            </a:endParaRPr>
+          </a:p>
+        </p:txBody>
+      </p:sp>
+      <p:pic>
+        <p:nvPicPr>
+          <p:cNvPr id="20" name="图片 19"/>
+          <p:cNvPicPr>
+            <a:picLocks noChangeAspect="1"/>
+          </p:cNvPicPr>
+          <p:nvPr/>
+        </p:nvPicPr>
+        <p:blipFill>
+          <a:blip r:embed="rId1" cstate="print">
+            <a:extLst>
+              <a:ext uri="{28A0092B-C50C-407E-A947-70E740481C1C}">
+                <a14:useLocalDpi xmlns:a14="http://schemas.microsoft.com/office/drawing/2010/main" val="0"/>
+              </a:ext>
+            </a:extLst>
+          </a:blip>
+          <a:stretch>
+            <a:fillRect/>
+          </a:stretch>
+        </p:blipFill>
+        <p:spPr>
+          <a:xfrm>
+            <a:off x="8945356" y="192448"/>
+            <a:ext cx="3041951" cy="469946"/>
+          </a:xfrm>
+          <a:prstGeom prst="rect">
+            <a:avLst/>
+          </a:prstGeom>
+        </p:spPr>
+      </p:pic>
+      <p:sp>
+        <p:nvSpPr>
+          <p:cNvPr id="19" name="文本框 37"/>
+          <p:cNvSpPr txBox="1"/>
+          <p:nvPr/>
+        </p:nvSpPr>
+        <p:spPr>
+          <a:xfrm>
+            <a:off x="173355" y="165735"/>
+            <a:ext cx="6948805" cy="520700"/>
+          </a:xfrm>
+          <a:prstGeom prst="rect">
+            <a:avLst/>
+          </a:prstGeom>
+          <a:noFill/>
+        </p:spPr>
+        <p:txBody>
+          <a:bodyPr wrap="square" lIns="91431" tIns="45716" rIns="91431" bIns="45716" rtlCol="0">
+            <a:spAutoFit/>
+          </a:bodyPr>
+          <a:p>
+            <a:r>
+              <a:rPr lang="zh-CN" altLang="en-US" sz="2800" b="1" dirty="0">
+                <a:latin typeface="Times New Roman" panose="02020603050405020304" charset="0"/>
+                <a:cs typeface="Times New Roman" panose="02020603050405020304" charset="0"/>
+                <a:sym typeface="+mn-ea"/>
+              </a:rPr>
+              <a:t>三、</a:t>
+            </a:r>
+            <a:r>
+              <a:rPr lang="zh-CN" altLang="en-US" sz="2800" b="1" dirty="0">
+                <a:solidFill>
+                  <a:schemeClr val="tx1"/>
+                </a:solidFill>
+                <a:latin typeface="Times New Roman" panose="02020603050405020304" charset="0"/>
+                <a:cs typeface="Times New Roman" panose="02020603050405020304" charset="0"/>
+                <a:sym typeface="+mn-ea"/>
+              </a:rPr>
+              <a:t>完整工作流推演</a:t>
+            </a:r>
+            <a:endParaRPr lang="en-US" altLang="zh-CN" sz="2800" b="1" dirty="0">
               <a:solidFill>
                 <a:schemeClr val="tx1"/>
               </a:solidFill>
@@ -7659,14 +7055,14 @@
       </p:sp>
       <p:sp>
         <p:nvSpPr>
-          <p:cNvPr id="3" name="文本框 2"/>
+          <p:cNvPr id="2" name="文本框 1"/>
           <p:cNvSpPr txBox="1"/>
           <p:nvPr/>
         </p:nvSpPr>
         <p:spPr>
           <a:xfrm>
-            <a:off x="281940" y="852170"/>
-            <a:ext cx="11778615" cy="5487035"/>
+            <a:off x="304800" y="1038860"/>
+            <a:ext cx="11682730" cy="4570730"/>
           </a:xfrm>
           <a:prstGeom prst="rect">
             <a:avLst/>
@@ -7684,28 +7080,64 @@
               </a:lnSpc>
             </a:pPr>
             <a:r>
-              <a:rPr lang="zh-CN" altLang="en-US" b="1">
-                <a:latin typeface="Times New Roman" panose="02020603050405020304" charset="0"/>
-                <a:cs typeface="Times New Roman" panose="02020603050405020304" charset="0"/>
-              </a:rPr>
-              <a:t>第二阶段：</a:t>
-            </a:r>
-            <a:r>
-              <a:rPr lang="en-US" altLang="zh-CN" b="1">
-                <a:latin typeface="Times New Roman" panose="02020603050405020304" charset="0"/>
-                <a:cs typeface="Times New Roman" panose="02020603050405020304" charset="0"/>
-              </a:rPr>
-              <a:t>Rollouter</a:t>
-            </a:r>
-            <a:r>
-              <a:rPr lang="zh-CN" altLang="en-US" b="1">
-                <a:latin typeface="Times New Roman" panose="02020603050405020304" charset="0"/>
-                <a:cs typeface="Times New Roman" panose="02020603050405020304" charset="0"/>
-              </a:rPr>
-              <a:t>内部</a:t>
-            </a:r>
-            <a:endParaRPr lang="zh-CN" altLang="en-US" b="1">
+              <a:rPr lang="zh-CN" altLang="en-US" sz="1600">
+                <a:latin typeface="Times New Roman" panose="02020603050405020304" charset="0"/>
+                <a:ea typeface="微软雅黑" panose="020B0503020204020204" charset="-122"/>
+                <a:cs typeface="Times New Roman" panose="02020603050405020304" charset="0"/>
+              </a:rPr>
+              <a:t>假设一个</a:t>
+            </a:r>
+            <a:r>
+              <a:rPr lang="en-US" altLang="zh-CN" sz="1600">
+                <a:latin typeface="Times New Roman" panose="02020603050405020304" charset="0"/>
+                <a:ea typeface="微软雅黑" panose="020B0503020204020204" charset="-122"/>
+                <a:cs typeface="Times New Roman" panose="02020603050405020304" charset="0"/>
+              </a:rPr>
+              <a:t> Prompt </a:t>
+            </a:r>
+            <a:r>
+              <a:rPr lang="zh-CN" altLang="en-US" sz="1600">
+                <a:latin typeface="Times New Roman" panose="02020603050405020304" charset="0"/>
+                <a:ea typeface="微软雅黑" panose="020B0503020204020204" charset="-122"/>
+                <a:cs typeface="Times New Roman" panose="02020603050405020304" charset="0"/>
+              </a:rPr>
+              <a:t>需要生成</a:t>
+            </a:r>
+            <a:r>
+              <a:rPr lang="en-US" altLang="zh-CN" sz="1600">
+                <a:latin typeface="Times New Roman" panose="02020603050405020304" charset="0"/>
+                <a:ea typeface="微软雅黑" panose="020B0503020204020204" charset="-122"/>
+                <a:cs typeface="Times New Roman" panose="02020603050405020304" charset="0"/>
+              </a:rPr>
+              <a:t> 8 </a:t>
+            </a:r>
+            <a:r>
+              <a:rPr lang="zh-CN" altLang="en-US" sz="1600">
+                <a:latin typeface="Times New Roman" panose="02020603050405020304" charset="0"/>
+                <a:ea typeface="微软雅黑" panose="020B0503020204020204" charset="-122"/>
+                <a:cs typeface="Times New Roman" panose="02020603050405020304" charset="0"/>
+              </a:rPr>
+              <a:t>条，</a:t>
+            </a:r>
+            <a:r>
+              <a:rPr lang="en-US" altLang="zh-CN" sz="1600">
+                <a:latin typeface="Times New Roman" panose="02020603050405020304" charset="0"/>
+                <a:ea typeface="微软雅黑" panose="020B0503020204020204" charset="-122"/>
+                <a:cs typeface="Times New Roman" panose="02020603050405020304" charset="0"/>
+              </a:rPr>
+              <a:t>Batch Size 128</a:t>
+            </a:r>
+            <a:r>
+              <a:rPr lang="zh-CN" altLang="en-US" sz="1600">
+                <a:latin typeface="Times New Roman" panose="02020603050405020304" charset="0"/>
+                <a:ea typeface="微软雅黑" panose="020B0503020204020204" charset="-122"/>
+                <a:cs typeface="Times New Roman" panose="02020603050405020304" charset="0"/>
+              </a:rPr>
+              <a:t>。</a:t>
+            </a:r>
+            <a:endParaRPr lang="zh-CN" altLang="en-US" sz="1600">
               <a:latin typeface="Times New Roman" panose="02020603050405020304" charset="0"/>
+              <a:ea typeface="微软雅黑" panose="020B0503020204020204" charset="-122"/>
               <a:cs typeface="Times New Roman" panose="02020603050405020304" charset="0"/>
             </a:endParaRPr>
           </a:p>
@@ -7716,22 +7148,104 @@
               </a:lnSpc>
             </a:pPr>
             <a:r>
-              <a:rPr lang="en-US" altLang="zh-CN" b="1">
-                <a:latin typeface="Times New Roman" panose="02020603050405020304" charset="0"/>
-                <a:cs typeface="Times New Roman" panose="02020603050405020304" charset="0"/>
-                <a:sym typeface="+mn-ea"/>
-              </a:rPr>
-              <a:t>Round</a:t>
-            </a:r>
-            <a:r>
-              <a:rPr lang="en-US" altLang="zh-CN" b="1">
-                <a:latin typeface="Times New Roman" panose="02020603050405020304" charset="0"/>
-                <a:cs typeface="Times New Roman" panose="02020603050405020304" charset="0"/>
-              </a:rPr>
-              <a:t>1</a:t>
-            </a:r>
-            <a:endParaRPr lang="en-US" altLang="zh-CN" b="1">
+              <a:rPr lang="en-US" altLang="zh-CN" sz="1600" b="1">
+                <a:latin typeface="Times New Roman" panose="02020603050405020304" charset="0"/>
+                <a:ea typeface="微软雅黑" panose="020B0503020204020204" charset="-122"/>
+                <a:cs typeface="Times New Roman" panose="02020603050405020304" charset="0"/>
+              </a:rPr>
+              <a:t>1. </a:t>
+            </a:r>
+            <a:r>
+              <a:rPr lang="zh-CN" altLang="en-US" sz="1600" b="1">
+                <a:latin typeface="Times New Roman" panose="02020603050405020304" charset="0"/>
+                <a:ea typeface="微软雅黑" panose="020B0503020204020204" charset="-122"/>
+                <a:cs typeface="Times New Roman" panose="02020603050405020304" charset="0"/>
+              </a:rPr>
+              <a:t>分发：</a:t>
+            </a:r>
+            <a:r>
+              <a:rPr lang="en-US" altLang="zh-CN" sz="1600">
+                <a:latin typeface="Times New Roman" panose="02020603050405020304" charset="0"/>
+                <a:ea typeface="微软雅黑" panose="020B0503020204020204" charset="-122"/>
+                <a:cs typeface="Times New Roman" panose="02020603050405020304" charset="0"/>
+              </a:rPr>
+              <a:t>Dispatcher </a:t>
+            </a:r>
+            <a:r>
+              <a:rPr lang="zh-CN" altLang="en-US" sz="1600">
+                <a:latin typeface="Times New Roman" panose="02020603050405020304" charset="0"/>
+                <a:ea typeface="微软雅黑" panose="020B0503020204020204" charset="-122"/>
+                <a:cs typeface="Times New Roman" panose="02020603050405020304" charset="0"/>
+              </a:rPr>
+              <a:t>发出</a:t>
+            </a:r>
+            <a:r>
+              <a:rPr lang="en-US" altLang="zh-CN" sz="1600">
+                <a:latin typeface="Times New Roman" panose="02020603050405020304" charset="0"/>
+                <a:ea typeface="微软雅黑" panose="020B0503020204020204" charset="-122"/>
+                <a:cs typeface="Times New Roman" panose="02020603050405020304" charset="0"/>
+              </a:rPr>
+              <a:t> 128 </a:t>
+            </a:r>
+            <a:r>
+              <a:rPr lang="zh-CN" altLang="en-US" sz="1600">
+                <a:latin typeface="微软雅黑" panose="020B0503020204020204" charset="-122"/>
+                <a:ea typeface="微软雅黑" panose="020B0503020204020204" charset="-122"/>
+                <a:cs typeface="微软雅黑" panose="020B0503020204020204" charset="-122"/>
+              </a:rPr>
+              <a:t>个</a:t>
+            </a:r>
+            <a:r>
+              <a:rPr lang="en-US" altLang="zh-CN" sz="1600">
+                <a:latin typeface="微软雅黑" panose="020B0503020204020204" charset="-122"/>
+                <a:ea typeface="微软雅黑" panose="020B0503020204020204" charset="-122"/>
+                <a:cs typeface="微软雅黑" panose="020B0503020204020204" charset="-122"/>
+              </a:rPr>
+              <a:t>“</a:t>
+            </a:r>
+            <a:r>
+              <a:rPr lang="zh-CN" altLang="en-US" sz="1600">
+                <a:latin typeface="微软雅黑" panose="020B0503020204020204" charset="-122"/>
+                <a:ea typeface="微软雅黑" panose="020B0503020204020204" charset="-122"/>
+                <a:cs typeface="微软雅黑" panose="020B0503020204020204" charset="-122"/>
+              </a:rPr>
+              <a:t>探路者</a:t>
+            </a:r>
+            <a:r>
+              <a:rPr lang="en-US" altLang="zh-CN" sz="1600">
+                <a:latin typeface="微软雅黑" panose="020B0503020204020204" charset="-122"/>
+                <a:ea typeface="微软雅黑" panose="020B0503020204020204" charset="-122"/>
+                <a:cs typeface="微软雅黑" panose="020B0503020204020204" charset="-122"/>
+              </a:rPr>
+              <a:t>”</a:t>
+            </a:r>
+            <a:r>
+              <a:rPr lang="zh-CN" altLang="en-US" sz="1600">
+                <a:latin typeface="微软雅黑" panose="020B0503020204020204" charset="-122"/>
+                <a:ea typeface="微软雅黑" panose="020B0503020204020204" charset="-122"/>
+                <a:cs typeface="微软雅黑" panose="020B0503020204020204" charset="-122"/>
+              </a:rPr>
+              <a:t>到</a:t>
+            </a:r>
+            <a:r>
+              <a:rPr lang="en-US" altLang="zh-CN" sz="1600">
+                <a:latin typeface="Times New Roman" panose="02020603050405020304" charset="0"/>
+                <a:ea typeface="微软雅黑" panose="020B0503020204020204" charset="-122"/>
+                <a:cs typeface="Times New Roman" panose="02020603050405020304" charset="0"/>
+              </a:rPr>
+              <a:t> Fast Worker</a:t>
+            </a:r>
+            <a:r>
+              <a:rPr lang="zh-CN" altLang="en-US" sz="1600">
+                <a:latin typeface="Times New Roman" panose="02020603050405020304" charset="0"/>
+                <a:ea typeface="微软雅黑" panose="020B0503020204020204" charset="-122"/>
+                <a:cs typeface="Times New Roman" panose="02020603050405020304" charset="0"/>
+              </a:rPr>
+              <a:t>。</a:t>
+            </a:r>
+            <a:endParaRPr lang="zh-CN" altLang="en-US" sz="1600">
               <a:latin typeface="Times New Roman" panose="02020603050405020304" charset="0"/>
+              <a:ea typeface="微软雅黑" panose="020B0503020204020204" charset="-122"/>
               <a:cs typeface="Times New Roman" panose="02020603050405020304" charset="0"/>
             </a:endParaRPr>
           </a:p>
@@ -7742,842 +7256,783 @@
               </a:lnSpc>
             </a:pPr>
             <a:r>
-              <a:rPr lang="en-US" altLang="zh-CN" b="1" i="1">
-                <a:latin typeface="Times New Roman" panose="02020603050405020304" charset="0"/>
-                <a:cs typeface="Times New Roman" panose="02020603050405020304" charset="0"/>
-              </a:rPr>
-              <a:t>N</a:t>
-            </a:r>
-            <a:r>
-              <a:rPr lang="en-US" altLang="zh-CN" b="1" i="1" baseline="-25000">
-                <a:latin typeface="Times New Roman" panose="02020603050405020304" charset="0"/>
-                <a:cs typeface="Times New Roman" panose="02020603050405020304" charset="0"/>
-              </a:rPr>
-              <a:t>active</a:t>
-            </a:r>
-            <a:r>
-              <a:rPr lang="en-US" altLang="zh-CN" b="1">
-                <a:latin typeface="Times New Roman" panose="02020603050405020304" charset="0"/>
-                <a:cs typeface="Times New Roman" panose="02020603050405020304" charset="0"/>
-              </a:rPr>
-              <a:t> </a:t>
-            </a:r>
-            <a:r>
-              <a:rPr lang="en-US" altLang="zh-CN">
-                <a:latin typeface="Times New Roman" panose="02020603050405020304" charset="0"/>
-                <a:cs typeface="Times New Roman" panose="02020603050405020304" charset="0"/>
-              </a:rPr>
-              <a:t>= 512</a:t>
-            </a:r>
-            <a:r>
-              <a:rPr lang="zh-CN" altLang="en-US">
-                <a:latin typeface="Times New Roman" panose="02020603050405020304" charset="0"/>
+              <a:rPr lang="en-US" altLang="zh-CN" sz="1600" b="1">
+                <a:latin typeface="Times New Roman" panose="02020603050405020304" charset="0"/>
+                <a:ea typeface="微软雅黑" panose="020B0503020204020204" charset="-122"/>
+                <a:cs typeface="Times New Roman" panose="02020603050405020304" charset="0"/>
+              </a:rPr>
+              <a:t>2. </a:t>
+            </a:r>
+            <a:r>
+              <a:rPr lang="zh-CN" altLang="en-US" sz="1600" b="1">
+                <a:latin typeface="Times New Roman" panose="02020603050405020304" charset="0"/>
+                <a:ea typeface="微软雅黑" panose="020B0503020204020204" charset="-122"/>
+                <a:cs typeface="Times New Roman" panose="02020603050405020304" charset="0"/>
+              </a:rPr>
+              <a:t>探路执行：</a:t>
+            </a:r>
+            <a:r>
+              <a:rPr lang="en-US" altLang="zh-CN" sz="1600">
+                <a:latin typeface="Times New Roman" panose="02020603050405020304" charset="0"/>
+                <a:ea typeface="微软雅黑" panose="020B0503020204020204" charset="-122"/>
+                <a:cs typeface="Times New Roman" panose="02020603050405020304" charset="0"/>
+              </a:rPr>
+              <a:t>Fast Worker </a:t>
+            </a:r>
+            <a:r>
+              <a:rPr lang="zh-CN" altLang="en-US" sz="1600">
+                <a:latin typeface="Times New Roman" panose="02020603050405020304" charset="0"/>
+                <a:ea typeface="微软雅黑" panose="020B0503020204020204" charset="-122"/>
+                <a:cs typeface="Times New Roman" panose="02020603050405020304" charset="0"/>
+              </a:rPr>
+              <a:t>启动</a:t>
+            </a:r>
+            <a:r>
+              <a:rPr lang="en-US" altLang="zh-CN" sz="1600">
+                <a:latin typeface="Times New Roman" panose="02020603050405020304" charset="0"/>
+                <a:ea typeface="微软雅黑" panose="020B0503020204020204" charset="-122"/>
+                <a:cs typeface="Times New Roman" panose="02020603050405020304" charset="0"/>
+              </a:rPr>
+              <a:t> Dynamic Rollout</a:t>
+            </a:r>
+            <a:r>
+              <a:rPr lang="zh-CN" altLang="en-US" sz="1600">
+                <a:latin typeface="Times New Roman" panose="02020603050405020304" charset="0"/>
+                <a:ea typeface="微软雅黑" panose="020B0503020204020204" charset="-122"/>
+                <a:cs typeface="Times New Roman" panose="02020603050405020304" charset="0"/>
+              </a:rPr>
+              <a:t>，步长</a:t>
+            </a:r>
+            <a:r>
+              <a:rPr lang="en-US" altLang="zh-CN" sz="1600">
+                <a:latin typeface="Times New Roman" panose="02020603050405020304" charset="0"/>
+                <a:ea typeface="微软雅黑" panose="020B0503020204020204" charset="-122"/>
+                <a:cs typeface="Times New Roman" panose="02020603050405020304" charset="0"/>
+              </a:rPr>
+              <a:t> L=64</a:t>
+            </a:r>
+            <a:r>
+              <a:rPr lang="zh-CN" altLang="en-US" sz="1600">
+                <a:latin typeface="Times New Roman" panose="02020603050405020304" charset="0"/>
+                <a:ea typeface="微软雅黑" panose="020B0503020204020204" charset="-122"/>
                 <a:cs typeface="Times New Roman" panose="02020603050405020304" charset="0"/>
               </a:rPr>
               <a:t>。</a:t>
             </a:r>
-            <a:endParaRPr lang="zh-CN" altLang="en-US">
+            <a:endParaRPr lang="zh-CN" altLang="en-US" sz="1600">
               <a:latin typeface="Times New Roman" panose="02020603050405020304" charset="0"/>
+              <a:ea typeface="微软雅黑" panose="020B0503020204020204" charset="-122"/>
               <a:cs typeface="Times New Roman" panose="02020603050405020304" charset="0"/>
             </a:endParaRPr>
           </a:p>
           <a:p>
-            <a:pPr>
+            <a:pPr marL="742950" lvl="1" indent="-285750">
               <a:lnSpc>
                 <a:spcPct val="130000"/>
               </a:lnSpc>
+              <a:buFont typeface="Arial" panose="020B0604020202020204" pitchFamily="34" charset="0"/>
+              <a:buChar char="•"/>
             </a:pPr>
             <a:r>
-              <a:rPr lang="en-US" altLang="zh-CN" b="1" i="1">
-                <a:latin typeface="Times New Roman" panose="02020603050405020304" charset="0"/>
-                <a:cs typeface="Times New Roman" panose="02020603050405020304" charset="0"/>
-              </a:rPr>
-              <a:t>L</a:t>
-            </a:r>
-            <a:r>
-              <a:rPr lang="en-US" altLang="zh-CN" b="1" i="1" baseline="-25000">
-                <a:latin typeface="Times New Roman" panose="02020603050405020304" charset="0"/>
-                <a:cs typeface="Times New Roman" panose="02020603050405020304" charset="0"/>
-              </a:rPr>
-              <a:t>next</a:t>
-            </a:r>
-            <a:r>
-              <a:rPr lang="en-US" altLang="zh-CN">
-                <a:latin typeface="Times New Roman" panose="02020603050405020304" charset="0"/>
-                <a:cs typeface="Times New Roman" panose="02020603050405020304" charset="0"/>
-              </a:rPr>
-              <a:t>   = 65536 / 512 = 128 ——&gt;</a:t>
-            </a:r>
-            <a:r>
-              <a:rPr lang="zh-CN" altLang="en-US">
-                <a:latin typeface="Times New Roman" panose="02020603050405020304" charset="0"/>
-                <a:cs typeface="Times New Roman" panose="02020603050405020304" charset="0"/>
-              </a:rPr>
-              <a:t>所有样本生成</a:t>
-            </a:r>
-            <a:r>
-              <a:rPr lang="en-US" altLang="zh-CN">
-                <a:latin typeface="Times New Roman" panose="02020603050405020304" charset="0"/>
-                <a:cs typeface="Times New Roman" panose="02020603050405020304" charset="0"/>
-              </a:rPr>
-              <a:t> 128</a:t>
-            </a:r>
-            <a:r>
-              <a:rPr lang="zh-CN" altLang="en-US">
-                <a:latin typeface="Times New Roman" panose="02020603050405020304" charset="0"/>
-                <a:cs typeface="Times New Roman" panose="02020603050405020304" charset="0"/>
-              </a:rPr>
-              <a:t>个</a:t>
-            </a:r>
-            <a:r>
-              <a:rPr lang="en-US" altLang="zh-CN">
-                <a:latin typeface="Times New Roman" panose="02020603050405020304" charset="0"/>
-                <a:cs typeface="Times New Roman" panose="02020603050405020304" charset="0"/>
-              </a:rPr>
-              <a:t> token</a:t>
-            </a:r>
-            <a:r>
-              <a:rPr lang="zh-CN" altLang="en-US">
-                <a:latin typeface="Times New Roman" panose="02020603050405020304" charset="0"/>
-                <a:cs typeface="Times New Roman" panose="02020603050405020304" charset="0"/>
-              </a:rPr>
-              <a:t>，</a:t>
-            </a:r>
-            <a:r>
-              <a:rPr lang="en-US" altLang="zh-CN">
-                <a:latin typeface="Times New Roman" panose="02020603050405020304" charset="0"/>
-                <a:cs typeface="Times New Roman" panose="02020603050405020304" charset="0"/>
-              </a:rPr>
-              <a:t>300</a:t>
-            </a:r>
-            <a:r>
-              <a:rPr lang="zh-CN" altLang="en-US">
-                <a:latin typeface="Times New Roman" panose="02020603050405020304" charset="0"/>
-                <a:cs typeface="Times New Roman" panose="02020603050405020304" charset="0"/>
-              </a:rPr>
-              <a:t>个样本</a:t>
-            </a:r>
-            <a:r>
-              <a:rPr lang="en-US" altLang="zh-CN">
-                <a:latin typeface="Times New Roman" panose="02020603050405020304" charset="0"/>
-                <a:cs typeface="Times New Roman" panose="02020603050405020304" charset="0"/>
-              </a:rPr>
-              <a:t>rollout</a:t>
-            </a:r>
-            <a:r>
-              <a:rPr lang="zh-CN" altLang="en-US">
-                <a:latin typeface="Times New Roman" panose="02020603050405020304" charset="0"/>
-                <a:cs typeface="Times New Roman" panose="02020603050405020304" charset="0"/>
-              </a:rPr>
-              <a:t>完了，清洗了</a:t>
-            </a:r>
-            <a:r>
-              <a:rPr lang="en-US" altLang="zh-CN">
-                <a:latin typeface="Times New Roman" panose="02020603050405020304" charset="0"/>
-                <a:cs typeface="Times New Roman" panose="02020603050405020304" charset="0"/>
-              </a:rPr>
-              <a:t> 30% </a:t>
-            </a:r>
-            <a:r>
-              <a:rPr lang="zh-CN" altLang="en-US">
-                <a:latin typeface="Times New Roman" panose="02020603050405020304" charset="0"/>
-                <a:cs typeface="Times New Roman" panose="02020603050405020304" charset="0"/>
-              </a:rPr>
-              <a:t>的样本</a:t>
-            </a:r>
-            <a:endParaRPr lang="zh-CN" altLang="en-US">
+              <a:rPr lang="zh-CN" altLang="en-US" sz="1600" b="1">
+                <a:latin typeface="Times New Roman" panose="02020603050405020304" charset="0"/>
+                <a:ea typeface="微软雅黑" panose="020B0503020204020204" charset="-122"/>
+                <a:cs typeface="Times New Roman" panose="02020603050405020304" charset="0"/>
+              </a:rPr>
+              <a:t>结果</a:t>
+            </a:r>
+            <a:r>
+              <a:rPr lang="en-US" altLang="zh-CN" sz="1600" b="1">
+                <a:latin typeface="Times New Roman" panose="02020603050405020304" charset="0"/>
+                <a:ea typeface="微软雅黑" panose="020B0503020204020204" charset="-122"/>
+                <a:cs typeface="Times New Roman" panose="02020603050405020304" charset="0"/>
+              </a:rPr>
+              <a:t> A</a:t>
+            </a:r>
+            <a:r>
+              <a:rPr lang="zh-CN" altLang="en-US" sz="1600" b="1">
+                <a:latin typeface="Times New Roman" panose="02020603050405020304" charset="0"/>
+                <a:ea typeface="微软雅黑" panose="020B0503020204020204" charset="-122"/>
+                <a:cs typeface="Times New Roman" panose="02020603050405020304" charset="0"/>
+              </a:rPr>
+              <a:t>：</a:t>
+            </a:r>
+            <a:r>
+              <a:rPr lang="en-US" altLang="zh-CN" sz="1600">
+                <a:latin typeface="Times New Roman" panose="02020603050405020304" charset="0"/>
+                <a:ea typeface="微软雅黑" panose="020B0503020204020204" charset="-122"/>
+                <a:cs typeface="Times New Roman" panose="02020603050405020304" charset="0"/>
+              </a:rPr>
+              <a:t>100 </a:t>
+            </a:r>
+            <a:r>
+              <a:rPr lang="zh-CN" altLang="en-US" sz="1600">
+                <a:latin typeface="Times New Roman" panose="02020603050405020304" charset="0"/>
+                <a:ea typeface="微软雅黑" panose="020B0503020204020204" charset="-122"/>
+                <a:cs typeface="Times New Roman" panose="02020603050405020304" charset="0"/>
+              </a:rPr>
+              <a:t>个样本在</a:t>
+            </a:r>
+            <a:r>
+              <a:rPr lang="en-US" altLang="zh-CN" sz="1600">
+                <a:latin typeface="Times New Roman" panose="02020603050405020304" charset="0"/>
+                <a:ea typeface="微软雅黑" panose="020B0503020204020204" charset="-122"/>
+                <a:cs typeface="Times New Roman" panose="02020603050405020304" charset="0"/>
+              </a:rPr>
+              <a:t> 64 </a:t>
+            </a:r>
+            <a:r>
+              <a:rPr lang="zh-CN" altLang="en-US" sz="1600">
+                <a:latin typeface="Times New Roman" panose="02020603050405020304" charset="0"/>
+                <a:ea typeface="微软雅黑" panose="020B0503020204020204" charset="-122"/>
+                <a:cs typeface="Times New Roman" panose="02020603050405020304" charset="0"/>
+              </a:rPr>
+              <a:t>步内结束</a:t>
+            </a:r>
+            <a:r>
+              <a:rPr lang="en-US" altLang="zh-CN" sz="1600">
+                <a:latin typeface="Times New Roman" panose="02020603050405020304" charset="0"/>
+                <a:ea typeface="微软雅黑" panose="020B0503020204020204" charset="-122"/>
+                <a:cs typeface="Times New Roman" panose="02020603050405020304" charset="0"/>
+              </a:rPr>
+              <a:t> </a:t>
+            </a:r>
+            <a:r>
+              <a:rPr lang="en-US" altLang="zh-CN" sz="1600">
+                <a:latin typeface="Times New Roman" panose="02020603050405020304" charset="0"/>
+                <a:ea typeface="微软雅黑" panose="020B0503020204020204" charset="-122"/>
+                <a:cs typeface="Times New Roman" panose="02020603050405020304" charset="0"/>
+                <a:sym typeface="+mn-ea"/>
+              </a:rPr>
+              <a:t>——&gt;</a:t>
+            </a:r>
+            <a:r>
+              <a:rPr lang="en-US" altLang="zh-CN" sz="1600">
+                <a:latin typeface="Times New Roman" panose="02020603050405020304" charset="0"/>
+                <a:ea typeface="微软雅黑" panose="020B0503020204020204" charset="-122"/>
+                <a:cs typeface="Times New Roman" panose="02020603050405020304" charset="0"/>
+              </a:rPr>
+              <a:t> </a:t>
+            </a:r>
+            <a:r>
+              <a:rPr lang="zh-CN" altLang="en-US" sz="1600">
+                <a:latin typeface="Times New Roman" panose="02020603050405020304" charset="0"/>
+                <a:ea typeface="微软雅黑" panose="020B0503020204020204" charset="-122"/>
+                <a:cs typeface="Times New Roman" panose="02020603050405020304" charset="0"/>
+              </a:rPr>
+              <a:t>判定为</a:t>
+            </a:r>
+            <a:r>
+              <a:rPr lang="en-US" altLang="zh-CN" sz="1600">
+                <a:latin typeface="Times New Roman" panose="02020603050405020304" charset="0"/>
+                <a:ea typeface="微软雅黑" panose="020B0503020204020204" charset="-122"/>
+                <a:cs typeface="Times New Roman" panose="02020603050405020304" charset="0"/>
+              </a:rPr>
+              <a:t> Simple</a:t>
+            </a:r>
+            <a:r>
+              <a:rPr lang="zh-CN" altLang="en-US" sz="1600">
+                <a:latin typeface="Times New Roman" panose="02020603050405020304" charset="0"/>
+                <a:ea typeface="微软雅黑" panose="020B0503020204020204" charset="-122"/>
+                <a:cs typeface="Times New Roman" panose="02020603050405020304" charset="0"/>
+              </a:rPr>
+              <a:t>。</a:t>
+            </a:r>
+            <a:endParaRPr lang="zh-CN" altLang="en-US" sz="1600">
               <a:latin typeface="Times New Roman" panose="02020603050405020304" charset="0"/>
+              <a:ea typeface="微软雅黑" panose="020B0503020204020204" charset="-122"/>
               <a:cs typeface="Times New Roman" panose="02020603050405020304" charset="0"/>
             </a:endParaRPr>
           </a:p>
           <a:p>
-            <a:pPr algn="l">
+            <a:pPr marL="742950" lvl="1" indent="-285750">
               <a:lnSpc>
                 <a:spcPct val="130000"/>
               </a:lnSpc>
-              <a:buClrTx/>
-              <a:buSzTx/>
-              <a:buFontTx/>
+              <a:buFont typeface="Arial" panose="020B0604020202020204" pitchFamily="34" charset="0"/>
+              <a:buChar char="•"/>
             </a:pPr>
             <a:r>
-              <a:rPr lang="en-US" altLang="zh-CN" b="1">
-                <a:latin typeface="Times New Roman" panose="02020603050405020304" charset="0"/>
+              <a:rPr lang="zh-CN" altLang="en-US" sz="1600" b="1">
+                <a:latin typeface="Times New Roman" panose="02020603050405020304" charset="0"/>
+                <a:ea typeface="微软雅黑" panose="020B0503020204020204" charset="-122"/>
+                <a:cs typeface="Times New Roman" panose="02020603050405020304" charset="0"/>
+              </a:rPr>
+              <a:t>结果</a:t>
+            </a:r>
+            <a:r>
+              <a:rPr lang="en-US" altLang="zh-CN" sz="1600" b="1">
+                <a:latin typeface="Times New Roman" panose="02020603050405020304" charset="0"/>
+                <a:ea typeface="微软雅黑" panose="020B0503020204020204" charset="-122"/>
+                <a:cs typeface="Times New Roman" panose="02020603050405020304" charset="0"/>
+              </a:rPr>
+              <a:t> B</a:t>
+            </a:r>
+            <a:r>
+              <a:rPr lang="zh-CN" altLang="en-US" sz="1600" b="1">
+                <a:latin typeface="Times New Roman" panose="02020603050405020304" charset="0"/>
+                <a:ea typeface="微软雅黑" panose="020B0503020204020204" charset="-122"/>
+                <a:cs typeface="Times New Roman" panose="02020603050405020304" charset="0"/>
+              </a:rPr>
+              <a:t>：</a:t>
+            </a:r>
+            <a:r>
+              <a:rPr lang="en-US" altLang="zh-CN" sz="1600">
+                <a:latin typeface="Times New Roman" panose="02020603050405020304" charset="0"/>
+                <a:ea typeface="微软雅黑" panose="020B0503020204020204" charset="-122"/>
+                <a:cs typeface="Times New Roman" panose="02020603050405020304" charset="0"/>
+              </a:rPr>
+              <a:t>28 </a:t>
+            </a:r>
+            <a:r>
+              <a:rPr lang="zh-CN" altLang="en-US" sz="1600">
+                <a:latin typeface="Times New Roman" panose="02020603050405020304" charset="0"/>
+                <a:ea typeface="微软雅黑" panose="020B0503020204020204" charset="-122"/>
+                <a:cs typeface="Times New Roman" panose="02020603050405020304" charset="0"/>
+              </a:rPr>
+              <a:t>个样本没结束，且随后触发熔断</a:t>
+            </a:r>
+            <a:r>
+              <a:rPr lang="en-US" altLang="zh-CN" sz="1600">
+                <a:latin typeface="Times New Roman" panose="02020603050405020304" charset="0"/>
+                <a:ea typeface="微软雅黑" panose="020B0503020204020204" charset="-122"/>
+                <a:cs typeface="Times New Roman" panose="02020603050405020304" charset="0"/>
+              </a:rPr>
+              <a:t> $</a:t>
+            </a:r>
+            <a:r>
+              <a:rPr lang="en-US" altLang="zh-CN" sz="1600">
+                <a:latin typeface="Times New Roman" panose="02020603050405020304" charset="0"/>
+                <a:ea typeface="微软雅黑" panose="020B0503020204020204" charset="-122"/>
+                <a:cs typeface="Times New Roman" panose="02020603050405020304" charset="0"/>
+                <a:sym typeface="+mn-ea"/>
+              </a:rPr>
+              <a:t>——&gt;</a:t>
+            </a:r>
+            <a:r>
+              <a:rPr lang="en-US" altLang="zh-CN" sz="1600">
+                <a:latin typeface="Times New Roman" panose="02020603050405020304" charset="0"/>
+                <a:ea typeface="微软雅黑" panose="020B0503020204020204" charset="-122"/>
                 <a:cs typeface="Times New Roman" panose="02020603050405020304" charset="0"/>
               </a:rPr>
               <a:t> </a:t>
             </a:r>
             <a:r>
-              <a:rPr lang="en-US" altLang="zh-CN" b="1">
-                <a:latin typeface="Times New Roman" panose="02020603050405020304" charset="0"/>
-                <a:cs typeface="Times New Roman" panose="02020603050405020304" charset="0"/>
-                <a:sym typeface="+mn-ea"/>
-              </a:rPr>
-              <a:t>Round</a:t>
-            </a:r>
-            <a:r>
-              <a:rPr lang="en-US" altLang="zh-CN" b="1">
-                <a:latin typeface="Times New Roman" panose="02020603050405020304" charset="0"/>
-                <a:cs typeface="Times New Roman" panose="02020603050405020304" charset="0"/>
-              </a:rPr>
-              <a:t>2</a:t>
-            </a:r>
-            <a:endParaRPr lang="en-US" altLang="zh-CN" b="1">
+              <a:rPr lang="zh-CN" altLang="en-US" sz="1600">
+                <a:latin typeface="Times New Roman" panose="02020603050405020304" charset="0"/>
+                <a:ea typeface="微软雅黑" panose="020B0503020204020204" charset="-122"/>
+                <a:cs typeface="Times New Roman" panose="02020603050405020304" charset="0"/>
+              </a:rPr>
+              <a:t>判定为</a:t>
+            </a:r>
+            <a:r>
+              <a:rPr lang="en-US" altLang="zh-CN" sz="1600">
+                <a:latin typeface="Times New Roman" panose="02020603050405020304" charset="0"/>
+                <a:ea typeface="微软雅黑" panose="020B0503020204020204" charset="-122"/>
+                <a:cs typeface="Times New Roman" panose="02020603050405020304" charset="0"/>
+              </a:rPr>
+              <a:t> Hard</a:t>
+            </a:r>
+            <a:r>
+              <a:rPr lang="zh-CN" altLang="en-US" sz="1600">
+                <a:latin typeface="Times New Roman" panose="02020603050405020304" charset="0"/>
+                <a:ea typeface="微软雅黑" panose="020B0503020204020204" charset="-122"/>
+                <a:cs typeface="Times New Roman" panose="02020603050405020304" charset="0"/>
+              </a:rPr>
+              <a:t>。</a:t>
+            </a:r>
+            <a:endParaRPr lang="zh-CN" altLang="en-US" sz="1600">
               <a:latin typeface="Times New Roman" panose="02020603050405020304" charset="0"/>
+              <a:ea typeface="微软雅黑" panose="020B0503020204020204" charset="-122"/>
               <a:cs typeface="Times New Roman" panose="02020603050405020304" charset="0"/>
             </a:endParaRPr>
           </a:p>
           <a:p>
-            <a:pPr>
+            <a:pPr indent="0">
               <a:lnSpc>
                 <a:spcPct val="130000"/>
               </a:lnSpc>
+              <a:buFont typeface="Arial" panose="020B0604020202020204" pitchFamily="34" charset="0"/>
+              <a:buNone/>
             </a:pPr>
             <a:r>
-              <a:rPr lang="en-US" altLang="zh-CN" b="1" i="1">
-                <a:latin typeface="Times New Roman" panose="02020603050405020304" charset="0"/>
-                <a:cs typeface="Times New Roman" panose="02020603050405020304" charset="0"/>
-                <a:sym typeface="+mn-ea"/>
-              </a:rPr>
-              <a:t>N</a:t>
-            </a:r>
-            <a:r>
-              <a:rPr lang="en-US" altLang="zh-CN" b="1" i="1" baseline="-25000">
-                <a:latin typeface="Times New Roman" panose="02020603050405020304" charset="0"/>
-                <a:cs typeface="Times New Roman" panose="02020603050405020304" charset="0"/>
-                <a:sym typeface="+mn-ea"/>
-              </a:rPr>
-              <a:t>active</a:t>
-            </a:r>
-            <a:r>
-              <a:rPr lang="en-US" altLang="zh-CN" b="1">
-                <a:latin typeface="Times New Roman" panose="02020603050405020304" charset="0"/>
-                <a:cs typeface="Times New Roman" panose="02020603050405020304" charset="0"/>
-                <a:sym typeface="+mn-ea"/>
-              </a:rPr>
-              <a:t> </a:t>
-            </a:r>
-            <a:r>
-              <a:rPr lang="en-US" altLang="zh-CN">
-                <a:latin typeface="Times New Roman" panose="02020603050405020304" charset="0"/>
-                <a:cs typeface="Times New Roman" panose="02020603050405020304" charset="0"/>
-                <a:sym typeface="+mn-ea"/>
-              </a:rPr>
-              <a:t>= 300</a:t>
-            </a:r>
-            <a:r>
-              <a:rPr lang="zh-CN" altLang="en-US">
-                <a:latin typeface="Times New Roman" panose="02020603050405020304" charset="0"/>
-                <a:cs typeface="Times New Roman" panose="02020603050405020304" charset="0"/>
-                <a:sym typeface="+mn-ea"/>
-              </a:rPr>
-              <a:t>。</a:t>
-            </a:r>
-            <a:endParaRPr lang="zh-CN" altLang="en-US">
+              <a:rPr lang="en-US" altLang="zh-CN" sz="1600" b="1">
+                <a:latin typeface="Times New Roman" panose="02020603050405020304" charset="0"/>
+                <a:ea typeface="微软雅黑" panose="020B0503020204020204" charset="-122"/>
+                <a:cs typeface="Times New Roman" panose="02020603050405020304" charset="0"/>
+              </a:rPr>
+              <a:t>3. </a:t>
+            </a:r>
+            <a:r>
+              <a:rPr lang="zh-CN" altLang="en-US" sz="1600" b="1">
+                <a:latin typeface="Times New Roman" panose="02020603050405020304" charset="0"/>
+                <a:ea typeface="微软雅黑" panose="020B0503020204020204" charset="-122"/>
+                <a:cs typeface="Times New Roman" panose="02020603050405020304" charset="0"/>
+              </a:rPr>
+              <a:t>路由</a:t>
+            </a:r>
+            <a:endParaRPr lang="en-US" altLang="zh-CN" sz="1600" b="1">
               <a:latin typeface="Times New Roman" panose="02020603050405020304" charset="0"/>
+              <a:ea typeface="微软雅黑" panose="020B0503020204020204" charset="-122"/>
               <a:cs typeface="Times New Roman" panose="02020603050405020304" charset="0"/>
             </a:endParaRPr>
           </a:p>
           <a:p>
-            <a:pPr>
+            <a:pPr indent="0">
               <a:lnSpc>
                 <a:spcPct val="130000"/>
               </a:lnSpc>
+              <a:buFont typeface="Arial" panose="020B0604020202020204" pitchFamily="34" charset="0"/>
+              <a:buNone/>
             </a:pPr>
             <a:r>
-              <a:rPr lang="en-US" altLang="zh-CN" b="1" i="1">
-                <a:latin typeface="Times New Roman" panose="02020603050405020304" charset="0"/>
-                <a:cs typeface="Times New Roman" panose="02020603050405020304" charset="0"/>
-                <a:sym typeface="+mn-ea"/>
-              </a:rPr>
-              <a:t>L</a:t>
-            </a:r>
-            <a:r>
-              <a:rPr lang="en-US" altLang="zh-CN" b="1" i="1" baseline="-25000">
-                <a:latin typeface="Times New Roman" panose="02020603050405020304" charset="0"/>
-                <a:cs typeface="Times New Roman" panose="02020603050405020304" charset="0"/>
-                <a:sym typeface="+mn-ea"/>
-              </a:rPr>
-              <a:t>next</a:t>
-            </a:r>
-            <a:r>
-              <a:rPr lang="en-US" altLang="zh-CN">
-                <a:latin typeface="Times New Roman" panose="02020603050405020304" charset="0"/>
-                <a:cs typeface="Times New Roman" panose="02020603050405020304" charset="0"/>
-                <a:sym typeface="+mn-ea"/>
-              </a:rPr>
-              <a:t>   = 65536 / 300 = 218 ——&gt;</a:t>
-            </a:r>
-            <a:r>
-              <a:rPr lang="zh-CN" altLang="en-US">
-                <a:latin typeface="Times New Roman" panose="02020603050405020304" charset="0"/>
-                <a:cs typeface="Times New Roman" panose="02020603050405020304" charset="0"/>
-                <a:sym typeface="+mn-ea"/>
-              </a:rPr>
-              <a:t>所有样本生成</a:t>
-            </a:r>
-            <a:r>
-              <a:rPr lang="en-US" altLang="zh-CN">
-                <a:latin typeface="Times New Roman" panose="02020603050405020304" charset="0"/>
-                <a:cs typeface="Times New Roman" panose="02020603050405020304" charset="0"/>
-                <a:sym typeface="+mn-ea"/>
-              </a:rPr>
-              <a:t> 218</a:t>
-            </a:r>
-            <a:r>
-              <a:rPr lang="zh-CN" altLang="en-US">
-                <a:latin typeface="Times New Roman" panose="02020603050405020304" charset="0"/>
-                <a:cs typeface="Times New Roman" panose="02020603050405020304" charset="0"/>
-                <a:sym typeface="+mn-ea"/>
+              <a:rPr lang="en-US" altLang="zh-CN" sz="1600">
+                <a:latin typeface="Times New Roman" panose="02020603050405020304" charset="0"/>
+                <a:ea typeface="微软雅黑" panose="020B0503020204020204" charset="-122"/>
+                <a:cs typeface="Times New Roman" panose="02020603050405020304" charset="0"/>
+              </a:rPr>
+              <a:t>100 </a:t>
+            </a:r>
+            <a:r>
+              <a:rPr lang="zh-CN" altLang="en-US" sz="1600">
+                <a:latin typeface="Times New Roman" panose="02020603050405020304" charset="0"/>
+                <a:ea typeface="微软雅黑" panose="020B0503020204020204" charset="-122"/>
+                <a:cs typeface="Times New Roman" panose="02020603050405020304" charset="0"/>
               </a:rPr>
               <a:t>个</a:t>
             </a:r>
             <a:r>
-              <a:rPr lang="en-US" altLang="zh-CN">
-                <a:latin typeface="Times New Roman" panose="02020603050405020304" charset="0"/>
-                <a:cs typeface="Times New Roman" panose="02020603050405020304" charset="0"/>
-                <a:sym typeface="+mn-ea"/>
-              </a:rPr>
-              <a:t> token</a:t>
-            </a:r>
-            <a:r>
-              <a:rPr lang="zh-CN" altLang="en-US">
-                <a:latin typeface="Times New Roman" panose="02020603050405020304" charset="0"/>
-                <a:cs typeface="Times New Roman" panose="02020603050405020304" charset="0"/>
-                <a:sym typeface="+mn-ea"/>
-              </a:rPr>
-              <a:t>，假设</a:t>
-            </a:r>
-            <a:r>
-              <a:rPr lang="en-US" altLang="zh-CN">
-                <a:latin typeface="Times New Roman" panose="02020603050405020304" charset="0"/>
-                <a:cs typeface="Times New Roman" panose="02020603050405020304" charset="0"/>
-                <a:sym typeface="+mn-ea"/>
-              </a:rPr>
-              <a:t>200</a:t>
-            </a:r>
-            <a:r>
-              <a:rPr lang="zh-CN" altLang="en-US">
-                <a:latin typeface="Times New Roman" panose="02020603050405020304" charset="0"/>
-                <a:cs typeface="Times New Roman" panose="02020603050405020304" charset="0"/>
-                <a:sym typeface="+mn-ea"/>
-              </a:rPr>
-              <a:t>个样本</a:t>
-            </a:r>
-            <a:r>
-              <a:rPr lang="en-US" altLang="zh-CN">
-                <a:latin typeface="Times New Roman" panose="02020603050405020304" charset="0"/>
-                <a:cs typeface="Times New Roman" panose="02020603050405020304" charset="0"/>
-                <a:sym typeface="+mn-ea"/>
-              </a:rPr>
-              <a:t>rollout</a:t>
-            </a:r>
-            <a:r>
-              <a:rPr lang="zh-CN" altLang="en-US">
-                <a:latin typeface="Times New Roman" panose="02020603050405020304" charset="0"/>
-                <a:cs typeface="Times New Roman" panose="02020603050405020304" charset="0"/>
-                <a:sym typeface="+mn-ea"/>
-              </a:rPr>
-              <a:t>完了</a:t>
-            </a:r>
-            <a:endParaRPr lang="zh-CN" altLang="en-US">
+              <a:rPr lang="en-US" altLang="zh-CN" sz="1600">
+                <a:latin typeface="Times New Roman" panose="02020603050405020304" charset="0"/>
+                <a:ea typeface="微软雅黑" panose="020B0503020204020204" charset="-122"/>
+                <a:cs typeface="Times New Roman" panose="02020603050405020304" charset="0"/>
+              </a:rPr>
+              <a:t> Simple Prompt </a:t>
+            </a:r>
+            <a:r>
+              <a:rPr lang="zh-CN" altLang="en-US" sz="1600">
+                <a:latin typeface="Times New Roman" panose="02020603050405020304" charset="0"/>
+                <a:ea typeface="微软雅黑" panose="020B0503020204020204" charset="-122"/>
+                <a:cs typeface="Times New Roman" panose="02020603050405020304" charset="0"/>
+              </a:rPr>
+              <a:t>的剩余</a:t>
+            </a:r>
+            <a:r>
+              <a:rPr lang="en-US" altLang="zh-CN" sz="1600">
+                <a:latin typeface="Times New Roman" panose="02020603050405020304" charset="0"/>
+                <a:ea typeface="微软雅黑" panose="020B0503020204020204" charset="-122"/>
+                <a:cs typeface="Times New Roman" panose="02020603050405020304" charset="0"/>
+              </a:rPr>
+              <a:t> 700 </a:t>
+            </a:r>
+            <a:r>
+              <a:rPr lang="zh-CN" altLang="en-US" sz="1600">
+                <a:latin typeface="Times New Roman" panose="02020603050405020304" charset="0"/>
+                <a:ea typeface="微软雅黑" panose="020B0503020204020204" charset="-122"/>
+                <a:cs typeface="Times New Roman" panose="02020603050405020304" charset="0"/>
+              </a:rPr>
+              <a:t>条采样</a:t>
+            </a:r>
+            <a:r>
+              <a:rPr lang="en-US" altLang="zh-CN" sz="1600">
+                <a:latin typeface="Times New Roman" panose="02020603050405020304" charset="0"/>
+                <a:ea typeface="微软雅黑" panose="020B0503020204020204" charset="-122"/>
+                <a:cs typeface="Times New Roman" panose="02020603050405020304" charset="0"/>
+              </a:rPr>
+              <a:t> ——&gt; Fast Queue</a:t>
+            </a:r>
+            <a:r>
+              <a:rPr lang="zh-CN" altLang="en-US" sz="1600">
+                <a:latin typeface="Times New Roman" panose="02020603050405020304" charset="0"/>
+                <a:ea typeface="微软雅黑" panose="020B0503020204020204" charset="-122"/>
+                <a:cs typeface="Times New Roman" panose="02020603050405020304" charset="0"/>
+              </a:rPr>
+              <a:t>。</a:t>
+            </a:r>
+            <a:endParaRPr lang="zh-CN" altLang="en-US" sz="1600">
               <a:latin typeface="Times New Roman" panose="02020603050405020304" charset="0"/>
+              <a:ea typeface="微软雅黑" panose="020B0503020204020204" charset="-122"/>
               <a:cs typeface="Times New Roman" panose="02020603050405020304" charset="0"/>
-              <a:sym typeface="+mn-ea"/>
             </a:endParaRPr>
           </a:p>
           <a:p>
-            <a:pPr>
+            <a:pPr indent="0">
               <a:lnSpc>
                 <a:spcPct val="130000"/>
               </a:lnSpc>
+              <a:buFont typeface="Arial" panose="020B0604020202020204" pitchFamily="34" charset="0"/>
+              <a:buNone/>
             </a:pPr>
             <a:r>
-              <a:rPr lang="en-US" altLang="zh-CN" b="1">
-                <a:latin typeface="Times New Roman" panose="02020603050405020304" charset="0"/>
+              <a:rPr lang="en-US" altLang="zh-CN" sz="1600">
+                <a:latin typeface="Times New Roman" panose="02020603050405020304" charset="0"/>
+                <a:ea typeface="微软雅黑" panose="020B0503020204020204" charset="-122"/>
+                <a:cs typeface="Times New Roman" panose="02020603050405020304" charset="0"/>
+              </a:rPr>
+              <a:t>28 </a:t>
+            </a:r>
+            <a:r>
+              <a:rPr lang="zh-CN" altLang="en-US" sz="1600">
+                <a:latin typeface="Times New Roman" panose="02020603050405020304" charset="0"/>
+                <a:ea typeface="微软雅黑" panose="020B0503020204020204" charset="-122"/>
+                <a:cs typeface="Times New Roman" panose="02020603050405020304" charset="0"/>
+              </a:rPr>
+              <a:t>个</a:t>
+            </a:r>
+            <a:r>
+              <a:rPr lang="en-US" altLang="zh-CN" sz="1600">
+                <a:latin typeface="Times New Roman" panose="02020603050405020304" charset="0"/>
+                <a:ea typeface="微软雅黑" panose="020B0503020204020204" charset="-122"/>
+                <a:cs typeface="Times New Roman" panose="02020603050405020304" charset="0"/>
+              </a:rPr>
+              <a:t> Hard Prompt </a:t>
+            </a:r>
+            <a:r>
+              <a:rPr lang="zh-CN" altLang="en-US" sz="1600">
+                <a:latin typeface="Times New Roman" panose="02020603050405020304" charset="0"/>
+                <a:ea typeface="微软雅黑" panose="020B0503020204020204" charset="-122"/>
+                <a:cs typeface="Times New Roman" panose="02020603050405020304" charset="0"/>
+              </a:rPr>
+              <a:t>的剩余</a:t>
+            </a:r>
+            <a:r>
+              <a:rPr lang="en-US" altLang="zh-CN" sz="1600">
+                <a:latin typeface="Times New Roman" panose="02020603050405020304" charset="0"/>
+                <a:ea typeface="微软雅黑" panose="020B0503020204020204" charset="-122"/>
+                <a:cs typeface="Times New Roman" panose="02020603050405020304" charset="0"/>
+              </a:rPr>
+              <a:t> 196 </a:t>
+            </a:r>
+            <a:r>
+              <a:rPr lang="zh-CN" altLang="en-US" sz="1600">
+                <a:latin typeface="Times New Roman" panose="02020603050405020304" charset="0"/>
+                <a:ea typeface="微软雅黑" panose="020B0503020204020204" charset="-122"/>
+                <a:cs typeface="Times New Roman" panose="02020603050405020304" charset="0"/>
+              </a:rPr>
+              <a:t>条采样</a:t>
+            </a:r>
+            <a:r>
+              <a:rPr lang="en-US" altLang="zh-CN" sz="1600">
+                <a:latin typeface="Times New Roman" panose="02020603050405020304" charset="0"/>
+                <a:ea typeface="微软雅黑" panose="020B0503020204020204" charset="-122"/>
+                <a:cs typeface="Times New Roman" panose="02020603050405020304" charset="0"/>
+              </a:rPr>
+              <a:t> </a:t>
+            </a:r>
+            <a:r>
+              <a:rPr lang="en-US" altLang="zh-CN" sz="1600">
+                <a:latin typeface="Times New Roman" panose="02020603050405020304" charset="0"/>
+                <a:ea typeface="微软雅黑" panose="020B0503020204020204" charset="-122"/>
                 <a:cs typeface="Times New Roman" panose="02020603050405020304" charset="0"/>
                 <a:sym typeface="+mn-ea"/>
               </a:rPr>
-              <a:t>Round3</a:t>
-            </a:r>
-            <a:endParaRPr lang="en-US" altLang="zh-CN" b="1">
+              <a:t>——&gt;</a:t>
+            </a:r>
+            <a:r>
+              <a:rPr lang="en-US" altLang="zh-CN" sz="1600">
+                <a:latin typeface="Times New Roman" panose="02020603050405020304" charset="0"/>
+                <a:ea typeface="微软雅黑" panose="020B0503020204020204" charset="-122"/>
+                <a:cs typeface="Times New Roman" panose="02020603050405020304" charset="0"/>
+              </a:rPr>
+              <a:t> Heavy Queue</a:t>
+            </a:r>
+            <a:r>
+              <a:rPr lang="zh-CN" altLang="en-US" sz="1600">
+                <a:latin typeface="Times New Roman" panose="02020603050405020304" charset="0"/>
+                <a:ea typeface="微软雅黑" panose="020B0503020204020204" charset="-122"/>
+                <a:cs typeface="Times New Roman" panose="02020603050405020304" charset="0"/>
+              </a:rPr>
+              <a:t>。</a:t>
+            </a:r>
+            <a:endParaRPr lang="zh-CN" altLang="en-US" sz="1600">
               <a:latin typeface="Times New Roman" panose="02020603050405020304" charset="0"/>
+              <a:ea typeface="微软雅黑" panose="020B0503020204020204" charset="-122"/>
               <a:cs typeface="Times New Roman" panose="02020603050405020304" charset="0"/>
-              <a:sym typeface="+mn-ea"/>
             </a:endParaRPr>
           </a:p>
           <a:p>
-            <a:pPr>
+            <a:pPr indent="0">
               <a:lnSpc>
                 <a:spcPct val="130000"/>
               </a:lnSpc>
+              <a:buFont typeface="Arial" panose="020B0604020202020204" pitchFamily="34" charset="0"/>
+              <a:buNone/>
             </a:pPr>
             <a:r>
-              <a:rPr lang="en-US" altLang="zh-CN" b="1" i="1">
-                <a:latin typeface="Times New Roman" panose="02020603050405020304" charset="0"/>
+              <a:rPr lang="zh-CN" altLang="en-US" sz="1600">
+                <a:latin typeface="Times New Roman" panose="02020603050405020304" charset="0"/>
+                <a:ea typeface="微软雅黑" panose="020B0503020204020204" charset="-122"/>
+                <a:cs typeface="Times New Roman" panose="02020603050405020304" charset="0"/>
+              </a:rPr>
+              <a:t>那</a:t>
+            </a:r>
+            <a:r>
+              <a:rPr lang="en-US" altLang="zh-CN" sz="1600">
+                <a:latin typeface="Times New Roman" panose="02020603050405020304" charset="0"/>
+                <a:ea typeface="微软雅黑" panose="020B0503020204020204" charset="-122"/>
+                <a:cs typeface="Times New Roman" panose="02020603050405020304" charset="0"/>
+              </a:rPr>
+              <a:t> 28 </a:t>
+            </a:r>
+            <a:r>
+              <a:rPr lang="zh-CN" altLang="en-US" sz="1600">
+                <a:latin typeface="Times New Roman" panose="02020603050405020304" charset="0"/>
+                <a:ea typeface="微软雅黑" panose="020B0503020204020204" charset="-122"/>
+                <a:cs typeface="Times New Roman" panose="02020603050405020304" charset="0"/>
+              </a:rPr>
+              <a:t>个熔断</a:t>
+            </a:r>
+            <a:r>
+              <a:rPr lang="zh-CN" altLang="en-US" sz="1600">
+                <a:latin typeface="微软雅黑" panose="020B0503020204020204" charset="-122"/>
+                <a:ea typeface="微软雅黑" panose="020B0503020204020204" charset="-122"/>
+                <a:cs typeface="微软雅黑" panose="020B0503020204020204" charset="-122"/>
+              </a:rPr>
+              <a:t>的“探路者”</a:t>
+            </a:r>
+            <a:r>
+              <a:rPr lang="en-US" altLang="zh-CN" sz="1600">
+                <a:latin typeface="Times New Roman" panose="02020603050405020304" charset="0"/>
+                <a:ea typeface="微软雅黑" panose="020B0503020204020204" charset="-122"/>
+                <a:cs typeface="Times New Roman" panose="02020603050405020304" charset="0"/>
+              </a:rPr>
+              <a:t> </a:t>
+            </a:r>
+            <a:r>
+              <a:rPr lang="en-US" altLang="zh-CN" sz="1600">
+                <a:latin typeface="Times New Roman" panose="02020603050405020304" charset="0"/>
+                <a:ea typeface="微软雅黑" panose="020B0503020204020204" charset="-122"/>
                 <a:cs typeface="Times New Roman" panose="02020603050405020304" charset="0"/>
                 <a:sym typeface="+mn-ea"/>
               </a:rPr>
-              <a:t>N</a:t>
-            </a:r>
-            <a:r>
-              <a:rPr lang="en-US" altLang="zh-CN" b="1" i="1" baseline="-25000">
-                <a:latin typeface="Times New Roman" panose="02020603050405020304" charset="0"/>
-                <a:cs typeface="Times New Roman" panose="02020603050405020304" charset="0"/>
-                <a:sym typeface="+mn-ea"/>
-              </a:rPr>
-              <a:t>active</a:t>
-            </a:r>
-            <a:r>
-              <a:rPr lang="en-US" altLang="zh-CN" b="1">
-                <a:latin typeface="Times New Roman" panose="02020603050405020304" charset="0"/>
-                <a:cs typeface="Times New Roman" panose="02020603050405020304" charset="0"/>
-                <a:sym typeface="+mn-ea"/>
-              </a:rPr>
-              <a:t> </a:t>
-            </a:r>
-            <a:r>
-              <a:rPr lang="en-US" altLang="zh-CN">
-                <a:latin typeface="Times New Roman" panose="02020603050405020304" charset="0"/>
-                <a:cs typeface="Times New Roman" panose="02020603050405020304" charset="0"/>
-                <a:sym typeface="+mn-ea"/>
-              </a:rPr>
-              <a:t>= 100</a:t>
-            </a:r>
-            <a:r>
-              <a:rPr lang="zh-CN" altLang="en-US">
-                <a:latin typeface="Times New Roman" panose="02020603050405020304" charset="0"/>
-                <a:cs typeface="Times New Roman" panose="02020603050405020304" charset="0"/>
-                <a:sym typeface="+mn-ea"/>
+              <a:t>——&gt;</a:t>
+            </a:r>
+            <a:r>
+              <a:rPr lang="en-US" altLang="zh-CN" sz="1600">
+                <a:latin typeface="Times New Roman" panose="02020603050405020304" charset="0"/>
+                <a:ea typeface="微软雅黑" panose="020B0503020204020204" charset="-122"/>
+                <a:cs typeface="Times New Roman" panose="02020603050405020304" charset="0"/>
+              </a:rPr>
+              <a:t> Repack </a:t>
+            </a:r>
+            <a:r>
+              <a:rPr lang="zh-CN" altLang="en-US" sz="1600">
+                <a:latin typeface="Times New Roman" panose="02020603050405020304" charset="0"/>
+                <a:ea typeface="微软雅黑" panose="020B0503020204020204" charset="-122"/>
+                <a:cs typeface="Times New Roman" panose="02020603050405020304" charset="0"/>
+              </a:rPr>
+              <a:t>到</a:t>
+            </a:r>
+            <a:r>
+              <a:rPr lang="en-US" altLang="zh-CN" sz="1600">
+                <a:latin typeface="Times New Roman" panose="02020603050405020304" charset="0"/>
+                <a:ea typeface="微软雅黑" panose="020B0503020204020204" charset="-122"/>
+                <a:cs typeface="Times New Roman" panose="02020603050405020304" charset="0"/>
+              </a:rPr>
+              <a:t> Heavy Queue</a:t>
+            </a:r>
+            <a:r>
+              <a:rPr lang="zh-CN" altLang="en-US" sz="1600">
+                <a:latin typeface="Times New Roman" panose="02020603050405020304" charset="0"/>
+                <a:ea typeface="微软雅黑" panose="020B0503020204020204" charset="-122"/>
+                <a:cs typeface="Times New Roman" panose="02020603050405020304" charset="0"/>
               </a:rPr>
               <a:t>。</a:t>
             </a:r>
-            <a:endParaRPr lang="zh-CN" altLang="en-US">
+            <a:endParaRPr lang="zh-CN" altLang="en-US" sz="1600">
               <a:latin typeface="Times New Roman" panose="02020603050405020304" charset="0"/>
+              <a:ea typeface="微软雅黑" panose="020B0503020204020204" charset="-122"/>
               <a:cs typeface="Times New Roman" panose="02020603050405020304" charset="0"/>
             </a:endParaRPr>
           </a:p>
           <a:p>
-            <a:pPr>
+            <a:pPr indent="0">
               <a:lnSpc>
                 <a:spcPct val="130000"/>
               </a:lnSpc>
+              <a:buFont typeface="Arial" panose="020B0604020202020204" pitchFamily="34" charset="0"/>
+              <a:buNone/>
             </a:pPr>
-            <a:r>
-              <a:rPr lang="en-US" altLang="zh-CN" b="1" i="1">
-                <a:latin typeface="Times New Roman" panose="02020603050405020304" charset="0"/>
-                <a:cs typeface="Times New Roman" panose="02020603050405020304" charset="0"/>
-                <a:sym typeface="+mn-ea"/>
-              </a:rPr>
-              <a:t>L</a:t>
-            </a:r>
-            <a:r>
-              <a:rPr lang="en-US" altLang="zh-CN" b="1" i="1" baseline="-25000">
-                <a:latin typeface="Times New Roman" panose="02020603050405020304" charset="0"/>
-                <a:cs typeface="Times New Roman" panose="02020603050405020304" charset="0"/>
-                <a:sym typeface="+mn-ea"/>
-              </a:rPr>
-              <a:t>next</a:t>
-            </a:r>
-            <a:r>
-              <a:rPr lang="en-US" altLang="zh-CN">
-                <a:latin typeface="Times New Roman" panose="02020603050405020304" charset="0"/>
-                <a:cs typeface="Times New Roman" panose="02020603050405020304" charset="0"/>
-                <a:sym typeface="+mn-ea"/>
-              </a:rPr>
-              <a:t>   = 65536 / 300 = 500 ——&gt;</a:t>
-            </a:r>
-            <a:r>
-              <a:rPr lang="zh-CN" altLang="en-US">
-                <a:latin typeface="Times New Roman" panose="02020603050405020304" charset="0"/>
-                <a:cs typeface="Times New Roman" panose="02020603050405020304" charset="0"/>
-                <a:sym typeface="+mn-ea"/>
-              </a:rPr>
-              <a:t>所有样本生成</a:t>
-            </a:r>
-            <a:r>
-              <a:rPr lang="en-US" altLang="zh-CN">
-                <a:latin typeface="Times New Roman" panose="02020603050405020304" charset="0"/>
-                <a:cs typeface="Times New Roman" panose="02020603050405020304" charset="0"/>
-                <a:sym typeface="+mn-ea"/>
-              </a:rPr>
-              <a:t> 500</a:t>
-            </a:r>
-            <a:r>
-              <a:rPr lang="zh-CN" altLang="en-US">
-                <a:latin typeface="Times New Roman" panose="02020603050405020304" charset="0"/>
-                <a:cs typeface="Times New Roman" panose="02020603050405020304" charset="0"/>
-                <a:sym typeface="+mn-ea"/>
-              </a:rPr>
-              <a:t>个</a:t>
-            </a:r>
-            <a:r>
-              <a:rPr lang="en-US" altLang="zh-CN">
-                <a:latin typeface="Times New Roman" panose="02020603050405020304" charset="0"/>
-                <a:cs typeface="Times New Roman" panose="02020603050405020304" charset="0"/>
-                <a:sym typeface="+mn-ea"/>
-              </a:rPr>
-              <a:t> token</a:t>
-            </a:r>
-            <a:r>
-              <a:rPr lang="zh-CN" altLang="en-US">
-                <a:latin typeface="Times New Roman" panose="02020603050405020304" charset="0"/>
-                <a:cs typeface="Times New Roman" panose="02020603050405020304" charset="0"/>
-                <a:sym typeface="+mn-ea"/>
-              </a:rPr>
-              <a:t>，遇到</a:t>
-            </a:r>
-            <a:r>
-              <a:rPr lang="en-US" altLang="zh-CN">
-                <a:latin typeface="Times New Roman" panose="02020603050405020304" charset="0"/>
-                <a:cs typeface="Times New Roman" panose="02020603050405020304" charset="0"/>
-                <a:sym typeface="+mn-ea"/>
-              </a:rPr>
-              <a:t>EOS</a:t>
-            </a:r>
-            <a:r>
-              <a:rPr lang="zh-CN" altLang="en-US">
-                <a:latin typeface="Times New Roman" panose="02020603050405020304" charset="0"/>
-                <a:cs typeface="Times New Roman" panose="02020603050405020304" charset="0"/>
-                <a:sym typeface="+mn-ea"/>
-              </a:rPr>
-              <a:t>都结束</a:t>
-            </a:r>
-            <a:endParaRPr lang="zh-CN" altLang="en-US">
+            <a:endParaRPr lang="zh-CN" altLang="en-US" sz="1600">
               <a:latin typeface="Times New Roman" panose="02020603050405020304" charset="0"/>
+              <a:ea typeface="微软雅黑" panose="020B0503020204020204" charset="-122"/>
               <a:cs typeface="Times New Roman" panose="02020603050405020304" charset="0"/>
-              <a:sym typeface="+mn-ea"/>
             </a:endParaRPr>
           </a:p>
           <a:p>
-            <a:pPr>
+            <a:pPr indent="0">
               <a:lnSpc>
                 <a:spcPct val="130000"/>
               </a:lnSpc>
+              <a:buFont typeface="Arial" panose="020B0604020202020204" pitchFamily="34" charset="0"/>
+              <a:buNone/>
             </a:pPr>
-            <a:endParaRPr lang="en-US" altLang="zh-CN" b="1">
+            <a:r>
+              <a:rPr lang="en-US" altLang="zh-CN" sz="1600" b="1">
+                <a:latin typeface="Times New Roman" panose="02020603050405020304" charset="0"/>
+                <a:ea typeface="微软雅黑" panose="020B0503020204020204" charset="-122"/>
+                <a:cs typeface="Times New Roman" panose="02020603050405020304" charset="0"/>
+              </a:rPr>
+              <a:t>4. </a:t>
+            </a:r>
+            <a:r>
+              <a:rPr lang="zh-CN" altLang="en-US" sz="1600" b="1">
+                <a:latin typeface="Times New Roman" panose="02020603050405020304" charset="0"/>
+                <a:ea typeface="微软雅黑" panose="020B0503020204020204" charset="-122"/>
+                <a:cs typeface="Times New Roman" panose="02020603050405020304" charset="0"/>
+              </a:rPr>
+              <a:t>分开推理：</a:t>
+            </a:r>
+            <a:endParaRPr lang="zh-CN" altLang="en-US" sz="1600" b="1">
               <a:latin typeface="Times New Roman" panose="02020603050405020304" charset="0"/>
+              <a:ea typeface="微软雅黑" panose="020B0503020204020204" charset="-122"/>
               <a:cs typeface="Times New Roman" panose="02020603050405020304" charset="0"/>
-              <a:sym typeface="+mn-ea"/>
             </a:endParaRPr>
           </a:p>
           <a:p>
-            <a:pPr>
+            <a:pPr indent="0">
               <a:lnSpc>
                 <a:spcPct val="130000"/>
               </a:lnSpc>
+              <a:buFont typeface="Arial" panose="020B0604020202020204" pitchFamily="34" charset="0"/>
+              <a:buNone/>
             </a:pPr>
             <a:r>
-              <a:rPr lang="en-US" altLang="zh-CN" b="1">
-                <a:latin typeface="Times New Roman" panose="02020603050405020304" charset="0"/>
-                <a:cs typeface="Times New Roman" panose="02020603050405020304" charset="0"/>
-                <a:sym typeface="+mn-ea"/>
-              </a:rPr>
-              <a:t>Round N: </a:t>
-            </a:r>
-            <a:r>
-              <a:rPr lang="zh-CN" altLang="en-US" b="1">
-                <a:latin typeface="Times New Roman" panose="02020603050405020304" charset="0"/>
-                <a:cs typeface="Times New Roman" panose="02020603050405020304" charset="0"/>
-                <a:sym typeface="+mn-ea"/>
-              </a:rPr>
-              <a:t>熔断</a:t>
-            </a:r>
-            <a:r>
-              <a:rPr lang="en-US" altLang="zh-CN" b="1">
-                <a:latin typeface="Times New Roman" panose="02020603050405020304" charset="0"/>
-                <a:cs typeface="Times New Roman" panose="02020603050405020304" charset="0"/>
-                <a:sym typeface="+mn-ea"/>
-              </a:rPr>
-              <a:t> (The Circuit Breaker) - </a:t>
-            </a:r>
-            <a:r>
-              <a:rPr lang="zh-CN" altLang="en-US" b="1">
-                <a:latin typeface="Times New Roman" panose="02020603050405020304" charset="0"/>
-                <a:cs typeface="Times New Roman" panose="02020603050405020304" charset="0"/>
-                <a:sym typeface="+mn-ea"/>
-              </a:rPr>
-              <a:t>异常捕获</a:t>
-            </a:r>
-            <a:endParaRPr lang="zh-CN" altLang="en-US" b="1">
+              <a:rPr lang="en-US" altLang="zh-CN" sz="1600">
+                <a:latin typeface="Times New Roman" panose="02020603050405020304" charset="0"/>
+                <a:ea typeface="微软雅黑" panose="020B0503020204020204" charset="-122"/>
+                <a:cs typeface="Times New Roman" panose="02020603050405020304" charset="0"/>
+              </a:rPr>
+              <a:t>Fast Worker</a:t>
+            </a:r>
+            <a:r>
+              <a:rPr lang="zh-CN" altLang="en-US" sz="1600">
+                <a:latin typeface="Times New Roman" panose="02020603050405020304" charset="0"/>
+                <a:ea typeface="微软雅黑" panose="020B0503020204020204" charset="-122"/>
+                <a:cs typeface="Times New Roman" panose="02020603050405020304" charset="0"/>
+              </a:rPr>
+              <a:t>：高并发吞吐，像机关枪一样处理短任务。</a:t>
+            </a:r>
+            <a:endParaRPr lang="en-US" altLang="zh-CN" sz="1600">
               <a:latin typeface="Times New Roman" panose="02020603050405020304" charset="0"/>
+              <a:ea typeface="微软雅黑" panose="020B0503020204020204" charset="-122"/>
               <a:cs typeface="Times New Roman" panose="02020603050405020304" charset="0"/>
-              <a:sym typeface="+mn-ea"/>
             </a:endParaRPr>
           </a:p>
           <a:p>
-            <a:pPr>
+            <a:pPr indent="0">
               <a:lnSpc>
                 <a:spcPct val="130000"/>
               </a:lnSpc>
+              <a:buFont typeface="Arial" panose="020B0604020202020204" pitchFamily="34" charset="0"/>
+              <a:buNone/>
             </a:pPr>
             <a:r>
-              <a:rPr lang="zh-CN" altLang="en-US">
-                <a:latin typeface="Times New Roman" panose="02020603050405020304" charset="0"/>
-                <a:cs typeface="Times New Roman" panose="02020603050405020304" charset="0"/>
-                <a:sym typeface="+mn-ea"/>
-              </a:rPr>
-              <a:t>样本</a:t>
-            </a:r>
-            <a:r>
-              <a:rPr lang="en-US" altLang="zh-CN">
-                <a:latin typeface="Times New Roman" panose="02020603050405020304" charset="0"/>
-                <a:cs typeface="Times New Roman" panose="02020603050405020304" charset="0"/>
-                <a:sym typeface="+mn-ea"/>
-              </a:rPr>
-              <a:t> ID #9527 </a:t>
-            </a:r>
-            <a:r>
-              <a:rPr lang="zh-CN" altLang="en-US">
-                <a:latin typeface="Times New Roman" panose="02020603050405020304" charset="0"/>
-                <a:cs typeface="Times New Roman" panose="02020603050405020304" charset="0"/>
-                <a:sym typeface="+mn-ea"/>
-              </a:rPr>
-              <a:t>还在跑。它虽然历史记录是</a:t>
-            </a:r>
-            <a:r>
-              <a:rPr lang="en-US" altLang="zh-CN">
-                <a:latin typeface="Times New Roman" panose="02020603050405020304" charset="0"/>
-                <a:cs typeface="Times New Roman" panose="02020603050405020304" charset="0"/>
-                <a:sym typeface="+mn-ea"/>
-              </a:rPr>
-              <a:t>“</a:t>
-            </a:r>
-            <a:r>
-              <a:rPr lang="zh-CN" altLang="en-US">
-                <a:latin typeface="Times New Roman" panose="02020603050405020304" charset="0"/>
-                <a:cs typeface="Times New Roman" panose="02020603050405020304" charset="0"/>
-                <a:sym typeface="+mn-ea"/>
-              </a:rPr>
-              <a:t>短</a:t>
-            </a:r>
-            <a:r>
-              <a:rPr lang="en-US" altLang="zh-CN">
-                <a:latin typeface="Times New Roman" panose="02020603050405020304" charset="0"/>
-                <a:cs typeface="Times New Roman" panose="02020603050405020304" charset="0"/>
-                <a:sym typeface="+mn-ea"/>
-              </a:rPr>
-              <a:t>”</a:t>
-            </a:r>
-            <a:r>
-              <a:rPr lang="zh-CN" altLang="en-US">
-                <a:latin typeface="Times New Roman" panose="02020603050405020304" charset="0"/>
-                <a:cs typeface="Times New Roman" panose="02020603050405020304" charset="0"/>
-                <a:sym typeface="+mn-ea"/>
-              </a:rPr>
-              <a:t>，但今天它已经跑了</a:t>
-            </a:r>
-            <a:r>
-              <a:rPr lang="en-US" altLang="zh-CN">
-                <a:latin typeface="Times New Roman" panose="02020603050405020304" charset="0"/>
-                <a:cs typeface="Times New Roman" panose="02020603050405020304" charset="0"/>
-                <a:sym typeface="+mn-ea"/>
-              </a:rPr>
-              <a:t> 10 </a:t>
-            </a:r>
-            <a:r>
-              <a:rPr lang="zh-CN" altLang="en-US">
-                <a:latin typeface="Times New Roman" panose="02020603050405020304" charset="0"/>
-                <a:cs typeface="Times New Roman" panose="02020603050405020304" charset="0"/>
-                <a:sym typeface="+mn-ea"/>
-              </a:rPr>
-              <a:t>秒。其他样本平均只跑了</a:t>
-            </a:r>
-            <a:r>
-              <a:rPr lang="en-US" altLang="zh-CN">
-                <a:latin typeface="Times New Roman" panose="02020603050405020304" charset="0"/>
-                <a:cs typeface="Times New Roman" panose="02020603050405020304" charset="0"/>
-                <a:sym typeface="+mn-ea"/>
-              </a:rPr>
-              <a:t> 5 </a:t>
-            </a:r>
-            <a:r>
-              <a:rPr lang="zh-CN" altLang="en-US">
-                <a:latin typeface="Times New Roman" panose="02020603050405020304" charset="0"/>
-                <a:cs typeface="Times New Roman" panose="02020603050405020304" charset="0"/>
-                <a:sym typeface="+mn-ea"/>
-              </a:rPr>
-              <a:t>秒。</a:t>
-            </a:r>
-            <a:endParaRPr lang="zh-CN" altLang="en-US">
+              <a:rPr lang="en-US" altLang="zh-CN" sz="1600">
+                <a:latin typeface="Times New Roman" panose="02020603050405020304" charset="0"/>
+                <a:ea typeface="微软雅黑" panose="020B0503020204020204" charset="-122"/>
+                <a:cs typeface="Times New Roman" panose="02020603050405020304" charset="0"/>
+              </a:rPr>
+              <a:t>Heavy Worker</a:t>
+            </a:r>
+            <a:r>
+              <a:rPr lang="zh-CN" altLang="en-US" sz="1600">
+                <a:latin typeface="Times New Roman" panose="02020603050405020304" charset="0"/>
+                <a:ea typeface="微软雅黑" panose="020B0503020204020204" charset="-122"/>
+                <a:cs typeface="Times New Roman" panose="02020603050405020304" charset="0"/>
+              </a:rPr>
+              <a:t>：稳扎稳打，利用长步长处理长任务。</a:t>
+            </a:r>
+            <a:endParaRPr lang="zh-CN" altLang="en-US" sz="1600">
               <a:latin typeface="Times New Roman" panose="02020603050405020304" charset="0"/>
+              <a:ea typeface="微软雅黑" panose="020B0503020204020204" charset="-122"/>
               <a:cs typeface="Times New Roman" panose="02020603050405020304" charset="0"/>
-              <a:sym typeface="+mn-ea"/>
             </a:endParaRPr>
           </a:p>
           <a:p>
-            <a:pPr>
+            <a:pPr indent="0">
               <a:lnSpc>
                 <a:spcPct val="130000"/>
               </a:lnSpc>
+              <a:buFont typeface="Arial" panose="020B0604020202020204" pitchFamily="34" charset="0"/>
+              <a:buNone/>
             </a:pPr>
             <a:r>
-              <a:rPr lang="zh-CN" altLang="en-US">
-                <a:latin typeface="Times New Roman" panose="02020603050405020304" charset="0"/>
-                <a:cs typeface="Times New Roman" panose="02020603050405020304" charset="0"/>
-                <a:sym typeface="+mn-ea"/>
-              </a:rPr>
-              <a:t>立即停止</a:t>
-            </a:r>
-            <a:r>
-              <a:rPr lang="en-US" altLang="zh-CN">
-                <a:latin typeface="Times New Roman" panose="02020603050405020304" charset="0"/>
-                <a:cs typeface="Times New Roman" panose="02020603050405020304" charset="0"/>
-                <a:sym typeface="+mn-ea"/>
-              </a:rPr>
-              <a:t> #9527 </a:t>
-            </a:r>
-            <a:r>
-              <a:rPr lang="zh-CN" altLang="en-US">
-                <a:latin typeface="Times New Roman" panose="02020603050405020304" charset="0"/>
-                <a:cs typeface="Times New Roman" panose="02020603050405020304" charset="0"/>
-                <a:sym typeface="+mn-ea"/>
-              </a:rPr>
-              <a:t>的生成。提取</a:t>
-            </a:r>
-            <a:r>
-              <a:rPr lang="en-US" altLang="zh-CN">
-                <a:latin typeface="Times New Roman" panose="02020603050405020304" charset="0"/>
-                <a:cs typeface="Times New Roman" panose="02020603050405020304" charset="0"/>
-                <a:sym typeface="+mn-ea"/>
-              </a:rPr>
-              <a:t> #9527 </a:t>
-            </a:r>
-            <a:r>
-              <a:rPr lang="zh-CN" altLang="en-US">
-                <a:latin typeface="Times New Roman" panose="02020603050405020304" charset="0"/>
-                <a:cs typeface="Times New Roman" panose="02020603050405020304" charset="0"/>
-                <a:sym typeface="+mn-ea"/>
-              </a:rPr>
-              <a:t>的</a:t>
-            </a:r>
-            <a:r>
-              <a:rPr lang="en-US" altLang="zh-CN">
-                <a:latin typeface="Times New Roman" panose="02020603050405020304" charset="0"/>
-                <a:cs typeface="Times New Roman" panose="02020603050405020304" charset="0"/>
-                <a:sym typeface="+mn-ea"/>
-              </a:rPr>
-              <a:t> Prompt IDs + </a:t>
-            </a:r>
-            <a:r>
-              <a:rPr lang="zh-CN" altLang="en-US">
-                <a:latin typeface="Times New Roman" panose="02020603050405020304" charset="0"/>
-                <a:cs typeface="Times New Roman" panose="02020603050405020304" charset="0"/>
-                <a:sym typeface="+mn-ea"/>
-              </a:rPr>
-              <a:t>已生成的</a:t>
-            </a:r>
-            <a:r>
-              <a:rPr lang="en-US" altLang="zh-CN">
-                <a:latin typeface="Times New Roman" panose="02020603050405020304" charset="0"/>
-                <a:cs typeface="Times New Roman" panose="02020603050405020304" charset="0"/>
-                <a:sym typeface="+mn-ea"/>
-              </a:rPr>
-              <a:t> 800 </a:t>
-            </a:r>
-            <a:r>
-              <a:rPr lang="zh-CN" altLang="en-US">
-                <a:latin typeface="Times New Roman" panose="02020603050405020304" charset="0"/>
-                <a:cs typeface="Times New Roman" panose="02020603050405020304" charset="0"/>
-                <a:sym typeface="+mn-ea"/>
-              </a:rPr>
-              <a:t>个</a:t>
-            </a:r>
-            <a:r>
-              <a:rPr lang="en-US" altLang="zh-CN">
-                <a:latin typeface="Times New Roman" panose="02020603050405020304" charset="0"/>
-                <a:cs typeface="Times New Roman" panose="02020603050405020304" charset="0"/>
-                <a:sym typeface="+mn-ea"/>
-              </a:rPr>
-              <a:t> Token IDs</a:t>
-            </a:r>
-            <a:r>
-              <a:rPr lang="zh-CN" altLang="en-US">
-                <a:latin typeface="Times New Roman" panose="02020603050405020304" charset="0"/>
-                <a:cs typeface="Times New Roman" panose="02020603050405020304" charset="0"/>
-                <a:sym typeface="+mn-ea"/>
-              </a:rPr>
-              <a:t>。将包发送给</a:t>
-            </a:r>
-            <a:r>
-              <a:rPr lang="en-US" altLang="zh-CN">
-                <a:latin typeface="Times New Roman" panose="02020603050405020304" charset="0"/>
-                <a:cs typeface="Times New Roman" panose="02020603050405020304" charset="0"/>
-                <a:sym typeface="+mn-ea"/>
-              </a:rPr>
-              <a:t> Heavy Queue</a:t>
-            </a:r>
-            <a:r>
-              <a:rPr lang="zh-CN" altLang="en-US">
-                <a:latin typeface="Times New Roman" panose="02020603050405020304" charset="0"/>
-                <a:cs typeface="Times New Roman" panose="02020603050405020304" charset="0"/>
-                <a:sym typeface="+mn-ea"/>
-              </a:rPr>
-              <a:t>。</a:t>
-            </a:r>
-            <a:endParaRPr lang="zh-CN" altLang="en-US">
+              <a:rPr lang="en-US" altLang="zh-CN" sz="1600" b="1">
+                <a:latin typeface="Times New Roman" panose="02020603050405020304" charset="0"/>
+                <a:ea typeface="微软雅黑" panose="020B0503020204020204" charset="-122"/>
+                <a:cs typeface="Times New Roman" panose="02020603050405020304" charset="0"/>
+              </a:rPr>
+              <a:t>5. </a:t>
+            </a:r>
+            <a:r>
+              <a:rPr lang="zh-CN" altLang="en-US" sz="1600" b="1">
+                <a:latin typeface="Times New Roman" panose="02020603050405020304" charset="0"/>
+                <a:ea typeface="微软雅黑" panose="020B0503020204020204" charset="-122"/>
+                <a:cs typeface="Times New Roman" panose="02020603050405020304" charset="0"/>
+              </a:rPr>
+              <a:t>训练：</a:t>
+            </a:r>
+            <a:r>
+              <a:rPr lang="zh-CN" altLang="en-US" sz="1600">
+                <a:latin typeface="Times New Roman" panose="02020603050405020304" charset="0"/>
+                <a:ea typeface="微软雅黑" panose="020B0503020204020204" charset="-122"/>
+                <a:cs typeface="Times New Roman" panose="02020603050405020304" charset="0"/>
+              </a:rPr>
+              <a:t>所有轨迹汇入</a:t>
+            </a:r>
+            <a:r>
+              <a:rPr lang="en-US" altLang="zh-CN" sz="1600">
+                <a:latin typeface="Times New Roman" panose="02020603050405020304" charset="0"/>
+                <a:ea typeface="微软雅黑" panose="020B0503020204020204" charset="-122"/>
+                <a:cs typeface="Times New Roman" panose="02020603050405020304" charset="0"/>
+              </a:rPr>
+              <a:t> Global Buffer</a:t>
+            </a:r>
+            <a:r>
+              <a:rPr lang="zh-CN" altLang="en-US" sz="1600">
+                <a:latin typeface="Times New Roman" panose="02020603050405020304" charset="0"/>
+                <a:ea typeface="微软雅黑" panose="020B0503020204020204" charset="-122"/>
+                <a:cs typeface="Times New Roman" panose="02020603050405020304" charset="0"/>
+              </a:rPr>
+              <a:t>，</a:t>
+            </a:r>
+            <a:r>
+              <a:rPr lang="en-US" altLang="zh-CN" sz="1600">
+                <a:latin typeface="Times New Roman" panose="02020603050405020304" charset="0"/>
+                <a:ea typeface="微软雅黑" panose="020B0503020204020204" charset="-122"/>
+                <a:cs typeface="Times New Roman" panose="02020603050405020304" charset="0"/>
+              </a:rPr>
+              <a:t>Learner </a:t>
+            </a:r>
+            <a:r>
+              <a:rPr lang="zh-CN" altLang="en-US" sz="1600">
+                <a:latin typeface="Times New Roman" panose="02020603050405020304" charset="0"/>
+                <a:ea typeface="微软雅黑" panose="020B0503020204020204" charset="-122"/>
+                <a:cs typeface="Times New Roman" panose="02020603050405020304" charset="0"/>
+              </a:rPr>
+              <a:t>取出数据，修正</a:t>
+            </a:r>
+            <a:r>
+              <a:rPr lang="en-US" altLang="zh-CN" sz="1600">
+                <a:latin typeface="Times New Roman" panose="02020603050405020304" charset="0"/>
+                <a:ea typeface="微软雅黑" panose="020B0503020204020204" charset="-122"/>
+                <a:cs typeface="Times New Roman" panose="02020603050405020304" charset="0"/>
+              </a:rPr>
+              <a:t> Off-policy </a:t>
+            </a:r>
+            <a:r>
+              <a:rPr lang="zh-CN" altLang="en-US" sz="1600">
+                <a:latin typeface="Times New Roman" panose="02020603050405020304" charset="0"/>
+                <a:ea typeface="微软雅黑" panose="020B0503020204020204" charset="-122"/>
+                <a:cs typeface="Times New Roman" panose="02020603050405020304" charset="0"/>
+              </a:rPr>
+              <a:t>偏差，更新模型。</a:t>
+            </a:r>
+            <a:endParaRPr lang="zh-CN" altLang="en-US" sz="1600">
               <a:latin typeface="Times New Roman" panose="02020603050405020304" charset="0"/>
+              <a:ea typeface="微软雅黑" panose="020B0503020204020204" charset="-122"/>
               <a:cs typeface="Times New Roman" panose="02020603050405020304" charset="0"/>
-              <a:sym typeface="+mn-ea"/>
-            </a:endParaRPr>
-          </a:p>
-          <a:p>
-            <a:pPr>
-              <a:lnSpc>
-                <a:spcPct val="130000"/>
-              </a:lnSpc>
-            </a:pPr>
-            <a:r>
-              <a:rPr lang="en-US" altLang="zh-CN">
-                <a:latin typeface="Times New Roman" panose="02020603050405020304" charset="0"/>
-                <a:cs typeface="Times New Roman" panose="02020603050405020304" charset="0"/>
-                <a:sym typeface="+mn-ea"/>
-              </a:rPr>
-              <a:t>Fast Worker </a:t>
-            </a:r>
-            <a:r>
-              <a:rPr lang="zh-CN" altLang="en-US">
-                <a:latin typeface="Times New Roman" panose="02020603050405020304" charset="0"/>
-                <a:cs typeface="Times New Roman" panose="02020603050405020304" charset="0"/>
-                <a:sym typeface="+mn-ea"/>
-              </a:rPr>
-              <a:t>释放</a:t>
-            </a:r>
-            <a:r>
-              <a:rPr lang="en-US" altLang="zh-CN">
-                <a:latin typeface="Times New Roman" panose="02020603050405020304" charset="0"/>
-                <a:cs typeface="Times New Roman" panose="02020603050405020304" charset="0"/>
-                <a:sym typeface="+mn-ea"/>
-              </a:rPr>
-              <a:t> #9527 </a:t>
-            </a:r>
-            <a:r>
-              <a:rPr lang="zh-CN" altLang="en-US">
-                <a:latin typeface="Times New Roman" panose="02020603050405020304" charset="0"/>
-                <a:cs typeface="Times New Roman" panose="02020603050405020304" charset="0"/>
-                <a:sym typeface="+mn-ea"/>
-              </a:rPr>
-              <a:t>占用的显存</a:t>
-            </a:r>
-            <a:r>
-              <a:rPr lang="en-US" altLang="zh-CN">
-                <a:latin typeface="Times New Roman" panose="02020603050405020304" charset="0"/>
-                <a:cs typeface="Times New Roman" panose="02020603050405020304" charset="0"/>
-                <a:sym typeface="+mn-ea"/>
-              </a:rPr>
-              <a:t> Slot</a:t>
-            </a:r>
-            <a:r>
-              <a:rPr lang="zh-CN" altLang="en-US">
-                <a:latin typeface="Times New Roman" panose="02020603050405020304" charset="0"/>
-                <a:cs typeface="Times New Roman" panose="02020603050405020304" charset="0"/>
-                <a:sym typeface="+mn-ea"/>
-              </a:rPr>
-              <a:t>，如果有排队任务，立即补入一个新的短任务。</a:t>
-            </a:r>
-            <a:endParaRPr lang="zh-CN" altLang="en-US">
-              <a:latin typeface="Times New Roman" panose="02020603050405020304" charset="0"/>
-              <a:cs typeface="Times New Roman" panose="02020603050405020304" charset="0"/>
-              <a:sym typeface="+mn-ea"/>
             </a:endParaRPr>
           </a:p>
         </p:txBody>
@@ -8834,7 +8289,68 @@
       </p:sp>
       <p:sp>
         <p:nvSpPr>
-          <p:cNvPr id="18" name="矩形 17"/>
+          <p:cNvPr id="2" name="文本框 1"/>
+          <p:cNvSpPr txBox="1"/>
+          <p:nvPr/>
+        </p:nvSpPr>
+        <p:spPr>
+          <a:xfrm>
+            <a:off x="916940" y="2567940"/>
+            <a:ext cx="10176510" cy="650875"/>
+          </a:xfrm>
+          <a:prstGeom prst="rect">
+            <a:avLst/>
+          </a:prstGeom>
+          <a:noFill/>
+        </p:spPr>
+        <p:txBody>
+          <a:bodyPr wrap="square" rtlCol="0">
+            <a:spAutoFit/>
+          </a:bodyPr>
+          <a:p>
+            <a:pPr algn="ctr">
+              <a:lnSpc>
+                <a:spcPct val="130000"/>
+              </a:lnSpc>
+            </a:pPr>
+            <a:r>
+              <a:rPr lang="en-US" altLang="zh-CN" sz="2800" b="1">
+                <a:latin typeface="Times New Roman" panose="02020603050405020304" charset="0"/>
+                <a:cs typeface="Times New Roman" panose="02020603050405020304" charset="0"/>
+              </a:rPr>
+              <a:t>  </a:t>
+            </a:r>
+            <a:r>
+              <a:rPr lang="zh-CN" altLang="en-US" sz="2800" b="1">
+                <a:latin typeface="Times New Roman" panose="02020603050405020304" charset="0"/>
+                <a:cs typeface="Times New Roman" panose="02020603050405020304" charset="0"/>
+              </a:rPr>
+              <a:t>基于</a:t>
+            </a:r>
+            <a:r>
+              <a:rPr lang="en-US" altLang="zh-CN" sz="2800" b="1">
+                <a:latin typeface="Times New Roman" panose="02020603050405020304" charset="0"/>
+                <a:cs typeface="Times New Roman" panose="02020603050405020304" charset="0"/>
+              </a:rPr>
+              <a:t>MindSpore</a:t>
+            </a:r>
+            <a:r>
+              <a:rPr lang="zh-CN" altLang="en-US" sz="2800" b="1">
+                <a:latin typeface="Times New Roman" panose="02020603050405020304" charset="0"/>
+                <a:cs typeface="Times New Roman" panose="02020603050405020304" charset="0"/>
+              </a:rPr>
+              <a:t>的动态自适应训推优化引擎研究</a:t>
+            </a:r>
+            <a:endParaRPr lang="zh-CN" altLang="en-US" sz="2800" b="1">
+              <a:latin typeface="Times New Roman" panose="02020603050405020304" charset="0"/>
+              <a:cs typeface="Times New Roman" panose="02020603050405020304" charset="0"/>
+            </a:endParaRPr>
+          </a:p>
+        </p:txBody>
+      </p:sp>
+      <p:sp>
+        <p:nvSpPr>
+          <p:cNvPr id="3" name="矩形 2"/>
           <p:cNvSpPr/>
           <p:nvPr/>
         </p:nvSpPr>
@@ -8925,7 +8441,7 @@
                 <a:ea typeface="微软雅黑" panose="020B0503020204020204" charset="-122"/>
                 <a:cs typeface="Times New Roman" panose="02020603050405020304" charset="0"/>
               </a:rPr>
-              <a:t>2025-12-26</a:t>
+              <a:t>2026-01-16</a:t>
             </a:r>
             <a:endParaRPr lang="en-US" altLang="zh-CN" dirty="0">
               <a:solidFill>
@@ -8936,67 +8452,6 @@
               </a:solidFill>
               <a:latin typeface="Times New Roman" panose="02020603050405020304" charset="0"/>
               <a:ea typeface="微软雅黑" panose="020B0503020204020204" charset="-122"/>
-              <a:cs typeface="Times New Roman" panose="02020603050405020304" charset="0"/>
-            </a:endParaRPr>
-          </a:p>
-        </p:txBody>
-      </p:sp>
-      <p:sp>
-        <p:nvSpPr>
-          <p:cNvPr id="2" name="文本框 1"/>
-          <p:cNvSpPr txBox="1"/>
-          <p:nvPr/>
-        </p:nvSpPr>
-        <p:spPr>
-          <a:xfrm>
-            <a:off x="916940" y="2567940"/>
-            <a:ext cx="10176510" cy="650875"/>
-          </a:xfrm>
-          <a:prstGeom prst="rect">
-            <a:avLst/>
-          </a:prstGeom>
-          <a:noFill/>
-        </p:spPr>
-        <p:txBody>
-          <a:bodyPr wrap="square" rtlCol="0">
-            <a:spAutoFit/>
-          </a:bodyPr>
-          <a:p>
-            <a:pPr algn="ctr">
-              <a:lnSpc>
-                <a:spcPct val="130000"/>
-              </a:lnSpc>
-            </a:pPr>
-            <a:r>
-              <a:rPr lang="en-US" altLang="zh-CN" sz="2800" b="1">
-                <a:latin typeface="Times New Roman" panose="02020603050405020304" charset="0"/>
-                <a:cs typeface="Times New Roman" panose="02020603050405020304" charset="0"/>
-              </a:rPr>
-              <a:t>  </a:t>
-            </a:r>
-            <a:r>
-              <a:rPr lang="zh-CN" altLang="en-US" sz="2800" b="1">
-                <a:latin typeface="Times New Roman" panose="02020603050405020304" charset="0"/>
-                <a:cs typeface="Times New Roman" panose="02020603050405020304" charset="0"/>
-              </a:rPr>
-              <a:t>基于</a:t>
-            </a:r>
-            <a:r>
-              <a:rPr lang="en-US" altLang="zh-CN" sz="2800" b="1">
-                <a:latin typeface="Times New Roman" panose="02020603050405020304" charset="0"/>
-                <a:cs typeface="Times New Roman" panose="02020603050405020304" charset="0"/>
-              </a:rPr>
-              <a:t>MindSpore</a:t>
-            </a:r>
-            <a:r>
-              <a:rPr lang="zh-CN" altLang="en-US" sz="2800" b="1">
-                <a:latin typeface="Times New Roman" panose="02020603050405020304" charset="0"/>
-                <a:cs typeface="Times New Roman" panose="02020603050405020304" charset="0"/>
-              </a:rPr>
-              <a:t>的动态自适应训推优化引擎研究</a:t>
-            </a:r>
-            <a:endParaRPr lang="zh-CN" altLang="en-US" sz="2800" b="1">
-              <a:latin typeface="Times New Roman" panose="02020603050405020304" charset="0"/>
               <a:cs typeface="Times New Roman" panose="02020603050405020304" charset="0"/>
             </a:endParaRPr>
           </a:p>
@@ -9816,6 +9271,14 @@
 
 <file path=ppt/tags/tag65.xml><?xml version="1.0" encoding="utf-8"?>
 <p:tagLst xmlns:p="http://schemas.openxmlformats.org/presentationml/2006/main">
+  <p:tag name="KSO_WM_BEAUTIFY_FLAG" val="#wm#"/>
+  <p:tag name="KSO_WM_TEMPLATE_CATEGORY" val="custom"/>
+  <p:tag name="KSO_WM_TEMPLATE_INDEX" val="20205081"/>
+</p:tagLst>
+</file>
+
+<file path=ppt/tags/tag66.xml><?xml version="1.0" encoding="utf-8"?>
+<p:tagLst xmlns:p="http://schemas.openxmlformats.org/presentationml/2006/main">
   <p:tag name="KSO_WM_SLIDE_ID" val="custom20205081_1"/>
   <p:tag name="KSO_WM_TEMPLATE_SUBCATEGORY" val="19"/>
   <p:tag name="KSO_WM_TEMPLATE_MASTER_TYPE" val="0"/>
@@ -9835,19 +9298,24 @@
 </p:tagLst>
 </file>
 
-<file path=ppt/tags/tag66.xml><?xml version="1.0" encoding="utf-8"?>
+<file path=ppt/tags/tag67.xml><?xml version="1.0" encoding="utf-8"?>
 <p:tagLst xmlns:p="http://schemas.openxmlformats.org/presentationml/2006/main">
+  <p:tag name="KSO_WM_SLIDE_ID" val="custom20205081_1"/>
+  <p:tag name="KSO_WM_TEMPLATE_SUBCATEGORY" val="19"/>
+  <p:tag name="KSO_WM_TEMPLATE_MASTER_TYPE" val="0"/>
+  <p:tag name="KSO_WM_TEMPLATE_COLOR_TYPE" val="1"/>
+  <p:tag name="KSO_WM_SLIDE_TYPE" val="title"/>
+  <p:tag name="KSO_WM_SLIDE_SUBTYPE" val="defaultBlank"/>
+  <p:tag name="KSO_WM_SLIDE_ITEM_CNT" val="0"/>
+  <p:tag name="KSO_WM_SLIDE_INDEX" val="1"/>
+  <p:tag name="KSO_WM_TAG_VERSION" val="1.0"/>
   <p:tag name="KSO_WM_BEAUTIFY_FLAG" val="#wm#"/>
   <p:tag name="KSO_WM_TEMPLATE_CATEGORY" val="custom"/>
   <p:tag name="KSO_WM_TEMPLATE_INDEX" val="20205081"/>
-</p:tagLst>
-</file>
-
-<file path=ppt/tags/tag67.xml><?xml version="1.0" encoding="utf-8"?>
-<p:tagLst xmlns:p="http://schemas.openxmlformats.org/presentationml/2006/main">
-  <p:tag name="KSO_WM_BEAUTIFY_FLAG" val="#wm#"/>
-  <p:tag name="KSO_WM_TEMPLATE_CATEGORY" val="custom"/>
-  <p:tag name="KSO_WM_TEMPLATE_INDEX" val="20205081"/>
+  <p:tag name="KSO_WM_SLIDE_LAYOUT" val="a_b"/>
+  <p:tag name="KSO_WM_SLIDE_LAYOUT_CNT" val="1_1"/>
+  <p:tag name="KSO_WM_UNIT_SHOW_EDIT_AREA_INDICATION" val="1"/>
+  <p:tag name="KSO_WM_TEMPLATE_THUMBS_INDEX" val="1、4、7、12、13、14、15、16、17、18、20、24、25、28、33、36、40、43、44"/>
 </p:tagLst>
 </file>
 

--- a/方案/组内分享.pptx
+++ b/方案/组内分享.pptx
@@ -8,22 +8,24 @@
     <p:notesMasterId r:id="rId5"/>
   </p:notesMasterIdLst>
   <p:handoutMasterIdLst>
-    <p:handoutMasterId r:id="rId12"/>
+    <p:handoutMasterId r:id="rId14"/>
   </p:handoutMasterIdLst>
   <p:sldIdLst>
     <p:sldId id="263" r:id="rId3"/>
     <p:sldId id="404" r:id="rId4"/>
-    <p:sldId id="418" r:id="rId6"/>
-    <p:sldId id="416" r:id="rId7"/>
-    <p:sldId id="419" r:id="rId8"/>
-    <p:sldId id="414" r:id="rId9"/>
-    <p:sldId id="411" r:id="rId10"/>
-    <p:sldId id="389" r:id="rId11"/>
+    <p:sldId id="421" r:id="rId6"/>
+    <p:sldId id="420" r:id="rId7"/>
+    <p:sldId id="418" r:id="rId8"/>
+    <p:sldId id="416" r:id="rId9"/>
+    <p:sldId id="419" r:id="rId10"/>
+    <p:sldId id="414" r:id="rId11"/>
+    <p:sldId id="411" r:id="rId12"/>
+    <p:sldId id="389" r:id="rId13"/>
   </p:sldIdLst>
   <p:sldSz cx="12192000" cy="6858000"/>
   <p:notesSz cx="6858000" cy="9144000"/>
   <p:custDataLst>
-    <p:tags r:id="rId17"/>
+    <p:tags r:id="rId19"/>
   </p:custDataLst>
   <p:defaultTextStyle>
     <a:defPPr>
@@ -123,12 +125,12 @@
   <p:extLst>
     <p:ext uri="{EFAFB233-063F-42B5-8137-9DF3F51BA10A}">
       <p15:sldGuideLst xmlns:p15="http://schemas.microsoft.com/office/powerpoint/2012/main">
-        <p15:guide id="1" orient="horz" pos="2007" userDrawn="1">
+        <p15:guide id="1" orient="horz" pos="2027" userDrawn="1">
           <p15:clr>
             <a:srgbClr val="A4A3A4"/>
           </p15:clr>
         </p15:guide>
-        <p15:guide id="2" pos="3871" userDrawn="1">
+        <p15:guide id="2" pos="3840" userDrawn="1">
           <p15:clr>
             <a:srgbClr val="A4A3A4"/>
           </p15:clr>
@@ -796,6 +798,102 @@
 </file>
 
 <file path=ppt/notesSlides/notesSlide4.xml><?xml version="1.0" encoding="utf-8"?>
+<p:notes xmlns:a="http://schemas.openxmlformats.org/drawingml/2006/main" xmlns:r="http://schemas.openxmlformats.org/officeDocument/2006/relationships" xmlns:p="http://schemas.openxmlformats.org/presentationml/2006/main">
+  <p:cSld>
+    <p:spTree>
+      <p:nvGrpSpPr>
+        <p:cNvPr id="1" name=""/>
+        <p:cNvGrpSpPr/>
+        <p:nvPr/>
+      </p:nvGrpSpPr>
+      <p:grpSpPr/>
+      <p:sp>
+        <p:nvSpPr>
+          <p:cNvPr id="2" name="幻灯片图像占位符 1"/>
+          <p:cNvSpPr>
+            <a:spLocks noGrp="1"/>
+          </p:cNvSpPr>
+          <p:nvPr>
+            <p:ph type="sldImg" idx="2"/>
+          </p:nvPr>
+        </p:nvSpPr>
+        <p:spPr/>
+      </p:sp>
+      <p:sp>
+        <p:nvSpPr>
+          <p:cNvPr id="3" name="文本占位符 2"/>
+          <p:cNvSpPr>
+            <a:spLocks noGrp="1"/>
+          </p:cNvSpPr>
+          <p:nvPr>
+            <p:ph type="body" idx="3"/>
+          </p:nvPr>
+        </p:nvSpPr>
+        <p:spPr/>
+        <p:txBody>
+          <a:bodyPr/>
+          <a:p>
+            <a:endParaRPr lang="zh-CN" altLang="en-US"/>
+          </a:p>
+        </p:txBody>
+      </p:sp>
+    </p:spTree>
+  </p:cSld>
+  <p:clrMapOvr>
+    <a:masterClrMapping/>
+  </p:clrMapOvr>
+</p:notes>
+</file>
+
+<file path=ppt/notesSlides/notesSlide5.xml><?xml version="1.0" encoding="utf-8"?>
+<p:notes xmlns:a="http://schemas.openxmlformats.org/drawingml/2006/main" xmlns:r="http://schemas.openxmlformats.org/officeDocument/2006/relationships" xmlns:p="http://schemas.openxmlformats.org/presentationml/2006/main">
+  <p:cSld>
+    <p:spTree>
+      <p:nvGrpSpPr>
+        <p:cNvPr id="1" name=""/>
+        <p:cNvGrpSpPr/>
+        <p:nvPr/>
+      </p:nvGrpSpPr>
+      <p:grpSpPr/>
+      <p:sp>
+        <p:nvSpPr>
+          <p:cNvPr id="2" name="幻灯片图像占位符 1"/>
+          <p:cNvSpPr>
+            <a:spLocks noGrp="1"/>
+          </p:cNvSpPr>
+          <p:nvPr>
+            <p:ph type="sldImg" idx="2"/>
+          </p:nvPr>
+        </p:nvSpPr>
+        <p:spPr/>
+      </p:sp>
+      <p:sp>
+        <p:nvSpPr>
+          <p:cNvPr id="3" name="文本占位符 2"/>
+          <p:cNvSpPr>
+            <a:spLocks noGrp="1"/>
+          </p:cNvSpPr>
+          <p:nvPr>
+            <p:ph type="body" idx="3"/>
+          </p:nvPr>
+        </p:nvSpPr>
+        <p:spPr/>
+        <p:txBody>
+          <a:bodyPr/>
+          <a:p>
+            <a:endParaRPr lang="zh-CN" altLang="en-US"/>
+          </a:p>
+        </p:txBody>
+      </p:sp>
+    </p:spTree>
+  </p:cSld>
+  <p:clrMapOvr>
+    <a:masterClrMapping/>
+  </p:clrMapOvr>
+</p:notes>
+</file>
+
+<file path=ppt/notesSlides/notesSlide6.xml><?xml version="1.0" encoding="utf-8"?>
 <p:notes xmlns:a="http://schemas.openxmlformats.org/drawingml/2006/main" xmlns:r="http://schemas.openxmlformats.org/officeDocument/2006/relationships" xmlns:p="http://schemas.openxmlformats.org/presentationml/2006/main">
   <p:cSld>
     <p:spTree>
@@ -3799,88 +3897,6 @@
           <a:chExt cx="0" cy="0"/>
         </a:xfrm>
       </p:grpSpPr>
-      <p:pic>
-        <p:nvPicPr>
-          <p:cNvPr id="5" name="图片 4"/>
-          <p:cNvPicPr>
-            <a:picLocks noChangeAspect="1"/>
-          </p:cNvPicPr>
-          <p:nvPr/>
-        </p:nvPicPr>
-        <p:blipFill>
-          <a:blip r:embed="rId1" cstate="print">
-            <a:extLst>
-              <a:ext uri="{28A0092B-C50C-407E-A947-70E740481C1C}">
-                <a14:useLocalDpi xmlns:a14="http://schemas.microsoft.com/office/drawing/2010/main" val="0"/>
-              </a:ext>
-            </a:extLst>
-          </a:blip>
-          <a:stretch>
-            <a:fillRect/>
-          </a:stretch>
-        </p:blipFill>
-        <p:spPr>
-          <a:xfrm>
-            <a:off x="173466" y="192448"/>
-            <a:ext cx="3041951" cy="469946"/>
-          </a:xfrm>
-          <a:prstGeom prst="rect">
-            <a:avLst/>
-          </a:prstGeom>
-        </p:spPr>
-      </p:pic>
-      <p:pic>
-        <p:nvPicPr>
-          <p:cNvPr id="6" name="图片 5"/>
-          <p:cNvPicPr>
-            <a:picLocks noChangeAspect="1"/>
-          </p:cNvPicPr>
-          <p:nvPr/>
-        </p:nvPicPr>
-        <p:blipFill>
-          <a:blip r:embed="rId2" cstate="print">
-            <a:extLst>
-              <a:ext uri="{28A0092B-C50C-407E-A947-70E740481C1C}">
-                <a14:useLocalDpi xmlns:a14="http://schemas.microsoft.com/office/drawing/2010/main" val="0"/>
-              </a:ext>
-            </a:extLst>
-          </a:blip>
-          <a:stretch>
-            <a:fillRect/>
-          </a:stretch>
-        </p:blipFill>
-        <p:spPr>
-          <a:xfrm>
-            <a:off x="9660444" y="131588"/>
-            <a:ext cx="2380432" cy="775816"/>
-          </a:xfrm>
-          <a:prstGeom prst="rect">
-            <a:avLst/>
-          </a:prstGeom>
-        </p:spPr>
-      </p:pic>
-      <p:pic>
-        <p:nvPicPr>
-          <p:cNvPr id="9" name="图片 8"/>
-          <p:cNvPicPr/>
-          <p:nvPr/>
-        </p:nvPicPr>
-        <p:blipFill>
-          <a:blip r:embed="rId3"/>
-          <a:stretch>
-            <a:fillRect/>
-          </a:stretch>
-        </p:blipFill>
-        <p:spPr>
-          <a:xfrm>
-            <a:off x="8688705" y="91440"/>
-            <a:ext cx="971550" cy="914400"/>
-          </a:xfrm>
-          <a:prstGeom prst="rect">
-            <a:avLst/>
-          </a:prstGeom>
-        </p:spPr>
-      </p:pic>
       <p:cxnSp>
         <p:nvCxnSpPr>
           <p:cNvPr id="10" name="直接连接符 9"/>
@@ -3918,111 +3934,6 @@
       </p:cxnSp>
       <p:sp>
         <p:nvSpPr>
-          <p:cNvPr id="17" name="TextBox 5"/>
-          <p:cNvSpPr txBox="1"/>
-          <p:nvPr/>
-        </p:nvSpPr>
-        <p:spPr>
-          <a:xfrm>
-            <a:off x="1845945" y="3688080"/>
-            <a:ext cx="8500110" cy="478155"/>
-          </a:xfrm>
-          <a:prstGeom prst="rect">
-            <a:avLst/>
-          </a:prstGeom>
-          <a:noFill/>
-        </p:spPr>
-        <p:txBody>
-          <a:bodyPr wrap="square" rtlCol="0">
-            <a:spAutoFit/>
-          </a:bodyPr>
-          <a:p>
-            <a:pPr algn="ctr">
-              <a:lnSpc>
-                <a:spcPct val="140000"/>
-              </a:lnSpc>
-            </a:pPr>
-            <a:r>
-              <a:rPr lang="en-US" altLang="zh-CN">
-                <a:latin typeface="Times New Roman" panose="02020603050405020304" charset="0"/>
-                <a:cs typeface="Times New Roman" panose="02020603050405020304" charset="0"/>
-                <a:sym typeface="+mn-ea"/>
-              </a:rPr>
-              <a:t>2025</a:t>
-            </a:r>
-            <a:r>
-              <a:rPr lang="zh-CN" altLang="en-US">
-                <a:latin typeface="Times New Roman" panose="02020603050405020304" charset="0"/>
-                <a:cs typeface="Times New Roman" panose="02020603050405020304" charset="0"/>
-                <a:sym typeface="+mn-ea"/>
-              </a:rPr>
-              <a:t>学术基金</a:t>
-            </a:r>
-            <a:r>
-              <a:rPr lang="en-US" altLang="zh-CN">
-                <a:latin typeface="Times New Roman" panose="02020603050405020304" charset="0"/>
-                <a:cs typeface="Times New Roman" panose="02020603050405020304" charset="0"/>
-                <a:sym typeface="+mn-ea"/>
-              </a:rPr>
-              <a:t> </a:t>
-            </a:r>
-            <a:r>
-              <a:rPr lang="zh-CN" altLang="en-US">
-                <a:latin typeface="Times New Roman" panose="02020603050405020304" charset="0"/>
-                <a:cs typeface="Times New Roman" panose="02020603050405020304" charset="0"/>
-                <a:sym typeface="+mn-ea"/>
-              </a:rPr>
-              <a:t>南航</a:t>
-            </a:r>
-            <a:r>
-              <a:rPr lang="en-US" altLang="zh-CN">
-                <a:latin typeface="Times New Roman" panose="02020603050405020304" charset="0"/>
-                <a:cs typeface="Times New Roman" panose="02020603050405020304" charset="0"/>
-                <a:sym typeface="+mn-ea"/>
-              </a:rPr>
-              <a:t> </a:t>
-            </a:r>
-            <a:r>
-              <a:rPr lang="zh-CN" altLang="en-US">
-                <a:latin typeface="Times New Roman" panose="02020603050405020304" charset="0"/>
-                <a:cs typeface="Times New Roman" panose="02020603050405020304" charset="0"/>
-                <a:sym typeface="+mn-ea"/>
-              </a:rPr>
-              <a:t>陈想老师</a:t>
-            </a:r>
-            <a:r>
-              <a:rPr lang="en-US" altLang="zh-CN">
-                <a:latin typeface="Times New Roman" panose="02020603050405020304" charset="0"/>
-                <a:cs typeface="Times New Roman" panose="02020603050405020304" charset="0"/>
-                <a:sym typeface="+mn-ea"/>
-              </a:rPr>
-              <a:t> </a:t>
-            </a:r>
-            <a:r>
-              <a:rPr lang="zh-CN" altLang="en-US">
-                <a:latin typeface="Times New Roman" panose="02020603050405020304" charset="0"/>
-                <a:cs typeface="Times New Roman" panose="02020603050405020304" charset="0"/>
-                <a:sym typeface="+mn-ea"/>
-              </a:rPr>
-              <a:t>例会</a:t>
-            </a:r>
-            <a:endParaRPr lang="en-US" altLang="zh-CN" dirty="0">
-              <a:solidFill>
-                <a:schemeClr val="tx1">
-                  <a:lumMod val="75000"/>
-                  <a:lumOff val="25000"/>
-                </a:schemeClr>
-              </a:solidFill>
-              <a:latin typeface="Times New Roman" panose="02020603050405020304" charset="0"/>
-              <a:ea typeface="微软雅黑" panose="020B0503020204020204" charset="-122"/>
-              <a:cs typeface="Times New Roman" panose="02020603050405020304" charset="0"/>
-              <a:sym typeface="+mn-ea"/>
-            </a:endParaRPr>
-          </a:p>
-        </p:txBody>
-      </p:sp>
-      <p:sp>
-        <p:nvSpPr>
           <p:cNvPr id="18" name="矩形 17"/>
           <p:cNvSpPr/>
           <p:nvPr/>
@@ -4157,32 +4068,25 @@
               </a:lnSpc>
             </a:pPr>
             <a:r>
-              <a:rPr lang="en-US" altLang="zh-CN" sz="2800" b="1">
-                <a:latin typeface="Times New Roman" panose="02020603050405020304" charset="0"/>
-                <a:cs typeface="Times New Roman" panose="02020603050405020304" charset="0"/>
-              </a:rPr>
-              <a:t>  </a:t>
+              <a:rPr lang="en-US" sz="2800" b="1">
+                <a:latin typeface="Times New Roman" panose="02020603050405020304" charset="0"/>
+                <a:cs typeface="Times New Roman" panose="02020603050405020304" charset="0"/>
+              </a:rPr>
+              <a:t>verl</a:t>
             </a:r>
             <a:r>
               <a:rPr lang="zh-CN" altLang="en-US" sz="2800" b="1">
                 <a:latin typeface="Times New Roman" panose="02020603050405020304" charset="0"/>
                 <a:cs typeface="Times New Roman" panose="02020603050405020304" charset="0"/>
               </a:rPr>
-              <a:t>基于</a:t>
-            </a:r>
-            <a:r>
-              <a:rPr lang="en-US" altLang="zh-CN" sz="2800" b="1">
-                <a:latin typeface="Times New Roman" panose="02020603050405020304" charset="0"/>
-                <a:cs typeface="Times New Roman" panose="02020603050405020304" charset="0"/>
-              </a:rPr>
-              <a:t>MindSpore</a:t>
+              <a:t>异步训推原理介绍及优化方案</a:t>
             </a:r>
             <a:r>
               <a:rPr lang="zh-CN" altLang="en-US" sz="2800" b="1">
                 <a:latin typeface="Times New Roman" panose="02020603050405020304" charset="0"/>
                 <a:cs typeface="Times New Roman" panose="02020603050405020304" charset="0"/>
               </a:rPr>
-              <a:t>的动态自适应训推优化引擎研究</a:t>
+              <a:t>讨论</a:t>
             </a:r>
             <a:endParaRPr lang="zh-CN" altLang="en-US" sz="2800" b="1">
               <a:latin typeface="Times New Roman" panose="02020603050405020304" charset="0"/>
@@ -4193,7 +4097,7 @@
       </p:sp>
     </p:spTree>
     <p:custDataLst>
-      <p:tags r:id="rId4"/>
+      <p:tags r:id="rId1"/>
     </p:custDataLst>
   </p:cSld>
   <p:clrMapOvr>
@@ -4202,1020 +4106,7 @@
 </p:sld>
 </file>
 
-<file path=ppt/slides/slide2.xml><?xml version="1.0" encoding="utf-8"?>
-<p:sld xmlns:a="http://schemas.openxmlformats.org/drawingml/2006/main" xmlns:r="http://schemas.openxmlformats.org/officeDocument/2006/relationships" xmlns:p="http://schemas.openxmlformats.org/presentationml/2006/main">
-  <p:cSld>
-    <p:spTree>
-      <p:nvGrpSpPr>
-        <p:cNvPr id="1" name=""/>
-        <p:cNvGrpSpPr/>
-        <p:nvPr/>
-      </p:nvGrpSpPr>
-      <p:grpSpPr/>
-      <p:sp>
-        <p:nvSpPr>
-          <p:cNvPr id="18" name="矩形 17"/>
-          <p:cNvSpPr/>
-          <p:nvPr/>
-        </p:nvSpPr>
-        <p:spPr>
-          <a:xfrm>
-            <a:off x="0" y="135620"/>
-            <a:ext cx="89452" cy="526774"/>
-          </a:xfrm>
-          <a:prstGeom prst="rect">
-            <a:avLst/>
-          </a:prstGeom>
-          <a:solidFill>
-            <a:srgbClr val="C00000"/>
-          </a:solidFill>
-          <a:ln>
-            <a:noFill/>
-          </a:ln>
-        </p:spPr>
-        <p:style>
-          <a:lnRef idx="2">
-            <a:schemeClr val="accent1">
-              <a:shade val="50000"/>
-            </a:schemeClr>
-          </a:lnRef>
-          <a:fillRef idx="1">
-            <a:schemeClr val="accent1"/>
-          </a:fillRef>
-          <a:effectRef idx="0">
-            <a:schemeClr val="accent1"/>
-          </a:effectRef>
-          <a:fontRef idx="minor">
-            <a:schemeClr val="lt1"/>
-          </a:fontRef>
-        </p:style>
-        <p:txBody>
-          <a:bodyPr rtlCol="0" anchor="ctr"/>
-          <a:p>
-            <a:pPr algn="ctr"/>
-            <a:endParaRPr lang="zh-CN" altLang="en-US" b="1">
-              <a:latin typeface="Times New Roman" panose="02020603050405020304" charset="0"/>
-              <a:cs typeface="Times New Roman" panose="02020603050405020304" charset="0"/>
-            </a:endParaRPr>
-          </a:p>
-        </p:txBody>
-      </p:sp>
-      <p:pic>
-        <p:nvPicPr>
-          <p:cNvPr id="20" name="图片 19"/>
-          <p:cNvPicPr>
-            <a:picLocks noChangeAspect="1"/>
-          </p:cNvPicPr>
-          <p:nvPr/>
-        </p:nvPicPr>
-        <p:blipFill>
-          <a:blip r:embed="rId1" cstate="print">
-            <a:extLst>
-              <a:ext uri="{28A0092B-C50C-407E-A947-70E740481C1C}">
-                <a14:useLocalDpi xmlns:a14="http://schemas.microsoft.com/office/drawing/2010/main" val="0"/>
-              </a:ext>
-            </a:extLst>
-          </a:blip>
-          <a:stretch>
-            <a:fillRect/>
-          </a:stretch>
-        </p:blipFill>
-        <p:spPr>
-          <a:xfrm>
-            <a:off x="8945356" y="192448"/>
-            <a:ext cx="3041951" cy="469946"/>
-          </a:xfrm>
-          <a:prstGeom prst="rect">
-            <a:avLst/>
-          </a:prstGeom>
-        </p:spPr>
-      </p:pic>
-      <p:sp>
-        <p:nvSpPr>
-          <p:cNvPr id="19" name="文本框 37"/>
-          <p:cNvSpPr txBox="1"/>
-          <p:nvPr/>
-        </p:nvSpPr>
-        <p:spPr>
-          <a:xfrm>
-            <a:off x="173355" y="165735"/>
-            <a:ext cx="6948805" cy="520700"/>
-          </a:xfrm>
-          <a:prstGeom prst="rect">
-            <a:avLst/>
-          </a:prstGeom>
-          <a:noFill/>
-        </p:spPr>
-        <p:txBody>
-          <a:bodyPr wrap="square" lIns="91431" tIns="45716" rIns="91431" bIns="45716" rtlCol="0">
-            <a:spAutoFit/>
-          </a:bodyPr>
-          <a:p>
-            <a:r>
-              <a:rPr lang="zh-CN" altLang="en-US" sz="2800" b="1" dirty="0">
-                <a:solidFill>
-                  <a:schemeClr val="tx1"/>
-                </a:solidFill>
-                <a:latin typeface="Times New Roman" panose="02020603050405020304" charset="0"/>
-                <a:cs typeface="Times New Roman" panose="02020603050405020304" charset="0"/>
-                <a:sym typeface="+mn-ea"/>
-              </a:rPr>
-              <a:t>一、</a:t>
-            </a:r>
-            <a:r>
-              <a:rPr lang="en-US" sz="2800" b="1" dirty="0">
-                <a:solidFill>
-                  <a:schemeClr val="tx1"/>
-                </a:solidFill>
-                <a:latin typeface="Times New Roman" panose="02020603050405020304" charset="0"/>
-                <a:cs typeface="Times New Roman" panose="02020603050405020304" charset="0"/>
-                <a:sym typeface="+mn-ea"/>
-              </a:rPr>
-              <a:t>Problem Defin</a:t>
-            </a:r>
-            <a:r>
-              <a:rPr lang="en-US" sz="2800" b="1" dirty="0">
-                <a:solidFill>
-                  <a:schemeClr val="tx1"/>
-                </a:solidFill>
-                <a:latin typeface="Times New Roman" panose="02020603050405020304" charset="0"/>
-                <a:cs typeface="Times New Roman" panose="02020603050405020304" charset="0"/>
-                <a:sym typeface="+mn-ea"/>
-              </a:rPr>
-              <a:t>ition</a:t>
-            </a:r>
-            <a:endParaRPr lang="en-US" sz="2800" b="1" dirty="0">
-              <a:solidFill>
-                <a:schemeClr val="tx1"/>
-              </a:solidFill>
-              <a:latin typeface="Times New Roman" panose="02020603050405020304" charset="0"/>
-              <a:cs typeface="Times New Roman" panose="02020603050405020304" charset="0"/>
-              <a:sym typeface="+mn-ea"/>
-            </a:endParaRPr>
-          </a:p>
-        </p:txBody>
-      </p:sp>
-      <p:pic>
-        <p:nvPicPr>
-          <p:cNvPr id="2" name="图片 1"/>
-          <p:cNvPicPr>
-            <a:picLocks noChangeAspect="1"/>
-          </p:cNvPicPr>
-          <p:nvPr/>
-        </p:nvPicPr>
-        <p:blipFill>
-          <a:blip r:embed="rId2"/>
-          <a:stretch>
-            <a:fillRect/>
-          </a:stretch>
-        </p:blipFill>
-        <p:spPr>
-          <a:xfrm>
-            <a:off x="1888490" y="3719830"/>
-            <a:ext cx="3517900" cy="1202055"/>
-          </a:xfrm>
-          <a:prstGeom prst="rect">
-            <a:avLst/>
-          </a:prstGeom>
-        </p:spPr>
-      </p:pic>
-      <p:sp>
-        <p:nvSpPr>
-          <p:cNvPr id="3" name="文本框 2"/>
-          <p:cNvSpPr txBox="1"/>
-          <p:nvPr/>
-        </p:nvSpPr>
-        <p:spPr>
-          <a:xfrm>
-            <a:off x="7122160" y="3834765"/>
-            <a:ext cx="2929890" cy="829945"/>
-          </a:xfrm>
-          <a:prstGeom prst="rect">
-            <a:avLst/>
-          </a:prstGeom>
-          <a:noFill/>
-        </p:spPr>
-        <p:txBody>
-          <a:bodyPr wrap="square" rtlCol="0">
-            <a:spAutoFit/>
-          </a:bodyPr>
-          <a:p>
-            <a:r>
-              <a:rPr lang="en-US" altLang="zh-CN" sz="2400" b="1">
-                <a:latin typeface="Times New Roman" panose="02020603050405020304" charset="0"/>
-                <a:ea typeface="微软雅黑" panose="020B0503020204020204" charset="-122"/>
-                <a:cs typeface="Times New Roman" panose="02020603050405020304" charset="0"/>
-              </a:rPr>
-              <a:t>1. </a:t>
-            </a:r>
-            <a:r>
-              <a:rPr lang="zh-CN" altLang="en-US" sz="2400" b="1">
-                <a:latin typeface="Times New Roman" panose="02020603050405020304" charset="0"/>
-                <a:ea typeface="微软雅黑" panose="020B0503020204020204" charset="-122"/>
-                <a:cs typeface="Times New Roman" panose="02020603050405020304" charset="0"/>
-              </a:rPr>
-              <a:t>定位长尾</a:t>
-            </a:r>
-            <a:r>
-              <a:rPr lang="en-US" altLang="zh-CN" sz="2400" b="1">
-                <a:latin typeface="Times New Roman" panose="02020603050405020304" charset="0"/>
-                <a:ea typeface="微软雅黑" panose="020B0503020204020204" charset="-122"/>
-                <a:cs typeface="Times New Roman" panose="02020603050405020304" charset="0"/>
-              </a:rPr>
-              <a:t>Samples</a:t>
-            </a:r>
-            <a:endParaRPr lang="en-US" altLang="zh-CN" sz="2400" b="1">
-              <a:latin typeface="Times New Roman" panose="02020603050405020304" charset="0"/>
-              <a:ea typeface="微软雅黑" panose="020B0503020204020204" charset="-122"/>
-              <a:cs typeface="Times New Roman" panose="02020603050405020304" charset="0"/>
-            </a:endParaRPr>
-          </a:p>
-          <a:p>
-            <a:r>
-              <a:rPr lang="en-US" altLang="zh-CN" sz="2400" b="1">
-                <a:latin typeface="Times New Roman" panose="02020603050405020304" charset="0"/>
-                <a:ea typeface="微软雅黑" panose="020B0503020204020204" charset="-122"/>
-                <a:cs typeface="Times New Roman" panose="02020603050405020304" charset="0"/>
-              </a:rPr>
-              <a:t>2. </a:t>
-            </a:r>
-            <a:r>
-              <a:rPr lang="zh-CN" altLang="en-US" sz="2400" b="1">
-                <a:latin typeface="Times New Roman" panose="02020603050405020304" charset="0"/>
-                <a:ea typeface="微软雅黑" panose="020B0503020204020204" charset="-122"/>
-                <a:cs typeface="Times New Roman" panose="02020603050405020304" charset="0"/>
-              </a:rPr>
-              <a:t>处理</a:t>
-            </a:r>
-            <a:r>
-              <a:rPr lang="en-US" altLang="zh-CN" sz="2400" b="1">
-                <a:latin typeface="Times New Roman" panose="02020603050405020304" charset="0"/>
-                <a:ea typeface="微软雅黑" panose="020B0503020204020204" charset="-122"/>
-                <a:cs typeface="Times New Roman" panose="02020603050405020304" charset="0"/>
-              </a:rPr>
-              <a:t>Samples</a:t>
-            </a:r>
-            <a:endParaRPr lang="en-US" altLang="zh-CN" sz="2400" b="1">
-              <a:latin typeface="Times New Roman" panose="02020603050405020304" charset="0"/>
-              <a:ea typeface="微软雅黑" panose="020B0503020204020204" charset="-122"/>
-              <a:cs typeface="Times New Roman" panose="02020603050405020304" charset="0"/>
-            </a:endParaRPr>
-          </a:p>
-        </p:txBody>
-      </p:sp>
-      <p:sp>
-        <p:nvSpPr>
-          <p:cNvPr id="4" name="文本框 3"/>
-          <p:cNvSpPr txBox="1"/>
-          <p:nvPr/>
-        </p:nvSpPr>
-        <p:spPr>
-          <a:xfrm>
-            <a:off x="628015" y="1855470"/>
-            <a:ext cx="10789285" cy="810260"/>
-          </a:xfrm>
-          <a:prstGeom prst="rect">
-            <a:avLst/>
-          </a:prstGeom>
-          <a:noFill/>
-        </p:spPr>
-        <p:txBody>
-          <a:bodyPr wrap="square" rtlCol="0">
-            <a:spAutoFit/>
-          </a:bodyPr>
-          <a:p>
-            <a:pPr>
-              <a:lnSpc>
-                <a:spcPct val="130000"/>
-              </a:lnSpc>
-            </a:pPr>
-            <a:r>
-              <a:rPr lang="zh-CN" altLang="en-US" b="1">
-                <a:latin typeface="Times New Roman" panose="02020603050405020304" charset="0"/>
-                <a:cs typeface="Times New Roman" panose="02020603050405020304" charset="0"/>
-              </a:rPr>
-              <a:t>长尾阻塞</a:t>
-            </a:r>
-            <a:r>
-              <a:rPr lang="en-US" altLang="zh-CN" b="1">
-                <a:latin typeface="Times New Roman" panose="02020603050405020304" charset="0"/>
-                <a:cs typeface="Times New Roman" panose="02020603050405020304" charset="0"/>
-              </a:rPr>
-              <a:t> (Straggler Effect)</a:t>
-            </a:r>
-            <a:r>
-              <a:rPr lang="zh-CN" altLang="en-US" b="1">
-                <a:latin typeface="Times New Roman" panose="02020603050405020304" charset="0"/>
-                <a:cs typeface="Times New Roman" panose="02020603050405020304" charset="0"/>
-              </a:rPr>
-              <a:t>：</a:t>
-            </a:r>
-            <a:r>
-              <a:rPr lang="zh-CN" altLang="en-US">
-                <a:latin typeface="Times New Roman" panose="02020603050405020304" charset="0"/>
-                <a:cs typeface="Times New Roman" panose="02020603050405020304" charset="0"/>
-              </a:rPr>
-              <a:t>推理任务（尤其是</a:t>
-            </a:r>
-            <a:r>
-              <a:rPr lang="en-US" altLang="zh-CN">
-                <a:latin typeface="Times New Roman" panose="02020603050405020304" charset="0"/>
-                <a:cs typeface="Times New Roman" panose="02020603050405020304" charset="0"/>
-              </a:rPr>
-              <a:t> CoT </a:t>
-            </a:r>
-            <a:r>
-              <a:rPr lang="zh-CN" altLang="en-US">
-                <a:latin typeface="Times New Roman" panose="02020603050405020304" charset="0"/>
-                <a:cs typeface="Times New Roman" panose="02020603050405020304" charset="0"/>
-              </a:rPr>
-              <a:t>推理）的输出长度方差极大。在同步训练中，</a:t>
-            </a:r>
-            <a:r>
-              <a:rPr lang="en-US" altLang="zh-CN">
-                <a:latin typeface="Times New Roman" panose="02020603050405020304" charset="0"/>
-                <a:cs typeface="Times New Roman" panose="02020603050405020304" charset="0"/>
-              </a:rPr>
-              <a:t>1% </a:t>
-            </a:r>
-            <a:r>
-              <a:rPr lang="zh-CN" altLang="en-US">
-                <a:latin typeface="Times New Roman" panose="02020603050405020304" charset="0"/>
-                <a:cs typeface="Times New Roman" panose="02020603050405020304" charset="0"/>
-              </a:rPr>
-              <a:t>的长尾样本会迫使</a:t>
-            </a:r>
-            <a:r>
-              <a:rPr lang="en-US" altLang="zh-CN">
-                <a:latin typeface="Times New Roman" panose="02020603050405020304" charset="0"/>
-                <a:cs typeface="Times New Roman" panose="02020603050405020304" charset="0"/>
-              </a:rPr>
-              <a:t> 99% </a:t>
-            </a:r>
-            <a:r>
-              <a:rPr lang="zh-CN" altLang="en-US">
-                <a:latin typeface="Times New Roman" panose="02020603050405020304" charset="0"/>
-                <a:cs typeface="Times New Roman" panose="02020603050405020304" charset="0"/>
-              </a:rPr>
-              <a:t>的短样本所在的</a:t>
-            </a:r>
-            <a:r>
-              <a:rPr lang="en-US" altLang="zh-CN">
-                <a:latin typeface="Times New Roman" panose="02020603050405020304" charset="0"/>
-                <a:cs typeface="Times New Roman" panose="02020603050405020304" charset="0"/>
-              </a:rPr>
-              <a:t> GPU </a:t>
-            </a:r>
-            <a:r>
-              <a:rPr lang="zh-CN" altLang="en-US">
-                <a:latin typeface="Times New Roman" panose="02020603050405020304" charset="0"/>
-                <a:cs typeface="Times New Roman" panose="02020603050405020304" charset="0"/>
-              </a:rPr>
-              <a:t>等待，导致巨大的算力浪费。</a:t>
-            </a:r>
-            <a:endParaRPr lang="zh-CN" altLang="en-US">
-              <a:latin typeface="Times New Roman" panose="02020603050405020304" charset="0"/>
-              <a:cs typeface="Times New Roman" panose="02020603050405020304" charset="0"/>
-            </a:endParaRPr>
-          </a:p>
-        </p:txBody>
-      </p:sp>
-    </p:spTree>
-    <p:custDataLst>
-      <p:tags r:id="rId3"/>
-    </p:custDataLst>
-  </p:cSld>
-  <p:clrMapOvr>
-    <a:masterClrMapping/>
-  </p:clrMapOvr>
-</p:sld>
-</file>
-
-<file path=ppt/slides/slide3.xml><?xml version="1.0" encoding="utf-8"?>
-<p:sld xmlns:a="http://schemas.openxmlformats.org/drawingml/2006/main" xmlns:r="http://schemas.openxmlformats.org/officeDocument/2006/relationships" xmlns:p="http://schemas.openxmlformats.org/presentationml/2006/main">
-  <p:cSld>
-    <p:spTree>
-      <p:nvGrpSpPr>
-        <p:cNvPr id="1" name=""/>
-        <p:cNvGrpSpPr/>
-        <p:nvPr/>
-      </p:nvGrpSpPr>
-      <p:grpSpPr/>
-      <p:sp>
-        <p:nvSpPr>
-          <p:cNvPr id="18" name="矩形 17"/>
-          <p:cNvSpPr/>
-          <p:nvPr/>
-        </p:nvSpPr>
-        <p:spPr>
-          <a:xfrm>
-            <a:off x="0" y="135620"/>
-            <a:ext cx="89452" cy="526774"/>
-          </a:xfrm>
-          <a:prstGeom prst="rect">
-            <a:avLst/>
-          </a:prstGeom>
-          <a:solidFill>
-            <a:srgbClr val="C00000"/>
-          </a:solidFill>
-          <a:ln>
-            <a:noFill/>
-          </a:ln>
-        </p:spPr>
-        <p:style>
-          <a:lnRef idx="2">
-            <a:schemeClr val="accent1">
-              <a:shade val="50000"/>
-            </a:schemeClr>
-          </a:lnRef>
-          <a:fillRef idx="1">
-            <a:schemeClr val="accent1"/>
-          </a:fillRef>
-          <a:effectRef idx="0">
-            <a:schemeClr val="accent1"/>
-          </a:effectRef>
-          <a:fontRef idx="minor">
-            <a:schemeClr val="lt1"/>
-          </a:fontRef>
-        </p:style>
-        <p:txBody>
-          <a:bodyPr rtlCol="0" anchor="ctr"/>
-          <a:p>
-            <a:pPr algn="ctr"/>
-            <a:endParaRPr lang="zh-CN" altLang="en-US" b="1">
-              <a:latin typeface="Times New Roman" panose="02020603050405020304" charset="0"/>
-              <a:cs typeface="Times New Roman" panose="02020603050405020304" charset="0"/>
-            </a:endParaRPr>
-          </a:p>
-        </p:txBody>
-      </p:sp>
-      <p:sp>
-        <p:nvSpPr>
-          <p:cNvPr id="19" name="文本框 37"/>
-          <p:cNvSpPr txBox="1"/>
-          <p:nvPr/>
-        </p:nvSpPr>
-        <p:spPr>
-          <a:xfrm>
-            <a:off x="173355" y="165735"/>
-            <a:ext cx="11476355" cy="520700"/>
-          </a:xfrm>
-          <a:prstGeom prst="rect">
-            <a:avLst/>
-          </a:prstGeom>
-          <a:noFill/>
-        </p:spPr>
-        <p:txBody>
-          <a:bodyPr wrap="square" lIns="91431" tIns="45716" rIns="91431" bIns="45716" rtlCol="0">
-            <a:spAutoFit/>
-          </a:bodyPr>
-          <a:p>
-            <a:pPr algn="l">
-              <a:buClrTx/>
-              <a:buSzTx/>
-              <a:buFontTx/>
-            </a:pPr>
-            <a:r>
-              <a:rPr lang="zh-CN" altLang="en-US" sz="2800" b="1" dirty="0">
-                <a:solidFill>
-                  <a:schemeClr val="tx1"/>
-                </a:solidFill>
-                <a:latin typeface="Times New Roman" panose="02020603050405020304" charset="0"/>
-                <a:cs typeface="Times New Roman" panose="02020603050405020304" charset="0"/>
-                <a:sym typeface="+mn-ea"/>
-              </a:rPr>
-              <a:t>二、方案优化</a:t>
-            </a:r>
-            <a:r>
-              <a:rPr lang="en-US" altLang="zh-CN" sz="2800" b="1" dirty="0">
-                <a:solidFill>
-                  <a:schemeClr val="tx1"/>
-                </a:solidFill>
-                <a:latin typeface="Times New Roman" panose="02020603050405020304" charset="0"/>
-                <a:cs typeface="Times New Roman" panose="02020603050405020304" charset="0"/>
-                <a:sym typeface="+mn-ea"/>
-              </a:rPr>
-              <a:t>: </a:t>
-            </a:r>
-            <a:r>
-              <a:rPr lang="en-US" altLang="zh-CN" sz="1800" b="1">
-                <a:solidFill>
-                  <a:srgbClr val="C00000"/>
-                </a:solidFill>
-                <a:latin typeface="Times New Roman" panose="02020603050405020304" charset="0"/>
-                <a:cs typeface="Times New Roman" panose="02020603050405020304" charset="0"/>
-                <a:sym typeface="+mn-ea"/>
-              </a:rPr>
-              <a:t>StreamRL: Scalable, Heterogeneous, RL for LLMs with Disaggregeted Stream Generation</a:t>
-            </a:r>
-            <a:endParaRPr lang="zh-CN" altLang="en-US" sz="2800" b="1" dirty="0">
-              <a:solidFill>
-                <a:schemeClr val="tx1"/>
-              </a:solidFill>
-              <a:latin typeface="Times New Roman" panose="02020603050405020304" charset="0"/>
-              <a:cs typeface="Times New Roman" panose="02020603050405020304" charset="0"/>
-              <a:sym typeface="+mn-ea"/>
-            </a:endParaRPr>
-          </a:p>
-        </p:txBody>
-      </p:sp>
-      <p:sp>
-        <p:nvSpPr>
-          <p:cNvPr id="5" name="文本框 4"/>
-          <p:cNvSpPr txBox="1"/>
-          <p:nvPr/>
-        </p:nvSpPr>
-        <p:spPr>
-          <a:xfrm>
-            <a:off x="89535" y="870585"/>
-            <a:ext cx="11910695" cy="1560830"/>
-          </a:xfrm>
-          <a:prstGeom prst="rect">
-            <a:avLst/>
-          </a:prstGeom>
-          <a:noFill/>
-        </p:spPr>
-        <p:txBody>
-          <a:bodyPr wrap="square" rtlCol="0">
-            <a:noAutofit/>
-          </a:bodyPr>
-          <a:p>
-            <a:pPr algn="l">
-              <a:lnSpc>
-                <a:spcPct val="130000"/>
-              </a:lnSpc>
-              <a:buClrTx/>
-              <a:buSzTx/>
-              <a:buFontTx/>
-            </a:pPr>
-            <a:r>
-              <a:rPr lang="zh-CN" altLang="en-US" sz="1800" b="1">
-                <a:latin typeface="Times New Roman" panose="02020603050405020304" charset="0"/>
-                <a:cs typeface="Times New Roman" panose="02020603050405020304" charset="0"/>
-              </a:rPr>
-              <a:t>一、识别长尾</a:t>
-            </a:r>
-            <a:r>
-              <a:rPr lang="zh-CN" altLang="en-US" sz="1800" b="1">
-                <a:latin typeface="Times New Roman" panose="02020603050405020304" charset="0"/>
-                <a:cs typeface="Times New Roman" panose="02020603050405020304" charset="0"/>
-              </a:rPr>
-              <a:t>问题</a:t>
-            </a:r>
-            <a:endParaRPr lang="zh-CN" altLang="en-US" sz="1800" b="1">
-              <a:latin typeface="Times New Roman" panose="02020603050405020304" charset="0"/>
-              <a:cs typeface="Times New Roman" panose="02020603050405020304" charset="0"/>
-            </a:endParaRPr>
-          </a:p>
-          <a:p>
-            <a:pPr algn="l">
-              <a:lnSpc>
-                <a:spcPct val="130000"/>
-              </a:lnSpc>
-              <a:buClrTx/>
-              <a:buSzTx/>
-              <a:buFontTx/>
-              <a:buNone/>
-            </a:pPr>
-            <a:r>
-              <a:rPr lang="zh-CN" altLang="en-US" sz="1400">
-                <a:latin typeface="Times New Roman" panose="02020603050405020304" charset="0"/>
-                <a:cs typeface="Times New Roman" panose="02020603050405020304" charset="0"/>
-              </a:rPr>
-              <a:t>事先</a:t>
-            </a:r>
-            <a:r>
-              <a:rPr lang="en-US" altLang="zh-CN" sz="1400">
-                <a:latin typeface="Times New Roman" panose="02020603050405020304" charset="0"/>
-                <a:cs typeface="Times New Roman" panose="02020603050405020304" charset="0"/>
-              </a:rPr>
-              <a:t>SFT</a:t>
-            </a:r>
-            <a:r>
-              <a:rPr lang="zh-CN" altLang="en-US" sz="1400">
-                <a:latin typeface="Times New Roman" panose="02020603050405020304" charset="0"/>
-                <a:cs typeface="Times New Roman" panose="02020603050405020304" charset="0"/>
-              </a:rPr>
-              <a:t>一个小模型</a:t>
-            </a:r>
-            <a:r>
-              <a:rPr lang="en-US" altLang="zh-CN" sz="1400">
-                <a:latin typeface="Times New Roman" panose="02020603050405020304" charset="0"/>
-                <a:cs typeface="Times New Roman" panose="02020603050405020304" charset="0"/>
-              </a:rPr>
-              <a:t>LLM model</a:t>
-            </a:r>
-            <a:r>
-              <a:rPr lang="zh-CN" altLang="en-US" sz="1400">
-                <a:latin typeface="Times New Roman" panose="02020603050405020304" charset="0"/>
-                <a:cs typeface="Times New Roman" panose="02020603050405020304" charset="0"/>
-              </a:rPr>
-              <a:t>，对</a:t>
-            </a:r>
-            <a:r>
-              <a:rPr lang="en-US" altLang="zh-CN" sz="1400">
-                <a:latin typeface="Times New Roman" panose="02020603050405020304" charset="0"/>
-                <a:cs typeface="Times New Roman" panose="02020603050405020304" charset="0"/>
-              </a:rPr>
-              <a:t>Prompt</a:t>
-            </a:r>
-            <a:r>
-              <a:rPr lang="zh-CN" altLang="en-US" sz="1400">
-                <a:latin typeface="Times New Roman" panose="02020603050405020304" charset="0"/>
-                <a:cs typeface="Times New Roman" panose="02020603050405020304" charset="0"/>
-              </a:rPr>
-              <a:t>的生成长度预测相对排名，随着训练地进行，定期使用最近生成的数据对排名器进行在线微调。</a:t>
-            </a:r>
-            <a:endParaRPr lang="en-US" altLang="zh-CN" sz="1400">
-              <a:latin typeface="Times New Roman" panose="02020603050405020304" charset="0"/>
-              <a:cs typeface="Times New Roman" panose="02020603050405020304" charset="0"/>
-            </a:endParaRPr>
-          </a:p>
-          <a:p>
-            <a:pPr algn="l">
-              <a:lnSpc>
-                <a:spcPct val="130000"/>
-              </a:lnSpc>
-              <a:buClrTx/>
-              <a:buSzTx/>
-              <a:buFontTx/>
-              <a:buNone/>
-            </a:pPr>
-            <a:r>
-              <a:rPr lang="zh-CN" altLang="en-US" sz="1800" b="1">
-                <a:latin typeface="Times New Roman" panose="02020603050405020304" charset="0"/>
-                <a:cs typeface="Times New Roman" panose="02020603050405020304" charset="0"/>
-              </a:rPr>
-              <a:t>二、处理长尾问题</a:t>
-            </a:r>
-            <a:endParaRPr lang="en-US" altLang="zh-CN" sz="1800" b="1">
-              <a:latin typeface="Times New Roman" panose="02020603050405020304" charset="0"/>
-              <a:cs typeface="Times New Roman" panose="02020603050405020304" charset="0"/>
-            </a:endParaRPr>
-          </a:p>
-          <a:p>
-            <a:pPr algn="l">
-              <a:lnSpc>
-                <a:spcPct val="130000"/>
-              </a:lnSpc>
-            </a:pPr>
-            <a:r>
-              <a:rPr lang="zh-CN" altLang="en-US" sz="1400">
-                <a:latin typeface="Times New Roman" panose="02020603050405020304" charset="0"/>
-                <a:cs typeface="Times New Roman" panose="02020603050405020304" charset="0"/>
-              </a:rPr>
-              <a:t>将排好序的样本队列取前</a:t>
-            </a:r>
-            <a:r>
-              <a:rPr lang="en-US" altLang="zh-CN" sz="1400">
-                <a:latin typeface="Times New Roman" panose="02020603050405020304" charset="0"/>
-                <a:cs typeface="Times New Roman" panose="02020603050405020304" charset="0"/>
-              </a:rPr>
-              <a:t>20%</a:t>
-            </a:r>
-            <a:r>
-              <a:rPr lang="zh-CN" altLang="en-US" sz="1400">
-                <a:latin typeface="Times New Roman" panose="02020603050405020304" charset="0"/>
-                <a:cs typeface="Times New Roman" panose="02020603050405020304" charset="0"/>
-              </a:rPr>
-              <a:t>作为长尾样本，并划分出一部分</a:t>
-            </a:r>
-            <a:r>
-              <a:rPr lang="en-US" altLang="zh-CN" sz="1400">
-                <a:latin typeface="Times New Roman" panose="02020603050405020304" charset="0"/>
-                <a:cs typeface="Times New Roman" panose="02020603050405020304" charset="0"/>
-              </a:rPr>
-              <a:t>worker</a:t>
-            </a:r>
-            <a:r>
-              <a:rPr lang="zh-CN" altLang="en-US" sz="1400">
-                <a:latin typeface="Times New Roman" panose="02020603050405020304" charset="0"/>
-                <a:cs typeface="Times New Roman" panose="02020603050405020304" charset="0"/>
-                <a:sym typeface="+mn-ea"/>
-              </a:rPr>
-              <a:t>采用小</a:t>
-            </a:r>
-            <a:r>
-              <a:rPr lang="en-US" altLang="zh-CN" sz="1400">
-                <a:latin typeface="Times New Roman" panose="02020603050405020304" charset="0"/>
-                <a:cs typeface="Times New Roman" panose="02020603050405020304" charset="0"/>
-                <a:sym typeface="+mn-ea"/>
-              </a:rPr>
-              <a:t>batch</a:t>
-            </a:r>
-            <a:r>
-              <a:rPr lang="zh-CN" altLang="en-US" sz="1400">
-                <a:latin typeface="Times New Roman" panose="02020603050405020304" charset="0"/>
-                <a:cs typeface="Times New Roman" panose="02020603050405020304" charset="0"/>
-                <a:sym typeface="+mn-ea"/>
-              </a:rPr>
-              <a:t>运行</a:t>
-            </a:r>
-            <a:r>
-              <a:rPr lang="zh-CN" altLang="en-US" sz="1400">
-                <a:latin typeface="Times New Roman" panose="02020603050405020304" charset="0"/>
-                <a:cs typeface="Times New Roman" panose="02020603050405020304" charset="0"/>
-              </a:rPr>
-              <a:t>来处理长尾样本；其余的</a:t>
-            </a:r>
-            <a:r>
-              <a:rPr lang="en-US" altLang="zh-CN" sz="1400">
-                <a:latin typeface="Times New Roman" panose="02020603050405020304" charset="0"/>
-                <a:cs typeface="Times New Roman" panose="02020603050405020304" charset="0"/>
-              </a:rPr>
-              <a:t>worker</a:t>
-            </a:r>
-            <a:r>
-              <a:rPr lang="zh-CN" altLang="en-US" sz="1400">
-                <a:latin typeface="Times New Roman" panose="02020603050405020304" charset="0"/>
-                <a:cs typeface="Times New Roman" panose="02020603050405020304" charset="0"/>
-              </a:rPr>
-              <a:t>采用大</a:t>
-            </a:r>
-            <a:r>
-              <a:rPr lang="en-US" altLang="zh-CN" sz="1400">
-                <a:latin typeface="Times New Roman" panose="02020603050405020304" charset="0"/>
-                <a:cs typeface="Times New Roman" panose="02020603050405020304" charset="0"/>
-              </a:rPr>
-              <a:t>batch</a:t>
-            </a:r>
-            <a:r>
-              <a:rPr lang="zh-CN" altLang="en-US" sz="1400">
-                <a:latin typeface="Times New Roman" panose="02020603050405020304" charset="0"/>
-                <a:cs typeface="Times New Roman" panose="02020603050405020304" charset="0"/>
-              </a:rPr>
-              <a:t>处理普通样本。</a:t>
-            </a:r>
-            <a:endParaRPr lang="en-US" altLang="zh-CN" sz="1800" b="1">
-              <a:latin typeface="Times New Roman" panose="02020603050405020304" charset="0"/>
-              <a:cs typeface="Times New Roman" panose="02020603050405020304" charset="0"/>
-            </a:endParaRPr>
-          </a:p>
-          <a:p>
-            <a:pPr algn="l">
-              <a:lnSpc>
-                <a:spcPct val="130000"/>
-              </a:lnSpc>
-            </a:pPr>
-            <a:endParaRPr lang="en-US" altLang="zh-CN" sz="1800" b="1">
-              <a:latin typeface="Times New Roman" panose="02020603050405020304" charset="0"/>
-              <a:cs typeface="Times New Roman" panose="02020603050405020304" charset="0"/>
-            </a:endParaRPr>
-          </a:p>
-        </p:txBody>
-      </p:sp>
-      <p:pic>
-        <p:nvPicPr>
-          <p:cNvPr id="6" name="图片 5"/>
-          <p:cNvPicPr>
-            <a:picLocks noChangeAspect="1"/>
-          </p:cNvPicPr>
-          <p:nvPr/>
-        </p:nvPicPr>
-        <p:blipFill>
-          <a:blip r:embed="rId1"/>
-          <a:stretch>
-            <a:fillRect/>
-          </a:stretch>
-        </p:blipFill>
-        <p:spPr>
-          <a:xfrm>
-            <a:off x="173355" y="2431415"/>
-            <a:ext cx="4821555" cy="3889375"/>
-          </a:xfrm>
-          <a:prstGeom prst="rect">
-            <a:avLst/>
-          </a:prstGeom>
-        </p:spPr>
-      </p:pic>
-      <p:sp>
-        <p:nvSpPr>
-          <p:cNvPr id="7" name="文本框 6"/>
-          <p:cNvSpPr txBox="1"/>
-          <p:nvPr/>
-        </p:nvSpPr>
-        <p:spPr>
-          <a:xfrm>
-            <a:off x="5418455" y="3263265"/>
-            <a:ext cx="6477635" cy="1731010"/>
-          </a:xfrm>
-          <a:prstGeom prst="rect">
-            <a:avLst/>
-          </a:prstGeom>
-          <a:noFill/>
-        </p:spPr>
-        <p:txBody>
-          <a:bodyPr wrap="square" rtlCol="0">
-            <a:spAutoFit/>
-          </a:bodyPr>
-          <a:p>
-            <a:pPr algn="l">
-              <a:lnSpc>
-                <a:spcPct val="130000"/>
-              </a:lnSpc>
-            </a:pPr>
-            <a:r>
-              <a:rPr lang="zh-CN" altLang="en-US" sz="1800" b="1">
-                <a:latin typeface="Times New Roman" panose="02020603050405020304" charset="0"/>
-                <a:cs typeface="Times New Roman" panose="02020603050405020304" charset="0"/>
-              </a:rPr>
-              <a:t>优化点</a:t>
-            </a:r>
-            <a:endParaRPr lang="zh-CN" altLang="en-US" sz="1800" b="1">
-              <a:latin typeface="Times New Roman" panose="02020603050405020304" charset="0"/>
-              <a:cs typeface="Times New Roman" panose="02020603050405020304" charset="0"/>
-            </a:endParaRPr>
-          </a:p>
-          <a:p>
-            <a:pPr algn="l">
-              <a:lnSpc>
-                <a:spcPct val="130000"/>
-              </a:lnSpc>
-            </a:pPr>
-            <a:r>
-              <a:rPr lang="zh-CN" altLang="en-US" sz="1600">
-                <a:latin typeface="Times New Roman" panose="02020603050405020304" charset="0"/>
-                <a:cs typeface="Times New Roman" panose="02020603050405020304" charset="0"/>
-              </a:rPr>
-              <a:t>既然</a:t>
-            </a:r>
-            <a:r>
-              <a:rPr lang="en-US" altLang="zh-CN" sz="1600">
-                <a:latin typeface="Times New Roman" panose="02020603050405020304" charset="0"/>
-                <a:cs typeface="Times New Roman" panose="02020603050405020304" charset="0"/>
-              </a:rPr>
-              <a:t> GRPO </a:t>
-            </a:r>
-            <a:r>
-              <a:rPr lang="zh-CN" altLang="en-US" sz="1600">
-                <a:latin typeface="Times New Roman" panose="02020603050405020304" charset="0"/>
-                <a:cs typeface="Times New Roman" panose="02020603050405020304" charset="0"/>
-              </a:rPr>
-              <a:t>需要对同一个</a:t>
-            </a:r>
-            <a:r>
-              <a:rPr lang="en-US" altLang="zh-CN" sz="1600">
-                <a:latin typeface="Times New Roman" panose="02020603050405020304" charset="0"/>
-                <a:cs typeface="Times New Roman" panose="02020603050405020304" charset="0"/>
-              </a:rPr>
-              <a:t> Prompt </a:t>
-            </a:r>
-            <a:r>
-              <a:rPr lang="zh-CN" altLang="en-US" sz="1600">
-                <a:latin typeface="Times New Roman" panose="02020603050405020304" charset="0"/>
-                <a:cs typeface="Times New Roman" panose="02020603050405020304" charset="0"/>
-              </a:rPr>
-              <a:t>采样</a:t>
-            </a:r>
-            <a:r>
-              <a:rPr lang="en-US" altLang="zh-CN" sz="1600">
-                <a:latin typeface="Times New Roman" panose="02020603050405020304" charset="0"/>
-                <a:cs typeface="Times New Roman" panose="02020603050405020304" charset="0"/>
-              </a:rPr>
-              <a:t> N </a:t>
-            </a:r>
-            <a:r>
-              <a:rPr lang="zh-CN" altLang="en-US" sz="1600">
-                <a:latin typeface="Times New Roman" panose="02020603050405020304" charset="0"/>
-                <a:cs typeface="Times New Roman" panose="02020603050405020304" charset="0"/>
-              </a:rPr>
-              <a:t>次（假设</a:t>
-            </a:r>
-            <a:r>
-              <a:rPr lang="en-US" altLang="zh-CN" sz="1600">
-                <a:latin typeface="Times New Roman" panose="02020603050405020304" charset="0"/>
-                <a:cs typeface="Times New Roman" panose="02020603050405020304" charset="0"/>
-              </a:rPr>
-              <a:t> N=8</a:t>
-            </a:r>
-            <a:r>
-              <a:rPr lang="zh-CN" altLang="en-US" sz="1600">
-                <a:latin typeface="Times New Roman" panose="02020603050405020304" charset="0"/>
-                <a:cs typeface="Times New Roman" panose="02020603050405020304" charset="0"/>
-              </a:rPr>
-              <a:t>），我们利用第</a:t>
-            </a:r>
-            <a:r>
-              <a:rPr lang="en-US" altLang="zh-CN" sz="1600">
-                <a:latin typeface="Times New Roman" panose="02020603050405020304" charset="0"/>
-                <a:cs typeface="Times New Roman" panose="02020603050405020304" charset="0"/>
-              </a:rPr>
-              <a:t> 1 </a:t>
-            </a:r>
-            <a:r>
-              <a:rPr lang="zh-CN" altLang="en-US" sz="1600">
-                <a:latin typeface="Times New Roman" panose="02020603050405020304" charset="0"/>
-                <a:cs typeface="Times New Roman" panose="02020603050405020304" charset="0"/>
-              </a:rPr>
-              <a:t>次采样作为</a:t>
-            </a:r>
-            <a:r>
-              <a:rPr lang="en-US" altLang="zh-CN" sz="1600">
-                <a:latin typeface="Times New Roman" panose="02020603050405020304" charset="0"/>
-                <a:cs typeface="Times New Roman" panose="02020603050405020304" charset="0"/>
-              </a:rPr>
-              <a:t>“</a:t>
-            </a:r>
-            <a:r>
-              <a:rPr lang="zh-CN" altLang="en-US" sz="1600">
-                <a:latin typeface="Times New Roman" panose="02020603050405020304" charset="0"/>
-                <a:cs typeface="Times New Roman" panose="02020603050405020304" charset="0"/>
-              </a:rPr>
-              <a:t>探路者</a:t>
-            </a:r>
-            <a:r>
-              <a:rPr lang="en-US" altLang="zh-CN" sz="1600">
-                <a:latin typeface="Times New Roman" panose="02020603050405020304" charset="0"/>
-                <a:cs typeface="Times New Roman" panose="02020603050405020304" charset="0"/>
-              </a:rPr>
-              <a:t>”</a:t>
-            </a:r>
-            <a:r>
-              <a:rPr lang="zh-CN" altLang="en-US" sz="1600">
-                <a:latin typeface="Times New Roman" panose="02020603050405020304" charset="0"/>
-                <a:cs typeface="Times New Roman" panose="02020603050405020304" charset="0"/>
-              </a:rPr>
-              <a:t>，如果这</a:t>
-            </a:r>
-            <a:r>
-              <a:rPr lang="en-US" altLang="zh-CN" sz="1600">
-                <a:latin typeface="Times New Roman" panose="02020603050405020304" charset="0"/>
-                <a:cs typeface="Times New Roman" panose="02020603050405020304" charset="0"/>
-              </a:rPr>
-              <a:t> 1 </a:t>
-            </a:r>
-            <a:r>
-              <a:rPr lang="zh-CN" altLang="en-US" sz="1600">
-                <a:latin typeface="Times New Roman" panose="02020603050405020304" charset="0"/>
-                <a:cs typeface="Times New Roman" panose="02020603050405020304" charset="0"/>
-              </a:rPr>
-              <a:t>条在规定时间做完了则标记为</a:t>
-            </a:r>
-            <a:r>
-              <a:rPr lang="en-US" altLang="zh-CN" sz="1600">
-                <a:latin typeface="Times New Roman" panose="02020603050405020304" charset="0"/>
-                <a:cs typeface="Times New Roman" panose="02020603050405020304" charset="0"/>
-              </a:rPr>
-              <a:t> Simple</a:t>
-            </a:r>
-            <a:r>
-              <a:rPr lang="zh-CN" altLang="en-US" sz="1600">
-                <a:latin typeface="Times New Roman" panose="02020603050405020304" charset="0"/>
-                <a:cs typeface="Times New Roman" panose="02020603050405020304" charset="0"/>
-              </a:rPr>
-              <a:t>，如果没有完成触发了熔断，则标记为标记为长尾</a:t>
-            </a:r>
-            <a:r>
-              <a:rPr lang="zh-CN" altLang="en-US" sz="1600">
-                <a:latin typeface="Times New Roman" panose="02020603050405020304" charset="0"/>
-                <a:cs typeface="Times New Roman" panose="02020603050405020304" charset="0"/>
-              </a:rPr>
-              <a:t>样本。</a:t>
-            </a:r>
-            <a:endParaRPr lang="zh-CN" altLang="en-US" sz="1600">
-              <a:latin typeface="Times New Roman" panose="02020603050405020304" charset="0"/>
-              <a:cs typeface="Times New Roman" panose="02020603050405020304" charset="0"/>
-            </a:endParaRPr>
-          </a:p>
-          <a:p>
-            <a:pPr algn="l">
-              <a:lnSpc>
-                <a:spcPct val="130000"/>
-              </a:lnSpc>
-            </a:pPr>
-            <a:r>
-              <a:rPr lang="zh-CN" altLang="en-US" sz="1600">
-                <a:latin typeface="Times New Roman" panose="02020603050405020304" charset="0"/>
-                <a:cs typeface="Times New Roman" panose="02020603050405020304" charset="0"/>
-              </a:rPr>
-              <a:t>处理长尾样本</a:t>
-            </a:r>
-            <a:r>
-              <a:rPr lang="zh-CN" altLang="en-US" sz="1600">
-                <a:latin typeface="Times New Roman" panose="02020603050405020304" charset="0"/>
-                <a:cs typeface="Times New Roman" panose="02020603050405020304" charset="0"/>
-              </a:rPr>
-              <a:t>同上。</a:t>
-            </a:r>
-            <a:endParaRPr lang="zh-CN" altLang="en-US" sz="1600">
-              <a:latin typeface="Times New Roman" panose="02020603050405020304" charset="0"/>
-              <a:cs typeface="Times New Roman" panose="02020603050405020304" charset="0"/>
-            </a:endParaRPr>
-          </a:p>
-        </p:txBody>
-      </p:sp>
-    </p:spTree>
-    <p:custDataLst>
-      <p:tags r:id="rId2"/>
-    </p:custDataLst>
-  </p:cSld>
-  <p:clrMapOvr>
-    <a:masterClrMapping/>
-  </p:clrMapOvr>
-</p:sld>
-</file>
-
-<file path=ppt/slides/slide4.xml><?xml version="1.0" encoding="utf-8"?>
+<file path=ppt/slides/slide10.xml><?xml version="1.0" encoding="utf-8"?>
 <p:sld xmlns:a="http://schemas.openxmlformats.org/drawingml/2006/main" xmlns:r="http://schemas.openxmlformats.org/officeDocument/2006/relationships" xmlns:p="http://schemas.openxmlformats.org/presentationml/2006/main">
   <p:cSld>
     <p:spTree>
@@ -5232,2924 +4123,9 @@
           <a:chExt cx="0" cy="0"/>
         </a:xfrm>
       </p:grpSpPr>
-      <p:sp>
-        <p:nvSpPr>
-          <p:cNvPr id="4" name="文本框 3"/>
-          <p:cNvSpPr txBox="1"/>
-          <p:nvPr/>
-        </p:nvSpPr>
-        <p:spPr>
-          <a:xfrm>
-            <a:off x="89535" y="870585"/>
-            <a:ext cx="11910695" cy="2055495"/>
-          </a:xfrm>
-          <a:prstGeom prst="rect">
-            <a:avLst/>
-          </a:prstGeom>
-          <a:noFill/>
-        </p:spPr>
-        <p:txBody>
-          <a:bodyPr wrap="square" rtlCol="0">
-            <a:noAutofit/>
-          </a:bodyPr>
-          <a:p>
-            <a:pPr algn="l">
-              <a:lnSpc>
-                <a:spcPct val="130000"/>
-              </a:lnSpc>
-              <a:buClrTx/>
-              <a:buSzTx/>
-              <a:buFontTx/>
-            </a:pPr>
-            <a:r>
-              <a:rPr lang="zh-CN" altLang="en-US" sz="1800" b="1">
-                <a:latin typeface="Times New Roman" panose="02020603050405020304" charset="0"/>
-                <a:cs typeface="Times New Roman" panose="02020603050405020304" charset="0"/>
-              </a:rPr>
-              <a:t>一、识别长尾</a:t>
-            </a:r>
-            <a:r>
-              <a:rPr lang="zh-CN" altLang="en-US" sz="1800" b="1">
-                <a:latin typeface="Times New Roman" panose="02020603050405020304" charset="0"/>
-                <a:cs typeface="Times New Roman" panose="02020603050405020304" charset="0"/>
-              </a:rPr>
-              <a:t>问题</a:t>
-            </a:r>
-            <a:endParaRPr lang="zh-CN" altLang="en-US" sz="1800" b="1">
-              <a:latin typeface="Times New Roman" panose="02020603050405020304" charset="0"/>
-              <a:cs typeface="Times New Roman" panose="02020603050405020304" charset="0"/>
-            </a:endParaRPr>
-          </a:p>
-          <a:p>
-            <a:pPr algn="l">
-              <a:lnSpc>
-                <a:spcPct val="130000"/>
-              </a:lnSpc>
-              <a:buClrTx/>
-              <a:buSzTx/>
-              <a:buFontTx/>
-              <a:buNone/>
-            </a:pPr>
-            <a:r>
-              <a:rPr lang="zh-CN" altLang="en-US" sz="1400">
-                <a:latin typeface="Times New Roman" panose="02020603050405020304" charset="0"/>
-                <a:cs typeface="Times New Roman" panose="02020603050405020304" charset="0"/>
-              </a:rPr>
-              <a:t>当</a:t>
-            </a:r>
-            <a:r>
-              <a:rPr lang="en-US" altLang="zh-CN" sz="1400">
-                <a:latin typeface="Times New Roman" panose="02020603050405020304" charset="0"/>
-                <a:cs typeface="Times New Roman" panose="02020603050405020304" charset="0"/>
-              </a:rPr>
-              <a:t>GPU</a:t>
-            </a:r>
-            <a:r>
-              <a:rPr lang="zh-CN" altLang="en-US" sz="1400">
-                <a:latin typeface="Times New Roman" panose="02020603050405020304" charset="0"/>
-                <a:cs typeface="Times New Roman" panose="02020603050405020304" charset="0"/>
-              </a:rPr>
-              <a:t>的</a:t>
-            </a:r>
-            <a:r>
-              <a:rPr lang="en-US" altLang="zh-CN" sz="1400">
-                <a:latin typeface="Times New Roman" panose="02020603050405020304" charset="0"/>
-                <a:cs typeface="Times New Roman" panose="02020603050405020304" charset="0"/>
-              </a:rPr>
-              <a:t>KV Cache</a:t>
-            </a:r>
-            <a:r>
-              <a:rPr lang="zh-CN" altLang="en-US" sz="1400">
-                <a:latin typeface="Times New Roman" panose="02020603050405020304" charset="0"/>
-                <a:cs typeface="Times New Roman" panose="02020603050405020304" charset="0"/>
-              </a:rPr>
-              <a:t>不在增加</a:t>
-            </a:r>
-            <a:r>
-              <a:rPr lang="zh-CN" altLang="en-US" sz="1400">
-                <a:latin typeface="Times New Roman" panose="02020603050405020304" charset="0"/>
-                <a:cs typeface="Times New Roman" panose="02020603050405020304" charset="0"/>
-              </a:rPr>
-              <a:t>且低于最大阈值时，</a:t>
-            </a:r>
-            <a:endParaRPr lang="en-US" altLang="zh-CN" sz="1400">
-              <a:latin typeface="Times New Roman" panose="02020603050405020304" charset="0"/>
-              <a:cs typeface="Times New Roman" panose="02020603050405020304" charset="0"/>
-            </a:endParaRPr>
-          </a:p>
-          <a:p>
-            <a:pPr algn="l">
-              <a:lnSpc>
-                <a:spcPct val="130000"/>
-              </a:lnSpc>
-              <a:buClrTx/>
-              <a:buSzTx/>
-              <a:buFontTx/>
-              <a:buNone/>
-            </a:pPr>
-            <a:r>
-              <a:rPr lang="zh-CN" altLang="en-US" sz="1800" b="1">
-                <a:latin typeface="Times New Roman" panose="02020603050405020304" charset="0"/>
-                <a:cs typeface="Times New Roman" panose="02020603050405020304" charset="0"/>
-              </a:rPr>
-              <a:t>二、处理长尾问题</a:t>
-            </a:r>
-            <a:r>
-              <a:rPr lang="en-US" altLang="zh-CN" sz="1800" b="1">
-                <a:latin typeface="Times New Roman" panose="02020603050405020304" charset="0"/>
-                <a:cs typeface="Times New Roman" panose="02020603050405020304" charset="0"/>
-              </a:rPr>
-              <a:t>——Repack Mechanism</a:t>
-            </a:r>
-            <a:endParaRPr lang="en-US" altLang="zh-CN" sz="1800" b="1">
-              <a:latin typeface="Times New Roman" panose="02020603050405020304" charset="0"/>
-              <a:cs typeface="Times New Roman" panose="02020603050405020304" charset="0"/>
-            </a:endParaRPr>
-          </a:p>
-          <a:p>
-            <a:pPr algn="l">
-              <a:lnSpc>
-                <a:spcPct val="130000"/>
-              </a:lnSpc>
-            </a:pPr>
-            <a:r>
-              <a:rPr lang="en-US" altLang="zh-CN" sz="1400">
-                <a:latin typeface="Times New Roman" panose="02020603050405020304" charset="0"/>
-                <a:cs typeface="Times New Roman" panose="02020603050405020304" charset="0"/>
-              </a:rPr>
-              <a:t>Source Rollouts</a:t>
-            </a:r>
-            <a:r>
-              <a:rPr lang="zh-CN" altLang="en-US" sz="1400">
-                <a:latin typeface="Times New Roman" panose="02020603050405020304" charset="0"/>
-                <a:cs typeface="Times New Roman" panose="02020603050405020304" charset="0"/>
-              </a:rPr>
-              <a:t>：</a:t>
-            </a:r>
-            <a:r>
-              <a:rPr lang="en-US" altLang="zh-CN" sz="1400">
-                <a:latin typeface="Times New Roman" panose="02020603050405020304" charset="0"/>
-                <a:cs typeface="Times New Roman" panose="02020603050405020304" charset="0"/>
-              </a:rPr>
-              <a:t> </a:t>
-            </a:r>
-            <a:r>
-              <a:rPr lang="zh-CN" altLang="en-US" sz="1400">
-                <a:latin typeface="Times New Roman" panose="02020603050405020304" charset="0"/>
-                <a:cs typeface="Times New Roman" panose="02020603050405020304" charset="0"/>
-              </a:rPr>
-              <a:t>那些被判定为处于长尾阶段、</a:t>
-            </a:r>
-            <a:r>
-              <a:rPr lang="en-US" altLang="zh-CN" sz="1400">
-                <a:latin typeface="Times New Roman" panose="02020603050405020304" charset="0"/>
-                <a:cs typeface="Times New Roman" panose="02020603050405020304" charset="0"/>
-              </a:rPr>
-              <a:t>GPU </a:t>
-            </a:r>
-            <a:r>
-              <a:rPr lang="zh-CN" altLang="en-US" sz="1400">
-                <a:latin typeface="Times New Roman" panose="02020603050405020304" charset="0"/>
-                <a:cs typeface="Times New Roman" panose="02020603050405020304" charset="0"/>
-              </a:rPr>
-              <a:t>未跑满的副本，它们是需要被清空并释放的对象</a:t>
-            </a:r>
-            <a:r>
-              <a:rPr lang="en-US" altLang="zh-CN" sz="1400">
-                <a:latin typeface="Times New Roman" panose="02020603050405020304" charset="0"/>
-                <a:cs typeface="Times New Roman" panose="02020603050405020304" charset="0"/>
-              </a:rPr>
-              <a:t> </a:t>
-            </a:r>
-            <a:r>
-              <a:rPr lang="zh-CN" altLang="en-US" sz="1400">
-                <a:latin typeface="Times New Roman" panose="02020603050405020304" charset="0"/>
-                <a:cs typeface="Times New Roman" panose="02020603050405020304" charset="0"/>
-              </a:rPr>
-              <a:t>。</a:t>
-            </a:r>
-            <a:endParaRPr lang="en-US" altLang="zh-CN" sz="1400">
-              <a:latin typeface="Times New Roman" panose="02020603050405020304" charset="0"/>
-              <a:cs typeface="Times New Roman" panose="02020603050405020304" charset="0"/>
-            </a:endParaRPr>
-          </a:p>
-          <a:p>
-            <a:pPr algn="l">
-              <a:lnSpc>
-                <a:spcPct val="130000"/>
-              </a:lnSpc>
-            </a:pPr>
-            <a:r>
-              <a:rPr lang="en-US" altLang="zh-CN" sz="1400">
-                <a:latin typeface="Times New Roman" panose="02020603050405020304" charset="0"/>
-                <a:cs typeface="Times New Roman" panose="02020603050405020304" charset="0"/>
-              </a:rPr>
-              <a:t>Destination Rollouts</a:t>
-            </a:r>
-            <a:r>
-              <a:rPr lang="zh-CN" altLang="en-US" sz="1400">
-                <a:latin typeface="Times New Roman" panose="02020603050405020304" charset="0"/>
-                <a:cs typeface="Times New Roman" panose="02020603050405020304" charset="0"/>
-              </a:rPr>
-              <a:t>：</a:t>
-            </a:r>
-            <a:r>
-              <a:rPr lang="en-US" altLang="zh-CN" sz="1400">
-                <a:latin typeface="Times New Roman" panose="02020603050405020304" charset="0"/>
-                <a:cs typeface="Times New Roman" panose="02020603050405020304" charset="0"/>
-              </a:rPr>
-              <a:t> </a:t>
-            </a:r>
-            <a:r>
-              <a:rPr lang="zh-CN" altLang="en-US" sz="1400">
-                <a:latin typeface="Times New Roman" panose="02020603050405020304" charset="0"/>
-                <a:cs typeface="Times New Roman" panose="02020603050405020304" charset="0"/>
-              </a:rPr>
-              <a:t>同样处于</a:t>
-            </a:r>
-            <a:r>
-              <a:rPr lang="zh-CN" altLang="en-US" sz="1400">
-                <a:latin typeface="Times New Roman" panose="02020603050405020304" charset="0"/>
-                <a:cs typeface="Times New Roman" panose="02020603050405020304" charset="0"/>
-                <a:sym typeface="+mn-ea"/>
-              </a:rPr>
-              <a:t>处于长尾阶段、</a:t>
-            </a:r>
-            <a:r>
-              <a:rPr lang="en-US" altLang="zh-CN" sz="1400">
-                <a:latin typeface="Times New Roman" panose="02020603050405020304" charset="0"/>
-                <a:cs typeface="Times New Roman" panose="02020603050405020304" charset="0"/>
-                <a:sym typeface="+mn-ea"/>
-              </a:rPr>
-              <a:t>GPU </a:t>
-            </a:r>
-            <a:r>
-              <a:rPr lang="zh-CN" altLang="en-US" sz="1400">
-                <a:latin typeface="Times New Roman" panose="02020603050405020304" charset="0"/>
-                <a:cs typeface="Times New Roman" panose="02020603050405020304" charset="0"/>
-                <a:sym typeface="+mn-ea"/>
-              </a:rPr>
-              <a:t>未跑满的副本</a:t>
-            </a:r>
-            <a:r>
-              <a:rPr lang="zh-CN" altLang="en-US" sz="1400">
-                <a:latin typeface="Times New Roman" panose="02020603050405020304" charset="0"/>
-                <a:cs typeface="Times New Roman" panose="02020603050405020304" charset="0"/>
-              </a:rPr>
-              <a:t>，但被选作容器来接收来自源副本的任务，以便将它们打包成效率更高的</a:t>
-            </a:r>
-            <a:r>
-              <a:rPr lang="en-US" altLang="zh-CN" sz="1400">
-                <a:latin typeface="Times New Roman" panose="02020603050405020304" charset="0"/>
-                <a:cs typeface="Times New Roman" panose="02020603050405020304" charset="0"/>
-              </a:rPr>
-              <a:t> Batch </a:t>
-            </a:r>
-            <a:r>
-              <a:rPr lang="zh-CN" altLang="en-US" sz="1400">
-                <a:latin typeface="Times New Roman" panose="02020603050405020304" charset="0"/>
-                <a:cs typeface="Times New Roman" panose="02020603050405020304" charset="0"/>
-              </a:rPr>
-              <a:t>。</a:t>
-            </a:r>
-            <a:endParaRPr lang="en-US" altLang="zh-CN" sz="1800" b="1">
-              <a:latin typeface="Times New Roman" panose="02020603050405020304" charset="0"/>
-              <a:cs typeface="Times New Roman" panose="02020603050405020304" charset="0"/>
-            </a:endParaRPr>
-          </a:p>
-          <a:p>
-            <a:pPr algn="l">
-              <a:lnSpc>
-                <a:spcPct val="130000"/>
-              </a:lnSpc>
-            </a:pPr>
-            <a:endParaRPr lang="en-US" altLang="zh-CN" sz="1800" b="1">
-              <a:latin typeface="Times New Roman" panose="02020603050405020304" charset="0"/>
-              <a:cs typeface="Times New Roman" panose="02020603050405020304" charset="0"/>
-            </a:endParaRPr>
-          </a:p>
-        </p:txBody>
-      </p:sp>
-      <p:pic>
-        <p:nvPicPr>
-          <p:cNvPr id="11" name="图片 10"/>
-          <p:cNvPicPr>
-            <a:picLocks noChangeAspect="1"/>
-          </p:cNvPicPr>
-          <p:nvPr/>
-        </p:nvPicPr>
-        <p:blipFill>
-          <a:blip r:embed="rId1"/>
-          <a:stretch>
-            <a:fillRect/>
-          </a:stretch>
-        </p:blipFill>
-        <p:spPr>
-          <a:xfrm>
-            <a:off x="89535" y="3262630"/>
-            <a:ext cx="5534660" cy="2668270"/>
-          </a:xfrm>
-          <a:prstGeom prst="rect">
-            <a:avLst/>
-          </a:prstGeom>
-        </p:spPr>
-      </p:pic>
-      <p:sp>
-        <p:nvSpPr>
-          <p:cNvPr id="12" name="文本框 11"/>
-          <p:cNvSpPr txBox="1"/>
-          <p:nvPr/>
-        </p:nvSpPr>
-        <p:spPr>
-          <a:xfrm>
-            <a:off x="198755" y="6073140"/>
-            <a:ext cx="6276340" cy="521970"/>
-          </a:xfrm>
-          <a:prstGeom prst="rect">
-            <a:avLst/>
-          </a:prstGeom>
-          <a:noFill/>
-        </p:spPr>
-        <p:txBody>
-          <a:bodyPr wrap="square" rtlCol="0">
-            <a:spAutoFit/>
-          </a:bodyPr>
-          <a:p>
-            <a:pPr algn="ctr"/>
-            <a:r>
-              <a:rPr lang="zh-CN" altLang="en-US" sz="1400" b="1">
-                <a:latin typeface="Times New Roman" panose="02020603050405020304" charset="0"/>
-                <a:cs typeface="Times New Roman" panose="02020603050405020304" charset="0"/>
-              </a:rPr>
-              <a:t>把</a:t>
-            </a:r>
-            <a:r>
-              <a:rPr lang="en-US" altLang="zh-CN" sz="1400" b="1">
-                <a:latin typeface="Times New Roman" panose="02020603050405020304" charset="0"/>
-                <a:cs typeface="Times New Roman" panose="02020603050405020304" charset="0"/>
-              </a:rPr>
-              <a:t>Unfinished</a:t>
-            </a:r>
-            <a:r>
-              <a:rPr lang="zh-CN" altLang="en-US" sz="1400" b="1">
-                <a:latin typeface="Times New Roman" panose="02020603050405020304" charset="0"/>
-                <a:cs typeface="Times New Roman" panose="02020603050405020304" charset="0"/>
-              </a:rPr>
-              <a:t>的计算状态和</a:t>
-            </a:r>
-            <a:r>
-              <a:rPr lang="en-US" altLang="zh-CN" sz="1400" b="1">
-                <a:latin typeface="Times New Roman" panose="02020603050405020304" charset="0"/>
-                <a:cs typeface="Times New Roman" panose="02020603050405020304" charset="0"/>
-              </a:rPr>
-              <a:t>KV Cache</a:t>
-            </a:r>
-            <a:r>
-              <a:rPr lang="zh-CN" altLang="en-US" sz="1400" b="1">
-                <a:latin typeface="Times New Roman" panose="02020603050405020304" charset="0"/>
-                <a:cs typeface="Times New Roman" panose="02020603050405020304" charset="0"/>
-              </a:rPr>
-              <a:t>从一个进程</a:t>
-            </a:r>
-            <a:r>
-              <a:rPr lang="en-US" altLang="zh-CN" sz="1400" b="1">
-                <a:latin typeface="Times New Roman" panose="02020603050405020304" charset="0"/>
-                <a:cs typeface="Times New Roman" panose="02020603050405020304" charset="0"/>
-                <a:sym typeface="+mn-ea"/>
-              </a:rPr>
-              <a:t>Source Rollouts</a:t>
-            </a:r>
-            <a:r>
-              <a:rPr lang="zh-CN" altLang="en-US" sz="1400" b="1">
-                <a:latin typeface="Times New Roman" panose="02020603050405020304" charset="0"/>
-                <a:cs typeface="Times New Roman" panose="02020603050405020304" charset="0"/>
-              </a:rPr>
-              <a:t>迁移到另一个进程</a:t>
-            </a:r>
-            <a:r>
-              <a:rPr lang="en-US" altLang="zh-CN" sz="1400" b="1">
-                <a:latin typeface="Times New Roman" panose="02020603050405020304" charset="0"/>
-                <a:cs typeface="Times New Roman" panose="02020603050405020304" charset="0"/>
-                <a:sym typeface="+mn-ea"/>
-              </a:rPr>
-              <a:t>Destination Rollouts</a:t>
-            </a:r>
-            <a:endParaRPr lang="zh-CN" altLang="en-US" sz="1400" b="1">
-              <a:latin typeface="Times New Roman" panose="02020603050405020304" charset="0"/>
-              <a:cs typeface="Times New Roman" panose="02020603050405020304" charset="0"/>
-            </a:endParaRPr>
-          </a:p>
-        </p:txBody>
-      </p:sp>
-      <p:sp>
-        <p:nvSpPr>
-          <p:cNvPr id="19" name="文本框 37"/>
-          <p:cNvSpPr txBox="1"/>
-          <p:nvPr/>
-        </p:nvSpPr>
-        <p:spPr>
-          <a:xfrm>
-            <a:off x="173355" y="165735"/>
-            <a:ext cx="11870055" cy="520700"/>
-          </a:xfrm>
-          <a:prstGeom prst="rect">
-            <a:avLst/>
-          </a:prstGeom>
-          <a:noFill/>
-        </p:spPr>
-        <p:txBody>
-          <a:bodyPr wrap="square" lIns="91431" tIns="45716" rIns="91431" bIns="45716" rtlCol="0">
-            <a:spAutoFit/>
-          </a:bodyPr>
-          <a:p>
-            <a:r>
-              <a:rPr lang="zh-CN" altLang="en-US" sz="2800" b="1" dirty="0">
-                <a:solidFill>
-                  <a:schemeClr val="tx1"/>
-                </a:solidFill>
-                <a:latin typeface="Times New Roman" panose="02020603050405020304" charset="0"/>
-                <a:cs typeface="Times New Roman" panose="02020603050405020304" charset="0"/>
-                <a:sym typeface="+mn-ea"/>
-              </a:rPr>
-              <a:t>二、方案优化：</a:t>
-            </a:r>
-            <a:r>
-              <a:rPr lang="en-US" altLang="zh-CN" b="1">
-                <a:solidFill>
-                  <a:srgbClr val="C00000"/>
-                </a:solidFill>
-                <a:latin typeface="Times New Roman" panose="02020603050405020304" charset="0"/>
-                <a:cs typeface="Times New Roman" panose="02020603050405020304" charset="0"/>
-                <a:sym typeface="+mn-ea"/>
-              </a:rPr>
-              <a:t>Laminar: A Scalable Asynchronous RL Post-Training Framework</a:t>
-            </a:r>
-            <a:endParaRPr lang="en-US" altLang="zh-CN" b="1" dirty="0">
-              <a:solidFill>
-                <a:srgbClr val="C00000"/>
-              </a:solidFill>
-              <a:latin typeface="Times New Roman" panose="02020603050405020304" charset="0"/>
-              <a:cs typeface="Times New Roman" panose="02020603050405020304" charset="0"/>
-              <a:sym typeface="+mn-ea"/>
-            </a:endParaRPr>
-          </a:p>
-        </p:txBody>
-      </p:sp>
-      <p:sp>
-        <p:nvSpPr>
-          <p:cNvPr id="18" name="矩形 17"/>
-          <p:cNvSpPr/>
-          <p:nvPr/>
-        </p:nvSpPr>
-        <p:spPr>
-          <a:xfrm>
-            <a:off x="0" y="135620"/>
-            <a:ext cx="89452" cy="526774"/>
-          </a:xfrm>
-          <a:prstGeom prst="rect">
-            <a:avLst/>
-          </a:prstGeom>
-          <a:solidFill>
-            <a:srgbClr val="C00000"/>
-          </a:solidFill>
-          <a:ln>
-            <a:noFill/>
-          </a:ln>
-        </p:spPr>
-        <p:style>
-          <a:lnRef idx="2">
-            <a:schemeClr val="accent1">
-              <a:shade val="50000"/>
-            </a:schemeClr>
-          </a:lnRef>
-          <a:fillRef idx="1">
-            <a:schemeClr val="accent1"/>
-          </a:fillRef>
-          <a:effectRef idx="0">
-            <a:schemeClr val="accent1"/>
-          </a:effectRef>
-          <a:fontRef idx="minor">
-            <a:schemeClr val="lt1"/>
-          </a:fontRef>
-        </p:style>
-        <p:txBody>
-          <a:bodyPr rtlCol="0" anchor="ctr"/>
-          <a:p>
-            <a:pPr algn="ctr"/>
-            <a:endParaRPr lang="zh-CN" altLang="en-US" b="1">
-              <a:latin typeface="Times New Roman" panose="02020603050405020304" charset="0"/>
-              <a:cs typeface="Times New Roman" panose="02020603050405020304" charset="0"/>
-            </a:endParaRPr>
-          </a:p>
-        </p:txBody>
-      </p:sp>
-      <p:sp>
-        <p:nvSpPr>
-          <p:cNvPr id="14" name="文本框 13"/>
-          <p:cNvSpPr txBox="1"/>
-          <p:nvPr/>
-        </p:nvSpPr>
-        <p:spPr>
-          <a:xfrm>
-            <a:off x="6161405" y="3263265"/>
-            <a:ext cx="5734685" cy="1410970"/>
-          </a:xfrm>
-          <a:prstGeom prst="rect">
-            <a:avLst/>
-          </a:prstGeom>
-          <a:noFill/>
-        </p:spPr>
-        <p:txBody>
-          <a:bodyPr wrap="square" rtlCol="0">
-            <a:spAutoFit/>
-          </a:bodyPr>
-          <a:p>
-            <a:pPr algn="l">
-              <a:lnSpc>
-                <a:spcPct val="130000"/>
-              </a:lnSpc>
-            </a:pPr>
-            <a:r>
-              <a:rPr lang="zh-CN" altLang="en-US" sz="1800" b="1">
-                <a:latin typeface="Times New Roman" panose="02020603050405020304" charset="0"/>
-                <a:cs typeface="Times New Roman" panose="02020603050405020304" charset="0"/>
-              </a:rPr>
-              <a:t>优化点</a:t>
-            </a:r>
-            <a:endParaRPr lang="zh-CN" altLang="en-US" sz="1800" b="1">
-              <a:latin typeface="Times New Roman" panose="02020603050405020304" charset="0"/>
-              <a:cs typeface="Times New Roman" panose="02020603050405020304" charset="0"/>
-            </a:endParaRPr>
-          </a:p>
-          <a:p>
-            <a:pPr algn="l">
-              <a:lnSpc>
-                <a:spcPct val="130000"/>
-              </a:lnSpc>
-            </a:pPr>
-            <a:r>
-              <a:rPr lang="zh-CN" altLang="en-US" sz="1600">
-                <a:latin typeface="Times New Roman" panose="02020603050405020304" charset="0"/>
-                <a:cs typeface="Times New Roman" panose="02020603050405020304" charset="0"/>
-              </a:rPr>
-              <a:t>借鉴其重打包的思想，当一个</a:t>
-            </a:r>
-            <a:r>
-              <a:rPr lang="en-US" altLang="zh-CN" sz="1600">
-                <a:latin typeface="Times New Roman" panose="02020603050405020304" charset="0"/>
-                <a:cs typeface="Times New Roman" panose="02020603050405020304" charset="0"/>
-              </a:rPr>
-              <a:t>worker</a:t>
-            </a:r>
-            <a:r>
-              <a:rPr lang="zh-CN" altLang="en-US" sz="1600">
-                <a:latin typeface="Times New Roman" panose="02020603050405020304" charset="0"/>
-                <a:cs typeface="Times New Roman" panose="02020603050405020304" charset="0"/>
-              </a:rPr>
-              <a:t>处于处理长尾阶段时，把其的</a:t>
-            </a:r>
-            <a:r>
-              <a:rPr lang="en-US" altLang="zh-CN" sz="1600">
-                <a:latin typeface="Times New Roman" panose="02020603050405020304" charset="0"/>
-                <a:cs typeface="Times New Roman" panose="02020603050405020304" charset="0"/>
-              </a:rPr>
-              <a:t>prompt + </a:t>
-            </a:r>
-            <a:r>
-              <a:rPr lang="zh-CN" altLang="en-US" sz="1600">
-                <a:latin typeface="Times New Roman" panose="02020603050405020304" charset="0"/>
-                <a:cs typeface="Times New Roman" panose="02020603050405020304" charset="0"/>
-              </a:rPr>
-              <a:t>生成的部分</a:t>
-            </a:r>
-            <a:r>
-              <a:rPr lang="en-US" altLang="zh-CN" sz="1600">
-                <a:latin typeface="Times New Roman" panose="02020603050405020304" charset="0"/>
-                <a:cs typeface="Times New Roman" panose="02020603050405020304" charset="0"/>
-              </a:rPr>
-              <a:t>response</a:t>
-            </a:r>
-            <a:r>
-              <a:rPr lang="zh-CN" altLang="en-US" sz="1600">
-                <a:latin typeface="Times New Roman" panose="02020603050405020304" charset="0"/>
-                <a:cs typeface="Times New Roman" panose="02020603050405020304" charset="0"/>
-              </a:rPr>
-              <a:t>发给专门处理长尾的</a:t>
-            </a:r>
-            <a:r>
-              <a:rPr lang="en-US" altLang="zh-CN" sz="1600">
-                <a:latin typeface="Times New Roman" panose="02020603050405020304" charset="0"/>
-                <a:cs typeface="Times New Roman" panose="02020603050405020304" charset="0"/>
-              </a:rPr>
-              <a:t>worker</a:t>
-            </a:r>
-            <a:r>
-              <a:rPr lang="zh-CN" altLang="en-US" sz="1600">
-                <a:latin typeface="Times New Roman" panose="02020603050405020304" charset="0"/>
-                <a:cs typeface="Times New Roman" panose="02020603050405020304" charset="0"/>
-              </a:rPr>
-              <a:t>，同时后面的</a:t>
-            </a:r>
-            <a:r>
-              <a:rPr lang="en-US" altLang="zh-CN" sz="1600">
-                <a:latin typeface="Times New Roman" panose="02020603050405020304" charset="0"/>
-                <a:cs typeface="Times New Roman" panose="02020603050405020304" charset="0"/>
-              </a:rPr>
-              <a:t>7</a:t>
-            </a:r>
-            <a:r>
-              <a:rPr lang="zh-CN" altLang="en-US" sz="1600">
-                <a:latin typeface="Times New Roman" panose="02020603050405020304" charset="0"/>
-                <a:cs typeface="Times New Roman" panose="02020603050405020304" charset="0"/>
-              </a:rPr>
-              <a:t>次采样也都交给处理长尾的</a:t>
-            </a:r>
-            <a:r>
-              <a:rPr lang="en-US" altLang="zh-CN" sz="1600">
-                <a:latin typeface="Times New Roman" panose="02020603050405020304" charset="0"/>
-                <a:cs typeface="Times New Roman" panose="02020603050405020304" charset="0"/>
-              </a:rPr>
-              <a:t>worker</a:t>
-            </a:r>
-            <a:r>
-              <a:rPr lang="zh-CN" altLang="en-US" sz="1600">
-                <a:latin typeface="Times New Roman" panose="02020603050405020304" charset="0"/>
-                <a:cs typeface="Times New Roman" panose="02020603050405020304" charset="0"/>
-              </a:rPr>
-              <a:t>。</a:t>
-            </a:r>
-            <a:endParaRPr lang="zh-CN" altLang="en-US" sz="1600">
-              <a:latin typeface="Times New Roman" panose="02020603050405020304" charset="0"/>
-              <a:cs typeface="Times New Roman" panose="02020603050405020304" charset="0"/>
-            </a:endParaRPr>
-          </a:p>
-        </p:txBody>
-      </p:sp>
-    </p:spTree>
-    <p:custDataLst>
-      <p:tags r:id="rId2"/>
-    </p:custDataLst>
-  </p:cSld>
-  <p:clrMapOvr>
-    <a:masterClrMapping/>
-  </p:clrMapOvr>
-</p:sld>
-</file>
-
-<file path=ppt/slides/slide5.xml><?xml version="1.0" encoding="utf-8"?>
-<p:sld xmlns:a="http://schemas.openxmlformats.org/drawingml/2006/main" xmlns:r="http://schemas.openxmlformats.org/officeDocument/2006/relationships" xmlns:p="http://schemas.openxmlformats.org/presentationml/2006/main">
-  <p:cSld>
-    <p:spTree>
-      <p:nvGrpSpPr>
-        <p:cNvPr id="1" name=""/>
-        <p:cNvGrpSpPr/>
-        <p:nvPr/>
-      </p:nvGrpSpPr>
-      <p:grpSpPr>
-        <a:xfrm>
-          <a:off x="0" y="0"/>
-          <a:ext cx="0" cy="0"/>
-          <a:chOff x="0" y="0"/>
-          <a:chExt cx="0" cy="0"/>
-        </a:xfrm>
-      </p:grpSpPr>
-      <p:sp>
-        <p:nvSpPr>
-          <p:cNvPr id="4" name="文本框 3"/>
-          <p:cNvSpPr txBox="1"/>
-          <p:nvPr/>
-        </p:nvSpPr>
-        <p:spPr>
-          <a:xfrm>
-            <a:off x="89535" y="870585"/>
-            <a:ext cx="11910695" cy="1643380"/>
-          </a:xfrm>
-          <a:prstGeom prst="rect">
-            <a:avLst/>
-          </a:prstGeom>
-          <a:noFill/>
-        </p:spPr>
-        <p:txBody>
-          <a:bodyPr wrap="square" rtlCol="0">
-            <a:noAutofit/>
-          </a:bodyPr>
-          <a:p>
-            <a:pPr algn="l">
-              <a:lnSpc>
-                <a:spcPct val="130000"/>
-              </a:lnSpc>
-              <a:buClrTx/>
-              <a:buSzTx/>
-              <a:buFontTx/>
-              <a:buNone/>
-            </a:pPr>
-            <a:r>
-              <a:rPr lang="zh-CN" altLang="en-US" sz="1800" b="1">
-                <a:latin typeface="Times New Roman" panose="02020603050405020304" charset="0"/>
-                <a:cs typeface="Times New Roman" panose="02020603050405020304" charset="0"/>
-              </a:rPr>
-              <a:t>处理长尾问题</a:t>
-            </a:r>
-            <a:endParaRPr lang="en-US" altLang="zh-CN" sz="1800" b="1">
-              <a:latin typeface="Times New Roman" panose="02020603050405020304" charset="0"/>
-              <a:cs typeface="Times New Roman" panose="02020603050405020304" charset="0"/>
-            </a:endParaRPr>
-          </a:p>
-          <a:p>
-            <a:pPr algn="l">
-              <a:lnSpc>
-                <a:spcPct val="130000"/>
-              </a:lnSpc>
-            </a:pPr>
-            <a:r>
-              <a:rPr lang="en-US" altLang="zh-CN" sz="1400">
-                <a:latin typeface="Times New Roman" panose="02020603050405020304" charset="0"/>
-                <a:cs typeface="Times New Roman" panose="02020603050405020304" charset="0"/>
-              </a:rPr>
-              <a:t>Segment Rollout</a:t>
-            </a:r>
-            <a:r>
-              <a:rPr lang="zh-CN" altLang="en-US" sz="1400">
-                <a:latin typeface="Times New Roman" panose="02020603050405020304" charset="0"/>
-                <a:cs typeface="Times New Roman" panose="02020603050405020304" charset="0"/>
-              </a:rPr>
-              <a:t>将超长输出的解码过程划分为多个短片段阶段，使模型每次仅需解码较短的长度</a:t>
-            </a:r>
-            <a:r>
-              <a:rPr lang="en-US" altLang="zh-CN" sz="1400">
-                <a:latin typeface="Times New Roman" panose="02020603050405020304" charset="0"/>
-                <a:cs typeface="Times New Roman" panose="02020603050405020304" charset="0"/>
-              </a:rPr>
-              <a:t> </a:t>
-            </a:r>
-            <a:r>
-              <a:rPr lang="zh-CN" altLang="en-US" sz="1400">
-                <a:latin typeface="Times New Roman" panose="02020603050405020304" charset="0"/>
-                <a:cs typeface="Times New Roman" panose="02020603050405020304" charset="0"/>
-              </a:rPr>
-              <a:t>。这种机制允许已完成解码的样本立即进入经验池参与训练，而未完成的样本在后续迭代中继续生成</a:t>
-            </a:r>
-            <a:r>
-              <a:rPr lang="zh-CN" altLang="en-US" sz="1400">
-                <a:latin typeface="Times New Roman" panose="02020603050405020304" charset="0"/>
-                <a:cs typeface="Times New Roman" panose="02020603050405020304" charset="0"/>
-              </a:rPr>
-              <a:t>。</a:t>
-            </a:r>
-            <a:endParaRPr lang="zh-CN" altLang="en-US" sz="1400">
-              <a:latin typeface="Times New Roman" panose="02020603050405020304" charset="0"/>
-              <a:cs typeface="Times New Roman" panose="02020603050405020304" charset="0"/>
-            </a:endParaRPr>
-          </a:p>
-          <a:p>
-            <a:pPr algn="l">
-              <a:lnSpc>
-                <a:spcPct val="130000"/>
-              </a:lnSpc>
-            </a:pPr>
-            <a:r>
-              <a:rPr lang="zh-CN" altLang="en-US" sz="1400">
-                <a:latin typeface="Times New Roman" panose="02020603050405020304" charset="0"/>
-                <a:cs typeface="Times New Roman" panose="02020603050405020304" charset="0"/>
-              </a:rPr>
-              <a:t>但是静态的segment长度导致步长僵化，设大了：短样本（如 50 tokens）需要空等很久才能退出，增加了 Latency。设小了，长样本需要经历极多次 Python 循环和 Kernel 启动，增加了 Overhead。</a:t>
-            </a:r>
-            <a:endParaRPr lang="zh-CN" altLang="en-US" sz="1400">
-              <a:latin typeface="Times New Roman" panose="02020603050405020304" charset="0"/>
-              <a:cs typeface="Times New Roman" panose="02020603050405020304" charset="0"/>
-            </a:endParaRPr>
-          </a:p>
-        </p:txBody>
-      </p:sp>
-      <p:sp>
-        <p:nvSpPr>
-          <p:cNvPr id="19" name="文本框 37"/>
-          <p:cNvSpPr txBox="1"/>
-          <p:nvPr/>
-        </p:nvSpPr>
-        <p:spPr>
-          <a:xfrm>
-            <a:off x="173355" y="165735"/>
-            <a:ext cx="11870055" cy="520700"/>
-          </a:xfrm>
-          <a:prstGeom prst="rect">
-            <a:avLst/>
-          </a:prstGeom>
-          <a:noFill/>
-        </p:spPr>
-        <p:txBody>
-          <a:bodyPr wrap="square" lIns="91431" tIns="45716" rIns="91431" bIns="45716" rtlCol="0">
-            <a:spAutoFit/>
-          </a:bodyPr>
-          <a:p>
-            <a:r>
-              <a:rPr lang="zh-CN" altLang="en-US" sz="2800" b="1" dirty="0">
-                <a:solidFill>
-                  <a:schemeClr val="tx1"/>
-                </a:solidFill>
-                <a:latin typeface="Times New Roman" panose="02020603050405020304" charset="0"/>
-                <a:cs typeface="Times New Roman" panose="02020603050405020304" charset="0"/>
-                <a:sym typeface="+mn-ea"/>
-              </a:rPr>
-              <a:t>二、方案优化：</a:t>
-            </a:r>
-            <a:r>
-              <a:rPr lang="en-US" altLang="zh-CN" b="1" dirty="0">
-                <a:solidFill>
-                  <a:srgbClr val="C00000"/>
-                </a:solidFill>
-                <a:latin typeface="Times New Roman" panose="02020603050405020304" charset="0"/>
-                <a:cs typeface="Times New Roman" panose="02020603050405020304" charset="0"/>
-                <a:sym typeface="+mn-ea"/>
-              </a:rPr>
-              <a:t>UloRL:An Ultra-Long Output Reinforcement Learning Approach for Advancing Reasoning</a:t>
-            </a:r>
-            <a:endParaRPr lang="en-US" altLang="zh-CN" b="1" dirty="0">
-              <a:solidFill>
-                <a:srgbClr val="C00000"/>
-              </a:solidFill>
-              <a:latin typeface="Times New Roman" panose="02020603050405020304" charset="0"/>
-              <a:cs typeface="Times New Roman" panose="02020603050405020304" charset="0"/>
-              <a:sym typeface="+mn-ea"/>
-            </a:endParaRPr>
-          </a:p>
-        </p:txBody>
-      </p:sp>
-      <p:sp>
-        <p:nvSpPr>
-          <p:cNvPr id="18" name="矩形 17"/>
-          <p:cNvSpPr/>
-          <p:nvPr/>
-        </p:nvSpPr>
-        <p:spPr>
-          <a:xfrm>
-            <a:off x="0" y="135620"/>
-            <a:ext cx="89452" cy="526774"/>
-          </a:xfrm>
-          <a:prstGeom prst="rect">
-            <a:avLst/>
-          </a:prstGeom>
-          <a:solidFill>
-            <a:srgbClr val="C00000"/>
-          </a:solidFill>
-          <a:ln>
-            <a:noFill/>
-          </a:ln>
-        </p:spPr>
-        <p:style>
-          <a:lnRef idx="2">
-            <a:schemeClr val="accent1">
-              <a:shade val="50000"/>
-            </a:schemeClr>
-          </a:lnRef>
-          <a:fillRef idx="1">
-            <a:schemeClr val="accent1"/>
-          </a:fillRef>
-          <a:effectRef idx="0">
-            <a:schemeClr val="accent1"/>
-          </a:effectRef>
-          <a:fontRef idx="minor">
-            <a:schemeClr val="lt1"/>
-          </a:fontRef>
-        </p:style>
-        <p:txBody>
-          <a:bodyPr rtlCol="0" anchor="ctr"/>
-          <a:p>
-            <a:pPr algn="ctr"/>
-            <a:endParaRPr lang="zh-CN" altLang="en-US" b="1">
-              <a:latin typeface="Times New Roman" panose="02020603050405020304" charset="0"/>
-              <a:cs typeface="Times New Roman" panose="02020603050405020304" charset="0"/>
-            </a:endParaRPr>
-          </a:p>
-        </p:txBody>
-      </p:sp>
-      <p:pic>
-        <p:nvPicPr>
-          <p:cNvPr id="3" name="图片 2"/>
-          <p:cNvPicPr>
-            <a:picLocks noChangeAspect="1"/>
-          </p:cNvPicPr>
-          <p:nvPr/>
-        </p:nvPicPr>
-        <p:blipFill>
-          <a:blip r:embed="rId1"/>
-          <a:stretch>
-            <a:fillRect/>
-          </a:stretch>
-        </p:blipFill>
-        <p:spPr>
-          <a:xfrm>
-            <a:off x="3239770" y="4704715"/>
-            <a:ext cx="5039360" cy="580390"/>
-          </a:xfrm>
-          <a:prstGeom prst="rect">
-            <a:avLst/>
-          </a:prstGeom>
-        </p:spPr>
-      </p:pic>
-      <p:sp>
-        <p:nvSpPr>
-          <p:cNvPr id="5" name="文本框 4"/>
-          <p:cNvSpPr txBox="1"/>
-          <p:nvPr/>
-        </p:nvSpPr>
-        <p:spPr>
-          <a:xfrm>
-            <a:off x="419735" y="2698115"/>
-            <a:ext cx="11682730" cy="1609725"/>
-          </a:xfrm>
-          <a:prstGeom prst="rect">
-            <a:avLst/>
-          </a:prstGeom>
-          <a:noFill/>
-        </p:spPr>
-        <p:txBody>
-          <a:bodyPr wrap="square" rtlCol="0">
-            <a:spAutoFit/>
-          </a:bodyPr>
-          <a:p>
-            <a:pPr>
-              <a:lnSpc>
-                <a:spcPct val="130000"/>
-              </a:lnSpc>
-            </a:pPr>
-            <a:r>
-              <a:rPr lang="en-US" altLang="zh-CN" sz="2000" b="1">
-                <a:latin typeface="Times New Roman" panose="02020603050405020304" charset="0"/>
-                <a:cs typeface="Times New Roman" panose="02020603050405020304" charset="0"/>
-              </a:rPr>
-              <a:t>Dynamic Segment Rollout </a:t>
-            </a:r>
-            <a:endParaRPr lang="en-US" altLang="zh-CN" sz="2000" b="1">
-              <a:latin typeface="Times New Roman" panose="02020603050405020304" charset="0"/>
-              <a:cs typeface="Times New Roman" panose="02020603050405020304" charset="0"/>
-            </a:endParaRPr>
-          </a:p>
-          <a:p>
-            <a:pPr>
-              <a:lnSpc>
-                <a:spcPct val="130000"/>
-              </a:lnSpc>
-            </a:pPr>
-            <a:r>
-              <a:rPr lang="zh-CN" altLang="en-US" sz="1400">
-                <a:latin typeface="Times New Roman" panose="02020603050405020304" charset="0"/>
-                <a:ea typeface="微软雅黑" panose="020B0503020204020204" charset="-122"/>
-                <a:cs typeface="Times New Roman" panose="02020603050405020304" charset="0"/>
-              </a:rPr>
-              <a:t>定义一</a:t>
-            </a:r>
-            <a:r>
-              <a:rPr lang="zh-CN" altLang="en-US" sz="1400">
-                <a:latin typeface="微软雅黑" panose="020B0503020204020204" charset="-122"/>
-                <a:ea typeface="微软雅黑" panose="020B0503020204020204" charset="-122"/>
-                <a:cs typeface="微软雅黑" panose="020B0503020204020204" charset="-122"/>
-              </a:rPr>
-              <a:t>个</a:t>
-            </a:r>
-            <a:r>
-              <a:rPr lang="en-US" altLang="zh-CN" sz="1400">
-                <a:latin typeface="微软雅黑" panose="020B0503020204020204" charset="-122"/>
-                <a:ea typeface="微软雅黑" panose="020B0503020204020204" charset="-122"/>
-                <a:cs typeface="微软雅黑" panose="020B0503020204020204" charset="-122"/>
-              </a:rPr>
-              <a:t>”</a:t>
-            </a:r>
-            <a:r>
-              <a:rPr lang="zh-CN" altLang="en-US" sz="1400">
-                <a:latin typeface="Times New Roman" panose="02020603050405020304" charset="0"/>
-                <a:ea typeface="微软雅黑" panose="020B0503020204020204" charset="-122"/>
-                <a:cs typeface="Times New Roman" panose="02020603050405020304" charset="0"/>
-              </a:rPr>
-              <a:t>单</a:t>
-            </a:r>
-            <a:r>
-              <a:rPr lang="en-US" altLang="zh-CN" sz="1400">
-                <a:latin typeface="Times New Roman" panose="02020603050405020304" charset="0"/>
-                <a:ea typeface="微软雅黑" panose="020B0503020204020204" charset="-122"/>
-                <a:cs typeface="Times New Roman" panose="02020603050405020304" charset="0"/>
-              </a:rPr>
-              <a:t>batch</a:t>
-            </a:r>
-            <a:r>
-              <a:rPr lang="zh-CN" altLang="en-US" sz="1400">
-                <a:latin typeface="Times New Roman" panose="02020603050405020304" charset="0"/>
-                <a:ea typeface="微软雅黑" panose="020B0503020204020204" charset="-122"/>
-                <a:cs typeface="Times New Roman" panose="02020603050405020304" charset="0"/>
-              </a:rPr>
-              <a:t>次最大处理</a:t>
-            </a:r>
-            <a:r>
-              <a:rPr lang="en-US" altLang="zh-CN" sz="1400">
-                <a:latin typeface="Times New Roman" panose="02020603050405020304" charset="0"/>
-                <a:ea typeface="微软雅黑" panose="020B0503020204020204" charset="-122"/>
-                <a:cs typeface="Times New Roman" panose="02020603050405020304" charset="0"/>
-              </a:rPr>
-              <a:t>token</a:t>
-            </a:r>
-            <a:r>
-              <a:rPr lang="zh-CN" altLang="en-US" sz="1400">
-                <a:latin typeface="Times New Roman" panose="02020603050405020304" charset="0"/>
-                <a:ea typeface="微软雅黑" panose="020B0503020204020204" charset="-122"/>
-                <a:cs typeface="Times New Roman" panose="02020603050405020304" charset="0"/>
-              </a:rPr>
-              <a:t>数</a:t>
-            </a:r>
-            <a:r>
-              <a:rPr lang="zh-CN" altLang="en-US" sz="1400">
-                <a:latin typeface="微软雅黑" panose="020B0503020204020204" charset="-122"/>
-                <a:ea typeface="微软雅黑" panose="020B0503020204020204" charset="-122"/>
-                <a:cs typeface="微软雅黑" panose="020B0503020204020204" charset="-122"/>
-              </a:rPr>
-              <a:t>”</a:t>
-            </a:r>
-            <a:r>
-              <a:rPr lang="en-US" altLang="zh-CN" sz="1400" i="1">
-                <a:solidFill>
-                  <a:srgbClr val="FF0000"/>
-                </a:solidFill>
-                <a:latin typeface="Times New Roman" panose="02020603050405020304" charset="0"/>
-                <a:ea typeface="微软雅黑" panose="020B0503020204020204" charset="-122"/>
-                <a:cs typeface="Times New Roman" panose="02020603050405020304" charset="0"/>
-              </a:rPr>
-              <a:t>Total_Token_Capacity</a:t>
-            </a:r>
-            <a:r>
-              <a:rPr lang="zh-CN" altLang="en-US" sz="1400">
-                <a:latin typeface="Times New Roman" panose="02020603050405020304" charset="0"/>
-                <a:ea typeface="微软雅黑" panose="020B0503020204020204" charset="-122"/>
-                <a:cs typeface="Times New Roman" panose="02020603050405020304" charset="0"/>
-              </a:rPr>
-              <a:t>，</a:t>
-            </a:r>
-            <a:endParaRPr lang="zh-CN" altLang="en-US" sz="1400">
-              <a:latin typeface="Times New Roman" panose="02020603050405020304" charset="0"/>
-              <a:ea typeface="微软雅黑" panose="020B0503020204020204" charset="-122"/>
-              <a:cs typeface="Times New Roman" panose="02020603050405020304" charset="0"/>
-            </a:endParaRPr>
-          </a:p>
-          <a:p>
-            <a:pPr>
-              <a:lnSpc>
-                <a:spcPct val="130000"/>
-              </a:lnSpc>
-            </a:pPr>
-            <a:r>
-              <a:rPr lang="zh-CN" altLang="en-US" sz="1400">
-                <a:latin typeface="Times New Roman" panose="02020603050405020304" charset="0"/>
-                <a:ea typeface="微软雅黑" panose="020B0503020204020204" charset="-122"/>
-                <a:cs typeface="Times New Roman" panose="02020603050405020304" charset="0"/>
-              </a:rPr>
-              <a:t>以及</a:t>
-            </a:r>
-            <a:endParaRPr lang="zh-CN" altLang="en-US" sz="1400">
-              <a:latin typeface="Times New Roman" panose="02020603050405020304" charset="0"/>
-              <a:ea typeface="微软雅黑" panose="020B0503020204020204" charset="-122"/>
-              <a:cs typeface="Times New Roman" panose="02020603050405020304" charset="0"/>
-            </a:endParaRPr>
-          </a:p>
-          <a:p>
-            <a:pPr>
-              <a:lnSpc>
-                <a:spcPct val="130000"/>
-              </a:lnSpc>
-            </a:pPr>
-            <a:r>
-              <a:rPr lang="en-US" altLang="zh-CN" sz="1400" i="1">
-                <a:solidFill>
-                  <a:srgbClr val="FF0000"/>
-                </a:solidFill>
-                <a:latin typeface="Times New Roman" panose="02020603050405020304" charset="0"/>
-                <a:ea typeface="微软雅黑" panose="020B0503020204020204" charset="-122"/>
-                <a:cs typeface="Times New Roman" panose="02020603050405020304" charset="0"/>
-              </a:rPr>
-              <a:t>L</a:t>
-            </a:r>
-            <a:r>
-              <a:rPr lang="en-US" altLang="zh-CN" sz="1400" i="1" baseline="-25000">
-                <a:solidFill>
-                  <a:srgbClr val="FF0000"/>
-                </a:solidFill>
-                <a:latin typeface="Times New Roman" panose="02020603050405020304" charset="0"/>
-                <a:ea typeface="微软雅黑" panose="020B0503020204020204" charset="-122"/>
-                <a:cs typeface="Times New Roman" panose="02020603050405020304" charset="0"/>
-              </a:rPr>
-              <a:t>max</a:t>
-            </a:r>
-            <a:r>
-              <a:rPr lang="zh-CN" altLang="en-US" sz="1400">
-                <a:latin typeface="Times New Roman" panose="02020603050405020304" charset="0"/>
-                <a:ea typeface="微软雅黑" panose="020B0503020204020204" charset="-122"/>
-                <a:cs typeface="Times New Roman" panose="02020603050405020304" charset="0"/>
-              </a:rPr>
-              <a:t>：</a:t>
-            </a:r>
-            <a:r>
-              <a:rPr lang="en-US" altLang="zh-CN" sz="1400">
-                <a:latin typeface="Times New Roman" panose="02020603050405020304" charset="0"/>
-                <a:ea typeface="微软雅黑" panose="020B0503020204020204" charset="-122"/>
-                <a:cs typeface="Times New Roman" panose="02020603050405020304" charset="0"/>
-              </a:rPr>
-              <a:t>(</a:t>
-            </a:r>
-            <a:r>
-              <a:rPr lang="zh-CN" altLang="en-US" sz="1400">
-                <a:latin typeface="Times New Roman" panose="02020603050405020304" charset="0"/>
-                <a:ea typeface="微软雅黑" panose="020B0503020204020204" charset="-122"/>
-                <a:cs typeface="Times New Roman" panose="02020603050405020304" charset="0"/>
-              </a:rPr>
-              <a:t>单次最大步长</a:t>
-            </a:r>
-            <a:r>
-              <a:rPr lang="en-US" altLang="zh-CN" sz="1400">
-                <a:latin typeface="Times New Roman" panose="02020603050405020304" charset="0"/>
-                <a:ea typeface="微软雅黑" panose="020B0503020204020204" charset="-122"/>
-                <a:cs typeface="Times New Roman" panose="02020603050405020304" charset="0"/>
-              </a:rPr>
-              <a:t>)4096</a:t>
-            </a:r>
-            <a:r>
-              <a:rPr lang="zh-CN" altLang="en-US" sz="1400">
-                <a:latin typeface="Times New Roman" panose="02020603050405020304" charset="0"/>
-                <a:ea typeface="微软雅黑" panose="020B0503020204020204" charset="-122"/>
-                <a:cs typeface="Times New Roman" panose="02020603050405020304" charset="0"/>
-              </a:rPr>
-              <a:t>。</a:t>
-            </a:r>
-            <a:r>
-              <a:rPr lang="en-US" altLang="zh-CN" sz="1400">
-                <a:latin typeface="Times New Roman" panose="02020603050405020304" charset="0"/>
-                <a:ea typeface="微软雅黑" panose="020B0503020204020204" charset="-122"/>
-                <a:cs typeface="Times New Roman" panose="02020603050405020304" charset="0"/>
-              </a:rPr>
-              <a:t> (</a:t>
-            </a:r>
-            <a:r>
-              <a:rPr lang="zh-CN" altLang="en-US" sz="1400">
-                <a:latin typeface="Times New Roman" panose="02020603050405020304" charset="0"/>
-                <a:ea typeface="微软雅黑" panose="020B0503020204020204" charset="-122"/>
-                <a:cs typeface="Times New Roman" panose="02020603050405020304" charset="0"/>
-              </a:rPr>
-              <a:t>即使只有</a:t>
-            </a:r>
-            <a:r>
-              <a:rPr lang="en-US" altLang="zh-CN" sz="1400">
-                <a:latin typeface="Times New Roman" panose="02020603050405020304" charset="0"/>
-                <a:ea typeface="微软雅黑" panose="020B0503020204020204" charset="-122"/>
-                <a:cs typeface="Times New Roman" panose="02020603050405020304" charset="0"/>
-              </a:rPr>
-              <a:t> 1 </a:t>
-            </a:r>
-            <a:r>
-              <a:rPr lang="zh-CN" altLang="en-US" sz="1400">
-                <a:latin typeface="Times New Roman" panose="02020603050405020304" charset="0"/>
-                <a:ea typeface="微软雅黑" panose="020B0503020204020204" charset="-122"/>
-                <a:cs typeface="Times New Roman" panose="02020603050405020304" charset="0"/>
-              </a:rPr>
-              <a:t>个样本，一次也不要生成超过</a:t>
-            </a:r>
-            <a:r>
-              <a:rPr lang="en-US" altLang="zh-CN" sz="1400">
-                <a:latin typeface="Times New Roman" panose="02020603050405020304" charset="0"/>
-                <a:ea typeface="微软雅黑" panose="020B0503020204020204" charset="-122"/>
-                <a:cs typeface="Times New Roman" panose="02020603050405020304" charset="0"/>
-              </a:rPr>
-              <a:t> 4k</a:t>
-            </a:r>
-            <a:r>
-              <a:rPr lang="zh-CN" altLang="en-US" sz="1400">
-                <a:latin typeface="Times New Roman" panose="02020603050405020304" charset="0"/>
-                <a:ea typeface="微软雅黑" panose="020B0503020204020204" charset="-122"/>
-                <a:cs typeface="Times New Roman" panose="02020603050405020304" charset="0"/>
-              </a:rPr>
-              <a:t>，防止单次卡顿太久，</a:t>
-            </a:r>
-            <a:endParaRPr lang="zh-CN" altLang="en-US" sz="1400">
-              <a:latin typeface="Times New Roman" panose="02020603050405020304" charset="0"/>
-              <a:ea typeface="微软雅黑" panose="020B0503020204020204" charset="-122"/>
-              <a:cs typeface="Times New Roman" panose="02020603050405020304" charset="0"/>
-            </a:endParaRPr>
-          </a:p>
-          <a:p>
-            <a:pPr>
-              <a:lnSpc>
-                <a:spcPct val="130000"/>
-              </a:lnSpc>
-            </a:pPr>
-            <a:r>
-              <a:rPr lang="en-US" altLang="zh-CN" sz="1400" i="1">
-                <a:solidFill>
-                  <a:srgbClr val="FF0000"/>
-                </a:solidFill>
-                <a:latin typeface="Times New Roman" panose="02020603050405020304" charset="0"/>
-                <a:ea typeface="微软雅黑" panose="020B0503020204020204" charset="-122"/>
-                <a:cs typeface="Times New Roman" panose="02020603050405020304" charset="0"/>
-              </a:rPr>
-              <a:t>L</a:t>
-            </a:r>
-            <a:r>
-              <a:rPr lang="en-US" altLang="zh-CN" sz="1400" i="1" baseline="-25000">
-                <a:solidFill>
-                  <a:srgbClr val="FF0000"/>
-                </a:solidFill>
-                <a:latin typeface="Times New Roman" panose="02020603050405020304" charset="0"/>
-                <a:ea typeface="微软雅黑" panose="020B0503020204020204" charset="-122"/>
-                <a:cs typeface="Times New Roman" panose="02020603050405020304" charset="0"/>
-              </a:rPr>
-              <a:t>min</a:t>
-            </a:r>
-            <a:r>
-              <a:rPr lang="zh-CN" altLang="en-US" sz="1400">
-                <a:latin typeface="Times New Roman" panose="02020603050405020304" charset="0"/>
-                <a:ea typeface="微软雅黑" panose="020B0503020204020204" charset="-122"/>
-                <a:cs typeface="Times New Roman" panose="02020603050405020304" charset="0"/>
-              </a:rPr>
-              <a:t>：</a:t>
-            </a:r>
-            <a:r>
-              <a:rPr lang="en-US" altLang="zh-CN" sz="1400">
-                <a:latin typeface="Times New Roman" panose="02020603050405020304" charset="0"/>
-                <a:ea typeface="微软雅黑" panose="020B0503020204020204" charset="-122"/>
-                <a:cs typeface="Times New Roman" panose="02020603050405020304" charset="0"/>
-              </a:rPr>
-              <a:t>(</a:t>
-            </a:r>
-            <a:r>
-              <a:rPr lang="zh-CN" altLang="en-US" sz="1400">
-                <a:latin typeface="Times New Roman" panose="02020603050405020304" charset="0"/>
-                <a:ea typeface="微软雅黑" panose="020B0503020204020204" charset="-122"/>
-                <a:cs typeface="Times New Roman" panose="02020603050405020304" charset="0"/>
-              </a:rPr>
-              <a:t>单次最小步长</a:t>
-            </a:r>
-            <a:r>
-              <a:rPr lang="en-US" altLang="zh-CN" sz="1400">
-                <a:latin typeface="Times New Roman" panose="02020603050405020304" charset="0"/>
-                <a:ea typeface="微软雅黑" panose="020B0503020204020204" charset="-122"/>
-                <a:cs typeface="Times New Roman" panose="02020603050405020304" charset="0"/>
-              </a:rPr>
-              <a:t>)</a:t>
-            </a:r>
-            <a:r>
-              <a:rPr lang="zh-CN" altLang="en-US" sz="1400">
-                <a:latin typeface="Times New Roman" panose="02020603050405020304" charset="0"/>
-                <a:ea typeface="微软雅黑" panose="020B0503020204020204" charset="-122"/>
-                <a:cs typeface="Times New Roman" panose="02020603050405020304" charset="0"/>
-              </a:rPr>
-              <a:t>：</a:t>
-            </a:r>
-            <a:r>
-              <a:rPr lang="en-US" altLang="zh-CN" sz="1400">
-                <a:latin typeface="Times New Roman" panose="02020603050405020304" charset="0"/>
-                <a:ea typeface="微软雅黑" panose="020B0503020204020204" charset="-122"/>
-                <a:cs typeface="Times New Roman" panose="02020603050405020304" charset="0"/>
-              </a:rPr>
-              <a:t>64</a:t>
-            </a:r>
-            <a:r>
-              <a:rPr lang="zh-CN" altLang="en-US" sz="1400">
-                <a:latin typeface="Times New Roman" panose="02020603050405020304" charset="0"/>
-                <a:ea typeface="微软雅黑" panose="020B0503020204020204" charset="-122"/>
-                <a:cs typeface="Times New Roman" panose="02020603050405020304" charset="0"/>
-              </a:rPr>
-              <a:t>。</a:t>
-            </a:r>
-            <a:r>
-              <a:rPr lang="en-US" altLang="zh-CN" sz="1400">
-                <a:latin typeface="Times New Roman" panose="02020603050405020304" charset="0"/>
-                <a:ea typeface="微软雅黑" panose="020B0503020204020204" charset="-122"/>
-                <a:cs typeface="Times New Roman" panose="02020603050405020304" charset="0"/>
-              </a:rPr>
-              <a:t> (</a:t>
-            </a:r>
-            <a:r>
-              <a:rPr lang="zh-CN" altLang="en-US" sz="1400">
-                <a:latin typeface="Times New Roman" panose="02020603050405020304" charset="0"/>
-                <a:ea typeface="微软雅黑" panose="020B0503020204020204" charset="-122"/>
-                <a:cs typeface="Times New Roman" panose="02020603050405020304" charset="0"/>
-              </a:rPr>
-              <a:t>太短了会导致</a:t>
-            </a:r>
-            <a:r>
-              <a:rPr lang="en-US" altLang="zh-CN" sz="1400">
-                <a:latin typeface="Times New Roman" panose="02020603050405020304" charset="0"/>
-                <a:ea typeface="微软雅黑" panose="020B0503020204020204" charset="-122"/>
-                <a:cs typeface="Times New Roman" panose="02020603050405020304" charset="0"/>
-              </a:rPr>
-              <a:t> Python </a:t>
-            </a:r>
-            <a:r>
-              <a:rPr lang="zh-CN" altLang="en-US" sz="1400">
-                <a:latin typeface="Times New Roman" panose="02020603050405020304" charset="0"/>
-                <a:ea typeface="微软雅黑" panose="020B0503020204020204" charset="-122"/>
-                <a:cs typeface="Times New Roman" panose="02020603050405020304" charset="0"/>
-              </a:rPr>
-              <a:t>循环开销大于</a:t>
-            </a:r>
-            <a:r>
-              <a:rPr lang="en-US" altLang="zh-CN" sz="1400">
-                <a:latin typeface="Times New Roman" panose="02020603050405020304" charset="0"/>
-                <a:ea typeface="微软雅黑" panose="020B0503020204020204" charset="-122"/>
-                <a:cs typeface="Times New Roman" panose="02020603050405020304" charset="0"/>
-              </a:rPr>
-              <a:t> GPU </a:t>
-            </a:r>
-            <a:r>
-              <a:rPr lang="zh-CN" altLang="en-US" sz="1400">
-                <a:latin typeface="Times New Roman" panose="02020603050405020304" charset="0"/>
-                <a:ea typeface="微软雅黑" panose="020B0503020204020204" charset="-122"/>
-                <a:cs typeface="Times New Roman" panose="02020603050405020304" charset="0"/>
-              </a:rPr>
-              <a:t>计算时间，得不偿失。</a:t>
-            </a:r>
-            <a:r>
-              <a:rPr lang="en-US" altLang="zh-CN" sz="1400">
-                <a:latin typeface="Times New Roman" panose="02020603050405020304" charset="0"/>
-                <a:ea typeface="微软雅黑" panose="020B0503020204020204" charset="-122"/>
-                <a:cs typeface="Times New Roman" panose="02020603050405020304" charset="0"/>
-              </a:rPr>
-              <a:t>)</a:t>
-            </a:r>
-            <a:endParaRPr lang="en-US" altLang="zh-CN" sz="1400">
-              <a:latin typeface="Times New Roman" panose="02020603050405020304" charset="0"/>
-              <a:ea typeface="微软雅黑" panose="020B0503020204020204" charset="-122"/>
-              <a:cs typeface="Times New Roman" panose="02020603050405020304" charset="0"/>
-            </a:endParaRPr>
-          </a:p>
-        </p:txBody>
-      </p:sp>
-      <p:sp>
-        <p:nvSpPr>
-          <p:cNvPr id="6" name="文本框 5"/>
-          <p:cNvSpPr txBox="1"/>
-          <p:nvPr/>
-        </p:nvSpPr>
-        <p:spPr>
-          <a:xfrm>
-            <a:off x="488950" y="5562600"/>
-            <a:ext cx="10953750" cy="730885"/>
-          </a:xfrm>
-          <a:prstGeom prst="rect">
-            <a:avLst/>
-          </a:prstGeom>
-          <a:noFill/>
-        </p:spPr>
-        <p:txBody>
-          <a:bodyPr wrap="square" rtlCol="0">
-            <a:spAutoFit/>
-          </a:bodyPr>
-          <a:p>
-            <a:pPr>
-              <a:lnSpc>
-                <a:spcPct val="130000"/>
-              </a:lnSpc>
-            </a:pPr>
-            <a:r>
-              <a:rPr lang="zh-CN" altLang="en-US" sz="1600">
-                <a:latin typeface="Times New Roman" panose="02020603050405020304" charset="0"/>
-                <a:sym typeface="+mn-ea"/>
-              </a:rPr>
-              <a:t>流程：起步阶段（</a:t>
-            </a:r>
-            <a:r>
-              <a:rPr lang="en-US" altLang="zh-CN" sz="1600" b="1" i="1">
-                <a:solidFill>
-                  <a:srgbClr val="FF0000"/>
-                </a:solidFill>
-                <a:latin typeface="Times New Roman" panose="02020603050405020304" charset="0"/>
-                <a:sym typeface="+mn-ea"/>
-              </a:rPr>
-              <a:t>N</a:t>
-            </a:r>
-            <a:r>
-              <a:rPr lang="en-US" altLang="zh-CN" sz="1600" b="1" i="1" baseline="-25000">
-                <a:solidFill>
-                  <a:srgbClr val="FF0000"/>
-                </a:solidFill>
-                <a:latin typeface="Times New Roman" panose="02020603050405020304" charset="0"/>
-                <a:sym typeface="+mn-ea"/>
-              </a:rPr>
-              <a:t>active </a:t>
-            </a:r>
-            <a:r>
-              <a:rPr lang="zh-CN" altLang="en-US" sz="1600">
-                <a:latin typeface="Times New Roman" panose="02020603050405020304" charset="0"/>
-                <a:sym typeface="+mn-ea"/>
-              </a:rPr>
-              <a:t>大）用极短步长（如</a:t>
-            </a:r>
-            <a:r>
-              <a:rPr lang="en-US" altLang="zh-CN" sz="1600">
-                <a:latin typeface="Times New Roman" panose="02020603050405020304" charset="0"/>
-                <a:sym typeface="+mn-ea"/>
-              </a:rPr>
-              <a:t> 64</a:t>
-            </a:r>
-            <a:r>
-              <a:rPr lang="zh-CN" altLang="en-US" sz="1600">
-                <a:latin typeface="Times New Roman" panose="02020603050405020304" charset="0"/>
-                <a:sym typeface="+mn-ea"/>
-              </a:rPr>
-              <a:t>）快速清洗简单题；收尾阶段（</a:t>
-            </a:r>
-            <a:r>
-              <a:rPr lang="en-US" altLang="zh-CN" sz="1600" b="1" i="1">
-                <a:solidFill>
-                  <a:srgbClr val="FF0000"/>
-                </a:solidFill>
-                <a:latin typeface="Times New Roman" panose="02020603050405020304" charset="0"/>
-                <a:sym typeface="+mn-ea"/>
-              </a:rPr>
-              <a:t>N</a:t>
-            </a:r>
-            <a:r>
-              <a:rPr lang="en-US" altLang="zh-CN" sz="1600" b="1" i="1" baseline="-25000">
-                <a:solidFill>
-                  <a:srgbClr val="FF0000"/>
-                </a:solidFill>
-                <a:latin typeface="Times New Roman" panose="02020603050405020304" charset="0"/>
-                <a:sym typeface="+mn-ea"/>
-              </a:rPr>
-              <a:t>active </a:t>
-            </a:r>
-            <a:r>
-              <a:rPr lang="zh-CN" altLang="en-US" sz="1600">
-                <a:latin typeface="Times New Roman" panose="02020603050405020304" charset="0"/>
-                <a:sym typeface="+mn-ea"/>
-              </a:rPr>
-              <a:t>小）步长自动拉满，让长尾任务全速跑完。</a:t>
-            </a:r>
-            <a:endParaRPr lang="en-US" altLang="zh-CN" sz="1600" b="1">
-              <a:latin typeface="Times New Roman" panose="02020603050405020304" charset="0"/>
-              <a:ea typeface="微软雅黑" panose="020B0503020204020204" charset="-122"/>
-              <a:cs typeface="Times New Roman" panose="02020603050405020304" charset="0"/>
-            </a:endParaRPr>
-          </a:p>
-        </p:txBody>
-      </p:sp>
-    </p:spTree>
-    <p:custDataLst>
-      <p:tags r:id="rId2"/>
-    </p:custDataLst>
-  </p:cSld>
-  <p:clrMapOvr>
-    <a:masterClrMapping/>
-  </p:clrMapOvr>
-</p:sld>
-</file>
-
-<file path=ppt/slides/slide6.xml><?xml version="1.0" encoding="utf-8"?>
-<p:sld xmlns:a="http://schemas.openxmlformats.org/drawingml/2006/main" xmlns:r="http://schemas.openxmlformats.org/officeDocument/2006/relationships" xmlns:p="http://schemas.openxmlformats.org/presentationml/2006/main">
-  <p:cSld>
-    <p:spTree>
-      <p:nvGrpSpPr>
-        <p:cNvPr id="1" name=""/>
-        <p:cNvGrpSpPr/>
-        <p:nvPr/>
-      </p:nvGrpSpPr>
-      <p:grpSpPr/>
-      <p:sp>
-        <p:nvSpPr>
-          <p:cNvPr id="18" name="矩形 17"/>
-          <p:cNvSpPr/>
-          <p:nvPr/>
-        </p:nvSpPr>
-        <p:spPr>
-          <a:xfrm>
-            <a:off x="0" y="135620"/>
-            <a:ext cx="89452" cy="526774"/>
-          </a:xfrm>
-          <a:prstGeom prst="rect">
-            <a:avLst/>
-          </a:prstGeom>
-          <a:solidFill>
-            <a:srgbClr val="C00000"/>
-          </a:solidFill>
-          <a:ln>
-            <a:noFill/>
-          </a:ln>
-        </p:spPr>
-        <p:style>
-          <a:lnRef idx="2">
-            <a:schemeClr val="accent1">
-              <a:shade val="50000"/>
-            </a:schemeClr>
-          </a:lnRef>
-          <a:fillRef idx="1">
-            <a:schemeClr val="accent1"/>
-          </a:fillRef>
-          <a:effectRef idx="0">
-            <a:schemeClr val="accent1"/>
-          </a:effectRef>
-          <a:fontRef idx="minor">
-            <a:schemeClr val="lt1"/>
-          </a:fontRef>
-        </p:style>
-        <p:txBody>
-          <a:bodyPr rtlCol="0" anchor="ctr"/>
-          <a:p>
-            <a:pPr algn="ctr"/>
-            <a:endParaRPr lang="zh-CN" altLang="en-US" b="1">
-              <a:latin typeface="Times New Roman" panose="02020603050405020304" charset="0"/>
-              <a:cs typeface="Times New Roman" panose="02020603050405020304" charset="0"/>
-            </a:endParaRPr>
-          </a:p>
-        </p:txBody>
-      </p:sp>
-      <p:pic>
-        <p:nvPicPr>
-          <p:cNvPr id="20" name="图片 19"/>
-          <p:cNvPicPr>
-            <a:picLocks noChangeAspect="1"/>
-          </p:cNvPicPr>
-          <p:nvPr/>
-        </p:nvPicPr>
-        <p:blipFill>
-          <a:blip r:embed="rId1" cstate="print">
-            <a:extLst>
-              <a:ext uri="{28A0092B-C50C-407E-A947-70E740481C1C}">
-                <a14:useLocalDpi xmlns:a14="http://schemas.microsoft.com/office/drawing/2010/main" val="0"/>
-              </a:ext>
-            </a:extLst>
-          </a:blip>
-          <a:stretch>
-            <a:fillRect/>
-          </a:stretch>
-        </p:blipFill>
-        <p:spPr>
-          <a:xfrm>
-            <a:off x="8945356" y="192448"/>
-            <a:ext cx="3041951" cy="469946"/>
-          </a:xfrm>
-          <a:prstGeom prst="rect">
-            <a:avLst/>
-          </a:prstGeom>
-        </p:spPr>
-      </p:pic>
-      <p:sp>
-        <p:nvSpPr>
-          <p:cNvPr id="19" name="文本框 37"/>
-          <p:cNvSpPr txBox="1"/>
-          <p:nvPr/>
-        </p:nvSpPr>
-        <p:spPr>
-          <a:xfrm>
-            <a:off x="173355" y="165735"/>
-            <a:ext cx="6948805" cy="520700"/>
-          </a:xfrm>
-          <a:prstGeom prst="rect">
-            <a:avLst/>
-          </a:prstGeom>
-          <a:noFill/>
-        </p:spPr>
-        <p:txBody>
-          <a:bodyPr wrap="square" lIns="91431" tIns="45716" rIns="91431" bIns="45716" rtlCol="0">
-            <a:spAutoFit/>
-          </a:bodyPr>
-          <a:p>
-            <a:r>
-              <a:rPr lang="zh-CN" altLang="en-US" sz="2800" b="1" dirty="0">
-                <a:latin typeface="Times New Roman" panose="02020603050405020304" charset="0"/>
-                <a:cs typeface="Times New Roman" panose="02020603050405020304" charset="0"/>
-                <a:sym typeface="+mn-ea"/>
-              </a:rPr>
-              <a:t>三、最终</a:t>
-            </a:r>
-            <a:r>
-              <a:rPr lang="zh-CN" altLang="en-US" sz="2800" b="1" dirty="0">
-                <a:latin typeface="Times New Roman" panose="02020603050405020304" charset="0"/>
-                <a:cs typeface="Times New Roman" panose="02020603050405020304" charset="0"/>
-                <a:sym typeface="+mn-ea"/>
-              </a:rPr>
-              <a:t>方案</a:t>
-            </a:r>
-            <a:endParaRPr lang="zh-CN" altLang="en-US" sz="2800" b="1" dirty="0">
-              <a:latin typeface="Times New Roman" panose="02020603050405020304" charset="0"/>
-              <a:cs typeface="Times New Roman" panose="02020603050405020304" charset="0"/>
-              <a:sym typeface="+mn-ea"/>
-            </a:endParaRPr>
-          </a:p>
-        </p:txBody>
-      </p:sp>
-      <p:pic>
-        <p:nvPicPr>
-          <p:cNvPr id="5" name="图片 4"/>
-          <p:cNvPicPr>
-            <a:picLocks noChangeAspect="1"/>
-          </p:cNvPicPr>
-          <p:nvPr/>
-        </p:nvPicPr>
-        <p:blipFill>
-          <a:blip r:embed="rId2"/>
-          <a:stretch>
-            <a:fillRect/>
-          </a:stretch>
-        </p:blipFill>
-        <p:spPr>
-          <a:xfrm>
-            <a:off x="406400" y="901700"/>
-            <a:ext cx="5805170" cy="2801620"/>
-          </a:xfrm>
-          <a:prstGeom prst="rect">
-            <a:avLst/>
-          </a:prstGeom>
-        </p:spPr>
-      </p:pic>
-      <p:pic>
-        <p:nvPicPr>
-          <p:cNvPr id="6" name="图片 5"/>
-          <p:cNvPicPr>
-            <a:picLocks noChangeAspect="1"/>
-          </p:cNvPicPr>
-          <p:nvPr/>
-        </p:nvPicPr>
-        <p:blipFill>
-          <a:blip r:embed="rId3"/>
-          <a:stretch>
-            <a:fillRect/>
-          </a:stretch>
-        </p:blipFill>
-        <p:spPr>
-          <a:xfrm>
-            <a:off x="406400" y="3792855"/>
-            <a:ext cx="4432935" cy="2930525"/>
-          </a:xfrm>
-          <a:prstGeom prst="rect">
-            <a:avLst/>
-          </a:prstGeom>
-        </p:spPr>
-      </p:pic>
-      <p:pic>
-        <p:nvPicPr>
-          <p:cNvPr id="7" name="图片 6"/>
-          <p:cNvPicPr>
-            <a:picLocks noChangeAspect="1"/>
-          </p:cNvPicPr>
-          <p:nvPr/>
-        </p:nvPicPr>
-        <p:blipFill>
-          <a:blip r:embed="rId4"/>
-          <a:stretch>
-            <a:fillRect/>
-          </a:stretch>
-        </p:blipFill>
-        <p:spPr>
-          <a:xfrm>
-            <a:off x="6716395" y="901700"/>
-            <a:ext cx="4133215" cy="2982595"/>
-          </a:xfrm>
-          <a:prstGeom prst="rect">
-            <a:avLst/>
-          </a:prstGeom>
-        </p:spPr>
-      </p:pic>
-    </p:spTree>
-    <p:custDataLst>
-      <p:tags r:id="rId5"/>
-    </p:custDataLst>
-  </p:cSld>
-  <p:clrMapOvr>
-    <a:masterClrMapping/>
-  </p:clrMapOvr>
-</p:sld>
-</file>
-
-<file path=ppt/slides/slide7.xml><?xml version="1.0" encoding="utf-8"?>
-<p:sld xmlns:a="http://schemas.openxmlformats.org/drawingml/2006/main" xmlns:r="http://schemas.openxmlformats.org/officeDocument/2006/relationships" xmlns:p="http://schemas.openxmlformats.org/presentationml/2006/main">
-  <p:cSld>
-    <p:spTree>
-      <p:nvGrpSpPr>
-        <p:cNvPr id="1" name=""/>
-        <p:cNvGrpSpPr/>
-        <p:nvPr/>
-      </p:nvGrpSpPr>
-      <p:grpSpPr/>
-      <p:sp>
-        <p:nvSpPr>
-          <p:cNvPr id="18" name="矩形 17"/>
-          <p:cNvSpPr/>
-          <p:nvPr/>
-        </p:nvSpPr>
-        <p:spPr>
-          <a:xfrm>
-            <a:off x="0" y="135620"/>
-            <a:ext cx="89452" cy="526774"/>
-          </a:xfrm>
-          <a:prstGeom prst="rect">
-            <a:avLst/>
-          </a:prstGeom>
-          <a:solidFill>
-            <a:srgbClr val="C00000"/>
-          </a:solidFill>
-          <a:ln>
-            <a:noFill/>
-          </a:ln>
-        </p:spPr>
-        <p:style>
-          <a:lnRef idx="2">
-            <a:schemeClr val="accent1">
-              <a:shade val="50000"/>
-            </a:schemeClr>
-          </a:lnRef>
-          <a:fillRef idx="1">
-            <a:schemeClr val="accent1"/>
-          </a:fillRef>
-          <a:effectRef idx="0">
-            <a:schemeClr val="accent1"/>
-          </a:effectRef>
-          <a:fontRef idx="minor">
-            <a:schemeClr val="lt1"/>
-          </a:fontRef>
-        </p:style>
-        <p:txBody>
-          <a:bodyPr rtlCol="0" anchor="ctr"/>
-          <a:p>
-            <a:pPr algn="ctr"/>
-            <a:endParaRPr lang="zh-CN" altLang="en-US" b="1">
-              <a:latin typeface="Times New Roman" panose="02020603050405020304" charset="0"/>
-              <a:cs typeface="Times New Roman" panose="02020603050405020304" charset="0"/>
-            </a:endParaRPr>
-          </a:p>
-        </p:txBody>
-      </p:sp>
-      <p:pic>
-        <p:nvPicPr>
-          <p:cNvPr id="20" name="图片 19"/>
-          <p:cNvPicPr>
-            <a:picLocks noChangeAspect="1"/>
-          </p:cNvPicPr>
-          <p:nvPr/>
-        </p:nvPicPr>
-        <p:blipFill>
-          <a:blip r:embed="rId1" cstate="print">
-            <a:extLst>
-              <a:ext uri="{28A0092B-C50C-407E-A947-70E740481C1C}">
-                <a14:useLocalDpi xmlns:a14="http://schemas.microsoft.com/office/drawing/2010/main" val="0"/>
-              </a:ext>
-            </a:extLst>
-          </a:blip>
-          <a:stretch>
-            <a:fillRect/>
-          </a:stretch>
-        </p:blipFill>
-        <p:spPr>
-          <a:xfrm>
-            <a:off x="8945356" y="192448"/>
-            <a:ext cx="3041951" cy="469946"/>
-          </a:xfrm>
-          <a:prstGeom prst="rect">
-            <a:avLst/>
-          </a:prstGeom>
-        </p:spPr>
-      </p:pic>
-      <p:sp>
-        <p:nvSpPr>
-          <p:cNvPr id="19" name="文本框 37"/>
-          <p:cNvSpPr txBox="1"/>
-          <p:nvPr/>
-        </p:nvSpPr>
-        <p:spPr>
-          <a:xfrm>
-            <a:off x="173355" y="165735"/>
-            <a:ext cx="6948805" cy="520700"/>
-          </a:xfrm>
-          <a:prstGeom prst="rect">
-            <a:avLst/>
-          </a:prstGeom>
-          <a:noFill/>
-        </p:spPr>
-        <p:txBody>
-          <a:bodyPr wrap="square" lIns="91431" tIns="45716" rIns="91431" bIns="45716" rtlCol="0">
-            <a:spAutoFit/>
-          </a:bodyPr>
-          <a:p>
-            <a:r>
-              <a:rPr lang="zh-CN" altLang="en-US" sz="2800" b="1" dirty="0">
-                <a:latin typeface="Times New Roman" panose="02020603050405020304" charset="0"/>
-                <a:cs typeface="Times New Roman" panose="02020603050405020304" charset="0"/>
-                <a:sym typeface="+mn-ea"/>
-              </a:rPr>
-              <a:t>三、</a:t>
-            </a:r>
-            <a:r>
-              <a:rPr lang="zh-CN" altLang="en-US" sz="2800" b="1" dirty="0">
-                <a:solidFill>
-                  <a:schemeClr val="tx1"/>
-                </a:solidFill>
-                <a:latin typeface="Times New Roman" panose="02020603050405020304" charset="0"/>
-                <a:cs typeface="Times New Roman" panose="02020603050405020304" charset="0"/>
-                <a:sym typeface="+mn-ea"/>
-              </a:rPr>
-              <a:t>完整工作流推演</a:t>
-            </a:r>
-            <a:endParaRPr lang="en-US" altLang="zh-CN" sz="2800" b="1" dirty="0">
-              <a:solidFill>
-                <a:schemeClr val="tx1"/>
-              </a:solidFill>
-              <a:latin typeface="Times New Roman" panose="02020603050405020304" charset="0"/>
-              <a:cs typeface="Times New Roman" panose="02020603050405020304" charset="0"/>
-              <a:sym typeface="+mn-ea"/>
-            </a:endParaRPr>
-          </a:p>
-        </p:txBody>
-      </p:sp>
-      <p:sp>
-        <p:nvSpPr>
-          <p:cNvPr id="2" name="文本框 1"/>
-          <p:cNvSpPr txBox="1"/>
-          <p:nvPr/>
-        </p:nvSpPr>
-        <p:spPr>
-          <a:xfrm>
-            <a:off x="304800" y="1038860"/>
-            <a:ext cx="11682730" cy="4570730"/>
-          </a:xfrm>
-          <a:prstGeom prst="rect">
-            <a:avLst/>
-          </a:prstGeom>
-          <a:noFill/>
-        </p:spPr>
-        <p:txBody>
-          <a:bodyPr wrap="square" rtlCol="0">
-            <a:spAutoFit/>
-          </a:bodyPr>
-          <a:p>
-            <a:pPr>
-              <a:lnSpc>
-                <a:spcPct val="130000"/>
-              </a:lnSpc>
-            </a:pPr>
-            <a:r>
-              <a:rPr lang="zh-CN" altLang="en-US" sz="1600">
-                <a:latin typeface="Times New Roman" panose="02020603050405020304" charset="0"/>
-                <a:ea typeface="微软雅黑" panose="020B0503020204020204" charset="-122"/>
-                <a:cs typeface="Times New Roman" panose="02020603050405020304" charset="0"/>
-              </a:rPr>
-              <a:t>假设一个</a:t>
-            </a:r>
-            <a:r>
-              <a:rPr lang="en-US" altLang="zh-CN" sz="1600">
-                <a:latin typeface="Times New Roman" panose="02020603050405020304" charset="0"/>
-                <a:ea typeface="微软雅黑" panose="020B0503020204020204" charset="-122"/>
-                <a:cs typeface="Times New Roman" panose="02020603050405020304" charset="0"/>
-              </a:rPr>
-              <a:t> Prompt </a:t>
-            </a:r>
-            <a:r>
-              <a:rPr lang="zh-CN" altLang="en-US" sz="1600">
-                <a:latin typeface="Times New Roman" panose="02020603050405020304" charset="0"/>
-                <a:ea typeface="微软雅黑" panose="020B0503020204020204" charset="-122"/>
-                <a:cs typeface="Times New Roman" panose="02020603050405020304" charset="0"/>
-              </a:rPr>
-              <a:t>需要生成</a:t>
-            </a:r>
-            <a:r>
-              <a:rPr lang="en-US" altLang="zh-CN" sz="1600">
-                <a:latin typeface="Times New Roman" panose="02020603050405020304" charset="0"/>
-                <a:ea typeface="微软雅黑" panose="020B0503020204020204" charset="-122"/>
-                <a:cs typeface="Times New Roman" panose="02020603050405020304" charset="0"/>
-              </a:rPr>
-              <a:t> 8 </a:t>
-            </a:r>
-            <a:r>
-              <a:rPr lang="zh-CN" altLang="en-US" sz="1600">
-                <a:latin typeface="Times New Roman" panose="02020603050405020304" charset="0"/>
-                <a:ea typeface="微软雅黑" panose="020B0503020204020204" charset="-122"/>
-                <a:cs typeface="Times New Roman" panose="02020603050405020304" charset="0"/>
-              </a:rPr>
-              <a:t>条，</a:t>
-            </a:r>
-            <a:r>
-              <a:rPr lang="en-US" altLang="zh-CN" sz="1600">
-                <a:latin typeface="Times New Roman" panose="02020603050405020304" charset="0"/>
-                <a:ea typeface="微软雅黑" panose="020B0503020204020204" charset="-122"/>
-                <a:cs typeface="Times New Roman" panose="02020603050405020304" charset="0"/>
-              </a:rPr>
-              <a:t>Batch Size 128</a:t>
-            </a:r>
-            <a:r>
-              <a:rPr lang="zh-CN" altLang="en-US" sz="1600">
-                <a:latin typeface="Times New Roman" panose="02020603050405020304" charset="0"/>
-                <a:ea typeface="微软雅黑" panose="020B0503020204020204" charset="-122"/>
-                <a:cs typeface="Times New Roman" panose="02020603050405020304" charset="0"/>
-              </a:rPr>
-              <a:t>。</a:t>
-            </a:r>
-            <a:endParaRPr lang="zh-CN" altLang="en-US" sz="1600">
-              <a:latin typeface="Times New Roman" panose="02020603050405020304" charset="0"/>
-              <a:ea typeface="微软雅黑" panose="020B0503020204020204" charset="-122"/>
-              <a:cs typeface="Times New Roman" panose="02020603050405020304" charset="0"/>
-            </a:endParaRPr>
-          </a:p>
-          <a:p>
-            <a:pPr>
-              <a:lnSpc>
-                <a:spcPct val="130000"/>
-              </a:lnSpc>
-            </a:pPr>
-            <a:r>
-              <a:rPr lang="en-US" altLang="zh-CN" sz="1600" b="1">
-                <a:latin typeface="Times New Roman" panose="02020603050405020304" charset="0"/>
-                <a:ea typeface="微软雅黑" panose="020B0503020204020204" charset="-122"/>
-                <a:cs typeface="Times New Roman" panose="02020603050405020304" charset="0"/>
-              </a:rPr>
-              <a:t>1. </a:t>
-            </a:r>
-            <a:r>
-              <a:rPr lang="zh-CN" altLang="en-US" sz="1600" b="1">
-                <a:latin typeface="Times New Roman" panose="02020603050405020304" charset="0"/>
-                <a:ea typeface="微软雅黑" panose="020B0503020204020204" charset="-122"/>
-                <a:cs typeface="Times New Roman" panose="02020603050405020304" charset="0"/>
-              </a:rPr>
-              <a:t>分发：</a:t>
-            </a:r>
-            <a:r>
-              <a:rPr lang="en-US" altLang="zh-CN" sz="1600">
-                <a:latin typeface="Times New Roman" panose="02020603050405020304" charset="0"/>
-                <a:ea typeface="微软雅黑" panose="020B0503020204020204" charset="-122"/>
-                <a:cs typeface="Times New Roman" panose="02020603050405020304" charset="0"/>
-              </a:rPr>
-              <a:t>Dispatcher </a:t>
-            </a:r>
-            <a:r>
-              <a:rPr lang="zh-CN" altLang="en-US" sz="1600">
-                <a:latin typeface="Times New Roman" panose="02020603050405020304" charset="0"/>
-                <a:ea typeface="微软雅黑" panose="020B0503020204020204" charset="-122"/>
-                <a:cs typeface="Times New Roman" panose="02020603050405020304" charset="0"/>
-              </a:rPr>
-              <a:t>发出</a:t>
-            </a:r>
-            <a:r>
-              <a:rPr lang="en-US" altLang="zh-CN" sz="1600">
-                <a:latin typeface="Times New Roman" panose="02020603050405020304" charset="0"/>
-                <a:ea typeface="微软雅黑" panose="020B0503020204020204" charset="-122"/>
-                <a:cs typeface="Times New Roman" panose="02020603050405020304" charset="0"/>
-              </a:rPr>
-              <a:t> 128 </a:t>
-            </a:r>
-            <a:r>
-              <a:rPr lang="zh-CN" altLang="en-US" sz="1600">
-                <a:latin typeface="微软雅黑" panose="020B0503020204020204" charset="-122"/>
-                <a:ea typeface="微软雅黑" panose="020B0503020204020204" charset="-122"/>
-                <a:cs typeface="微软雅黑" panose="020B0503020204020204" charset="-122"/>
-              </a:rPr>
-              <a:t>个</a:t>
-            </a:r>
-            <a:r>
-              <a:rPr lang="en-US" altLang="zh-CN" sz="1600">
-                <a:latin typeface="微软雅黑" panose="020B0503020204020204" charset="-122"/>
-                <a:ea typeface="微软雅黑" panose="020B0503020204020204" charset="-122"/>
-                <a:cs typeface="微软雅黑" panose="020B0503020204020204" charset="-122"/>
-              </a:rPr>
-              <a:t>“</a:t>
-            </a:r>
-            <a:r>
-              <a:rPr lang="zh-CN" altLang="en-US" sz="1600">
-                <a:latin typeface="微软雅黑" panose="020B0503020204020204" charset="-122"/>
-                <a:ea typeface="微软雅黑" panose="020B0503020204020204" charset="-122"/>
-                <a:cs typeface="微软雅黑" panose="020B0503020204020204" charset="-122"/>
-              </a:rPr>
-              <a:t>探路者</a:t>
-            </a:r>
-            <a:r>
-              <a:rPr lang="en-US" altLang="zh-CN" sz="1600">
-                <a:latin typeface="微软雅黑" panose="020B0503020204020204" charset="-122"/>
-                <a:ea typeface="微软雅黑" panose="020B0503020204020204" charset="-122"/>
-                <a:cs typeface="微软雅黑" panose="020B0503020204020204" charset="-122"/>
-              </a:rPr>
-              <a:t>”</a:t>
-            </a:r>
-            <a:r>
-              <a:rPr lang="zh-CN" altLang="en-US" sz="1600">
-                <a:latin typeface="微软雅黑" panose="020B0503020204020204" charset="-122"/>
-                <a:ea typeface="微软雅黑" panose="020B0503020204020204" charset="-122"/>
-                <a:cs typeface="微软雅黑" panose="020B0503020204020204" charset="-122"/>
-              </a:rPr>
-              <a:t>到</a:t>
-            </a:r>
-            <a:r>
-              <a:rPr lang="en-US" altLang="zh-CN" sz="1600">
-                <a:latin typeface="Times New Roman" panose="02020603050405020304" charset="0"/>
-                <a:ea typeface="微软雅黑" panose="020B0503020204020204" charset="-122"/>
-                <a:cs typeface="Times New Roman" panose="02020603050405020304" charset="0"/>
-              </a:rPr>
-              <a:t> Fast Worker</a:t>
-            </a:r>
-            <a:r>
-              <a:rPr lang="zh-CN" altLang="en-US" sz="1600">
-                <a:latin typeface="Times New Roman" panose="02020603050405020304" charset="0"/>
-                <a:ea typeface="微软雅黑" panose="020B0503020204020204" charset="-122"/>
-                <a:cs typeface="Times New Roman" panose="02020603050405020304" charset="0"/>
-              </a:rPr>
-              <a:t>。</a:t>
-            </a:r>
-            <a:endParaRPr lang="zh-CN" altLang="en-US" sz="1600">
-              <a:latin typeface="Times New Roman" panose="02020603050405020304" charset="0"/>
-              <a:ea typeface="微软雅黑" panose="020B0503020204020204" charset="-122"/>
-              <a:cs typeface="Times New Roman" panose="02020603050405020304" charset="0"/>
-            </a:endParaRPr>
-          </a:p>
-          <a:p>
-            <a:pPr>
-              <a:lnSpc>
-                <a:spcPct val="130000"/>
-              </a:lnSpc>
-            </a:pPr>
-            <a:r>
-              <a:rPr lang="en-US" altLang="zh-CN" sz="1600" b="1">
-                <a:latin typeface="Times New Roman" panose="02020603050405020304" charset="0"/>
-                <a:ea typeface="微软雅黑" panose="020B0503020204020204" charset="-122"/>
-                <a:cs typeface="Times New Roman" panose="02020603050405020304" charset="0"/>
-              </a:rPr>
-              <a:t>2. </a:t>
-            </a:r>
-            <a:r>
-              <a:rPr lang="zh-CN" altLang="en-US" sz="1600" b="1">
-                <a:latin typeface="Times New Roman" panose="02020603050405020304" charset="0"/>
-                <a:ea typeface="微软雅黑" panose="020B0503020204020204" charset="-122"/>
-                <a:cs typeface="Times New Roman" panose="02020603050405020304" charset="0"/>
-              </a:rPr>
-              <a:t>探路执行：</a:t>
-            </a:r>
-            <a:r>
-              <a:rPr lang="en-US" altLang="zh-CN" sz="1600">
-                <a:latin typeface="Times New Roman" panose="02020603050405020304" charset="0"/>
-                <a:ea typeface="微软雅黑" panose="020B0503020204020204" charset="-122"/>
-                <a:cs typeface="Times New Roman" panose="02020603050405020304" charset="0"/>
-              </a:rPr>
-              <a:t>Fast Worker </a:t>
-            </a:r>
-            <a:r>
-              <a:rPr lang="zh-CN" altLang="en-US" sz="1600">
-                <a:latin typeface="Times New Roman" panose="02020603050405020304" charset="0"/>
-                <a:ea typeface="微软雅黑" panose="020B0503020204020204" charset="-122"/>
-                <a:cs typeface="Times New Roman" panose="02020603050405020304" charset="0"/>
-              </a:rPr>
-              <a:t>启动</a:t>
-            </a:r>
-            <a:r>
-              <a:rPr lang="en-US" altLang="zh-CN" sz="1600">
-                <a:latin typeface="Times New Roman" panose="02020603050405020304" charset="0"/>
-                <a:ea typeface="微软雅黑" panose="020B0503020204020204" charset="-122"/>
-                <a:cs typeface="Times New Roman" panose="02020603050405020304" charset="0"/>
-              </a:rPr>
-              <a:t> Dynamic Rollout</a:t>
-            </a:r>
-            <a:r>
-              <a:rPr lang="zh-CN" altLang="en-US" sz="1600">
-                <a:latin typeface="Times New Roman" panose="02020603050405020304" charset="0"/>
-                <a:ea typeface="微软雅黑" panose="020B0503020204020204" charset="-122"/>
-                <a:cs typeface="Times New Roman" panose="02020603050405020304" charset="0"/>
-              </a:rPr>
-              <a:t>，步长</a:t>
-            </a:r>
-            <a:r>
-              <a:rPr lang="en-US" altLang="zh-CN" sz="1600">
-                <a:latin typeface="Times New Roman" panose="02020603050405020304" charset="0"/>
-                <a:ea typeface="微软雅黑" panose="020B0503020204020204" charset="-122"/>
-                <a:cs typeface="Times New Roman" panose="02020603050405020304" charset="0"/>
-              </a:rPr>
-              <a:t> L=64</a:t>
-            </a:r>
-            <a:r>
-              <a:rPr lang="zh-CN" altLang="en-US" sz="1600">
-                <a:latin typeface="Times New Roman" panose="02020603050405020304" charset="0"/>
-                <a:ea typeface="微软雅黑" panose="020B0503020204020204" charset="-122"/>
-                <a:cs typeface="Times New Roman" panose="02020603050405020304" charset="0"/>
-              </a:rPr>
-              <a:t>。</a:t>
-            </a:r>
-            <a:endParaRPr lang="zh-CN" altLang="en-US" sz="1600">
-              <a:latin typeface="Times New Roman" panose="02020603050405020304" charset="0"/>
-              <a:ea typeface="微软雅黑" panose="020B0503020204020204" charset="-122"/>
-              <a:cs typeface="Times New Roman" panose="02020603050405020304" charset="0"/>
-            </a:endParaRPr>
-          </a:p>
-          <a:p>
-            <a:pPr marL="742950" lvl="1" indent="-285750">
-              <a:lnSpc>
-                <a:spcPct val="130000"/>
-              </a:lnSpc>
-              <a:buFont typeface="Arial" panose="020B0604020202020204" pitchFamily="34" charset="0"/>
-              <a:buChar char="•"/>
-            </a:pPr>
-            <a:r>
-              <a:rPr lang="zh-CN" altLang="en-US" sz="1600" b="1">
-                <a:latin typeface="Times New Roman" panose="02020603050405020304" charset="0"/>
-                <a:ea typeface="微软雅黑" panose="020B0503020204020204" charset="-122"/>
-                <a:cs typeface="Times New Roman" panose="02020603050405020304" charset="0"/>
-              </a:rPr>
-              <a:t>结果</a:t>
-            </a:r>
-            <a:r>
-              <a:rPr lang="en-US" altLang="zh-CN" sz="1600" b="1">
-                <a:latin typeface="Times New Roman" panose="02020603050405020304" charset="0"/>
-                <a:ea typeface="微软雅黑" panose="020B0503020204020204" charset="-122"/>
-                <a:cs typeface="Times New Roman" panose="02020603050405020304" charset="0"/>
-              </a:rPr>
-              <a:t> A</a:t>
-            </a:r>
-            <a:r>
-              <a:rPr lang="zh-CN" altLang="en-US" sz="1600" b="1">
-                <a:latin typeface="Times New Roman" panose="02020603050405020304" charset="0"/>
-                <a:ea typeface="微软雅黑" panose="020B0503020204020204" charset="-122"/>
-                <a:cs typeface="Times New Roman" panose="02020603050405020304" charset="0"/>
-              </a:rPr>
-              <a:t>：</a:t>
-            </a:r>
-            <a:r>
-              <a:rPr lang="en-US" altLang="zh-CN" sz="1600">
-                <a:latin typeface="Times New Roman" panose="02020603050405020304" charset="0"/>
-                <a:ea typeface="微软雅黑" panose="020B0503020204020204" charset="-122"/>
-                <a:cs typeface="Times New Roman" panose="02020603050405020304" charset="0"/>
-              </a:rPr>
-              <a:t>100 </a:t>
-            </a:r>
-            <a:r>
-              <a:rPr lang="zh-CN" altLang="en-US" sz="1600">
-                <a:latin typeface="Times New Roman" panose="02020603050405020304" charset="0"/>
-                <a:ea typeface="微软雅黑" panose="020B0503020204020204" charset="-122"/>
-                <a:cs typeface="Times New Roman" panose="02020603050405020304" charset="0"/>
-              </a:rPr>
-              <a:t>个样本在</a:t>
-            </a:r>
-            <a:r>
-              <a:rPr lang="en-US" altLang="zh-CN" sz="1600">
-                <a:latin typeface="Times New Roman" panose="02020603050405020304" charset="0"/>
-                <a:ea typeface="微软雅黑" panose="020B0503020204020204" charset="-122"/>
-                <a:cs typeface="Times New Roman" panose="02020603050405020304" charset="0"/>
-              </a:rPr>
-              <a:t> 64 </a:t>
-            </a:r>
-            <a:r>
-              <a:rPr lang="zh-CN" altLang="en-US" sz="1600">
-                <a:latin typeface="Times New Roman" panose="02020603050405020304" charset="0"/>
-                <a:ea typeface="微软雅黑" panose="020B0503020204020204" charset="-122"/>
-                <a:cs typeface="Times New Roman" panose="02020603050405020304" charset="0"/>
-              </a:rPr>
-              <a:t>步内结束</a:t>
-            </a:r>
-            <a:r>
-              <a:rPr lang="en-US" altLang="zh-CN" sz="1600">
-                <a:latin typeface="Times New Roman" panose="02020603050405020304" charset="0"/>
-                <a:ea typeface="微软雅黑" panose="020B0503020204020204" charset="-122"/>
-                <a:cs typeface="Times New Roman" panose="02020603050405020304" charset="0"/>
-              </a:rPr>
-              <a:t> </a:t>
-            </a:r>
-            <a:r>
-              <a:rPr lang="en-US" altLang="zh-CN" sz="1600">
-                <a:latin typeface="Times New Roman" panose="02020603050405020304" charset="0"/>
-                <a:ea typeface="微软雅黑" panose="020B0503020204020204" charset="-122"/>
-                <a:cs typeface="Times New Roman" panose="02020603050405020304" charset="0"/>
-                <a:sym typeface="+mn-ea"/>
-              </a:rPr>
-              <a:t>——&gt;</a:t>
-            </a:r>
-            <a:r>
-              <a:rPr lang="en-US" altLang="zh-CN" sz="1600">
-                <a:latin typeface="Times New Roman" panose="02020603050405020304" charset="0"/>
-                <a:ea typeface="微软雅黑" panose="020B0503020204020204" charset="-122"/>
-                <a:cs typeface="Times New Roman" panose="02020603050405020304" charset="0"/>
-              </a:rPr>
-              <a:t> </a:t>
-            </a:r>
-            <a:r>
-              <a:rPr lang="zh-CN" altLang="en-US" sz="1600">
-                <a:latin typeface="Times New Roman" panose="02020603050405020304" charset="0"/>
-                <a:ea typeface="微软雅黑" panose="020B0503020204020204" charset="-122"/>
-                <a:cs typeface="Times New Roman" panose="02020603050405020304" charset="0"/>
-              </a:rPr>
-              <a:t>判定为</a:t>
-            </a:r>
-            <a:r>
-              <a:rPr lang="en-US" altLang="zh-CN" sz="1600">
-                <a:latin typeface="Times New Roman" panose="02020603050405020304" charset="0"/>
-                <a:ea typeface="微软雅黑" panose="020B0503020204020204" charset="-122"/>
-                <a:cs typeface="Times New Roman" panose="02020603050405020304" charset="0"/>
-              </a:rPr>
-              <a:t> Simple</a:t>
-            </a:r>
-            <a:r>
-              <a:rPr lang="zh-CN" altLang="en-US" sz="1600">
-                <a:latin typeface="Times New Roman" panose="02020603050405020304" charset="0"/>
-                <a:ea typeface="微软雅黑" panose="020B0503020204020204" charset="-122"/>
-                <a:cs typeface="Times New Roman" panose="02020603050405020304" charset="0"/>
-              </a:rPr>
-              <a:t>。</a:t>
-            </a:r>
-            <a:endParaRPr lang="zh-CN" altLang="en-US" sz="1600">
-              <a:latin typeface="Times New Roman" panose="02020603050405020304" charset="0"/>
-              <a:ea typeface="微软雅黑" panose="020B0503020204020204" charset="-122"/>
-              <a:cs typeface="Times New Roman" panose="02020603050405020304" charset="0"/>
-            </a:endParaRPr>
-          </a:p>
-          <a:p>
-            <a:pPr marL="742950" lvl="1" indent="-285750">
-              <a:lnSpc>
-                <a:spcPct val="130000"/>
-              </a:lnSpc>
-              <a:buFont typeface="Arial" panose="020B0604020202020204" pitchFamily="34" charset="0"/>
-              <a:buChar char="•"/>
-            </a:pPr>
-            <a:r>
-              <a:rPr lang="zh-CN" altLang="en-US" sz="1600" b="1">
-                <a:latin typeface="Times New Roman" panose="02020603050405020304" charset="0"/>
-                <a:ea typeface="微软雅黑" panose="020B0503020204020204" charset="-122"/>
-                <a:cs typeface="Times New Roman" panose="02020603050405020304" charset="0"/>
-              </a:rPr>
-              <a:t>结果</a:t>
-            </a:r>
-            <a:r>
-              <a:rPr lang="en-US" altLang="zh-CN" sz="1600" b="1">
-                <a:latin typeface="Times New Roman" panose="02020603050405020304" charset="0"/>
-                <a:ea typeface="微软雅黑" panose="020B0503020204020204" charset="-122"/>
-                <a:cs typeface="Times New Roman" panose="02020603050405020304" charset="0"/>
-              </a:rPr>
-              <a:t> B</a:t>
-            </a:r>
-            <a:r>
-              <a:rPr lang="zh-CN" altLang="en-US" sz="1600" b="1">
-                <a:latin typeface="Times New Roman" panose="02020603050405020304" charset="0"/>
-                <a:ea typeface="微软雅黑" panose="020B0503020204020204" charset="-122"/>
-                <a:cs typeface="Times New Roman" panose="02020603050405020304" charset="0"/>
-              </a:rPr>
-              <a:t>：</a:t>
-            </a:r>
-            <a:r>
-              <a:rPr lang="en-US" altLang="zh-CN" sz="1600">
-                <a:latin typeface="Times New Roman" panose="02020603050405020304" charset="0"/>
-                <a:ea typeface="微软雅黑" panose="020B0503020204020204" charset="-122"/>
-                <a:cs typeface="Times New Roman" panose="02020603050405020304" charset="0"/>
-              </a:rPr>
-              <a:t>28 </a:t>
-            </a:r>
-            <a:r>
-              <a:rPr lang="zh-CN" altLang="en-US" sz="1600">
-                <a:latin typeface="Times New Roman" panose="02020603050405020304" charset="0"/>
-                <a:ea typeface="微软雅黑" panose="020B0503020204020204" charset="-122"/>
-                <a:cs typeface="Times New Roman" panose="02020603050405020304" charset="0"/>
-              </a:rPr>
-              <a:t>个样本没结束，且随后触发熔断</a:t>
-            </a:r>
-            <a:r>
-              <a:rPr lang="en-US" altLang="zh-CN" sz="1600">
-                <a:latin typeface="Times New Roman" panose="02020603050405020304" charset="0"/>
-                <a:ea typeface="微软雅黑" panose="020B0503020204020204" charset="-122"/>
-                <a:cs typeface="Times New Roman" panose="02020603050405020304" charset="0"/>
-              </a:rPr>
-              <a:t> $</a:t>
-            </a:r>
-            <a:r>
-              <a:rPr lang="en-US" altLang="zh-CN" sz="1600">
-                <a:latin typeface="Times New Roman" panose="02020603050405020304" charset="0"/>
-                <a:ea typeface="微软雅黑" panose="020B0503020204020204" charset="-122"/>
-                <a:cs typeface="Times New Roman" panose="02020603050405020304" charset="0"/>
-                <a:sym typeface="+mn-ea"/>
-              </a:rPr>
-              <a:t>——&gt;</a:t>
-            </a:r>
-            <a:r>
-              <a:rPr lang="en-US" altLang="zh-CN" sz="1600">
-                <a:latin typeface="Times New Roman" panose="02020603050405020304" charset="0"/>
-                <a:ea typeface="微软雅黑" panose="020B0503020204020204" charset="-122"/>
-                <a:cs typeface="Times New Roman" panose="02020603050405020304" charset="0"/>
-              </a:rPr>
-              <a:t> </a:t>
-            </a:r>
-            <a:r>
-              <a:rPr lang="zh-CN" altLang="en-US" sz="1600">
-                <a:latin typeface="Times New Roman" panose="02020603050405020304" charset="0"/>
-                <a:ea typeface="微软雅黑" panose="020B0503020204020204" charset="-122"/>
-                <a:cs typeface="Times New Roman" panose="02020603050405020304" charset="0"/>
-              </a:rPr>
-              <a:t>判定为</a:t>
-            </a:r>
-            <a:r>
-              <a:rPr lang="en-US" altLang="zh-CN" sz="1600">
-                <a:latin typeface="Times New Roman" panose="02020603050405020304" charset="0"/>
-                <a:ea typeface="微软雅黑" panose="020B0503020204020204" charset="-122"/>
-                <a:cs typeface="Times New Roman" panose="02020603050405020304" charset="0"/>
-              </a:rPr>
-              <a:t> Hard</a:t>
-            </a:r>
-            <a:r>
-              <a:rPr lang="zh-CN" altLang="en-US" sz="1600">
-                <a:latin typeface="Times New Roman" panose="02020603050405020304" charset="0"/>
-                <a:ea typeface="微软雅黑" panose="020B0503020204020204" charset="-122"/>
-                <a:cs typeface="Times New Roman" panose="02020603050405020304" charset="0"/>
-              </a:rPr>
-              <a:t>。</a:t>
-            </a:r>
-            <a:endParaRPr lang="zh-CN" altLang="en-US" sz="1600">
-              <a:latin typeface="Times New Roman" panose="02020603050405020304" charset="0"/>
-              <a:ea typeface="微软雅黑" panose="020B0503020204020204" charset="-122"/>
-              <a:cs typeface="Times New Roman" panose="02020603050405020304" charset="0"/>
-            </a:endParaRPr>
-          </a:p>
-          <a:p>
-            <a:pPr indent="0">
-              <a:lnSpc>
-                <a:spcPct val="130000"/>
-              </a:lnSpc>
-              <a:buFont typeface="Arial" panose="020B0604020202020204" pitchFamily="34" charset="0"/>
-              <a:buNone/>
-            </a:pPr>
-            <a:r>
-              <a:rPr lang="en-US" altLang="zh-CN" sz="1600" b="1">
-                <a:latin typeface="Times New Roman" panose="02020603050405020304" charset="0"/>
-                <a:ea typeface="微软雅黑" panose="020B0503020204020204" charset="-122"/>
-                <a:cs typeface="Times New Roman" panose="02020603050405020304" charset="0"/>
-              </a:rPr>
-              <a:t>3. </a:t>
-            </a:r>
-            <a:r>
-              <a:rPr lang="zh-CN" altLang="en-US" sz="1600" b="1">
-                <a:latin typeface="Times New Roman" panose="02020603050405020304" charset="0"/>
-                <a:ea typeface="微软雅黑" panose="020B0503020204020204" charset="-122"/>
-                <a:cs typeface="Times New Roman" panose="02020603050405020304" charset="0"/>
-              </a:rPr>
-              <a:t>路由</a:t>
-            </a:r>
-            <a:endParaRPr lang="en-US" altLang="zh-CN" sz="1600" b="1">
-              <a:latin typeface="Times New Roman" panose="02020603050405020304" charset="0"/>
-              <a:ea typeface="微软雅黑" panose="020B0503020204020204" charset="-122"/>
-              <a:cs typeface="Times New Roman" panose="02020603050405020304" charset="0"/>
-            </a:endParaRPr>
-          </a:p>
-          <a:p>
-            <a:pPr indent="0">
-              <a:lnSpc>
-                <a:spcPct val="130000"/>
-              </a:lnSpc>
-              <a:buFont typeface="Arial" panose="020B0604020202020204" pitchFamily="34" charset="0"/>
-              <a:buNone/>
-            </a:pPr>
-            <a:r>
-              <a:rPr lang="en-US" altLang="zh-CN" sz="1600">
-                <a:latin typeface="Times New Roman" panose="02020603050405020304" charset="0"/>
-                <a:ea typeface="微软雅黑" panose="020B0503020204020204" charset="-122"/>
-                <a:cs typeface="Times New Roman" panose="02020603050405020304" charset="0"/>
-              </a:rPr>
-              <a:t>100 </a:t>
-            </a:r>
-            <a:r>
-              <a:rPr lang="zh-CN" altLang="en-US" sz="1600">
-                <a:latin typeface="Times New Roman" panose="02020603050405020304" charset="0"/>
-                <a:ea typeface="微软雅黑" panose="020B0503020204020204" charset="-122"/>
-                <a:cs typeface="Times New Roman" panose="02020603050405020304" charset="0"/>
-              </a:rPr>
-              <a:t>个</a:t>
-            </a:r>
-            <a:r>
-              <a:rPr lang="en-US" altLang="zh-CN" sz="1600">
-                <a:latin typeface="Times New Roman" panose="02020603050405020304" charset="0"/>
-                <a:ea typeface="微软雅黑" panose="020B0503020204020204" charset="-122"/>
-                <a:cs typeface="Times New Roman" panose="02020603050405020304" charset="0"/>
-              </a:rPr>
-              <a:t> Simple Prompt </a:t>
-            </a:r>
-            <a:r>
-              <a:rPr lang="zh-CN" altLang="en-US" sz="1600">
-                <a:latin typeface="Times New Roman" panose="02020603050405020304" charset="0"/>
-                <a:ea typeface="微软雅黑" panose="020B0503020204020204" charset="-122"/>
-                <a:cs typeface="Times New Roman" panose="02020603050405020304" charset="0"/>
-              </a:rPr>
-              <a:t>的剩余</a:t>
-            </a:r>
-            <a:r>
-              <a:rPr lang="en-US" altLang="zh-CN" sz="1600">
-                <a:latin typeface="Times New Roman" panose="02020603050405020304" charset="0"/>
-                <a:ea typeface="微软雅黑" panose="020B0503020204020204" charset="-122"/>
-                <a:cs typeface="Times New Roman" panose="02020603050405020304" charset="0"/>
-              </a:rPr>
-              <a:t> 700 </a:t>
-            </a:r>
-            <a:r>
-              <a:rPr lang="zh-CN" altLang="en-US" sz="1600">
-                <a:latin typeface="Times New Roman" panose="02020603050405020304" charset="0"/>
-                <a:ea typeface="微软雅黑" panose="020B0503020204020204" charset="-122"/>
-                <a:cs typeface="Times New Roman" panose="02020603050405020304" charset="0"/>
-              </a:rPr>
-              <a:t>条采样</a:t>
-            </a:r>
-            <a:r>
-              <a:rPr lang="en-US" altLang="zh-CN" sz="1600">
-                <a:latin typeface="Times New Roman" panose="02020603050405020304" charset="0"/>
-                <a:ea typeface="微软雅黑" panose="020B0503020204020204" charset="-122"/>
-                <a:cs typeface="Times New Roman" panose="02020603050405020304" charset="0"/>
-              </a:rPr>
-              <a:t> ——&gt; Fast Queue</a:t>
-            </a:r>
-            <a:r>
-              <a:rPr lang="zh-CN" altLang="en-US" sz="1600">
-                <a:latin typeface="Times New Roman" panose="02020603050405020304" charset="0"/>
-                <a:ea typeface="微软雅黑" panose="020B0503020204020204" charset="-122"/>
-                <a:cs typeface="Times New Roman" panose="02020603050405020304" charset="0"/>
-              </a:rPr>
-              <a:t>。</a:t>
-            </a:r>
-            <a:endParaRPr lang="zh-CN" altLang="en-US" sz="1600">
-              <a:latin typeface="Times New Roman" panose="02020603050405020304" charset="0"/>
-              <a:ea typeface="微软雅黑" panose="020B0503020204020204" charset="-122"/>
-              <a:cs typeface="Times New Roman" panose="02020603050405020304" charset="0"/>
-            </a:endParaRPr>
-          </a:p>
-          <a:p>
-            <a:pPr indent="0">
-              <a:lnSpc>
-                <a:spcPct val="130000"/>
-              </a:lnSpc>
-              <a:buFont typeface="Arial" panose="020B0604020202020204" pitchFamily="34" charset="0"/>
-              <a:buNone/>
-            </a:pPr>
-            <a:r>
-              <a:rPr lang="en-US" altLang="zh-CN" sz="1600">
-                <a:latin typeface="Times New Roman" panose="02020603050405020304" charset="0"/>
-                <a:ea typeface="微软雅黑" panose="020B0503020204020204" charset="-122"/>
-                <a:cs typeface="Times New Roman" panose="02020603050405020304" charset="0"/>
-              </a:rPr>
-              <a:t>28 </a:t>
-            </a:r>
-            <a:r>
-              <a:rPr lang="zh-CN" altLang="en-US" sz="1600">
-                <a:latin typeface="Times New Roman" panose="02020603050405020304" charset="0"/>
-                <a:ea typeface="微软雅黑" panose="020B0503020204020204" charset="-122"/>
-                <a:cs typeface="Times New Roman" panose="02020603050405020304" charset="0"/>
-              </a:rPr>
-              <a:t>个</a:t>
-            </a:r>
-            <a:r>
-              <a:rPr lang="en-US" altLang="zh-CN" sz="1600">
-                <a:latin typeface="Times New Roman" panose="02020603050405020304" charset="0"/>
-                <a:ea typeface="微软雅黑" panose="020B0503020204020204" charset="-122"/>
-                <a:cs typeface="Times New Roman" panose="02020603050405020304" charset="0"/>
-              </a:rPr>
-              <a:t> Hard Prompt </a:t>
-            </a:r>
-            <a:r>
-              <a:rPr lang="zh-CN" altLang="en-US" sz="1600">
-                <a:latin typeface="Times New Roman" panose="02020603050405020304" charset="0"/>
-                <a:ea typeface="微软雅黑" panose="020B0503020204020204" charset="-122"/>
-                <a:cs typeface="Times New Roman" panose="02020603050405020304" charset="0"/>
-              </a:rPr>
-              <a:t>的剩余</a:t>
-            </a:r>
-            <a:r>
-              <a:rPr lang="en-US" altLang="zh-CN" sz="1600">
-                <a:latin typeface="Times New Roman" panose="02020603050405020304" charset="0"/>
-                <a:ea typeface="微软雅黑" panose="020B0503020204020204" charset="-122"/>
-                <a:cs typeface="Times New Roman" panose="02020603050405020304" charset="0"/>
-              </a:rPr>
-              <a:t> 196 </a:t>
-            </a:r>
-            <a:r>
-              <a:rPr lang="zh-CN" altLang="en-US" sz="1600">
-                <a:latin typeface="Times New Roman" panose="02020603050405020304" charset="0"/>
-                <a:ea typeface="微软雅黑" panose="020B0503020204020204" charset="-122"/>
-                <a:cs typeface="Times New Roman" panose="02020603050405020304" charset="0"/>
-              </a:rPr>
-              <a:t>条采样</a:t>
-            </a:r>
-            <a:r>
-              <a:rPr lang="en-US" altLang="zh-CN" sz="1600">
-                <a:latin typeface="Times New Roman" panose="02020603050405020304" charset="0"/>
-                <a:ea typeface="微软雅黑" panose="020B0503020204020204" charset="-122"/>
-                <a:cs typeface="Times New Roman" panose="02020603050405020304" charset="0"/>
-              </a:rPr>
-              <a:t> </a:t>
-            </a:r>
-            <a:r>
-              <a:rPr lang="en-US" altLang="zh-CN" sz="1600">
-                <a:latin typeface="Times New Roman" panose="02020603050405020304" charset="0"/>
-                <a:ea typeface="微软雅黑" panose="020B0503020204020204" charset="-122"/>
-                <a:cs typeface="Times New Roman" panose="02020603050405020304" charset="0"/>
-                <a:sym typeface="+mn-ea"/>
-              </a:rPr>
-              <a:t>——&gt;</a:t>
-            </a:r>
-            <a:r>
-              <a:rPr lang="en-US" altLang="zh-CN" sz="1600">
-                <a:latin typeface="Times New Roman" panose="02020603050405020304" charset="0"/>
-                <a:ea typeface="微软雅黑" panose="020B0503020204020204" charset="-122"/>
-                <a:cs typeface="Times New Roman" panose="02020603050405020304" charset="0"/>
-              </a:rPr>
-              <a:t> Heavy Queue</a:t>
-            </a:r>
-            <a:r>
-              <a:rPr lang="zh-CN" altLang="en-US" sz="1600">
-                <a:latin typeface="Times New Roman" panose="02020603050405020304" charset="0"/>
-                <a:ea typeface="微软雅黑" panose="020B0503020204020204" charset="-122"/>
-                <a:cs typeface="Times New Roman" panose="02020603050405020304" charset="0"/>
-              </a:rPr>
-              <a:t>。</a:t>
-            </a:r>
-            <a:endParaRPr lang="zh-CN" altLang="en-US" sz="1600">
-              <a:latin typeface="Times New Roman" panose="02020603050405020304" charset="0"/>
-              <a:ea typeface="微软雅黑" panose="020B0503020204020204" charset="-122"/>
-              <a:cs typeface="Times New Roman" panose="02020603050405020304" charset="0"/>
-            </a:endParaRPr>
-          </a:p>
-          <a:p>
-            <a:pPr indent="0">
-              <a:lnSpc>
-                <a:spcPct val="130000"/>
-              </a:lnSpc>
-              <a:buFont typeface="Arial" panose="020B0604020202020204" pitchFamily="34" charset="0"/>
-              <a:buNone/>
-            </a:pPr>
-            <a:r>
-              <a:rPr lang="zh-CN" altLang="en-US" sz="1600">
-                <a:latin typeface="Times New Roman" panose="02020603050405020304" charset="0"/>
-                <a:ea typeface="微软雅黑" panose="020B0503020204020204" charset="-122"/>
-                <a:cs typeface="Times New Roman" panose="02020603050405020304" charset="0"/>
-              </a:rPr>
-              <a:t>那</a:t>
-            </a:r>
-            <a:r>
-              <a:rPr lang="en-US" altLang="zh-CN" sz="1600">
-                <a:latin typeface="Times New Roman" panose="02020603050405020304" charset="0"/>
-                <a:ea typeface="微软雅黑" panose="020B0503020204020204" charset="-122"/>
-                <a:cs typeface="Times New Roman" panose="02020603050405020304" charset="0"/>
-              </a:rPr>
-              <a:t> 28 </a:t>
-            </a:r>
-            <a:r>
-              <a:rPr lang="zh-CN" altLang="en-US" sz="1600">
-                <a:latin typeface="Times New Roman" panose="02020603050405020304" charset="0"/>
-                <a:ea typeface="微软雅黑" panose="020B0503020204020204" charset="-122"/>
-                <a:cs typeface="Times New Roman" panose="02020603050405020304" charset="0"/>
-              </a:rPr>
-              <a:t>个熔断</a:t>
-            </a:r>
-            <a:r>
-              <a:rPr lang="zh-CN" altLang="en-US" sz="1600">
-                <a:latin typeface="微软雅黑" panose="020B0503020204020204" charset="-122"/>
-                <a:ea typeface="微软雅黑" panose="020B0503020204020204" charset="-122"/>
-                <a:cs typeface="微软雅黑" panose="020B0503020204020204" charset="-122"/>
-              </a:rPr>
-              <a:t>的“探路者”</a:t>
-            </a:r>
-            <a:r>
-              <a:rPr lang="en-US" altLang="zh-CN" sz="1600">
-                <a:latin typeface="Times New Roman" panose="02020603050405020304" charset="0"/>
-                <a:ea typeface="微软雅黑" panose="020B0503020204020204" charset="-122"/>
-                <a:cs typeface="Times New Roman" panose="02020603050405020304" charset="0"/>
-              </a:rPr>
-              <a:t> </a:t>
-            </a:r>
-            <a:r>
-              <a:rPr lang="en-US" altLang="zh-CN" sz="1600">
-                <a:latin typeface="Times New Roman" panose="02020603050405020304" charset="0"/>
-                <a:ea typeface="微软雅黑" panose="020B0503020204020204" charset="-122"/>
-                <a:cs typeface="Times New Roman" panose="02020603050405020304" charset="0"/>
-                <a:sym typeface="+mn-ea"/>
-              </a:rPr>
-              <a:t>——&gt;</a:t>
-            </a:r>
-            <a:r>
-              <a:rPr lang="en-US" altLang="zh-CN" sz="1600">
-                <a:latin typeface="Times New Roman" panose="02020603050405020304" charset="0"/>
-                <a:ea typeface="微软雅黑" panose="020B0503020204020204" charset="-122"/>
-                <a:cs typeface="Times New Roman" panose="02020603050405020304" charset="0"/>
-              </a:rPr>
-              <a:t> Repack </a:t>
-            </a:r>
-            <a:r>
-              <a:rPr lang="zh-CN" altLang="en-US" sz="1600">
-                <a:latin typeface="Times New Roman" panose="02020603050405020304" charset="0"/>
-                <a:ea typeface="微软雅黑" panose="020B0503020204020204" charset="-122"/>
-                <a:cs typeface="Times New Roman" panose="02020603050405020304" charset="0"/>
-              </a:rPr>
-              <a:t>到</a:t>
-            </a:r>
-            <a:r>
-              <a:rPr lang="en-US" altLang="zh-CN" sz="1600">
-                <a:latin typeface="Times New Roman" panose="02020603050405020304" charset="0"/>
-                <a:ea typeface="微软雅黑" panose="020B0503020204020204" charset="-122"/>
-                <a:cs typeface="Times New Roman" panose="02020603050405020304" charset="0"/>
-              </a:rPr>
-              <a:t> Heavy Queue</a:t>
-            </a:r>
-            <a:r>
-              <a:rPr lang="zh-CN" altLang="en-US" sz="1600">
-                <a:latin typeface="Times New Roman" panose="02020603050405020304" charset="0"/>
-                <a:ea typeface="微软雅黑" panose="020B0503020204020204" charset="-122"/>
-                <a:cs typeface="Times New Roman" panose="02020603050405020304" charset="0"/>
-              </a:rPr>
-              <a:t>。</a:t>
-            </a:r>
-            <a:endParaRPr lang="zh-CN" altLang="en-US" sz="1600">
-              <a:latin typeface="Times New Roman" panose="02020603050405020304" charset="0"/>
-              <a:ea typeface="微软雅黑" panose="020B0503020204020204" charset="-122"/>
-              <a:cs typeface="Times New Roman" panose="02020603050405020304" charset="0"/>
-            </a:endParaRPr>
-          </a:p>
-          <a:p>
-            <a:pPr indent="0">
-              <a:lnSpc>
-                <a:spcPct val="130000"/>
-              </a:lnSpc>
-              <a:buFont typeface="Arial" panose="020B0604020202020204" pitchFamily="34" charset="0"/>
-              <a:buNone/>
-            </a:pPr>
-            <a:endParaRPr lang="zh-CN" altLang="en-US" sz="1600">
-              <a:latin typeface="Times New Roman" panose="02020603050405020304" charset="0"/>
-              <a:ea typeface="微软雅黑" panose="020B0503020204020204" charset="-122"/>
-              <a:cs typeface="Times New Roman" panose="02020603050405020304" charset="0"/>
-            </a:endParaRPr>
-          </a:p>
-          <a:p>
-            <a:pPr indent="0">
-              <a:lnSpc>
-                <a:spcPct val="130000"/>
-              </a:lnSpc>
-              <a:buFont typeface="Arial" panose="020B0604020202020204" pitchFamily="34" charset="0"/>
-              <a:buNone/>
-            </a:pPr>
-            <a:r>
-              <a:rPr lang="en-US" altLang="zh-CN" sz="1600" b="1">
-                <a:latin typeface="Times New Roman" panose="02020603050405020304" charset="0"/>
-                <a:ea typeface="微软雅黑" panose="020B0503020204020204" charset="-122"/>
-                <a:cs typeface="Times New Roman" panose="02020603050405020304" charset="0"/>
-              </a:rPr>
-              <a:t>4. </a:t>
-            </a:r>
-            <a:r>
-              <a:rPr lang="zh-CN" altLang="en-US" sz="1600" b="1">
-                <a:latin typeface="Times New Roman" panose="02020603050405020304" charset="0"/>
-                <a:ea typeface="微软雅黑" panose="020B0503020204020204" charset="-122"/>
-                <a:cs typeface="Times New Roman" panose="02020603050405020304" charset="0"/>
-              </a:rPr>
-              <a:t>分开推理：</a:t>
-            </a:r>
-            <a:endParaRPr lang="zh-CN" altLang="en-US" sz="1600" b="1">
-              <a:latin typeface="Times New Roman" panose="02020603050405020304" charset="0"/>
-              <a:ea typeface="微软雅黑" panose="020B0503020204020204" charset="-122"/>
-              <a:cs typeface="Times New Roman" panose="02020603050405020304" charset="0"/>
-            </a:endParaRPr>
-          </a:p>
-          <a:p>
-            <a:pPr indent="0">
-              <a:lnSpc>
-                <a:spcPct val="130000"/>
-              </a:lnSpc>
-              <a:buFont typeface="Arial" panose="020B0604020202020204" pitchFamily="34" charset="0"/>
-              <a:buNone/>
-            </a:pPr>
-            <a:r>
-              <a:rPr lang="en-US" altLang="zh-CN" sz="1600">
-                <a:latin typeface="Times New Roman" panose="02020603050405020304" charset="0"/>
-                <a:ea typeface="微软雅黑" panose="020B0503020204020204" charset="-122"/>
-                <a:cs typeface="Times New Roman" panose="02020603050405020304" charset="0"/>
-              </a:rPr>
-              <a:t>Fast Worker</a:t>
-            </a:r>
-            <a:r>
-              <a:rPr lang="zh-CN" altLang="en-US" sz="1600">
-                <a:latin typeface="Times New Roman" panose="02020603050405020304" charset="0"/>
-                <a:ea typeface="微软雅黑" panose="020B0503020204020204" charset="-122"/>
-                <a:cs typeface="Times New Roman" panose="02020603050405020304" charset="0"/>
-              </a:rPr>
-              <a:t>：高并发吞吐，像机关枪一样处理短任务。</a:t>
-            </a:r>
-            <a:endParaRPr lang="en-US" altLang="zh-CN" sz="1600">
-              <a:latin typeface="Times New Roman" panose="02020603050405020304" charset="0"/>
-              <a:ea typeface="微软雅黑" panose="020B0503020204020204" charset="-122"/>
-              <a:cs typeface="Times New Roman" panose="02020603050405020304" charset="0"/>
-            </a:endParaRPr>
-          </a:p>
-          <a:p>
-            <a:pPr indent="0">
-              <a:lnSpc>
-                <a:spcPct val="130000"/>
-              </a:lnSpc>
-              <a:buFont typeface="Arial" panose="020B0604020202020204" pitchFamily="34" charset="0"/>
-              <a:buNone/>
-            </a:pPr>
-            <a:r>
-              <a:rPr lang="en-US" altLang="zh-CN" sz="1600">
-                <a:latin typeface="Times New Roman" panose="02020603050405020304" charset="0"/>
-                <a:ea typeface="微软雅黑" panose="020B0503020204020204" charset="-122"/>
-                <a:cs typeface="Times New Roman" panose="02020603050405020304" charset="0"/>
-              </a:rPr>
-              <a:t>Heavy Worker</a:t>
-            </a:r>
-            <a:r>
-              <a:rPr lang="zh-CN" altLang="en-US" sz="1600">
-                <a:latin typeface="Times New Roman" panose="02020603050405020304" charset="0"/>
-                <a:ea typeface="微软雅黑" panose="020B0503020204020204" charset="-122"/>
-                <a:cs typeface="Times New Roman" panose="02020603050405020304" charset="0"/>
-              </a:rPr>
-              <a:t>：稳扎稳打，利用长步长处理长任务。</a:t>
-            </a:r>
-            <a:endParaRPr lang="zh-CN" altLang="en-US" sz="1600">
-              <a:latin typeface="Times New Roman" panose="02020603050405020304" charset="0"/>
-              <a:ea typeface="微软雅黑" panose="020B0503020204020204" charset="-122"/>
-              <a:cs typeface="Times New Roman" panose="02020603050405020304" charset="0"/>
-            </a:endParaRPr>
-          </a:p>
-          <a:p>
-            <a:pPr indent="0">
-              <a:lnSpc>
-                <a:spcPct val="130000"/>
-              </a:lnSpc>
-              <a:buFont typeface="Arial" panose="020B0604020202020204" pitchFamily="34" charset="0"/>
-              <a:buNone/>
-            </a:pPr>
-            <a:r>
-              <a:rPr lang="en-US" altLang="zh-CN" sz="1600" b="1">
-                <a:latin typeface="Times New Roman" panose="02020603050405020304" charset="0"/>
-                <a:ea typeface="微软雅黑" panose="020B0503020204020204" charset="-122"/>
-                <a:cs typeface="Times New Roman" panose="02020603050405020304" charset="0"/>
-              </a:rPr>
-              <a:t>5. </a:t>
-            </a:r>
-            <a:r>
-              <a:rPr lang="zh-CN" altLang="en-US" sz="1600" b="1">
-                <a:latin typeface="Times New Roman" panose="02020603050405020304" charset="0"/>
-                <a:ea typeface="微软雅黑" panose="020B0503020204020204" charset="-122"/>
-                <a:cs typeface="Times New Roman" panose="02020603050405020304" charset="0"/>
-              </a:rPr>
-              <a:t>训练：</a:t>
-            </a:r>
-            <a:r>
-              <a:rPr lang="zh-CN" altLang="en-US" sz="1600">
-                <a:latin typeface="Times New Roman" panose="02020603050405020304" charset="0"/>
-                <a:ea typeface="微软雅黑" panose="020B0503020204020204" charset="-122"/>
-                <a:cs typeface="Times New Roman" panose="02020603050405020304" charset="0"/>
-              </a:rPr>
-              <a:t>所有轨迹汇入</a:t>
-            </a:r>
-            <a:r>
-              <a:rPr lang="en-US" altLang="zh-CN" sz="1600">
-                <a:latin typeface="Times New Roman" panose="02020603050405020304" charset="0"/>
-                <a:ea typeface="微软雅黑" panose="020B0503020204020204" charset="-122"/>
-                <a:cs typeface="Times New Roman" panose="02020603050405020304" charset="0"/>
-              </a:rPr>
-              <a:t> Global Buffer</a:t>
-            </a:r>
-            <a:r>
-              <a:rPr lang="zh-CN" altLang="en-US" sz="1600">
-                <a:latin typeface="Times New Roman" panose="02020603050405020304" charset="0"/>
-                <a:ea typeface="微软雅黑" panose="020B0503020204020204" charset="-122"/>
-                <a:cs typeface="Times New Roman" panose="02020603050405020304" charset="0"/>
-              </a:rPr>
-              <a:t>，</a:t>
-            </a:r>
-            <a:r>
-              <a:rPr lang="en-US" altLang="zh-CN" sz="1600">
-                <a:latin typeface="Times New Roman" panose="02020603050405020304" charset="0"/>
-                <a:ea typeface="微软雅黑" panose="020B0503020204020204" charset="-122"/>
-                <a:cs typeface="Times New Roman" panose="02020603050405020304" charset="0"/>
-              </a:rPr>
-              <a:t>Learner </a:t>
-            </a:r>
-            <a:r>
-              <a:rPr lang="zh-CN" altLang="en-US" sz="1600">
-                <a:latin typeface="Times New Roman" panose="02020603050405020304" charset="0"/>
-                <a:ea typeface="微软雅黑" panose="020B0503020204020204" charset="-122"/>
-                <a:cs typeface="Times New Roman" panose="02020603050405020304" charset="0"/>
-              </a:rPr>
-              <a:t>取出数据，修正</a:t>
-            </a:r>
-            <a:r>
-              <a:rPr lang="en-US" altLang="zh-CN" sz="1600">
-                <a:latin typeface="Times New Roman" panose="02020603050405020304" charset="0"/>
-                <a:ea typeface="微软雅黑" panose="020B0503020204020204" charset="-122"/>
-                <a:cs typeface="Times New Roman" panose="02020603050405020304" charset="0"/>
-              </a:rPr>
-              <a:t> Off-policy </a:t>
-            </a:r>
-            <a:r>
-              <a:rPr lang="zh-CN" altLang="en-US" sz="1600">
-                <a:latin typeface="Times New Roman" panose="02020603050405020304" charset="0"/>
-                <a:ea typeface="微软雅黑" panose="020B0503020204020204" charset="-122"/>
-                <a:cs typeface="Times New Roman" panose="02020603050405020304" charset="0"/>
-              </a:rPr>
-              <a:t>偏差，更新模型。</a:t>
-            </a:r>
-            <a:endParaRPr lang="zh-CN" altLang="en-US" sz="1600">
-              <a:latin typeface="Times New Roman" panose="02020603050405020304" charset="0"/>
-              <a:ea typeface="微软雅黑" panose="020B0503020204020204" charset="-122"/>
-              <a:cs typeface="Times New Roman" panose="02020603050405020304" charset="0"/>
-            </a:endParaRPr>
-          </a:p>
-        </p:txBody>
-      </p:sp>
-    </p:spTree>
-    <p:custDataLst>
-      <p:tags r:id="rId2"/>
-    </p:custDataLst>
-  </p:cSld>
-  <p:clrMapOvr>
-    <a:masterClrMapping/>
-  </p:clrMapOvr>
-</p:sld>
-</file>
-
-<file path=ppt/slides/slide8.xml><?xml version="1.0" encoding="utf-8"?>
-<p:sld xmlns:a="http://schemas.openxmlformats.org/drawingml/2006/main" xmlns:r="http://schemas.openxmlformats.org/officeDocument/2006/relationships" xmlns:p="http://schemas.openxmlformats.org/presentationml/2006/main">
-  <p:cSld>
-    <p:spTree>
-      <p:nvGrpSpPr>
-        <p:cNvPr id="1" name=""/>
-        <p:cNvGrpSpPr/>
-        <p:nvPr/>
-      </p:nvGrpSpPr>
-      <p:grpSpPr>
-        <a:xfrm>
-          <a:off x="0" y="0"/>
-          <a:ext cx="0" cy="0"/>
-          <a:chOff x="0" y="0"/>
-          <a:chExt cx="0" cy="0"/>
-        </a:xfrm>
-      </p:grpSpPr>
-      <p:pic>
-        <p:nvPicPr>
-          <p:cNvPr id="5" name="图片 4"/>
-          <p:cNvPicPr>
-            <a:picLocks noChangeAspect="1"/>
-          </p:cNvPicPr>
-          <p:nvPr/>
-        </p:nvPicPr>
-        <p:blipFill>
-          <a:blip r:embed="rId1" cstate="print">
-            <a:extLst>
-              <a:ext uri="{28A0092B-C50C-407E-A947-70E740481C1C}">
-                <a14:useLocalDpi xmlns:a14="http://schemas.microsoft.com/office/drawing/2010/main" val="0"/>
-              </a:ext>
-            </a:extLst>
-          </a:blip>
-          <a:stretch>
-            <a:fillRect/>
-          </a:stretch>
-        </p:blipFill>
-        <p:spPr>
-          <a:xfrm>
-            <a:off x="173466" y="192448"/>
-            <a:ext cx="3041951" cy="469946"/>
-          </a:xfrm>
-          <a:prstGeom prst="rect">
-            <a:avLst/>
-          </a:prstGeom>
-        </p:spPr>
-      </p:pic>
-      <p:pic>
-        <p:nvPicPr>
-          <p:cNvPr id="6" name="图片 5"/>
-          <p:cNvPicPr>
-            <a:picLocks noChangeAspect="1"/>
-          </p:cNvPicPr>
-          <p:nvPr/>
-        </p:nvPicPr>
-        <p:blipFill>
-          <a:blip r:embed="rId2" cstate="print">
-            <a:extLst>
-              <a:ext uri="{28A0092B-C50C-407E-A947-70E740481C1C}">
-                <a14:useLocalDpi xmlns:a14="http://schemas.microsoft.com/office/drawing/2010/main" val="0"/>
-              </a:ext>
-            </a:extLst>
-          </a:blip>
-          <a:stretch>
-            <a:fillRect/>
-          </a:stretch>
-        </p:blipFill>
-        <p:spPr>
-          <a:xfrm>
-            <a:off x="9660444" y="131588"/>
-            <a:ext cx="2380432" cy="775816"/>
-          </a:xfrm>
-          <a:prstGeom prst="rect">
-            <a:avLst/>
-          </a:prstGeom>
-        </p:spPr>
-      </p:pic>
-      <p:pic>
-        <p:nvPicPr>
-          <p:cNvPr id="9" name="图片 8"/>
-          <p:cNvPicPr/>
-          <p:nvPr/>
-        </p:nvPicPr>
-        <p:blipFill>
-          <a:blip r:embed="rId3"/>
-          <a:stretch>
-            <a:fillRect/>
-          </a:stretch>
-        </p:blipFill>
-        <p:spPr>
-          <a:xfrm>
-            <a:off x="8688705" y="91440"/>
-            <a:ext cx="971550" cy="914400"/>
-          </a:xfrm>
-          <a:prstGeom prst="rect">
-            <a:avLst/>
-          </a:prstGeom>
-        </p:spPr>
-      </p:pic>
       <p:cxnSp>
         <p:nvCxnSpPr>
-          <p:cNvPr id="10" name="直接连接符 9"/>
+          <p:cNvPr id="8" name="直接连接符 7"/>
           <p:cNvCxnSpPr/>
           <p:nvPr/>
         </p:nvCxnSpPr>
@@ -8184,173 +4160,7 @@
       </p:cxnSp>
       <p:sp>
         <p:nvSpPr>
-          <p:cNvPr id="17" name="TextBox 5"/>
-          <p:cNvSpPr txBox="1"/>
-          <p:nvPr/>
-        </p:nvSpPr>
-        <p:spPr>
-          <a:xfrm>
-            <a:off x="1845945" y="3688080"/>
-            <a:ext cx="8500110" cy="478155"/>
-          </a:xfrm>
-          <a:prstGeom prst="rect">
-            <a:avLst/>
-          </a:prstGeom>
-          <a:noFill/>
-        </p:spPr>
-        <p:txBody>
-          <a:bodyPr wrap="square" rtlCol="0">
-            <a:spAutoFit/>
-          </a:bodyPr>
-          <a:p>
-            <a:pPr algn="ctr">
-              <a:lnSpc>
-                <a:spcPct val="140000"/>
-              </a:lnSpc>
-            </a:pPr>
-            <a:r>
-              <a:rPr lang="en-US" altLang="zh-CN">
-                <a:latin typeface="Times New Roman" panose="02020603050405020304" charset="0"/>
-                <a:cs typeface="Times New Roman" panose="02020603050405020304" charset="0"/>
-                <a:sym typeface="+mn-ea"/>
-              </a:rPr>
-              <a:t>2025</a:t>
-            </a:r>
-            <a:r>
-              <a:rPr lang="zh-CN" altLang="en-US">
-                <a:latin typeface="Times New Roman" panose="02020603050405020304" charset="0"/>
-                <a:cs typeface="Times New Roman" panose="02020603050405020304" charset="0"/>
-                <a:sym typeface="+mn-ea"/>
-              </a:rPr>
-              <a:t>学术基金</a:t>
-            </a:r>
-            <a:r>
-              <a:rPr lang="en-US" altLang="zh-CN">
-                <a:latin typeface="Times New Roman" panose="02020603050405020304" charset="0"/>
-                <a:cs typeface="Times New Roman" panose="02020603050405020304" charset="0"/>
-                <a:sym typeface="+mn-ea"/>
-              </a:rPr>
-              <a:t> </a:t>
-            </a:r>
-            <a:r>
-              <a:rPr lang="zh-CN" altLang="en-US">
-                <a:latin typeface="Times New Roman" panose="02020603050405020304" charset="0"/>
-                <a:cs typeface="Times New Roman" panose="02020603050405020304" charset="0"/>
-                <a:sym typeface="+mn-ea"/>
-              </a:rPr>
-              <a:t>南航</a:t>
-            </a:r>
-            <a:r>
-              <a:rPr lang="en-US" altLang="zh-CN">
-                <a:latin typeface="Times New Roman" panose="02020603050405020304" charset="0"/>
-                <a:cs typeface="Times New Roman" panose="02020603050405020304" charset="0"/>
-                <a:sym typeface="+mn-ea"/>
-              </a:rPr>
-              <a:t> </a:t>
-            </a:r>
-            <a:r>
-              <a:rPr lang="zh-CN" altLang="en-US">
-                <a:latin typeface="Times New Roman" panose="02020603050405020304" charset="0"/>
-                <a:cs typeface="Times New Roman" panose="02020603050405020304" charset="0"/>
-                <a:sym typeface="+mn-ea"/>
-              </a:rPr>
-              <a:t>陈想老师</a:t>
-            </a:r>
-            <a:r>
-              <a:rPr lang="en-US" altLang="zh-CN">
-                <a:latin typeface="Times New Roman" panose="02020603050405020304" charset="0"/>
-                <a:cs typeface="Times New Roman" panose="02020603050405020304" charset="0"/>
-                <a:sym typeface="+mn-ea"/>
-              </a:rPr>
-              <a:t> </a:t>
-            </a:r>
-            <a:r>
-              <a:rPr lang="zh-CN" altLang="en-US">
-                <a:latin typeface="Times New Roman" panose="02020603050405020304" charset="0"/>
-                <a:cs typeface="Times New Roman" panose="02020603050405020304" charset="0"/>
-                <a:sym typeface="+mn-ea"/>
-              </a:rPr>
-              <a:t>例会</a:t>
-            </a:r>
-            <a:endParaRPr lang="en-US" altLang="zh-CN" dirty="0">
-              <a:solidFill>
-                <a:schemeClr val="tx1">
-                  <a:lumMod val="75000"/>
-                  <a:lumOff val="25000"/>
-                </a:schemeClr>
-              </a:solidFill>
-              <a:latin typeface="Times New Roman" panose="02020603050405020304" charset="0"/>
-              <a:ea typeface="微软雅黑" panose="020B0503020204020204" charset="-122"/>
-              <a:cs typeface="Times New Roman" panose="02020603050405020304" charset="0"/>
-              <a:sym typeface="+mn-ea"/>
-            </a:endParaRPr>
-          </a:p>
-        </p:txBody>
-      </p:sp>
-      <p:sp>
-        <p:nvSpPr>
-          <p:cNvPr id="2" name="文本框 1"/>
-          <p:cNvSpPr txBox="1"/>
-          <p:nvPr/>
-        </p:nvSpPr>
-        <p:spPr>
-          <a:xfrm>
-            <a:off x="916940" y="2567940"/>
-            <a:ext cx="10176510" cy="650875"/>
-          </a:xfrm>
-          <a:prstGeom prst="rect">
-            <a:avLst/>
-          </a:prstGeom>
-          <a:noFill/>
-        </p:spPr>
-        <p:txBody>
-          <a:bodyPr wrap="square" rtlCol="0">
-            <a:spAutoFit/>
-          </a:bodyPr>
-          <a:p>
-            <a:pPr algn="ctr">
-              <a:lnSpc>
-                <a:spcPct val="130000"/>
-              </a:lnSpc>
-            </a:pPr>
-            <a:r>
-              <a:rPr lang="en-US" altLang="zh-CN" sz="2800" b="1">
-                <a:latin typeface="Times New Roman" panose="02020603050405020304" charset="0"/>
-                <a:cs typeface="Times New Roman" panose="02020603050405020304" charset="0"/>
-              </a:rPr>
-              <a:t>  </a:t>
-            </a:r>
-            <a:r>
-              <a:rPr lang="zh-CN" altLang="en-US" sz="2800" b="1">
-                <a:latin typeface="Times New Roman" panose="02020603050405020304" charset="0"/>
-                <a:cs typeface="Times New Roman" panose="02020603050405020304" charset="0"/>
-              </a:rPr>
-              <a:t>基于</a:t>
-            </a:r>
-            <a:r>
-              <a:rPr lang="en-US" altLang="zh-CN" sz="2800" b="1">
-                <a:latin typeface="Times New Roman" panose="02020603050405020304" charset="0"/>
-                <a:cs typeface="Times New Roman" panose="02020603050405020304" charset="0"/>
-              </a:rPr>
-              <a:t>MindSpore</a:t>
-            </a:r>
-            <a:r>
-              <a:rPr lang="zh-CN" altLang="en-US" sz="2800" b="1">
-                <a:latin typeface="Times New Roman" panose="02020603050405020304" charset="0"/>
-                <a:cs typeface="Times New Roman" panose="02020603050405020304" charset="0"/>
-              </a:rPr>
-              <a:t>的动态自适应训推优化引擎研究</a:t>
-            </a:r>
-            <a:endParaRPr lang="zh-CN" altLang="en-US" sz="2800" b="1">
-              <a:latin typeface="Times New Roman" panose="02020603050405020304" charset="0"/>
-              <a:cs typeface="Times New Roman" panose="02020603050405020304" charset="0"/>
-            </a:endParaRPr>
-          </a:p>
-        </p:txBody>
-      </p:sp>
-      <p:sp>
-        <p:nvSpPr>
-          <p:cNvPr id="3" name="矩形 2"/>
+          <p:cNvPr id="11" name="矩形 10"/>
           <p:cNvSpPr/>
           <p:nvPr/>
         </p:nvSpPr>
@@ -8457,9 +4267,4369 @@
           </a:p>
         </p:txBody>
       </p:sp>
+      <p:sp>
+        <p:nvSpPr>
+          <p:cNvPr id="12" name="文本框 11"/>
+          <p:cNvSpPr txBox="1"/>
+          <p:nvPr/>
+        </p:nvSpPr>
+        <p:spPr>
+          <a:xfrm>
+            <a:off x="916940" y="2567940"/>
+            <a:ext cx="10176510" cy="650875"/>
+          </a:xfrm>
+          <a:prstGeom prst="rect">
+            <a:avLst/>
+          </a:prstGeom>
+          <a:noFill/>
+        </p:spPr>
+        <p:txBody>
+          <a:bodyPr wrap="square" rtlCol="0">
+            <a:spAutoFit/>
+          </a:bodyPr>
+          <a:p>
+            <a:pPr algn="ctr">
+              <a:lnSpc>
+                <a:spcPct val="130000"/>
+              </a:lnSpc>
+            </a:pPr>
+            <a:r>
+              <a:rPr lang="en-US" sz="2800" b="1">
+                <a:latin typeface="Times New Roman" panose="02020603050405020304" charset="0"/>
+                <a:cs typeface="Times New Roman" panose="02020603050405020304" charset="0"/>
+              </a:rPr>
+              <a:t>verl</a:t>
+            </a:r>
+            <a:r>
+              <a:rPr lang="zh-CN" altLang="en-US" sz="2800" b="1">
+                <a:latin typeface="Times New Roman" panose="02020603050405020304" charset="0"/>
+                <a:cs typeface="Times New Roman" panose="02020603050405020304" charset="0"/>
+              </a:rPr>
+              <a:t>异步训推原理介绍及优化方案</a:t>
+            </a:r>
+            <a:r>
+              <a:rPr lang="zh-CN" altLang="en-US" sz="2800" b="1">
+                <a:latin typeface="Times New Roman" panose="02020603050405020304" charset="0"/>
+                <a:cs typeface="Times New Roman" panose="02020603050405020304" charset="0"/>
+              </a:rPr>
+              <a:t>讨论</a:t>
+            </a:r>
+            <a:endParaRPr lang="zh-CN" altLang="en-US" sz="2800" b="1">
+              <a:latin typeface="Times New Roman" panose="02020603050405020304" charset="0"/>
+              <a:cs typeface="Times New Roman" panose="02020603050405020304" charset="0"/>
+            </a:endParaRPr>
+          </a:p>
+        </p:txBody>
+      </p:sp>
+    </p:spTree>
+    <p:custDataLst>
+      <p:tags r:id="rId1"/>
+    </p:custDataLst>
+  </p:cSld>
+  <p:clrMapOvr>
+    <a:masterClrMapping/>
+  </p:clrMapOvr>
+</p:sld>
+</file>
+
+<file path=ppt/slides/slide2.xml><?xml version="1.0" encoding="utf-8"?>
+<p:sld xmlns:a="http://schemas.openxmlformats.org/drawingml/2006/main" xmlns:r="http://schemas.openxmlformats.org/officeDocument/2006/relationships" xmlns:p="http://schemas.openxmlformats.org/presentationml/2006/main">
+  <p:cSld>
+    <p:spTree>
+      <p:nvGrpSpPr>
+        <p:cNvPr id="1" name=""/>
+        <p:cNvGrpSpPr/>
+        <p:nvPr/>
+      </p:nvGrpSpPr>
+      <p:grpSpPr/>
+      <p:sp>
+        <p:nvSpPr>
+          <p:cNvPr id="18" name="矩形 17"/>
+          <p:cNvSpPr/>
+          <p:nvPr/>
+        </p:nvSpPr>
+        <p:spPr>
+          <a:xfrm>
+            <a:off x="0" y="135620"/>
+            <a:ext cx="89452" cy="526774"/>
+          </a:xfrm>
+          <a:prstGeom prst="rect">
+            <a:avLst/>
+          </a:prstGeom>
+          <a:solidFill>
+            <a:srgbClr val="C00000"/>
+          </a:solidFill>
+          <a:ln>
+            <a:noFill/>
+          </a:ln>
+        </p:spPr>
+        <p:style>
+          <a:lnRef idx="2">
+            <a:schemeClr val="accent1">
+              <a:shade val="50000"/>
+            </a:schemeClr>
+          </a:lnRef>
+          <a:fillRef idx="1">
+            <a:schemeClr val="accent1"/>
+          </a:fillRef>
+          <a:effectRef idx="0">
+            <a:schemeClr val="accent1"/>
+          </a:effectRef>
+          <a:fontRef idx="minor">
+            <a:schemeClr val="lt1"/>
+          </a:fontRef>
+        </p:style>
+        <p:txBody>
+          <a:bodyPr rtlCol="0" anchor="ctr"/>
+          <a:p>
+            <a:pPr algn="ctr"/>
+            <a:endParaRPr lang="zh-CN" altLang="en-US" b="1">
+              <a:latin typeface="Times New Roman" panose="02020603050405020304" charset="0"/>
+              <a:cs typeface="Times New Roman" panose="02020603050405020304" charset="0"/>
+            </a:endParaRPr>
+          </a:p>
+        </p:txBody>
+      </p:sp>
+      <p:sp>
+        <p:nvSpPr>
+          <p:cNvPr id="19" name="文本框 37"/>
+          <p:cNvSpPr txBox="1"/>
+          <p:nvPr/>
+        </p:nvSpPr>
+        <p:spPr>
+          <a:xfrm>
+            <a:off x="173355" y="165735"/>
+            <a:ext cx="6948805" cy="520700"/>
+          </a:xfrm>
+          <a:prstGeom prst="rect">
+            <a:avLst/>
+          </a:prstGeom>
+          <a:noFill/>
+        </p:spPr>
+        <p:txBody>
+          <a:bodyPr wrap="square" lIns="91431" tIns="45716" rIns="91431" bIns="45716" rtlCol="0">
+            <a:spAutoFit/>
+          </a:bodyPr>
+          <a:p>
+            <a:r>
+              <a:rPr lang="zh-CN" altLang="en-US" sz="2800" b="1" dirty="0">
+                <a:solidFill>
+                  <a:schemeClr val="tx1"/>
+                </a:solidFill>
+                <a:latin typeface="Times New Roman" panose="02020603050405020304" charset="0"/>
+                <a:cs typeface="Times New Roman" panose="02020603050405020304" charset="0"/>
+                <a:sym typeface="+mn-ea"/>
+              </a:rPr>
+              <a:t>一、</a:t>
+            </a:r>
+            <a:r>
+              <a:rPr lang="en-US" sz="2800" b="1" dirty="0">
+                <a:solidFill>
+                  <a:schemeClr val="tx1"/>
+                </a:solidFill>
+                <a:latin typeface="Times New Roman" panose="02020603050405020304" charset="0"/>
+                <a:cs typeface="Times New Roman" panose="02020603050405020304" charset="0"/>
+                <a:sym typeface="+mn-ea"/>
+              </a:rPr>
+              <a:t>Problem Defin</a:t>
+            </a:r>
+            <a:r>
+              <a:rPr lang="en-US" sz="2800" b="1" dirty="0">
+                <a:solidFill>
+                  <a:schemeClr val="tx1"/>
+                </a:solidFill>
+                <a:latin typeface="Times New Roman" panose="02020603050405020304" charset="0"/>
+                <a:cs typeface="Times New Roman" panose="02020603050405020304" charset="0"/>
+                <a:sym typeface="+mn-ea"/>
+              </a:rPr>
+              <a:t>ition</a:t>
+            </a:r>
+            <a:endParaRPr lang="en-US" sz="2800" b="1" dirty="0">
+              <a:solidFill>
+                <a:schemeClr val="tx1"/>
+              </a:solidFill>
+              <a:latin typeface="Times New Roman" panose="02020603050405020304" charset="0"/>
+              <a:cs typeface="Times New Roman" panose="02020603050405020304" charset="0"/>
+              <a:sym typeface="+mn-ea"/>
+            </a:endParaRPr>
+          </a:p>
+        </p:txBody>
+      </p:sp>
+      <p:pic>
+        <p:nvPicPr>
+          <p:cNvPr id="5" name="图片 4"/>
+          <p:cNvPicPr>
+            <a:picLocks noChangeAspect="1"/>
+          </p:cNvPicPr>
+          <p:nvPr/>
+        </p:nvPicPr>
+        <p:blipFill>
+          <a:blip r:embed="rId1"/>
+          <a:stretch>
+            <a:fillRect/>
+          </a:stretch>
+        </p:blipFill>
+        <p:spPr>
+          <a:xfrm>
+            <a:off x="1080770" y="1842135"/>
+            <a:ext cx="9829800" cy="4775200"/>
+          </a:xfrm>
+          <a:prstGeom prst="rect">
+            <a:avLst/>
+          </a:prstGeom>
+        </p:spPr>
+      </p:pic>
+      <p:sp>
+        <p:nvSpPr>
+          <p:cNvPr id="6" name="文本框 5"/>
+          <p:cNvSpPr txBox="1"/>
+          <p:nvPr/>
+        </p:nvSpPr>
+        <p:spPr>
+          <a:xfrm>
+            <a:off x="488315" y="982345"/>
+            <a:ext cx="11135995" cy="645160"/>
+          </a:xfrm>
+          <a:prstGeom prst="rect">
+            <a:avLst/>
+          </a:prstGeom>
+          <a:noFill/>
+        </p:spPr>
+        <p:txBody>
+          <a:bodyPr wrap="square" rtlCol="0">
+            <a:spAutoFit/>
+          </a:bodyPr>
+          <a:p>
+            <a:r>
+              <a:rPr lang="zh-CN" altLang="en-US" b="1">
+                <a:latin typeface="Times New Roman" panose="02020603050405020304" charset="0"/>
+                <a:cs typeface="Times New Roman" panose="02020603050405020304" charset="0"/>
+              </a:rPr>
+              <a:t>相比于共址（</a:t>
+            </a:r>
+            <a:r>
+              <a:rPr lang="en-US" altLang="zh-CN" b="1">
+                <a:latin typeface="Times New Roman" panose="02020603050405020304" charset="0"/>
+                <a:cs typeface="Times New Roman" panose="02020603050405020304" charset="0"/>
+              </a:rPr>
+              <a:t>colocate</a:t>
+            </a:r>
+            <a:r>
+              <a:rPr lang="zh-CN" altLang="en-US" b="1">
+                <a:latin typeface="Times New Roman" panose="02020603050405020304" charset="0"/>
+                <a:cs typeface="Times New Roman" panose="02020603050405020304" charset="0"/>
+              </a:rPr>
+              <a:t>）架构，分离式采样和训练架构可以更灵活地分配资源、设计更灵活的训练逻辑，</a:t>
+            </a:r>
+            <a:r>
+              <a:rPr lang="zh-CN" altLang="en-US" b="1">
+                <a:latin typeface="Times New Roman" panose="02020603050405020304" charset="0"/>
+                <a:cs typeface="Times New Roman" panose="02020603050405020304" charset="0"/>
+              </a:rPr>
+              <a:t>解决由长尾问题（</a:t>
+            </a:r>
+            <a:r>
+              <a:rPr lang="en-US" altLang="zh-CN" b="1">
+                <a:latin typeface="Times New Roman" panose="02020603050405020304" charset="0"/>
+                <a:cs typeface="Times New Roman" panose="02020603050405020304" charset="0"/>
+              </a:rPr>
+              <a:t>long-tail problems</a:t>
+            </a:r>
+            <a:r>
+              <a:rPr lang="zh-CN" altLang="en-US" b="1">
+                <a:latin typeface="Times New Roman" panose="02020603050405020304" charset="0"/>
+                <a:cs typeface="Times New Roman" panose="02020603050405020304" charset="0"/>
+              </a:rPr>
+              <a:t>）导致的</a:t>
+            </a:r>
+            <a:r>
+              <a:rPr lang="en-US" altLang="zh-CN" b="1">
+                <a:latin typeface="Times New Roman" panose="02020603050405020304" charset="0"/>
+                <a:cs typeface="Times New Roman" panose="02020603050405020304" charset="0"/>
+              </a:rPr>
+              <a:t> GPU </a:t>
+            </a:r>
+            <a:r>
+              <a:rPr lang="zh-CN" altLang="en-US" b="1">
+                <a:latin typeface="Times New Roman" panose="02020603050405020304" charset="0"/>
+                <a:cs typeface="Times New Roman" panose="02020603050405020304" charset="0"/>
+              </a:rPr>
+              <a:t>利用率低和训练效率不高等问题</a:t>
+            </a:r>
+            <a:endParaRPr lang="zh-CN" altLang="en-US" b="1">
+              <a:latin typeface="Times New Roman" panose="02020603050405020304" charset="0"/>
+              <a:cs typeface="Times New Roman" panose="02020603050405020304" charset="0"/>
+            </a:endParaRPr>
+          </a:p>
+        </p:txBody>
+      </p:sp>
+      <p:sp>
+        <p:nvSpPr>
+          <p:cNvPr id="7" name="文本框 6"/>
+          <p:cNvSpPr txBox="1"/>
+          <p:nvPr/>
+        </p:nvSpPr>
+        <p:spPr>
+          <a:xfrm>
+            <a:off x="4759960" y="4467225"/>
+            <a:ext cx="2672080" cy="306705"/>
+          </a:xfrm>
+          <a:prstGeom prst="rect">
+            <a:avLst/>
+          </a:prstGeom>
+          <a:noFill/>
+        </p:spPr>
+        <p:txBody>
+          <a:bodyPr wrap="square" rtlCol="0">
+            <a:spAutoFit/>
+          </a:bodyPr>
+          <a:p>
+            <a:r>
+              <a:rPr lang="zh-CN" altLang="en-US" sz="1400">
+                <a:solidFill>
+                  <a:srgbClr val="FF0000"/>
+                </a:solidFill>
+              </a:rPr>
+              <a:t>临时存储</a:t>
+            </a:r>
+            <a:r>
+              <a:rPr lang="en-US" altLang="zh-CN" sz="1400">
+                <a:solidFill>
+                  <a:srgbClr val="FF0000"/>
+                </a:solidFill>
+              </a:rPr>
+              <a:t>Rollouter</a:t>
+            </a:r>
+            <a:r>
+              <a:rPr lang="zh-CN" altLang="en-US" sz="1400">
+                <a:solidFill>
+                  <a:srgbClr val="FF0000"/>
+                </a:solidFill>
+              </a:rPr>
+              <a:t>生成的样本</a:t>
+            </a:r>
+            <a:endParaRPr lang="zh-CN" altLang="en-US" sz="1400">
+              <a:solidFill>
+                <a:srgbClr val="FF0000"/>
+              </a:solidFill>
+            </a:endParaRPr>
+          </a:p>
+        </p:txBody>
+      </p:sp>
+    </p:spTree>
+    <p:custDataLst>
+      <p:tags r:id="rId2"/>
+    </p:custDataLst>
+  </p:cSld>
+  <p:clrMapOvr>
+    <a:masterClrMapping/>
+  </p:clrMapOvr>
+</p:sld>
+</file>
+
+<file path=ppt/slides/slide3.xml><?xml version="1.0" encoding="utf-8"?>
+<p:sld xmlns:a="http://schemas.openxmlformats.org/drawingml/2006/main" xmlns:r="http://schemas.openxmlformats.org/officeDocument/2006/relationships" xmlns:p="http://schemas.openxmlformats.org/presentationml/2006/main">
+  <p:cSld>
+    <p:spTree>
+      <p:nvGrpSpPr>
+        <p:cNvPr id="1" name=""/>
+        <p:cNvGrpSpPr/>
+        <p:nvPr/>
+      </p:nvGrpSpPr>
+      <p:grpSpPr/>
+      <p:sp>
+        <p:nvSpPr>
+          <p:cNvPr id="18" name="矩形 17"/>
+          <p:cNvSpPr/>
+          <p:nvPr/>
+        </p:nvSpPr>
+        <p:spPr>
+          <a:xfrm>
+            <a:off x="0" y="135620"/>
+            <a:ext cx="89452" cy="526774"/>
+          </a:xfrm>
+          <a:prstGeom prst="rect">
+            <a:avLst/>
+          </a:prstGeom>
+          <a:solidFill>
+            <a:srgbClr val="C00000"/>
+          </a:solidFill>
+          <a:ln>
+            <a:noFill/>
+          </a:ln>
+        </p:spPr>
+        <p:style>
+          <a:lnRef idx="2">
+            <a:schemeClr val="accent1">
+              <a:shade val="50000"/>
+            </a:schemeClr>
+          </a:lnRef>
+          <a:fillRef idx="1">
+            <a:schemeClr val="accent1"/>
+          </a:fillRef>
+          <a:effectRef idx="0">
+            <a:schemeClr val="accent1"/>
+          </a:effectRef>
+          <a:fontRef idx="minor">
+            <a:schemeClr val="lt1"/>
+          </a:fontRef>
+        </p:style>
+        <p:txBody>
+          <a:bodyPr rtlCol="0" anchor="ctr"/>
+          <a:p>
+            <a:pPr algn="ctr"/>
+            <a:endParaRPr lang="zh-CN" altLang="en-US" b="1">
+              <a:latin typeface="Times New Roman" panose="02020603050405020304" charset="0"/>
+              <a:cs typeface="Times New Roman" panose="02020603050405020304" charset="0"/>
+            </a:endParaRPr>
+          </a:p>
+        </p:txBody>
+      </p:sp>
+      <p:sp>
+        <p:nvSpPr>
+          <p:cNvPr id="19" name="文本框 37"/>
+          <p:cNvSpPr txBox="1"/>
+          <p:nvPr/>
+        </p:nvSpPr>
+        <p:spPr>
+          <a:xfrm>
+            <a:off x="173355" y="165735"/>
+            <a:ext cx="6948805" cy="520700"/>
+          </a:xfrm>
+          <a:prstGeom prst="rect">
+            <a:avLst/>
+          </a:prstGeom>
+          <a:noFill/>
+        </p:spPr>
+        <p:txBody>
+          <a:bodyPr wrap="square" lIns="91431" tIns="45716" rIns="91431" bIns="45716" rtlCol="0">
+            <a:spAutoFit/>
+          </a:bodyPr>
+          <a:p>
+            <a:r>
+              <a:rPr lang="zh-CN" altLang="en-US" sz="2800" b="1" dirty="0">
+                <a:solidFill>
+                  <a:schemeClr val="tx1"/>
+                </a:solidFill>
+                <a:latin typeface="Times New Roman" panose="02020603050405020304" charset="0"/>
+                <a:cs typeface="Times New Roman" panose="02020603050405020304" charset="0"/>
+                <a:sym typeface="+mn-ea"/>
+              </a:rPr>
+              <a:t>一、</a:t>
+            </a:r>
+            <a:r>
+              <a:rPr lang="en-US" sz="2800" b="1" dirty="0">
+                <a:solidFill>
+                  <a:schemeClr val="tx1"/>
+                </a:solidFill>
+                <a:latin typeface="Times New Roman" panose="02020603050405020304" charset="0"/>
+                <a:cs typeface="Times New Roman" panose="02020603050405020304" charset="0"/>
+                <a:sym typeface="+mn-ea"/>
+              </a:rPr>
+              <a:t>Problem Defin</a:t>
+            </a:r>
+            <a:r>
+              <a:rPr lang="en-US" sz="2800" b="1" dirty="0">
+                <a:solidFill>
+                  <a:schemeClr val="tx1"/>
+                </a:solidFill>
+                <a:latin typeface="Times New Roman" panose="02020603050405020304" charset="0"/>
+                <a:cs typeface="Times New Roman" panose="02020603050405020304" charset="0"/>
+                <a:sym typeface="+mn-ea"/>
+              </a:rPr>
+              <a:t>ition</a:t>
+            </a:r>
+            <a:endParaRPr lang="en-US" sz="2800" b="1" dirty="0">
+              <a:solidFill>
+                <a:schemeClr val="tx1"/>
+              </a:solidFill>
+              <a:latin typeface="Times New Roman" panose="02020603050405020304" charset="0"/>
+              <a:cs typeface="Times New Roman" panose="02020603050405020304" charset="0"/>
+              <a:sym typeface="+mn-ea"/>
+            </a:endParaRPr>
+          </a:p>
+        </p:txBody>
+      </p:sp>
+      <p:pic>
+        <p:nvPicPr>
+          <p:cNvPr id="3" name="图片 2"/>
+          <p:cNvPicPr>
+            <a:picLocks noChangeAspect="1"/>
+          </p:cNvPicPr>
+          <p:nvPr/>
+        </p:nvPicPr>
+        <p:blipFill>
+          <a:blip r:embed="rId1"/>
+          <a:stretch>
+            <a:fillRect/>
+          </a:stretch>
+        </p:blipFill>
+        <p:spPr>
+          <a:xfrm>
+            <a:off x="596900" y="2337435"/>
+            <a:ext cx="10604500" cy="4294505"/>
+          </a:xfrm>
+          <a:prstGeom prst="rect">
+            <a:avLst/>
+          </a:prstGeom>
+        </p:spPr>
+      </p:pic>
+      <p:sp>
+        <p:nvSpPr>
+          <p:cNvPr id="4" name="文本框 3"/>
+          <p:cNvSpPr txBox="1"/>
+          <p:nvPr/>
+        </p:nvSpPr>
+        <p:spPr>
+          <a:xfrm>
+            <a:off x="596900" y="802005"/>
+            <a:ext cx="11501120" cy="1419860"/>
+          </a:xfrm>
+          <a:prstGeom prst="rect">
+            <a:avLst/>
+          </a:prstGeom>
+          <a:noFill/>
+        </p:spPr>
+        <p:txBody>
+          <a:bodyPr wrap="square" rtlCol="0">
+            <a:spAutoFit/>
+          </a:bodyPr>
+          <a:p>
+            <a:pPr>
+              <a:lnSpc>
+                <a:spcPct val="120000"/>
+              </a:lnSpc>
+            </a:pPr>
+            <a:r>
+              <a:rPr lang="en-US" altLang="zh-CN" b="1">
+                <a:latin typeface="Times New Roman" panose="02020603050405020304" charset="0"/>
+                <a:cs typeface="Times New Roman" panose="02020603050405020304" charset="0"/>
+              </a:rPr>
+              <a:t>Async stream pipeline with partial rollout</a:t>
+            </a:r>
+            <a:r>
+              <a:rPr lang="zh-CN" altLang="en-US" b="1">
+                <a:latin typeface="Times New Roman" panose="02020603050405020304" charset="0"/>
+                <a:cs typeface="Times New Roman" panose="02020603050405020304" charset="0"/>
+              </a:rPr>
+              <a:t>（部分采样异步流式流水线）：</a:t>
+            </a:r>
+            <a:endParaRPr lang="en-US" altLang="zh-CN" b="1">
+              <a:latin typeface="Times New Roman" panose="02020603050405020304" charset="0"/>
+              <a:cs typeface="Times New Roman" panose="02020603050405020304" charset="0"/>
+            </a:endParaRPr>
+          </a:p>
+          <a:p>
+            <a:pPr>
+              <a:lnSpc>
+                <a:spcPct val="120000"/>
+              </a:lnSpc>
+            </a:pPr>
+            <a:r>
+              <a:rPr lang="en-US" altLang="zh-CN">
+                <a:latin typeface="Times New Roman" panose="02020603050405020304" charset="0"/>
+                <a:cs typeface="Times New Roman" panose="02020603050405020304" charset="0"/>
+              </a:rPr>
+              <a:t>trigger_parameter_sync_step&gt;=1, staleness_threshold&gt;0, partial_rollout=True</a:t>
+            </a:r>
+            <a:endParaRPr lang="en-US" altLang="zh-CN">
+              <a:latin typeface="Times New Roman" panose="02020603050405020304" charset="0"/>
+              <a:cs typeface="Times New Roman" panose="02020603050405020304" charset="0"/>
+            </a:endParaRPr>
+          </a:p>
+          <a:p>
+            <a:pPr>
+              <a:lnSpc>
+                <a:spcPct val="120000"/>
+              </a:lnSpc>
+            </a:pPr>
+            <a:r>
+              <a:rPr lang="zh-CN" altLang="en-US">
+                <a:latin typeface="Times New Roman" panose="02020603050405020304" charset="0"/>
+                <a:cs typeface="Times New Roman" panose="02020603050405020304" charset="0"/>
+              </a:rPr>
+              <a:t>在触发参数同步时，如果</a:t>
+            </a:r>
+            <a:r>
+              <a:rPr lang="en-US" altLang="zh-CN">
+                <a:latin typeface="Times New Roman" panose="02020603050405020304" charset="0"/>
+                <a:cs typeface="Times New Roman" panose="02020603050405020304" charset="0"/>
+              </a:rPr>
+              <a:t>Rollouter </a:t>
+            </a:r>
+            <a:r>
+              <a:rPr lang="zh-CN" altLang="en-US">
+                <a:latin typeface="Times New Roman" panose="02020603050405020304" charset="0"/>
+                <a:cs typeface="Times New Roman" panose="02020603050405020304" charset="0"/>
+              </a:rPr>
+              <a:t>有正在生成的样本，它将中断采样过程并进行参数同步。中断的样本将在同步后继续生成。这减少了等待活动任务完成的时间。</a:t>
+            </a:r>
+            <a:endParaRPr lang="zh-CN" altLang="en-US">
+              <a:latin typeface="Times New Roman" panose="02020603050405020304" charset="0"/>
+              <a:cs typeface="Times New Roman" panose="02020603050405020304" charset="0"/>
+            </a:endParaRPr>
+          </a:p>
+        </p:txBody>
+      </p:sp>
+    </p:spTree>
+    <p:custDataLst>
+      <p:tags r:id="rId2"/>
+    </p:custDataLst>
+  </p:cSld>
+  <p:clrMapOvr>
+    <a:masterClrMapping/>
+  </p:clrMapOvr>
+</p:sld>
+</file>
+
+<file path=ppt/slides/slide4.xml><?xml version="1.0" encoding="utf-8"?>
+<p:sld xmlns:a="http://schemas.openxmlformats.org/drawingml/2006/main" xmlns:r="http://schemas.openxmlformats.org/officeDocument/2006/relationships" xmlns:p="http://schemas.openxmlformats.org/presentationml/2006/main">
+  <p:cSld>
+    <p:spTree>
+      <p:nvGrpSpPr>
+        <p:cNvPr id="1" name=""/>
+        <p:cNvGrpSpPr/>
+        <p:nvPr/>
+      </p:nvGrpSpPr>
+      <p:grpSpPr/>
+      <p:sp>
+        <p:nvSpPr>
+          <p:cNvPr id="18" name="矩形 17"/>
+          <p:cNvSpPr/>
+          <p:nvPr/>
+        </p:nvSpPr>
+        <p:spPr>
+          <a:xfrm>
+            <a:off x="0" y="135620"/>
+            <a:ext cx="89452" cy="526774"/>
+          </a:xfrm>
+          <a:prstGeom prst="rect">
+            <a:avLst/>
+          </a:prstGeom>
+          <a:solidFill>
+            <a:srgbClr val="C00000"/>
+          </a:solidFill>
+          <a:ln>
+            <a:noFill/>
+          </a:ln>
+        </p:spPr>
+        <p:style>
+          <a:lnRef idx="2">
+            <a:schemeClr val="accent1">
+              <a:shade val="50000"/>
+            </a:schemeClr>
+          </a:lnRef>
+          <a:fillRef idx="1">
+            <a:schemeClr val="accent1"/>
+          </a:fillRef>
+          <a:effectRef idx="0">
+            <a:schemeClr val="accent1"/>
+          </a:effectRef>
+          <a:fontRef idx="minor">
+            <a:schemeClr val="lt1"/>
+          </a:fontRef>
+        </p:style>
+        <p:txBody>
+          <a:bodyPr rtlCol="0" anchor="ctr"/>
+          <a:p>
+            <a:pPr algn="ctr"/>
+            <a:endParaRPr lang="zh-CN" altLang="en-US" b="1">
+              <a:latin typeface="Times New Roman" panose="02020603050405020304" charset="0"/>
+              <a:cs typeface="Times New Roman" panose="02020603050405020304" charset="0"/>
+            </a:endParaRPr>
+          </a:p>
+        </p:txBody>
+      </p:sp>
+      <p:sp>
+        <p:nvSpPr>
+          <p:cNvPr id="19" name="文本框 37"/>
+          <p:cNvSpPr txBox="1"/>
+          <p:nvPr/>
+        </p:nvSpPr>
+        <p:spPr>
+          <a:xfrm>
+            <a:off x="173355" y="165735"/>
+            <a:ext cx="6948805" cy="520700"/>
+          </a:xfrm>
+          <a:prstGeom prst="rect">
+            <a:avLst/>
+          </a:prstGeom>
+          <a:noFill/>
+        </p:spPr>
+        <p:txBody>
+          <a:bodyPr wrap="square" lIns="91431" tIns="45716" rIns="91431" bIns="45716" rtlCol="0">
+            <a:spAutoFit/>
+          </a:bodyPr>
+          <a:p>
+            <a:r>
+              <a:rPr lang="zh-CN" altLang="en-US" sz="2800" b="1" dirty="0">
+                <a:solidFill>
+                  <a:schemeClr val="tx1"/>
+                </a:solidFill>
+                <a:latin typeface="Times New Roman" panose="02020603050405020304" charset="0"/>
+                <a:cs typeface="Times New Roman" panose="02020603050405020304" charset="0"/>
+                <a:sym typeface="+mn-ea"/>
+              </a:rPr>
+              <a:t>一、</a:t>
+            </a:r>
+            <a:r>
+              <a:rPr lang="en-US" sz="2800" b="1" dirty="0">
+                <a:solidFill>
+                  <a:schemeClr val="tx1"/>
+                </a:solidFill>
+                <a:latin typeface="Times New Roman" panose="02020603050405020304" charset="0"/>
+                <a:cs typeface="Times New Roman" panose="02020603050405020304" charset="0"/>
+                <a:sym typeface="+mn-ea"/>
+              </a:rPr>
+              <a:t>Problem Defin</a:t>
+            </a:r>
+            <a:r>
+              <a:rPr lang="en-US" sz="2800" b="1" dirty="0">
+                <a:solidFill>
+                  <a:schemeClr val="tx1"/>
+                </a:solidFill>
+                <a:latin typeface="Times New Roman" panose="02020603050405020304" charset="0"/>
+                <a:cs typeface="Times New Roman" panose="02020603050405020304" charset="0"/>
+                <a:sym typeface="+mn-ea"/>
+              </a:rPr>
+              <a:t>ition</a:t>
+            </a:r>
+            <a:endParaRPr lang="en-US" sz="2800" b="1" dirty="0">
+              <a:solidFill>
+                <a:schemeClr val="tx1"/>
+              </a:solidFill>
+              <a:latin typeface="Times New Roman" panose="02020603050405020304" charset="0"/>
+              <a:cs typeface="Times New Roman" panose="02020603050405020304" charset="0"/>
+              <a:sym typeface="+mn-ea"/>
+            </a:endParaRPr>
+          </a:p>
+        </p:txBody>
+      </p:sp>
+      <p:pic>
+        <p:nvPicPr>
+          <p:cNvPr id="2" name="图片 1"/>
+          <p:cNvPicPr>
+            <a:picLocks noChangeAspect="1"/>
+          </p:cNvPicPr>
+          <p:nvPr/>
+        </p:nvPicPr>
+        <p:blipFill>
+          <a:blip r:embed="rId1"/>
+          <a:stretch>
+            <a:fillRect/>
+          </a:stretch>
+        </p:blipFill>
+        <p:spPr>
+          <a:xfrm>
+            <a:off x="1888490" y="3719830"/>
+            <a:ext cx="3517900" cy="1202055"/>
+          </a:xfrm>
+          <a:prstGeom prst="rect">
+            <a:avLst/>
+          </a:prstGeom>
+        </p:spPr>
+      </p:pic>
+      <p:sp>
+        <p:nvSpPr>
+          <p:cNvPr id="3" name="文本框 2"/>
+          <p:cNvSpPr txBox="1"/>
+          <p:nvPr/>
+        </p:nvSpPr>
+        <p:spPr>
+          <a:xfrm>
+            <a:off x="7122160" y="3834765"/>
+            <a:ext cx="2929890" cy="829945"/>
+          </a:xfrm>
+          <a:prstGeom prst="rect">
+            <a:avLst/>
+          </a:prstGeom>
+          <a:noFill/>
+        </p:spPr>
+        <p:txBody>
+          <a:bodyPr wrap="square" rtlCol="0">
+            <a:spAutoFit/>
+          </a:bodyPr>
+          <a:p>
+            <a:r>
+              <a:rPr lang="en-US" altLang="zh-CN" sz="2400" b="1">
+                <a:latin typeface="Times New Roman" panose="02020603050405020304" charset="0"/>
+                <a:ea typeface="微软雅黑" panose="020B0503020204020204" charset="-122"/>
+                <a:cs typeface="Times New Roman" panose="02020603050405020304" charset="0"/>
+              </a:rPr>
+              <a:t>1. </a:t>
+            </a:r>
+            <a:r>
+              <a:rPr lang="zh-CN" altLang="en-US" sz="2400" b="1">
+                <a:latin typeface="Times New Roman" panose="02020603050405020304" charset="0"/>
+                <a:ea typeface="微软雅黑" panose="020B0503020204020204" charset="-122"/>
+                <a:cs typeface="Times New Roman" panose="02020603050405020304" charset="0"/>
+              </a:rPr>
+              <a:t>定位长尾</a:t>
+            </a:r>
+            <a:r>
+              <a:rPr lang="en-US" altLang="zh-CN" sz="2400" b="1">
+                <a:latin typeface="Times New Roman" panose="02020603050405020304" charset="0"/>
+                <a:ea typeface="微软雅黑" panose="020B0503020204020204" charset="-122"/>
+                <a:cs typeface="Times New Roman" panose="02020603050405020304" charset="0"/>
+              </a:rPr>
+              <a:t>Samples</a:t>
+            </a:r>
+            <a:endParaRPr lang="en-US" altLang="zh-CN" sz="2400" b="1">
+              <a:latin typeface="Times New Roman" panose="02020603050405020304" charset="0"/>
+              <a:ea typeface="微软雅黑" panose="020B0503020204020204" charset="-122"/>
+              <a:cs typeface="Times New Roman" panose="02020603050405020304" charset="0"/>
+            </a:endParaRPr>
+          </a:p>
+          <a:p>
+            <a:r>
+              <a:rPr lang="en-US" altLang="zh-CN" sz="2400" b="1">
+                <a:latin typeface="Times New Roman" panose="02020603050405020304" charset="0"/>
+                <a:ea typeface="微软雅黑" panose="020B0503020204020204" charset="-122"/>
+                <a:cs typeface="Times New Roman" panose="02020603050405020304" charset="0"/>
+              </a:rPr>
+              <a:t>2. </a:t>
+            </a:r>
+            <a:r>
+              <a:rPr lang="zh-CN" altLang="en-US" sz="2400" b="1">
+                <a:latin typeface="Times New Roman" panose="02020603050405020304" charset="0"/>
+                <a:ea typeface="微软雅黑" panose="020B0503020204020204" charset="-122"/>
+                <a:cs typeface="Times New Roman" panose="02020603050405020304" charset="0"/>
+              </a:rPr>
+              <a:t>处理</a:t>
+            </a:r>
+            <a:r>
+              <a:rPr lang="en-US" altLang="zh-CN" sz="2400" b="1">
+                <a:latin typeface="Times New Roman" panose="02020603050405020304" charset="0"/>
+                <a:ea typeface="微软雅黑" panose="020B0503020204020204" charset="-122"/>
+                <a:cs typeface="Times New Roman" panose="02020603050405020304" charset="0"/>
+              </a:rPr>
+              <a:t>Samples</a:t>
+            </a:r>
+            <a:endParaRPr lang="en-US" altLang="zh-CN" sz="2400" b="1">
+              <a:latin typeface="Times New Roman" panose="02020603050405020304" charset="0"/>
+              <a:ea typeface="微软雅黑" panose="020B0503020204020204" charset="-122"/>
+              <a:cs typeface="Times New Roman" panose="02020603050405020304" charset="0"/>
+            </a:endParaRPr>
+          </a:p>
+        </p:txBody>
+      </p:sp>
+      <p:sp>
+        <p:nvSpPr>
+          <p:cNvPr id="4" name="文本框 3"/>
+          <p:cNvSpPr txBox="1"/>
+          <p:nvPr/>
+        </p:nvSpPr>
+        <p:spPr>
+          <a:xfrm>
+            <a:off x="628015" y="1855470"/>
+            <a:ext cx="10789285" cy="810260"/>
+          </a:xfrm>
+          <a:prstGeom prst="rect">
+            <a:avLst/>
+          </a:prstGeom>
+          <a:noFill/>
+        </p:spPr>
+        <p:txBody>
+          <a:bodyPr wrap="square" rtlCol="0">
+            <a:spAutoFit/>
+          </a:bodyPr>
+          <a:p>
+            <a:pPr>
+              <a:lnSpc>
+                <a:spcPct val="130000"/>
+              </a:lnSpc>
+            </a:pPr>
+            <a:r>
+              <a:rPr lang="zh-CN" altLang="en-US" b="1">
+                <a:latin typeface="Times New Roman" panose="02020603050405020304" charset="0"/>
+                <a:cs typeface="Times New Roman" panose="02020603050405020304" charset="0"/>
+              </a:rPr>
+              <a:t>长尾阻塞</a:t>
+            </a:r>
+            <a:r>
+              <a:rPr lang="en-US" altLang="zh-CN" b="1">
+                <a:latin typeface="Times New Roman" panose="02020603050405020304" charset="0"/>
+                <a:cs typeface="Times New Roman" panose="02020603050405020304" charset="0"/>
+              </a:rPr>
+              <a:t> (Straggler Effect)</a:t>
+            </a:r>
+            <a:r>
+              <a:rPr lang="zh-CN" altLang="en-US" b="1">
+                <a:latin typeface="Times New Roman" panose="02020603050405020304" charset="0"/>
+                <a:cs typeface="Times New Roman" panose="02020603050405020304" charset="0"/>
+              </a:rPr>
+              <a:t>：</a:t>
+            </a:r>
+            <a:r>
+              <a:rPr lang="zh-CN" altLang="en-US">
+                <a:latin typeface="Times New Roman" panose="02020603050405020304" charset="0"/>
+                <a:cs typeface="Times New Roman" panose="02020603050405020304" charset="0"/>
+              </a:rPr>
+              <a:t>推理任务（尤其是</a:t>
+            </a:r>
+            <a:r>
+              <a:rPr lang="en-US" altLang="zh-CN">
+                <a:latin typeface="Times New Roman" panose="02020603050405020304" charset="0"/>
+                <a:cs typeface="Times New Roman" panose="02020603050405020304" charset="0"/>
+              </a:rPr>
+              <a:t> CoT </a:t>
+            </a:r>
+            <a:r>
+              <a:rPr lang="zh-CN" altLang="en-US">
+                <a:latin typeface="Times New Roman" panose="02020603050405020304" charset="0"/>
+                <a:cs typeface="Times New Roman" panose="02020603050405020304" charset="0"/>
+              </a:rPr>
+              <a:t>推理）的输出长度方差极大。在同步训练中，</a:t>
+            </a:r>
+            <a:r>
+              <a:rPr lang="en-US" altLang="zh-CN">
+                <a:latin typeface="Times New Roman" panose="02020603050405020304" charset="0"/>
+                <a:cs typeface="Times New Roman" panose="02020603050405020304" charset="0"/>
+              </a:rPr>
+              <a:t>1% </a:t>
+            </a:r>
+            <a:r>
+              <a:rPr lang="zh-CN" altLang="en-US">
+                <a:latin typeface="Times New Roman" panose="02020603050405020304" charset="0"/>
+                <a:cs typeface="Times New Roman" panose="02020603050405020304" charset="0"/>
+              </a:rPr>
+              <a:t>的长尾样本会迫使</a:t>
+            </a:r>
+            <a:r>
+              <a:rPr lang="en-US" altLang="zh-CN">
+                <a:latin typeface="Times New Roman" panose="02020603050405020304" charset="0"/>
+                <a:cs typeface="Times New Roman" panose="02020603050405020304" charset="0"/>
+              </a:rPr>
+              <a:t> 99% </a:t>
+            </a:r>
+            <a:r>
+              <a:rPr lang="zh-CN" altLang="en-US">
+                <a:latin typeface="Times New Roman" panose="02020603050405020304" charset="0"/>
+                <a:cs typeface="Times New Roman" panose="02020603050405020304" charset="0"/>
+              </a:rPr>
+              <a:t>的短样本所在的</a:t>
+            </a:r>
+            <a:r>
+              <a:rPr lang="en-US" altLang="zh-CN">
+                <a:latin typeface="Times New Roman" panose="02020603050405020304" charset="0"/>
+                <a:cs typeface="Times New Roman" panose="02020603050405020304" charset="0"/>
+              </a:rPr>
+              <a:t> GPU </a:t>
+            </a:r>
+            <a:r>
+              <a:rPr lang="zh-CN" altLang="en-US">
+                <a:latin typeface="Times New Roman" panose="02020603050405020304" charset="0"/>
+                <a:cs typeface="Times New Roman" panose="02020603050405020304" charset="0"/>
+              </a:rPr>
+              <a:t>等待，导致巨大的算力浪费。</a:t>
+            </a:r>
+            <a:endParaRPr lang="zh-CN" altLang="en-US">
+              <a:latin typeface="Times New Roman" panose="02020603050405020304" charset="0"/>
+              <a:cs typeface="Times New Roman" panose="02020603050405020304" charset="0"/>
+            </a:endParaRPr>
+          </a:p>
+        </p:txBody>
+      </p:sp>
+    </p:spTree>
+    <p:custDataLst>
+      <p:tags r:id="rId2"/>
+    </p:custDataLst>
+  </p:cSld>
+  <p:clrMapOvr>
+    <a:masterClrMapping/>
+  </p:clrMapOvr>
+</p:sld>
+</file>
+
+<file path=ppt/slides/slide5.xml><?xml version="1.0" encoding="utf-8"?>
+<p:sld xmlns:a="http://schemas.openxmlformats.org/drawingml/2006/main" xmlns:r="http://schemas.openxmlformats.org/officeDocument/2006/relationships" xmlns:p="http://schemas.openxmlformats.org/presentationml/2006/main">
+  <p:cSld>
+    <p:spTree>
+      <p:nvGrpSpPr>
+        <p:cNvPr id="1" name=""/>
+        <p:cNvGrpSpPr/>
+        <p:nvPr/>
+      </p:nvGrpSpPr>
+      <p:grpSpPr/>
+      <p:sp>
+        <p:nvSpPr>
+          <p:cNvPr id="18" name="矩形 17"/>
+          <p:cNvSpPr/>
+          <p:nvPr/>
+        </p:nvSpPr>
+        <p:spPr>
+          <a:xfrm>
+            <a:off x="0" y="135620"/>
+            <a:ext cx="89452" cy="526774"/>
+          </a:xfrm>
+          <a:prstGeom prst="rect">
+            <a:avLst/>
+          </a:prstGeom>
+          <a:solidFill>
+            <a:srgbClr val="C00000"/>
+          </a:solidFill>
+          <a:ln>
+            <a:noFill/>
+          </a:ln>
+        </p:spPr>
+        <p:style>
+          <a:lnRef idx="2">
+            <a:schemeClr val="accent1">
+              <a:shade val="50000"/>
+            </a:schemeClr>
+          </a:lnRef>
+          <a:fillRef idx="1">
+            <a:schemeClr val="accent1"/>
+          </a:fillRef>
+          <a:effectRef idx="0">
+            <a:schemeClr val="accent1"/>
+          </a:effectRef>
+          <a:fontRef idx="minor">
+            <a:schemeClr val="lt1"/>
+          </a:fontRef>
+        </p:style>
+        <p:txBody>
+          <a:bodyPr rtlCol="0" anchor="ctr"/>
+          <a:p>
+            <a:pPr algn="ctr"/>
+            <a:endParaRPr lang="zh-CN" altLang="en-US" b="1">
+              <a:latin typeface="Times New Roman" panose="02020603050405020304" charset="0"/>
+              <a:cs typeface="Times New Roman" panose="02020603050405020304" charset="0"/>
+            </a:endParaRPr>
+          </a:p>
+        </p:txBody>
+      </p:sp>
+      <p:sp>
+        <p:nvSpPr>
+          <p:cNvPr id="19" name="文本框 37"/>
+          <p:cNvSpPr txBox="1"/>
+          <p:nvPr/>
+        </p:nvSpPr>
+        <p:spPr>
+          <a:xfrm>
+            <a:off x="173355" y="165735"/>
+            <a:ext cx="11476355" cy="520700"/>
+          </a:xfrm>
+          <a:prstGeom prst="rect">
+            <a:avLst/>
+          </a:prstGeom>
+          <a:noFill/>
+        </p:spPr>
+        <p:txBody>
+          <a:bodyPr wrap="square" lIns="91431" tIns="45716" rIns="91431" bIns="45716" rtlCol="0">
+            <a:spAutoFit/>
+          </a:bodyPr>
+          <a:p>
+            <a:pPr algn="l">
+              <a:buClrTx/>
+              <a:buSzTx/>
+              <a:buFontTx/>
+            </a:pPr>
+            <a:r>
+              <a:rPr lang="zh-CN" altLang="en-US" sz="2800" b="1" dirty="0">
+                <a:solidFill>
+                  <a:schemeClr val="tx1"/>
+                </a:solidFill>
+                <a:latin typeface="Times New Roman" panose="02020603050405020304" charset="0"/>
+                <a:cs typeface="Times New Roman" panose="02020603050405020304" charset="0"/>
+                <a:sym typeface="+mn-ea"/>
+              </a:rPr>
+              <a:t>二、方案优化</a:t>
+            </a:r>
+            <a:r>
+              <a:rPr lang="en-US" altLang="zh-CN" sz="2800" b="1" dirty="0">
+                <a:solidFill>
+                  <a:schemeClr val="tx1"/>
+                </a:solidFill>
+                <a:latin typeface="Times New Roman" panose="02020603050405020304" charset="0"/>
+                <a:cs typeface="Times New Roman" panose="02020603050405020304" charset="0"/>
+                <a:sym typeface="+mn-ea"/>
+              </a:rPr>
+              <a:t>: </a:t>
+            </a:r>
+            <a:r>
+              <a:rPr lang="en-US" altLang="zh-CN" sz="1800" b="1">
+                <a:solidFill>
+                  <a:srgbClr val="C00000"/>
+                </a:solidFill>
+                <a:latin typeface="Times New Roman" panose="02020603050405020304" charset="0"/>
+                <a:cs typeface="Times New Roman" panose="02020603050405020304" charset="0"/>
+                <a:sym typeface="+mn-ea"/>
+              </a:rPr>
+              <a:t>StreamRL: Scalable, Heterogeneous, RL for LLMs with Disaggregeted Stream Generation</a:t>
+            </a:r>
+            <a:endParaRPr lang="zh-CN" altLang="en-US" sz="2800" b="1" dirty="0">
+              <a:solidFill>
+                <a:schemeClr val="tx1"/>
+              </a:solidFill>
+              <a:latin typeface="Times New Roman" panose="02020603050405020304" charset="0"/>
+              <a:cs typeface="Times New Roman" panose="02020603050405020304" charset="0"/>
+              <a:sym typeface="+mn-ea"/>
+            </a:endParaRPr>
+          </a:p>
+        </p:txBody>
+      </p:sp>
+      <p:sp>
+        <p:nvSpPr>
+          <p:cNvPr id="5" name="文本框 4"/>
+          <p:cNvSpPr txBox="1"/>
+          <p:nvPr/>
+        </p:nvSpPr>
+        <p:spPr>
+          <a:xfrm>
+            <a:off x="89535" y="870585"/>
+            <a:ext cx="11910695" cy="1560830"/>
+          </a:xfrm>
+          <a:prstGeom prst="rect">
+            <a:avLst/>
+          </a:prstGeom>
+          <a:noFill/>
+        </p:spPr>
+        <p:txBody>
+          <a:bodyPr wrap="square" rtlCol="0">
+            <a:noAutofit/>
+          </a:bodyPr>
+          <a:p>
+            <a:pPr algn="l">
+              <a:lnSpc>
+                <a:spcPct val="130000"/>
+              </a:lnSpc>
+              <a:buClrTx/>
+              <a:buSzTx/>
+              <a:buFontTx/>
+            </a:pPr>
+            <a:r>
+              <a:rPr lang="zh-CN" altLang="en-US" sz="1800" b="1">
+                <a:latin typeface="Times New Roman" panose="02020603050405020304" charset="0"/>
+                <a:cs typeface="Times New Roman" panose="02020603050405020304" charset="0"/>
+              </a:rPr>
+              <a:t>一、识别长尾</a:t>
+            </a:r>
+            <a:r>
+              <a:rPr lang="zh-CN" altLang="en-US" sz="1800" b="1">
+                <a:latin typeface="Times New Roman" panose="02020603050405020304" charset="0"/>
+                <a:cs typeface="Times New Roman" panose="02020603050405020304" charset="0"/>
+              </a:rPr>
+              <a:t>问题</a:t>
+            </a:r>
+            <a:endParaRPr lang="zh-CN" altLang="en-US" sz="1800" b="1">
+              <a:latin typeface="Times New Roman" panose="02020603050405020304" charset="0"/>
+              <a:cs typeface="Times New Roman" panose="02020603050405020304" charset="0"/>
+            </a:endParaRPr>
+          </a:p>
+          <a:p>
+            <a:pPr algn="l">
+              <a:lnSpc>
+                <a:spcPct val="130000"/>
+              </a:lnSpc>
+              <a:buClrTx/>
+              <a:buSzTx/>
+              <a:buFontTx/>
+              <a:buNone/>
+            </a:pPr>
+            <a:r>
+              <a:rPr lang="zh-CN" altLang="en-US" sz="1400">
+                <a:latin typeface="Times New Roman" panose="02020603050405020304" charset="0"/>
+                <a:cs typeface="Times New Roman" panose="02020603050405020304" charset="0"/>
+              </a:rPr>
+              <a:t>事先</a:t>
+            </a:r>
+            <a:r>
+              <a:rPr lang="en-US" altLang="zh-CN" sz="1400">
+                <a:latin typeface="Times New Roman" panose="02020603050405020304" charset="0"/>
+                <a:cs typeface="Times New Roman" panose="02020603050405020304" charset="0"/>
+              </a:rPr>
+              <a:t>SFT</a:t>
+            </a:r>
+            <a:r>
+              <a:rPr lang="zh-CN" altLang="en-US" sz="1400">
+                <a:latin typeface="Times New Roman" panose="02020603050405020304" charset="0"/>
+                <a:cs typeface="Times New Roman" panose="02020603050405020304" charset="0"/>
+              </a:rPr>
+              <a:t>一个小模型</a:t>
+            </a:r>
+            <a:r>
+              <a:rPr lang="en-US" altLang="zh-CN" sz="1400">
+                <a:latin typeface="Times New Roman" panose="02020603050405020304" charset="0"/>
+                <a:cs typeface="Times New Roman" panose="02020603050405020304" charset="0"/>
+              </a:rPr>
+              <a:t>LLM model</a:t>
+            </a:r>
+            <a:r>
+              <a:rPr lang="zh-CN" altLang="en-US" sz="1400">
+                <a:latin typeface="Times New Roman" panose="02020603050405020304" charset="0"/>
+                <a:cs typeface="Times New Roman" panose="02020603050405020304" charset="0"/>
+              </a:rPr>
+              <a:t>，对</a:t>
+            </a:r>
+            <a:r>
+              <a:rPr lang="en-US" altLang="zh-CN" sz="1400">
+                <a:latin typeface="Times New Roman" panose="02020603050405020304" charset="0"/>
+                <a:cs typeface="Times New Roman" panose="02020603050405020304" charset="0"/>
+              </a:rPr>
+              <a:t>Prompt</a:t>
+            </a:r>
+            <a:r>
+              <a:rPr lang="zh-CN" altLang="en-US" sz="1400">
+                <a:latin typeface="Times New Roman" panose="02020603050405020304" charset="0"/>
+                <a:cs typeface="Times New Roman" panose="02020603050405020304" charset="0"/>
+              </a:rPr>
+              <a:t>的生成长度预测相对排名，随着训练地进行，定期使用最近生成的数据对排名器进行在线微调。</a:t>
+            </a:r>
+            <a:endParaRPr lang="en-US" altLang="zh-CN" sz="1400">
+              <a:latin typeface="Times New Roman" panose="02020603050405020304" charset="0"/>
+              <a:cs typeface="Times New Roman" panose="02020603050405020304" charset="0"/>
+            </a:endParaRPr>
+          </a:p>
+          <a:p>
+            <a:pPr algn="l">
+              <a:lnSpc>
+                <a:spcPct val="130000"/>
+              </a:lnSpc>
+              <a:buClrTx/>
+              <a:buSzTx/>
+              <a:buFontTx/>
+              <a:buNone/>
+            </a:pPr>
+            <a:r>
+              <a:rPr lang="zh-CN" altLang="en-US" sz="1800" b="1">
+                <a:latin typeface="Times New Roman" panose="02020603050405020304" charset="0"/>
+                <a:cs typeface="Times New Roman" panose="02020603050405020304" charset="0"/>
+              </a:rPr>
+              <a:t>二、处理长尾问题</a:t>
+            </a:r>
+            <a:endParaRPr lang="en-US" altLang="zh-CN" sz="1800" b="1">
+              <a:latin typeface="Times New Roman" panose="02020603050405020304" charset="0"/>
+              <a:cs typeface="Times New Roman" panose="02020603050405020304" charset="0"/>
+            </a:endParaRPr>
+          </a:p>
+          <a:p>
+            <a:pPr algn="l">
+              <a:lnSpc>
+                <a:spcPct val="130000"/>
+              </a:lnSpc>
+            </a:pPr>
+            <a:r>
+              <a:rPr lang="zh-CN" altLang="en-US" sz="1400">
+                <a:latin typeface="Times New Roman" panose="02020603050405020304" charset="0"/>
+                <a:cs typeface="Times New Roman" panose="02020603050405020304" charset="0"/>
+              </a:rPr>
+              <a:t>将排好序的样本队列取前</a:t>
+            </a:r>
+            <a:r>
+              <a:rPr lang="en-US" altLang="zh-CN" sz="1400">
+                <a:latin typeface="Times New Roman" panose="02020603050405020304" charset="0"/>
+                <a:cs typeface="Times New Roman" panose="02020603050405020304" charset="0"/>
+              </a:rPr>
+              <a:t>20%</a:t>
+            </a:r>
+            <a:r>
+              <a:rPr lang="zh-CN" altLang="en-US" sz="1400">
+                <a:latin typeface="Times New Roman" panose="02020603050405020304" charset="0"/>
+                <a:cs typeface="Times New Roman" panose="02020603050405020304" charset="0"/>
+              </a:rPr>
+              <a:t>作为长尾样本，并划分出一部分</a:t>
+            </a:r>
+            <a:r>
+              <a:rPr lang="en-US" altLang="zh-CN" sz="1400">
+                <a:latin typeface="Times New Roman" panose="02020603050405020304" charset="0"/>
+                <a:cs typeface="Times New Roman" panose="02020603050405020304" charset="0"/>
+              </a:rPr>
+              <a:t>worker</a:t>
+            </a:r>
+            <a:r>
+              <a:rPr lang="zh-CN" altLang="en-US" sz="1400">
+                <a:latin typeface="Times New Roman" panose="02020603050405020304" charset="0"/>
+                <a:cs typeface="Times New Roman" panose="02020603050405020304" charset="0"/>
+                <a:sym typeface="+mn-ea"/>
+              </a:rPr>
+              <a:t>采用小</a:t>
+            </a:r>
+            <a:r>
+              <a:rPr lang="en-US" altLang="zh-CN" sz="1400">
+                <a:latin typeface="Times New Roman" panose="02020603050405020304" charset="0"/>
+                <a:cs typeface="Times New Roman" panose="02020603050405020304" charset="0"/>
+                <a:sym typeface="+mn-ea"/>
+              </a:rPr>
+              <a:t>batch</a:t>
+            </a:r>
+            <a:r>
+              <a:rPr lang="zh-CN" altLang="en-US" sz="1400">
+                <a:latin typeface="Times New Roman" panose="02020603050405020304" charset="0"/>
+                <a:cs typeface="Times New Roman" panose="02020603050405020304" charset="0"/>
+                <a:sym typeface="+mn-ea"/>
+              </a:rPr>
+              <a:t>运行</a:t>
+            </a:r>
+            <a:r>
+              <a:rPr lang="zh-CN" altLang="en-US" sz="1400">
+                <a:latin typeface="Times New Roman" panose="02020603050405020304" charset="0"/>
+                <a:cs typeface="Times New Roman" panose="02020603050405020304" charset="0"/>
+              </a:rPr>
+              <a:t>来处理长尾样本；其余的</a:t>
+            </a:r>
+            <a:r>
+              <a:rPr lang="en-US" altLang="zh-CN" sz="1400">
+                <a:latin typeface="Times New Roman" panose="02020603050405020304" charset="0"/>
+                <a:cs typeface="Times New Roman" panose="02020603050405020304" charset="0"/>
+              </a:rPr>
+              <a:t>worker</a:t>
+            </a:r>
+            <a:r>
+              <a:rPr lang="zh-CN" altLang="en-US" sz="1400">
+                <a:latin typeface="Times New Roman" panose="02020603050405020304" charset="0"/>
+                <a:cs typeface="Times New Roman" panose="02020603050405020304" charset="0"/>
+              </a:rPr>
+              <a:t>采用大</a:t>
+            </a:r>
+            <a:r>
+              <a:rPr lang="en-US" altLang="zh-CN" sz="1400">
+                <a:latin typeface="Times New Roman" panose="02020603050405020304" charset="0"/>
+                <a:cs typeface="Times New Roman" panose="02020603050405020304" charset="0"/>
+              </a:rPr>
+              <a:t>batch</a:t>
+            </a:r>
+            <a:r>
+              <a:rPr lang="zh-CN" altLang="en-US" sz="1400">
+                <a:latin typeface="Times New Roman" panose="02020603050405020304" charset="0"/>
+                <a:cs typeface="Times New Roman" panose="02020603050405020304" charset="0"/>
+              </a:rPr>
+              <a:t>处理普通样本。</a:t>
+            </a:r>
+            <a:endParaRPr lang="en-US" altLang="zh-CN" sz="1800" b="1">
+              <a:latin typeface="Times New Roman" panose="02020603050405020304" charset="0"/>
+              <a:cs typeface="Times New Roman" panose="02020603050405020304" charset="0"/>
+            </a:endParaRPr>
+          </a:p>
+          <a:p>
+            <a:pPr algn="l">
+              <a:lnSpc>
+                <a:spcPct val="130000"/>
+              </a:lnSpc>
+            </a:pPr>
+            <a:endParaRPr lang="en-US" altLang="zh-CN" sz="1800" b="1">
+              <a:latin typeface="Times New Roman" panose="02020603050405020304" charset="0"/>
+              <a:cs typeface="Times New Roman" panose="02020603050405020304" charset="0"/>
+            </a:endParaRPr>
+          </a:p>
+        </p:txBody>
+      </p:sp>
+      <p:pic>
+        <p:nvPicPr>
+          <p:cNvPr id="6" name="图片 5"/>
+          <p:cNvPicPr>
+            <a:picLocks noChangeAspect="1"/>
+          </p:cNvPicPr>
+          <p:nvPr/>
+        </p:nvPicPr>
+        <p:blipFill>
+          <a:blip r:embed="rId1"/>
+          <a:stretch>
+            <a:fillRect/>
+          </a:stretch>
+        </p:blipFill>
+        <p:spPr>
+          <a:xfrm>
+            <a:off x="173355" y="2431415"/>
+            <a:ext cx="4821555" cy="3889375"/>
+          </a:xfrm>
+          <a:prstGeom prst="rect">
+            <a:avLst/>
+          </a:prstGeom>
+        </p:spPr>
+      </p:pic>
+      <p:sp>
+        <p:nvSpPr>
+          <p:cNvPr id="7" name="文本框 6"/>
+          <p:cNvSpPr txBox="1"/>
+          <p:nvPr/>
+        </p:nvSpPr>
+        <p:spPr>
+          <a:xfrm>
+            <a:off x="5418455" y="3263265"/>
+            <a:ext cx="6477635" cy="1731010"/>
+          </a:xfrm>
+          <a:prstGeom prst="rect">
+            <a:avLst/>
+          </a:prstGeom>
+          <a:noFill/>
+        </p:spPr>
+        <p:txBody>
+          <a:bodyPr wrap="square" rtlCol="0">
+            <a:spAutoFit/>
+          </a:bodyPr>
+          <a:p>
+            <a:pPr algn="l">
+              <a:lnSpc>
+                <a:spcPct val="130000"/>
+              </a:lnSpc>
+            </a:pPr>
+            <a:r>
+              <a:rPr lang="zh-CN" altLang="en-US" sz="1800" b="1">
+                <a:latin typeface="Times New Roman" panose="02020603050405020304" charset="0"/>
+                <a:cs typeface="Times New Roman" panose="02020603050405020304" charset="0"/>
+              </a:rPr>
+              <a:t>优化点</a:t>
+            </a:r>
+            <a:endParaRPr lang="zh-CN" altLang="en-US" sz="1800" b="1">
+              <a:latin typeface="Times New Roman" panose="02020603050405020304" charset="0"/>
+              <a:cs typeface="Times New Roman" panose="02020603050405020304" charset="0"/>
+            </a:endParaRPr>
+          </a:p>
+          <a:p>
+            <a:pPr algn="l">
+              <a:lnSpc>
+                <a:spcPct val="130000"/>
+              </a:lnSpc>
+            </a:pPr>
+            <a:r>
+              <a:rPr lang="zh-CN" altLang="en-US" sz="1600">
+                <a:latin typeface="Times New Roman" panose="02020603050405020304" charset="0"/>
+                <a:cs typeface="Times New Roman" panose="02020603050405020304" charset="0"/>
+              </a:rPr>
+              <a:t>既然</a:t>
+            </a:r>
+            <a:r>
+              <a:rPr lang="en-US" altLang="zh-CN" sz="1600">
+                <a:latin typeface="Times New Roman" panose="02020603050405020304" charset="0"/>
+                <a:cs typeface="Times New Roman" panose="02020603050405020304" charset="0"/>
+              </a:rPr>
+              <a:t> GRPO </a:t>
+            </a:r>
+            <a:r>
+              <a:rPr lang="zh-CN" altLang="en-US" sz="1600">
+                <a:latin typeface="Times New Roman" panose="02020603050405020304" charset="0"/>
+                <a:cs typeface="Times New Roman" panose="02020603050405020304" charset="0"/>
+              </a:rPr>
+              <a:t>需要对同一个</a:t>
+            </a:r>
+            <a:r>
+              <a:rPr lang="en-US" altLang="zh-CN" sz="1600">
+                <a:latin typeface="Times New Roman" panose="02020603050405020304" charset="0"/>
+                <a:cs typeface="Times New Roman" panose="02020603050405020304" charset="0"/>
+              </a:rPr>
+              <a:t> Prompt </a:t>
+            </a:r>
+            <a:r>
+              <a:rPr lang="zh-CN" altLang="en-US" sz="1600">
+                <a:latin typeface="Times New Roman" panose="02020603050405020304" charset="0"/>
+                <a:cs typeface="Times New Roman" panose="02020603050405020304" charset="0"/>
+              </a:rPr>
+              <a:t>采样</a:t>
+            </a:r>
+            <a:r>
+              <a:rPr lang="en-US" altLang="zh-CN" sz="1600">
+                <a:latin typeface="Times New Roman" panose="02020603050405020304" charset="0"/>
+                <a:cs typeface="Times New Roman" panose="02020603050405020304" charset="0"/>
+              </a:rPr>
+              <a:t> N </a:t>
+            </a:r>
+            <a:r>
+              <a:rPr lang="zh-CN" altLang="en-US" sz="1600">
+                <a:latin typeface="Times New Roman" panose="02020603050405020304" charset="0"/>
+                <a:cs typeface="Times New Roman" panose="02020603050405020304" charset="0"/>
+              </a:rPr>
+              <a:t>次（假设</a:t>
+            </a:r>
+            <a:r>
+              <a:rPr lang="en-US" altLang="zh-CN" sz="1600">
+                <a:latin typeface="Times New Roman" panose="02020603050405020304" charset="0"/>
+                <a:cs typeface="Times New Roman" panose="02020603050405020304" charset="0"/>
+              </a:rPr>
+              <a:t> N=8</a:t>
+            </a:r>
+            <a:r>
+              <a:rPr lang="zh-CN" altLang="en-US" sz="1600">
+                <a:latin typeface="Times New Roman" panose="02020603050405020304" charset="0"/>
+                <a:cs typeface="Times New Roman" panose="02020603050405020304" charset="0"/>
+              </a:rPr>
+              <a:t>），我们利用第</a:t>
+            </a:r>
+            <a:r>
+              <a:rPr lang="en-US" altLang="zh-CN" sz="1600">
+                <a:latin typeface="Times New Roman" panose="02020603050405020304" charset="0"/>
+                <a:cs typeface="Times New Roman" panose="02020603050405020304" charset="0"/>
+              </a:rPr>
+              <a:t> 1 </a:t>
+            </a:r>
+            <a:r>
+              <a:rPr lang="zh-CN" altLang="en-US" sz="1600">
+                <a:latin typeface="Times New Roman" panose="02020603050405020304" charset="0"/>
+                <a:cs typeface="Times New Roman" panose="02020603050405020304" charset="0"/>
+              </a:rPr>
+              <a:t>次采样作为</a:t>
+            </a:r>
+            <a:r>
+              <a:rPr lang="en-US" altLang="zh-CN" sz="1600">
+                <a:latin typeface="Times New Roman" panose="02020603050405020304" charset="0"/>
+                <a:cs typeface="Times New Roman" panose="02020603050405020304" charset="0"/>
+              </a:rPr>
+              <a:t>“</a:t>
+            </a:r>
+            <a:r>
+              <a:rPr lang="zh-CN" altLang="en-US" sz="1600">
+                <a:latin typeface="Times New Roman" panose="02020603050405020304" charset="0"/>
+                <a:cs typeface="Times New Roman" panose="02020603050405020304" charset="0"/>
+              </a:rPr>
+              <a:t>探路者</a:t>
+            </a:r>
+            <a:r>
+              <a:rPr lang="en-US" altLang="zh-CN" sz="1600">
+                <a:latin typeface="Times New Roman" panose="02020603050405020304" charset="0"/>
+                <a:cs typeface="Times New Roman" panose="02020603050405020304" charset="0"/>
+              </a:rPr>
+              <a:t>”</a:t>
+            </a:r>
+            <a:r>
+              <a:rPr lang="zh-CN" altLang="en-US" sz="1600">
+                <a:latin typeface="Times New Roman" panose="02020603050405020304" charset="0"/>
+                <a:cs typeface="Times New Roman" panose="02020603050405020304" charset="0"/>
+              </a:rPr>
+              <a:t>，如果这</a:t>
+            </a:r>
+            <a:r>
+              <a:rPr lang="en-US" altLang="zh-CN" sz="1600">
+                <a:latin typeface="Times New Roman" panose="02020603050405020304" charset="0"/>
+                <a:cs typeface="Times New Roman" panose="02020603050405020304" charset="0"/>
+              </a:rPr>
+              <a:t> 1 </a:t>
+            </a:r>
+            <a:r>
+              <a:rPr lang="zh-CN" altLang="en-US" sz="1600">
+                <a:latin typeface="Times New Roman" panose="02020603050405020304" charset="0"/>
+                <a:cs typeface="Times New Roman" panose="02020603050405020304" charset="0"/>
+              </a:rPr>
+              <a:t>条在规定时间做完了则标记为</a:t>
+            </a:r>
+            <a:r>
+              <a:rPr lang="en-US" altLang="zh-CN" sz="1600">
+                <a:latin typeface="Times New Roman" panose="02020603050405020304" charset="0"/>
+                <a:cs typeface="Times New Roman" panose="02020603050405020304" charset="0"/>
+              </a:rPr>
+              <a:t> Simple</a:t>
+            </a:r>
+            <a:r>
+              <a:rPr lang="zh-CN" altLang="en-US" sz="1600">
+                <a:latin typeface="Times New Roman" panose="02020603050405020304" charset="0"/>
+                <a:cs typeface="Times New Roman" panose="02020603050405020304" charset="0"/>
+              </a:rPr>
+              <a:t>，如果没有完成触发了熔断，则标记为标记为长尾</a:t>
+            </a:r>
+            <a:r>
+              <a:rPr lang="zh-CN" altLang="en-US" sz="1600">
+                <a:latin typeface="Times New Roman" panose="02020603050405020304" charset="0"/>
+                <a:cs typeface="Times New Roman" panose="02020603050405020304" charset="0"/>
+              </a:rPr>
+              <a:t>样本。</a:t>
+            </a:r>
+            <a:endParaRPr lang="zh-CN" altLang="en-US" sz="1600">
+              <a:latin typeface="Times New Roman" panose="02020603050405020304" charset="0"/>
+              <a:cs typeface="Times New Roman" panose="02020603050405020304" charset="0"/>
+            </a:endParaRPr>
+          </a:p>
+          <a:p>
+            <a:pPr algn="l">
+              <a:lnSpc>
+                <a:spcPct val="130000"/>
+              </a:lnSpc>
+            </a:pPr>
+            <a:r>
+              <a:rPr lang="zh-CN" altLang="en-US" sz="1600">
+                <a:latin typeface="Times New Roman" panose="02020603050405020304" charset="0"/>
+                <a:cs typeface="Times New Roman" panose="02020603050405020304" charset="0"/>
+              </a:rPr>
+              <a:t>处理长尾样本</a:t>
+            </a:r>
+            <a:r>
+              <a:rPr lang="zh-CN" altLang="en-US" sz="1600">
+                <a:latin typeface="Times New Roman" panose="02020603050405020304" charset="0"/>
+                <a:cs typeface="Times New Roman" panose="02020603050405020304" charset="0"/>
+              </a:rPr>
+              <a:t>同上。</a:t>
+            </a:r>
+            <a:endParaRPr lang="zh-CN" altLang="en-US" sz="1600">
+              <a:latin typeface="Times New Roman" panose="02020603050405020304" charset="0"/>
+              <a:cs typeface="Times New Roman" panose="02020603050405020304" charset="0"/>
+            </a:endParaRPr>
+          </a:p>
+        </p:txBody>
+      </p:sp>
+    </p:spTree>
+    <p:custDataLst>
+      <p:tags r:id="rId2"/>
+    </p:custDataLst>
+  </p:cSld>
+  <p:clrMapOvr>
+    <a:masterClrMapping/>
+  </p:clrMapOvr>
+</p:sld>
+</file>
+
+<file path=ppt/slides/slide6.xml><?xml version="1.0" encoding="utf-8"?>
+<p:sld xmlns:a="http://schemas.openxmlformats.org/drawingml/2006/main" xmlns:r="http://schemas.openxmlformats.org/officeDocument/2006/relationships" xmlns:p="http://schemas.openxmlformats.org/presentationml/2006/main">
+  <p:cSld>
+    <p:spTree>
+      <p:nvGrpSpPr>
+        <p:cNvPr id="1" name=""/>
+        <p:cNvGrpSpPr/>
+        <p:nvPr/>
+      </p:nvGrpSpPr>
+      <p:grpSpPr>
+        <a:xfrm>
+          <a:off x="0" y="0"/>
+          <a:ext cx="0" cy="0"/>
+          <a:chOff x="0" y="0"/>
+          <a:chExt cx="0" cy="0"/>
+        </a:xfrm>
+      </p:grpSpPr>
+      <p:sp>
+        <p:nvSpPr>
+          <p:cNvPr id="4" name="文本框 3"/>
+          <p:cNvSpPr txBox="1"/>
+          <p:nvPr/>
+        </p:nvSpPr>
+        <p:spPr>
+          <a:xfrm>
+            <a:off x="89535" y="870585"/>
+            <a:ext cx="11910695" cy="2055495"/>
+          </a:xfrm>
+          <a:prstGeom prst="rect">
+            <a:avLst/>
+          </a:prstGeom>
+          <a:noFill/>
+        </p:spPr>
+        <p:txBody>
+          <a:bodyPr wrap="square" rtlCol="0">
+            <a:noAutofit/>
+          </a:bodyPr>
+          <a:p>
+            <a:pPr algn="l">
+              <a:lnSpc>
+                <a:spcPct val="130000"/>
+              </a:lnSpc>
+              <a:buClrTx/>
+              <a:buSzTx/>
+              <a:buFontTx/>
+            </a:pPr>
+            <a:r>
+              <a:rPr lang="zh-CN" altLang="en-US" sz="1800" b="1">
+                <a:latin typeface="Times New Roman" panose="02020603050405020304" charset="0"/>
+                <a:cs typeface="Times New Roman" panose="02020603050405020304" charset="0"/>
+              </a:rPr>
+              <a:t>一、识别长尾</a:t>
+            </a:r>
+            <a:r>
+              <a:rPr lang="zh-CN" altLang="en-US" sz="1800" b="1">
+                <a:latin typeface="Times New Roman" panose="02020603050405020304" charset="0"/>
+                <a:cs typeface="Times New Roman" panose="02020603050405020304" charset="0"/>
+              </a:rPr>
+              <a:t>问题</a:t>
+            </a:r>
+            <a:endParaRPr lang="zh-CN" altLang="en-US" sz="1800" b="1">
+              <a:latin typeface="Times New Roman" panose="02020603050405020304" charset="0"/>
+              <a:cs typeface="Times New Roman" panose="02020603050405020304" charset="0"/>
+            </a:endParaRPr>
+          </a:p>
+          <a:p>
+            <a:pPr algn="l">
+              <a:lnSpc>
+                <a:spcPct val="130000"/>
+              </a:lnSpc>
+              <a:buClrTx/>
+              <a:buSzTx/>
+              <a:buFontTx/>
+              <a:buNone/>
+            </a:pPr>
+            <a:r>
+              <a:rPr lang="zh-CN" altLang="en-US" sz="1400">
+                <a:latin typeface="Times New Roman" panose="02020603050405020304" charset="0"/>
+                <a:cs typeface="Times New Roman" panose="02020603050405020304" charset="0"/>
+              </a:rPr>
+              <a:t>当</a:t>
+            </a:r>
+            <a:r>
+              <a:rPr lang="en-US" altLang="zh-CN" sz="1400">
+                <a:latin typeface="Times New Roman" panose="02020603050405020304" charset="0"/>
+                <a:cs typeface="Times New Roman" panose="02020603050405020304" charset="0"/>
+              </a:rPr>
+              <a:t>GPU</a:t>
+            </a:r>
+            <a:r>
+              <a:rPr lang="zh-CN" altLang="en-US" sz="1400">
+                <a:latin typeface="Times New Roman" panose="02020603050405020304" charset="0"/>
+                <a:cs typeface="Times New Roman" panose="02020603050405020304" charset="0"/>
+              </a:rPr>
+              <a:t>的</a:t>
+            </a:r>
+            <a:r>
+              <a:rPr lang="en-US" altLang="zh-CN" sz="1400">
+                <a:latin typeface="Times New Roman" panose="02020603050405020304" charset="0"/>
+                <a:cs typeface="Times New Roman" panose="02020603050405020304" charset="0"/>
+              </a:rPr>
+              <a:t>KV Cache</a:t>
+            </a:r>
+            <a:r>
+              <a:rPr lang="zh-CN" altLang="en-US" sz="1400">
+                <a:latin typeface="Times New Roman" panose="02020603050405020304" charset="0"/>
+                <a:cs typeface="Times New Roman" panose="02020603050405020304" charset="0"/>
+              </a:rPr>
+              <a:t>不在增加</a:t>
+            </a:r>
+            <a:r>
+              <a:rPr lang="zh-CN" altLang="en-US" sz="1400">
+                <a:latin typeface="Times New Roman" panose="02020603050405020304" charset="0"/>
+                <a:cs typeface="Times New Roman" panose="02020603050405020304" charset="0"/>
+              </a:rPr>
+              <a:t>且低于最大阈值时，</a:t>
+            </a:r>
+            <a:endParaRPr lang="en-US" altLang="zh-CN" sz="1400">
+              <a:latin typeface="Times New Roman" panose="02020603050405020304" charset="0"/>
+              <a:cs typeface="Times New Roman" panose="02020603050405020304" charset="0"/>
+            </a:endParaRPr>
+          </a:p>
+          <a:p>
+            <a:pPr algn="l">
+              <a:lnSpc>
+                <a:spcPct val="130000"/>
+              </a:lnSpc>
+              <a:buClrTx/>
+              <a:buSzTx/>
+              <a:buFontTx/>
+              <a:buNone/>
+            </a:pPr>
+            <a:r>
+              <a:rPr lang="zh-CN" altLang="en-US" sz="1800" b="1">
+                <a:latin typeface="Times New Roman" panose="02020603050405020304" charset="0"/>
+                <a:cs typeface="Times New Roman" panose="02020603050405020304" charset="0"/>
+              </a:rPr>
+              <a:t>二、处理长尾问题</a:t>
+            </a:r>
+            <a:r>
+              <a:rPr lang="en-US" altLang="zh-CN" sz="1800" b="1">
+                <a:latin typeface="Times New Roman" panose="02020603050405020304" charset="0"/>
+                <a:cs typeface="Times New Roman" panose="02020603050405020304" charset="0"/>
+              </a:rPr>
+              <a:t>——Repack Mechanism</a:t>
+            </a:r>
+            <a:endParaRPr lang="en-US" altLang="zh-CN" sz="1800" b="1">
+              <a:latin typeface="Times New Roman" panose="02020603050405020304" charset="0"/>
+              <a:cs typeface="Times New Roman" panose="02020603050405020304" charset="0"/>
+            </a:endParaRPr>
+          </a:p>
+          <a:p>
+            <a:pPr algn="l">
+              <a:lnSpc>
+                <a:spcPct val="130000"/>
+              </a:lnSpc>
+            </a:pPr>
+            <a:r>
+              <a:rPr lang="en-US" altLang="zh-CN" sz="1400">
+                <a:latin typeface="Times New Roman" panose="02020603050405020304" charset="0"/>
+                <a:cs typeface="Times New Roman" panose="02020603050405020304" charset="0"/>
+              </a:rPr>
+              <a:t>Source Rollouts</a:t>
+            </a:r>
+            <a:r>
+              <a:rPr lang="zh-CN" altLang="en-US" sz="1400">
+                <a:latin typeface="Times New Roman" panose="02020603050405020304" charset="0"/>
+                <a:cs typeface="Times New Roman" panose="02020603050405020304" charset="0"/>
+              </a:rPr>
+              <a:t>：</a:t>
+            </a:r>
+            <a:r>
+              <a:rPr lang="en-US" altLang="zh-CN" sz="1400">
+                <a:latin typeface="Times New Roman" panose="02020603050405020304" charset="0"/>
+                <a:cs typeface="Times New Roman" panose="02020603050405020304" charset="0"/>
+              </a:rPr>
+              <a:t> </a:t>
+            </a:r>
+            <a:r>
+              <a:rPr lang="zh-CN" altLang="en-US" sz="1400">
+                <a:latin typeface="Times New Roman" panose="02020603050405020304" charset="0"/>
+                <a:cs typeface="Times New Roman" panose="02020603050405020304" charset="0"/>
+              </a:rPr>
+              <a:t>那些被判定为处于长尾阶段、</a:t>
+            </a:r>
+            <a:r>
+              <a:rPr lang="en-US" altLang="zh-CN" sz="1400">
+                <a:latin typeface="Times New Roman" panose="02020603050405020304" charset="0"/>
+                <a:cs typeface="Times New Roman" panose="02020603050405020304" charset="0"/>
+              </a:rPr>
+              <a:t>GPU </a:t>
+            </a:r>
+            <a:r>
+              <a:rPr lang="zh-CN" altLang="en-US" sz="1400">
+                <a:latin typeface="Times New Roman" panose="02020603050405020304" charset="0"/>
+                <a:cs typeface="Times New Roman" panose="02020603050405020304" charset="0"/>
+              </a:rPr>
+              <a:t>未跑满的副本，它们是需要被清空并释放的对象</a:t>
+            </a:r>
+            <a:r>
+              <a:rPr lang="en-US" altLang="zh-CN" sz="1400">
+                <a:latin typeface="Times New Roman" panose="02020603050405020304" charset="0"/>
+                <a:cs typeface="Times New Roman" panose="02020603050405020304" charset="0"/>
+              </a:rPr>
+              <a:t> </a:t>
+            </a:r>
+            <a:r>
+              <a:rPr lang="zh-CN" altLang="en-US" sz="1400">
+                <a:latin typeface="Times New Roman" panose="02020603050405020304" charset="0"/>
+                <a:cs typeface="Times New Roman" panose="02020603050405020304" charset="0"/>
+              </a:rPr>
+              <a:t>。</a:t>
+            </a:r>
+            <a:endParaRPr lang="en-US" altLang="zh-CN" sz="1400">
+              <a:latin typeface="Times New Roman" panose="02020603050405020304" charset="0"/>
+              <a:cs typeface="Times New Roman" panose="02020603050405020304" charset="0"/>
+            </a:endParaRPr>
+          </a:p>
+          <a:p>
+            <a:pPr algn="l">
+              <a:lnSpc>
+                <a:spcPct val="130000"/>
+              </a:lnSpc>
+            </a:pPr>
+            <a:r>
+              <a:rPr lang="en-US" altLang="zh-CN" sz="1400">
+                <a:latin typeface="Times New Roman" panose="02020603050405020304" charset="0"/>
+                <a:cs typeface="Times New Roman" panose="02020603050405020304" charset="0"/>
+              </a:rPr>
+              <a:t>Destination Rollouts</a:t>
+            </a:r>
+            <a:r>
+              <a:rPr lang="zh-CN" altLang="en-US" sz="1400">
+                <a:latin typeface="Times New Roman" panose="02020603050405020304" charset="0"/>
+                <a:cs typeface="Times New Roman" panose="02020603050405020304" charset="0"/>
+              </a:rPr>
+              <a:t>：</a:t>
+            </a:r>
+            <a:r>
+              <a:rPr lang="en-US" altLang="zh-CN" sz="1400">
+                <a:latin typeface="Times New Roman" panose="02020603050405020304" charset="0"/>
+                <a:cs typeface="Times New Roman" panose="02020603050405020304" charset="0"/>
+              </a:rPr>
+              <a:t> </a:t>
+            </a:r>
+            <a:r>
+              <a:rPr lang="zh-CN" altLang="en-US" sz="1400">
+                <a:latin typeface="Times New Roman" panose="02020603050405020304" charset="0"/>
+                <a:cs typeface="Times New Roman" panose="02020603050405020304" charset="0"/>
+              </a:rPr>
+              <a:t>同样处于</a:t>
+            </a:r>
+            <a:r>
+              <a:rPr lang="zh-CN" altLang="en-US" sz="1400">
+                <a:latin typeface="Times New Roman" panose="02020603050405020304" charset="0"/>
+                <a:cs typeface="Times New Roman" panose="02020603050405020304" charset="0"/>
+                <a:sym typeface="+mn-ea"/>
+              </a:rPr>
+              <a:t>处于长尾阶段、</a:t>
+            </a:r>
+            <a:r>
+              <a:rPr lang="en-US" altLang="zh-CN" sz="1400">
+                <a:latin typeface="Times New Roman" panose="02020603050405020304" charset="0"/>
+                <a:cs typeface="Times New Roman" panose="02020603050405020304" charset="0"/>
+                <a:sym typeface="+mn-ea"/>
+              </a:rPr>
+              <a:t>GPU </a:t>
+            </a:r>
+            <a:r>
+              <a:rPr lang="zh-CN" altLang="en-US" sz="1400">
+                <a:latin typeface="Times New Roman" panose="02020603050405020304" charset="0"/>
+                <a:cs typeface="Times New Roman" panose="02020603050405020304" charset="0"/>
+                <a:sym typeface="+mn-ea"/>
+              </a:rPr>
+              <a:t>未跑满的副本</a:t>
+            </a:r>
+            <a:r>
+              <a:rPr lang="zh-CN" altLang="en-US" sz="1400">
+                <a:latin typeface="Times New Roman" panose="02020603050405020304" charset="0"/>
+                <a:cs typeface="Times New Roman" panose="02020603050405020304" charset="0"/>
+              </a:rPr>
+              <a:t>，但被选作容器来接收来自源副本的任务，以便将它们打包成效率更高的</a:t>
+            </a:r>
+            <a:r>
+              <a:rPr lang="en-US" altLang="zh-CN" sz="1400">
+                <a:latin typeface="Times New Roman" panose="02020603050405020304" charset="0"/>
+                <a:cs typeface="Times New Roman" panose="02020603050405020304" charset="0"/>
+              </a:rPr>
+              <a:t> Batch </a:t>
+            </a:r>
+            <a:r>
+              <a:rPr lang="zh-CN" altLang="en-US" sz="1400">
+                <a:latin typeface="Times New Roman" panose="02020603050405020304" charset="0"/>
+                <a:cs typeface="Times New Roman" panose="02020603050405020304" charset="0"/>
+              </a:rPr>
+              <a:t>。</a:t>
+            </a:r>
+            <a:endParaRPr lang="en-US" altLang="zh-CN" sz="1800" b="1">
+              <a:latin typeface="Times New Roman" panose="02020603050405020304" charset="0"/>
+              <a:cs typeface="Times New Roman" panose="02020603050405020304" charset="0"/>
+            </a:endParaRPr>
+          </a:p>
+          <a:p>
+            <a:pPr algn="l">
+              <a:lnSpc>
+                <a:spcPct val="130000"/>
+              </a:lnSpc>
+            </a:pPr>
+            <a:endParaRPr lang="en-US" altLang="zh-CN" sz="1800" b="1">
+              <a:latin typeface="Times New Roman" panose="02020603050405020304" charset="0"/>
+              <a:cs typeface="Times New Roman" panose="02020603050405020304" charset="0"/>
+            </a:endParaRPr>
+          </a:p>
+        </p:txBody>
+      </p:sp>
+      <p:pic>
+        <p:nvPicPr>
+          <p:cNvPr id="11" name="图片 10"/>
+          <p:cNvPicPr>
+            <a:picLocks noChangeAspect="1"/>
+          </p:cNvPicPr>
+          <p:nvPr/>
+        </p:nvPicPr>
+        <p:blipFill>
+          <a:blip r:embed="rId1"/>
+          <a:stretch>
+            <a:fillRect/>
+          </a:stretch>
+        </p:blipFill>
+        <p:spPr>
+          <a:xfrm>
+            <a:off x="89535" y="3262630"/>
+            <a:ext cx="5534660" cy="2668270"/>
+          </a:xfrm>
+          <a:prstGeom prst="rect">
+            <a:avLst/>
+          </a:prstGeom>
+        </p:spPr>
+      </p:pic>
+      <p:sp>
+        <p:nvSpPr>
+          <p:cNvPr id="12" name="文本框 11"/>
+          <p:cNvSpPr txBox="1"/>
+          <p:nvPr/>
+        </p:nvSpPr>
+        <p:spPr>
+          <a:xfrm>
+            <a:off x="198755" y="6073140"/>
+            <a:ext cx="6276340" cy="521970"/>
+          </a:xfrm>
+          <a:prstGeom prst="rect">
+            <a:avLst/>
+          </a:prstGeom>
+          <a:noFill/>
+        </p:spPr>
+        <p:txBody>
+          <a:bodyPr wrap="square" rtlCol="0">
+            <a:spAutoFit/>
+          </a:bodyPr>
+          <a:p>
+            <a:pPr algn="ctr"/>
+            <a:r>
+              <a:rPr lang="zh-CN" altLang="en-US" sz="1400" b="1">
+                <a:latin typeface="Times New Roman" panose="02020603050405020304" charset="0"/>
+                <a:cs typeface="Times New Roman" panose="02020603050405020304" charset="0"/>
+              </a:rPr>
+              <a:t>把</a:t>
+            </a:r>
+            <a:r>
+              <a:rPr lang="en-US" altLang="zh-CN" sz="1400" b="1">
+                <a:latin typeface="Times New Roman" panose="02020603050405020304" charset="0"/>
+                <a:cs typeface="Times New Roman" panose="02020603050405020304" charset="0"/>
+              </a:rPr>
+              <a:t>Unfinished</a:t>
+            </a:r>
+            <a:r>
+              <a:rPr lang="zh-CN" altLang="en-US" sz="1400" b="1">
+                <a:latin typeface="Times New Roman" panose="02020603050405020304" charset="0"/>
+                <a:cs typeface="Times New Roman" panose="02020603050405020304" charset="0"/>
+              </a:rPr>
+              <a:t>的计算状态和</a:t>
+            </a:r>
+            <a:r>
+              <a:rPr lang="en-US" altLang="zh-CN" sz="1400" b="1">
+                <a:latin typeface="Times New Roman" panose="02020603050405020304" charset="0"/>
+                <a:cs typeface="Times New Roman" panose="02020603050405020304" charset="0"/>
+              </a:rPr>
+              <a:t>KV Cache</a:t>
+            </a:r>
+            <a:r>
+              <a:rPr lang="zh-CN" altLang="en-US" sz="1400" b="1">
+                <a:latin typeface="Times New Roman" panose="02020603050405020304" charset="0"/>
+                <a:cs typeface="Times New Roman" panose="02020603050405020304" charset="0"/>
+              </a:rPr>
+              <a:t>从一个进程</a:t>
+            </a:r>
+            <a:r>
+              <a:rPr lang="en-US" altLang="zh-CN" sz="1400" b="1">
+                <a:latin typeface="Times New Roman" panose="02020603050405020304" charset="0"/>
+                <a:cs typeface="Times New Roman" panose="02020603050405020304" charset="0"/>
+                <a:sym typeface="+mn-ea"/>
+              </a:rPr>
+              <a:t>Source Rollouts</a:t>
+            </a:r>
+            <a:r>
+              <a:rPr lang="zh-CN" altLang="en-US" sz="1400" b="1">
+                <a:latin typeface="Times New Roman" panose="02020603050405020304" charset="0"/>
+                <a:cs typeface="Times New Roman" panose="02020603050405020304" charset="0"/>
+              </a:rPr>
+              <a:t>迁移到另一个进程</a:t>
+            </a:r>
+            <a:r>
+              <a:rPr lang="en-US" altLang="zh-CN" sz="1400" b="1">
+                <a:latin typeface="Times New Roman" panose="02020603050405020304" charset="0"/>
+                <a:cs typeface="Times New Roman" panose="02020603050405020304" charset="0"/>
+                <a:sym typeface="+mn-ea"/>
+              </a:rPr>
+              <a:t>Destination Rollouts</a:t>
+            </a:r>
+            <a:endParaRPr lang="zh-CN" altLang="en-US" sz="1400" b="1">
+              <a:latin typeface="Times New Roman" panose="02020603050405020304" charset="0"/>
+              <a:cs typeface="Times New Roman" panose="02020603050405020304" charset="0"/>
+            </a:endParaRPr>
+          </a:p>
+        </p:txBody>
+      </p:sp>
+      <p:sp>
+        <p:nvSpPr>
+          <p:cNvPr id="19" name="文本框 37"/>
+          <p:cNvSpPr txBox="1"/>
+          <p:nvPr/>
+        </p:nvSpPr>
+        <p:spPr>
+          <a:xfrm>
+            <a:off x="173355" y="165735"/>
+            <a:ext cx="11870055" cy="520700"/>
+          </a:xfrm>
+          <a:prstGeom prst="rect">
+            <a:avLst/>
+          </a:prstGeom>
+          <a:noFill/>
+        </p:spPr>
+        <p:txBody>
+          <a:bodyPr wrap="square" lIns="91431" tIns="45716" rIns="91431" bIns="45716" rtlCol="0">
+            <a:spAutoFit/>
+          </a:bodyPr>
+          <a:p>
+            <a:r>
+              <a:rPr lang="zh-CN" altLang="en-US" sz="2800" b="1" dirty="0">
+                <a:solidFill>
+                  <a:schemeClr val="tx1"/>
+                </a:solidFill>
+                <a:latin typeface="Times New Roman" panose="02020603050405020304" charset="0"/>
+                <a:cs typeface="Times New Roman" panose="02020603050405020304" charset="0"/>
+                <a:sym typeface="+mn-ea"/>
+              </a:rPr>
+              <a:t>二、方案优化：</a:t>
+            </a:r>
+            <a:r>
+              <a:rPr lang="en-US" altLang="zh-CN" b="1">
+                <a:solidFill>
+                  <a:srgbClr val="C00000"/>
+                </a:solidFill>
+                <a:latin typeface="Times New Roman" panose="02020603050405020304" charset="0"/>
+                <a:cs typeface="Times New Roman" panose="02020603050405020304" charset="0"/>
+                <a:sym typeface="+mn-ea"/>
+              </a:rPr>
+              <a:t>Laminar: A Scalable Asynchronous RL Post-Training Framework</a:t>
+            </a:r>
+            <a:endParaRPr lang="en-US" altLang="zh-CN" b="1" dirty="0">
+              <a:solidFill>
+                <a:srgbClr val="C00000"/>
+              </a:solidFill>
+              <a:latin typeface="Times New Roman" panose="02020603050405020304" charset="0"/>
+              <a:cs typeface="Times New Roman" panose="02020603050405020304" charset="0"/>
+              <a:sym typeface="+mn-ea"/>
+            </a:endParaRPr>
+          </a:p>
+        </p:txBody>
+      </p:sp>
+      <p:sp>
+        <p:nvSpPr>
+          <p:cNvPr id="18" name="矩形 17"/>
+          <p:cNvSpPr/>
+          <p:nvPr/>
+        </p:nvSpPr>
+        <p:spPr>
+          <a:xfrm>
+            <a:off x="0" y="135620"/>
+            <a:ext cx="89452" cy="526774"/>
+          </a:xfrm>
+          <a:prstGeom prst="rect">
+            <a:avLst/>
+          </a:prstGeom>
+          <a:solidFill>
+            <a:srgbClr val="C00000"/>
+          </a:solidFill>
+          <a:ln>
+            <a:noFill/>
+          </a:ln>
+        </p:spPr>
+        <p:style>
+          <a:lnRef idx="2">
+            <a:schemeClr val="accent1">
+              <a:shade val="50000"/>
+            </a:schemeClr>
+          </a:lnRef>
+          <a:fillRef idx="1">
+            <a:schemeClr val="accent1"/>
+          </a:fillRef>
+          <a:effectRef idx="0">
+            <a:schemeClr val="accent1"/>
+          </a:effectRef>
+          <a:fontRef idx="minor">
+            <a:schemeClr val="lt1"/>
+          </a:fontRef>
+        </p:style>
+        <p:txBody>
+          <a:bodyPr rtlCol="0" anchor="ctr"/>
+          <a:p>
+            <a:pPr algn="ctr"/>
+            <a:endParaRPr lang="zh-CN" altLang="en-US" b="1">
+              <a:latin typeface="Times New Roman" panose="02020603050405020304" charset="0"/>
+              <a:cs typeface="Times New Roman" panose="02020603050405020304" charset="0"/>
+            </a:endParaRPr>
+          </a:p>
+        </p:txBody>
+      </p:sp>
+      <p:sp>
+        <p:nvSpPr>
+          <p:cNvPr id="14" name="文本框 13"/>
+          <p:cNvSpPr txBox="1"/>
+          <p:nvPr/>
+        </p:nvSpPr>
+        <p:spPr>
+          <a:xfrm>
+            <a:off x="6161405" y="3263265"/>
+            <a:ext cx="5734685" cy="1410970"/>
+          </a:xfrm>
+          <a:prstGeom prst="rect">
+            <a:avLst/>
+          </a:prstGeom>
+          <a:noFill/>
+        </p:spPr>
+        <p:txBody>
+          <a:bodyPr wrap="square" rtlCol="0">
+            <a:spAutoFit/>
+          </a:bodyPr>
+          <a:p>
+            <a:pPr algn="l">
+              <a:lnSpc>
+                <a:spcPct val="130000"/>
+              </a:lnSpc>
+            </a:pPr>
+            <a:r>
+              <a:rPr lang="zh-CN" altLang="en-US" sz="1800" b="1">
+                <a:latin typeface="Times New Roman" panose="02020603050405020304" charset="0"/>
+                <a:cs typeface="Times New Roman" panose="02020603050405020304" charset="0"/>
+              </a:rPr>
+              <a:t>优化点</a:t>
+            </a:r>
+            <a:endParaRPr lang="zh-CN" altLang="en-US" sz="1800" b="1">
+              <a:latin typeface="Times New Roman" panose="02020603050405020304" charset="0"/>
+              <a:cs typeface="Times New Roman" panose="02020603050405020304" charset="0"/>
+            </a:endParaRPr>
+          </a:p>
+          <a:p>
+            <a:pPr algn="l">
+              <a:lnSpc>
+                <a:spcPct val="130000"/>
+              </a:lnSpc>
+            </a:pPr>
+            <a:r>
+              <a:rPr lang="zh-CN" altLang="en-US" sz="1600">
+                <a:latin typeface="Times New Roman" panose="02020603050405020304" charset="0"/>
+                <a:cs typeface="Times New Roman" panose="02020603050405020304" charset="0"/>
+              </a:rPr>
+              <a:t>借鉴其重打包的思想，当一个</a:t>
+            </a:r>
+            <a:r>
+              <a:rPr lang="en-US" altLang="zh-CN" sz="1600">
+                <a:latin typeface="Times New Roman" panose="02020603050405020304" charset="0"/>
+                <a:cs typeface="Times New Roman" panose="02020603050405020304" charset="0"/>
+              </a:rPr>
+              <a:t>worker</a:t>
+            </a:r>
+            <a:r>
+              <a:rPr lang="zh-CN" altLang="en-US" sz="1600">
+                <a:latin typeface="Times New Roman" panose="02020603050405020304" charset="0"/>
+                <a:cs typeface="Times New Roman" panose="02020603050405020304" charset="0"/>
+              </a:rPr>
+              <a:t>处于处理长尾阶段时，把其的</a:t>
+            </a:r>
+            <a:r>
+              <a:rPr lang="en-US" altLang="zh-CN" sz="1600">
+                <a:latin typeface="Times New Roman" panose="02020603050405020304" charset="0"/>
+                <a:cs typeface="Times New Roman" panose="02020603050405020304" charset="0"/>
+              </a:rPr>
+              <a:t>prompt + </a:t>
+            </a:r>
+            <a:r>
+              <a:rPr lang="zh-CN" altLang="en-US" sz="1600">
+                <a:latin typeface="Times New Roman" panose="02020603050405020304" charset="0"/>
+                <a:cs typeface="Times New Roman" panose="02020603050405020304" charset="0"/>
+              </a:rPr>
+              <a:t>生成的部分</a:t>
+            </a:r>
+            <a:r>
+              <a:rPr lang="en-US" altLang="zh-CN" sz="1600">
+                <a:latin typeface="Times New Roman" panose="02020603050405020304" charset="0"/>
+                <a:cs typeface="Times New Roman" panose="02020603050405020304" charset="0"/>
+              </a:rPr>
+              <a:t>response</a:t>
+            </a:r>
+            <a:r>
+              <a:rPr lang="zh-CN" altLang="en-US" sz="1600">
+                <a:latin typeface="Times New Roman" panose="02020603050405020304" charset="0"/>
+                <a:cs typeface="Times New Roman" panose="02020603050405020304" charset="0"/>
+              </a:rPr>
+              <a:t>发给专门处理长尾的</a:t>
+            </a:r>
+            <a:r>
+              <a:rPr lang="en-US" altLang="zh-CN" sz="1600">
+                <a:latin typeface="Times New Roman" panose="02020603050405020304" charset="0"/>
+                <a:cs typeface="Times New Roman" panose="02020603050405020304" charset="0"/>
+              </a:rPr>
+              <a:t>worker</a:t>
+            </a:r>
+            <a:r>
+              <a:rPr lang="zh-CN" altLang="en-US" sz="1600">
+                <a:latin typeface="Times New Roman" panose="02020603050405020304" charset="0"/>
+                <a:cs typeface="Times New Roman" panose="02020603050405020304" charset="0"/>
+              </a:rPr>
+              <a:t>，同时后面的</a:t>
+            </a:r>
+            <a:r>
+              <a:rPr lang="en-US" altLang="zh-CN" sz="1600">
+                <a:latin typeface="Times New Roman" panose="02020603050405020304" charset="0"/>
+                <a:cs typeface="Times New Roman" panose="02020603050405020304" charset="0"/>
+              </a:rPr>
+              <a:t>7</a:t>
+            </a:r>
+            <a:r>
+              <a:rPr lang="zh-CN" altLang="en-US" sz="1600">
+                <a:latin typeface="Times New Roman" panose="02020603050405020304" charset="0"/>
+                <a:cs typeface="Times New Roman" panose="02020603050405020304" charset="0"/>
+              </a:rPr>
+              <a:t>次采样也都交给处理长尾的</a:t>
+            </a:r>
+            <a:r>
+              <a:rPr lang="en-US" altLang="zh-CN" sz="1600">
+                <a:latin typeface="Times New Roman" panose="02020603050405020304" charset="0"/>
+                <a:cs typeface="Times New Roman" panose="02020603050405020304" charset="0"/>
+              </a:rPr>
+              <a:t>worker</a:t>
+            </a:r>
+            <a:r>
+              <a:rPr lang="zh-CN" altLang="en-US" sz="1600">
+                <a:latin typeface="Times New Roman" panose="02020603050405020304" charset="0"/>
+                <a:cs typeface="Times New Roman" panose="02020603050405020304" charset="0"/>
+              </a:rPr>
+              <a:t>。</a:t>
+            </a:r>
+            <a:endParaRPr lang="zh-CN" altLang="en-US" sz="1600">
+              <a:latin typeface="Times New Roman" panose="02020603050405020304" charset="0"/>
+              <a:cs typeface="Times New Roman" panose="02020603050405020304" charset="0"/>
+            </a:endParaRPr>
+          </a:p>
+        </p:txBody>
+      </p:sp>
+    </p:spTree>
+    <p:custDataLst>
+      <p:tags r:id="rId2"/>
+    </p:custDataLst>
+  </p:cSld>
+  <p:clrMapOvr>
+    <a:masterClrMapping/>
+  </p:clrMapOvr>
+</p:sld>
+</file>
+
+<file path=ppt/slides/slide7.xml><?xml version="1.0" encoding="utf-8"?>
+<p:sld xmlns:a="http://schemas.openxmlformats.org/drawingml/2006/main" xmlns:r="http://schemas.openxmlformats.org/officeDocument/2006/relationships" xmlns:p="http://schemas.openxmlformats.org/presentationml/2006/main">
+  <p:cSld>
+    <p:spTree>
+      <p:nvGrpSpPr>
+        <p:cNvPr id="1" name=""/>
+        <p:cNvGrpSpPr/>
+        <p:nvPr/>
+      </p:nvGrpSpPr>
+      <p:grpSpPr>
+        <a:xfrm>
+          <a:off x="0" y="0"/>
+          <a:ext cx="0" cy="0"/>
+          <a:chOff x="0" y="0"/>
+          <a:chExt cx="0" cy="0"/>
+        </a:xfrm>
+      </p:grpSpPr>
+      <p:sp>
+        <p:nvSpPr>
+          <p:cNvPr id="4" name="文本框 3"/>
+          <p:cNvSpPr txBox="1"/>
+          <p:nvPr/>
+        </p:nvSpPr>
+        <p:spPr>
+          <a:xfrm>
+            <a:off x="89535" y="870585"/>
+            <a:ext cx="11910695" cy="1643380"/>
+          </a:xfrm>
+          <a:prstGeom prst="rect">
+            <a:avLst/>
+          </a:prstGeom>
+          <a:noFill/>
+        </p:spPr>
+        <p:txBody>
+          <a:bodyPr wrap="square" rtlCol="0">
+            <a:noAutofit/>
+          </a:bodyPr>
+          <a:p>
+            <a:pPr algn="l">
+              <a:lnSpc>
+                <a:spcPct val="130000"/>
+              </a:lnSpc>
+              <a:buClrTx/>
+              <a:buSzTx/>
+              <a:buFontTx/>
+              <a:buNone/>
+            </a:pPr>
+            <a:r>
+              <a:rPr lang="zh-CN" altLang="en-US" sz="1800" b="1">
+                <a:latin typeface="Times New Roman" panose="02020603050405020304" charset="0"/>
+                <a:cs typeface="Times New Roman" panose="02020603050405020304" charset="0"/>
+              </a:rPr>
+              <a:t>处理长尾问题</a:t>
+            </a:r>
+            <a:endParaRPr lang="en-US" altLang="zh-CN" sz="1800" b="1">
+              <a:latin typeface="Times New Roman" panose="02020603050405020304" charset="0"/>
+              <a:cs typeface="Times New Roman" panose="02020603050405020304" charset="0"/>
+            </a:endParaRPr>
+          </a:p>
+          <a:p>
+            <a:pPr algn="l">
+              <a:lnSpc>
+                <a:spcPct val="130000"/>
+              </a:lnSpc>
+            </a:pPr>
+            <a:r>
+              <a:rPr lang="en-US" altLang="zh-CN" sz="1400">
+                <a:latin typeface="Times New Roman" panose="02020603050405020304" charset="0"/>
+                <a:cs typeface="Times New Roman" panose="02020603050405020304" charset="0"/>
+              </a:rPr>
+              <a:t>Segment Rollout</a:t>
+            </a:r>
+            <a:r>
+              <a:rPr lang="zh-CN" altLang="en-US" sz="1400">
+                <a:latin typeface="Times New Roman" panose="02020603050405020304" charset="0"/>
+                <a:cs typeface="Times New Roman" panose="02020603050405020304" charset="0"/>
+              </a:rPr>
+              <a:t>将超长输出的解码过程划分为多个短片段阶段，使模型每次仅需解码较短的长度</a:t>
+            </a:r>
+            <a:r>
+              <a:rPr lang="en-US" altLang="zh-CN" sz="1400">
+                <a:latin typeface="Times New Roman" panose="02020603050405020304" charset="0"/>
+                <a:cs typeface="Times New Roman" panose="02020603050405020304" charset="0"/>
+              </a:rPr>
+              <a:t> </a:t>
+            </a:r>
+            <a:r>
+              <a:rPr lang="zh-CN" altLang="en-US" sz="1400">
+                <a:latin typeface="Times New Roman" panose="02020603050405020304" charset="0"/>
+                <a:cs typeface="Times New Roman" panose="02020603050405020304" charset="0"/>
+              </a:rPr>
+              <a:t>。这种机制允许已完成解码的样本立即进入经验池参与训练，而未完成的样本在后续迭代中继续生成</a:t>
+            </a:r>
+            <a:r>
+              <a:rPr lang="zh-CN" altLang="en-US" sz="1400">
+                <a:latin typeface="Times New Roman" panose="02020603050405020304" charset="0"/>
+                <a:cs typeface="Times New Roman" panose="02020603050405020304" charset="0"/>
+              </a:rPr>
+              <a:t>。</a:t>
+            </a:r>
+            <a:endParaRPr lang="zh-CN" altLang="en-US" sz="1400">
+              <a:latin typeface="Times New Roman" panose="02020603050405020304" charset="0"/>
+              <a:cs typeface="Times New Roman" panose="02020603050405020304" charset="0"/>
+            </a:endParaRPr>
+          </a:p>
+          <a:p>
+            <a:pPr algn="l">
+              <a:lnSpc>
+                <a:spcPct val="130000"/>
+              </a:lnSpc>
+            </a:pPr>
+            <a:r>
+              <a:rPr lang="zh-CN" altLang="en-US" sz="1400">
+                <a:latin typeface="Times New Roman" panose="02020603050405020304" charset="0"/>
+                <a:cs typeface="Times New Roman" panose="02020603050405020304" charset="0"/>
+              </a:rPr>
+              <a:t>但是静态的segment长度导致步长僵化，设大了：短样本（如 50 tokens）需要空等很久才能退出，增加了 Latency。设小了，长样本需要经历极多次 Python 循环和 Kernel 启动，增加了 Overhead。</a:t>
+            </a:r>
+            <a:endParaRPr lang="zh-CN" altLang="en-US" sz="1400">
+              <a:latin typeface="Times New Roman" panose="02020603050405020304" charset="0"/>
+              <a:cs typeface="Times New Roman" panose="02020603050405020304" charset="0"/>
+            </a:endParaRPr>
+          </a:p>
+        </p:txBody>
+      </p:sp>
+      <p:sp>
+        <p:nvSpPr>
+          <p:cNvPr id="19" name="文本框 37"/>
+          <p:cNvSpPr txBox="1"/>
+          <p:nvPr/>
+        </p:nvSpPr>
+        <p:spPr>
+          <a:xfrm>
+            <a:off x="173355" y="165735"/>
+            <a:ext cx="11870055" cy="520700"/>
+          </a:xfrm>
+          <a:prstGeom prst="rect">
+            <a:avLst/>
+          </a:prstGeom>
+          <a:noFill/>
+        </p:spPr>
+        <p:txBody>
+          <a:bodyPr wrap="square" lIns="91431" tIns="45716" rIns="91431" bIns="45716" rtlCol="0">
+            <a:spAutoFit/>
+          </a:bodyPr>
+          <a:p>
+            <a:r>
+              <a:rPr lang="zh-CN" altLang="en-US" sz="2800" b="1" dirty="0">
+                <a:solidFill>
+                  <a:schemeClr val="tx1"/>
+                </a:solidFill>
+                <a:latin typeface="Times New Roman" panose="02020603050405020304" charset="0"/>
+                <a:cs typeface="Times New Roman" panose="02020603050405020304" charset="0"/>
+                <a:sym typeface="+mn-ea"/>
+              </a:rPr>
+              <a:t>二、方案优化：</a:t>
+            </a:r>
+            <a:r>
+              <a:rPr lang="en-US" altLang="zh-CN" b="1" dirty="0">
+                <a:solidFill>
+                  <a:srgbClr val="C00000"/>
+                </a:solidFill>
+                <a:latin typeface="Times New Roman" panose="02020603050405020304" charset="0"/>
+                <a:cs typeface="Times New Roman" panose="02020603050405020304" charset="0"/>
+                <a:sym typeface="+mn-ea"/>
+              </a:rPr>
+              <a:t>UloRL:An Ultra-Long Output Reinforcement Learning Approach for Advancing Reasoning</a:t>
+            </a:r>
+            <a:endParaRPr lang="en-US" altLang="zh-CN" b="1" dirty="0">
+              <a:solidFill>
+                <a:srgbClr val="C00000"/>
+              </a:solidFill>
+              <a:latin typeface="Times New Roman" panose="02020603050405020304" charset="0"/>
+              <a:cs typeface="Times New Roman" panose="02020603050405020304" charset="0"/>
+              <a:sym typeface="+mn-ea"/>
+            </a:endParaRPr>
+          </a:p>
+        </p:txBody>
+      </p:sp>
+      <p:sp>
+        <p:nvSpPr>
+          <p:cNvPr id="18" name="矩形 17"/>
+          <p:cNvSpPr/>
+          <p:nvPr/>
+        </p:nvSpPr>
+        <p:spPr>
+          <a:xfrm>
+            <a:off x="0" y="135620"/>
+            <a:ext cx="89452" cy="526774"/>
+          </a:xfrm>
+          <a:prstGeom prst="rect">
+            <a:avLst/>
+          </a:prstGeom>
+          <a:solidFill>
+            <a:srgbClr val="C00000"/>
+          </a:solidFill>
+          <a:ln>
+            <a:noFill/>
+          </a:ln>
+        </p:spPr>
+        <p:style>
+          <a:lnRef idx="2">
+            <a:schemeClr val="accent1">
+              <a:shade val="50000"/>
+            </a:schemeClr>
+          </a:lnRef>
+          <a:fillRef idx="1">
+            <a:schemeClr val="accent1"/>
+          </a:fillRef>
+          <a:effectRef idx="0">
+            <a:schemeClr val="accent1"/>
+          </a:effectRef>
+          <a:fontRef idx="minor">
+            <a:schemeClr val="lt1"/>
+          </a:fontRef>
+        </p:style>
+        <p:txBody>
+          <a:bodyPr rtlCol="0" anchor="ctr"/>
+          <a:p>
+            <a:pPr algn="ctr"/>
+            <a:endParaRPr lang="zh-CN" altLang="en-US" b="1">
+              <a:latin typeface="Times New Roman" panose="02020603050405020304" charset="0"/>
+              <a:cs typeface="Times New Roman" panose="02020603050405020304" charset="0"/>
+            </a:endParaRPr>
+          </a:p>
+        </p:txBody>
+      </p:sp>
+      <p:pic>
+        <p:nvPicPr>
+          <p:cNvPr id="3" name="图片 2"/>
+          <p:cNvPicPr>
+            <a:picLocks noChangeAspect="1"/>
+          </p:cNvPicPr>
+          <p:nvPr/>
+        </p:nvPicPr>
+        <p:blipFill>
+          <a:blip r:embed="rId1"/>
+          <a:stretch>
+            <a:fillRect/>
+          </a:stretch>
+        </p:blipFill>
+        <p:spPr>
+          <a:xfrm>
+            <a:off x="3239770" y="4704715"/>
+            <a:ext cx="5039360" cy="580390"/>
+          </a:xfrm>
+          <a:prstGeom prst="rect">
+            <a:avLst/>
+          </a:prstGeom>
+        </p:spPr>
+      </p:pic>
+      <p:sp>
+        <p:nvSpPr>
+          <p:cNvPr id="5" name="文本框 4"/>
+          <p:cNvSpPr txBox="1"/>
+          <p:nvPr/>
+        </p:nvSpPr>
+        <p:spPr>
+          <a:xfrm>
+            <a:off x="419735" y="2698115"/>
+            <a:ext cx="11682730" cy="1609725"/>
+          </a:xfrm>
+          <a:prstGeom prst="rect">
+            <a:avLst/>
+          </a:prstGeom>
+          <a:noFill/>
+        </p:spPr>
+        <p:txBody>
+          <a:bodyPr wrap="square" rtlCol="0">
+            <a:spAutoFit/>
+          </a:bodyPr>
+          <a:p>
+            <a:pPr>
+              <a:lnSpc>
+                <a:spcPct val="130000"/>
+              </a:lnSpc>
+            </a:pPr>
+            <a:r>
+              <a:rPr lang="en-US" altLang="zh-CN" sz="2000" b="1">
+                <a:latin typeface="Times New Roman" panose="02020603050405020304" charset="0"/>
+                <a:cs typeface="Times New Roman" panose="02020603050405020304" charset="0"/>
+              </a:rPr>
+              <a:t>Dynamic Segment Rollout </a:t>
+            </a:r>
+            <a:endParaRPr lang="en-US" altLang="zh-CN" sz="2000" b="1">
+              <a:latin typeface="Times New Roman" panose="02020603050405020304" charset="0"/>
+              <a:cs typeface="Times New Roman" panose="02020603050405020304" charset="0"/>
+            </a:endParaRPr>
+          </a:p>
+          <a:p>
+            <a:pPr>
+              <a:lnSpc>
+                <a:spcPct val="130000"/>
+              </a:lnSpc>
+            </a:pPr>
+            <a:r>
+              <a:rPr lang="zh-CN" altLang="en-US" sz="1400">
+                <a:latin typeface="Times New Roman" panose="02020603050405020304" charset="0"/>
+                <a:ea typeface="微软雅黑" panose="020B0503020204020204" charset="-122"/>
+                <a:cs typeface="Times New Roman" panose="02020603050405020304" charset="0"/>
+              </a:rPr>
+              <a:t>定义一</a:t>
+            </a:r>
+            <a:r>
+              <a:rPr lang="zh-CN" altLang="en-US" sz="1400">
+                <a:latin typeface="微软雅黑" panose="020B0503020204020204" charset="-122"/>
+                <a:ea typeface="微软雅黑" panose="020B0503020204020204" charset="-122"/>
+                <a:cs typeface="微软雅黑" panose="020B0503020204020204" charset="-122"/>
+              </a:rPr>
+              <a:t>个</a:t>
+            </a:r>
+            <a:r>
+              <a:rPr lang="en-US" altLang="zh-CN" sz="1400">
+                <a:latin typeface="微软雅黑" panose="020B0503020204020204" charset="-122"/>
+                <a:ea typeface="微软雅黑" panose="020B0503020204020204" charset="-122"/>
+                <a:cs typeface="微软雅黑" panose="020B0503020204020204" charset="-122"/>
+              </a:rPr>
+              <a:t>”</a:t>
+            </a:r>
+            <a:r>
+              <a:rPr lang="zh-CN" altLang="en-US" sz="1400">
+                <a:latin typeface="Times New Roman" panose="02020603050405020304" charset="0"/>
+                <a:ea typeface="微软雅黑" panose="020B0503020204020204" charset="-122"/>
+                <a:cs typeface="Times New Roman" panose="02020603050405020304" charset="0"/>
+              </a:rPr>
+              <a:t>单</a:t>
+            </a:r>
+            <a:r>
+              <a:rPr lang="en-US" altLang="zh-CN" sz="1400">
+                <a:latin typeface="Times New Roman" panose="02020603050405020304" charset="0"/>
+                <a:ea typeface="微软雅黑" panose="020B0503020204020204" charset="-122"/>
+                <a:cs typeface="Times New Roman" panose="02020603050405020304" charset="0"/>
+              </a:rPr>
+              <a:t>batch</a:t>
+            </a:r>
+            <a:r>
+              <a:rPr lang="zh-CN" altLang="en-US" sz="1400">
+                <a:latin typeface="Times New Roman" panose="02020603050405020304" charset="0"/>
+                <a:ea typeface="微软雅黑" panose="020B0503020204020204" charset="-122"/>
+                <a:cs typeface="Times New Roman" panose="02020603050405020304" charset="0"/>
+              </a:rPr>
+              <a:t>次最大处理</a:t>
+            </a:r>
+            <a:r>
+              <a:rPr lang="en-US" altLang="zh-CN" sz="1400">
+                <a:latin typeface="Times New Roman" panose="02020603050405020304" charset="0"/>
+                <a:ea typeface="微软雅黑" panose="020B0503020204020204" charset="-122"/>
+                <a:cs typeface="Times New Roman" panose="02020603050405020304" charset="0"/>
+              </a:rPr>
+              <a:t>token</a:t>
+            </a:r>
+            <a:r>
+              <a:rPr lang="zh-CN" altLang="en-US" sz="1400">
+                <a:latin typeface="Times New Roman" panose="02020603050405020304" charset="0"/>
+                <a:ea typeface="微软雅黑" panose="020B0503020204020204" charset="-122"/>
+                <a:cs typeface="Times New Roman" panose="02020603050405020304" charset="0"/>
+              </a:rPr>
+              <a:t>数</a:t>
+            </a:r>
+            <a:r>
+              <a:rPr lang="zh-CN" altLang="en-US" sz="1400">
+                <a:latin typeface="微软雅黑" panose="020B0503020204020204" charset="-122"/>
+                <a:ea typeface="微软雅黑" panose="020B0503020204020204" charset="-122"/>
+                <a:cs typeface="微软雅黑" panose="020B0503020204020204" charset="-122"/>
+              </a:rPr>
+              <a:t>”</a:t>
+            </a:r>
+            <a:r>
+              <a:rPr lang="en-US" altLang="zh-CN" sz="1400" i="1">
+                <a:solidFill>
+                  <a:srgbClr val="FF0000"/>
+                </a:solidFill>
+                <a:latin typeface="Times New Roman" panose="02020603050405020304" charset="0"/>
+                <a:ea typeface="微软雅黑" panose="020B0503020204020204" charset="-122"/>
+                <a:cs typeface="Times New Roman" panose="02020603050405020304" charset="0"/>
+              </a:rPr>
+              <a:t>Total_Token_Capacity</a:t>
+            </a:r>
+            <a:r>
+              <a:rPr lang="zh-CN" altLang="en-US" sz="1400">
+                <a:latin typeface="Times New Roman" panose="02020603050405020304" charset="0"/>
+                <a:ea typeface="微软雅黑" panose="020B0503020204020204" charset="-122"/>
+                <a:cs typeface="Times New Roman" panose="02020603050405020304" charset="0"/>
+              </a:rPr>
+              <a:t>，</a:t>
+            </a:r>
+            <a:endParaRPr lang="zh-CN" altLang="en-US" sz="1400">
+              <a:latin typeface="Times New Roman" panose="02020603050405020304" charset="0"/>
+              <a:ea typeface="微软雅黑" panose="020B0503020204020204" charset="-122"/>
+              <a:cs typeface="Times New Roman" panose="02020603050405020304" charset="0"/>
+            </a:endParaRPr>
+          </a:p>
+          <a:p>
+            <a:pPr>
+              <a:lnSpc>
+                <a:spcPct val="130000"/>
+              </a:lnSpc>
+            </a:pPr>
+            <a:r>
+              <a:rPr lang="zh-CN" altLang="en-US" sz="1400">
+                <a:latin typeface="Times New Roman" panose="02020603050405020304" charset="0"/>
+                <a:ea typeface="微软雅黑" panose="020B0503020204020204" charset="-122"/>
+                <a:cs typeface="Times New Roman" panose="02020603050405020304" charset="0"/>
+              </a:rPr>
+              <a:t>以及</a:t>
+            </a:r>
+            <a:endParaRPr lang="zh-CN" altLang="en-US" sz="1400">
+              <a:latin typeface="Times New Roman" panose="02020603050405020304" charset="0"/>
+              <a:ea typeface="微软雅黑" panose="020B0503020204020204" charset="-122"/>
+              <a:cs typeface="Times New Roman" panose="02020603050405020304" charset="0"/>
+            </a:endParaRPr>
+          </a:p>
+          <a:p>
+            <a:pPr>
+              <a:lnSpc>
+                <a:spcPct val="130000"/>
+              </a:lnSpc>
+            </a:pPr>
+            <a:r>
+              <a:rPr lang="en-US" altLang="zh-CN" sz="1400" i="1">
+                <a:solidFill>
+                  <a:srgbClr val="FF0000"/>
+                </a:solidFill>
+                <a:latin typeface="Times New Roman" panose="02020603050405020304" charset="0"/>
+                <a:ea typeface="微软雅黑" panose="020B0503020204020204" charset="-122"/>
+                <a:cs typeface="Times New Roman" panose="02020603050405020304" charset="0"/>
+              </a:rPr>
+              <a:t>L</a:t>
+            </a:r>
+            <a:r>
+              <a:rPr lang="en-US" altLang="zh-CN" sz="1400" i="1" baseline="-25000">
+                <a:solidFill>
+                  <a:srgbClr val="FF0000"/>
+                </a:solidFill>
+                <a:latin typeface="Times New Roman" panose="02020603050405020304" charset="0"/>
+                <a:ea typeface="微软雅黑" panose="020B0503020204020204" charset="-122"/>
+                <a:cs typeface="Times New Roman" panose="02020603050405020304" charset="0"/>
+              </a:rPr>
+              <a:t>max</a:t>
+            </a:r>
+            <a:r>
+              <a:rPr lang="zh-CN" altLang="en-US" sz="1400">
+                <a:latin typeface="Times New Roman" panose="02020603050405020304" charset="0"/>
+                <a:ea typeface="微软雅黑" panose="020B0503020204020204" charset="-122"/>
+                <a:cs typeface="Times New Roman" panose="02020603050405020304" charset="0"/>
+              </a:rPr>
+              <a:t>：</a:t>
+            </a:r>
+            <a:r>
+              <a:rPr lang="en-US" altLang="zh-CN" sz="1400">
+                <a:latin typeface="Times New Roman" panose="02020603050405020304" charset="0"/>
+                <a:ea typeface="微软雅黑" panose="020B0503020204020204" charset="-122"/>
+                <a:cs typeface="Times New Roman" panose="02020603050405020304" charset="0"/>
+              </a:rPr>
+              <a:t>(</a:t>
+            </a:r>
+            <a:r>
+              <a:rPr lang="zh-CN" altLang="en-US" sz="1400">
+                <a:latin typeface="Times New Roman" panose="02020603050405020304" charset="0"/>
+                <a:ea typeface="微软雅黑" panose="020B0503020204020204" charset="-122"/>
+                <a:cs typeface="Times New Roman" panose="02020603050405020304" charset="0"/>
+              </a:rPr>
+              <a:t>单次最大步长</a:t>
+            </a:r>
+            <a:r>
+              <a:rPr lang="en-US" altLang="zh-CN" sz="1400">
+                <a:latin typeface="Times New Roman" panose="02020603050405020304" charset="0"/>
+                <a:ea typeface="微软雅黑" panose="020B0503020204020204" charset="-122"/>
+                <a:cs typeface="Times New Roman" panose="02020603050405020304" charset="0"/>
+              </a:rPr>
+              <a:t>)4096</a:t>
+            </a:r>
+            <a:r>
+              <a:rPr lang="zh-CN" altLang="en-US" sz="1400">
+                <a:latin typeface="Times New Roman" panose="02020603050405020304" charset="0"/>
+                <a:ea typeface="微软雅黑" panose="020B0503020204020204" charset="-122"/>
+                <a:cs typeface="Times New Roman" panose="02020603050405020304" charset="0"/>
+              </a:rPr>
+              <a:t>。</a:t>
+            </a:r>
+            <a:r>
+              <a:rPr lang="en-US" altLang="zh-CN" sz="1400">
+                <a:latin typeface="Times New Roman" panose="02020603050405020304" charset="0"/>
+                <a:ea typeface="微软雅黑" panose="020B0503020204020204" charset="-122"/>
+                <a:cs typeface="Times New Roman" panose="02020603050405020304" charset="0"/>
+              </a:rPr>
+              <a:t> (</a:t>
+            </a:r>
+            <a:r>
+              <a:rPr lang="zh-CN" altLang="en-US" sz="1400">
+                <a:latin typeface="Times New Roman" panose="02020603050405020304" charset="0"/>
+                <a:ea typeface="微软雅黑" panose="020B0503020204020204" charset="-122"/>
+                <a:cs typeface="Times New Roman" panose="02020603050405020304" charset="0"/>
+              </a:rPr>
+              <a:t>即使只有</a:t>
+            </a:r>
+            <a:r>
+              <a:rPr lang="en-US" altLang="zh-CN" sz="1400">
+                <a:latin typeface="Times New Roman" panose="02020603050405020304" charset="0"/>
+                <a:ea typeface="微软雅黑" panose="020B0503020204020204" charset="-122"/>
+                <a:cs typeface="Times New Roman" panose="02020603050405020304" charset="0"/>
+              </a:rPr>
+              <a:t> 1 </a:t>
+            </a:r>
+            <a:r>
+              <a:rPr lang="zh-CN" altLang="en-US" sz="1400">
+                <a:latin typeface="Times New Roman" panose="02020603050405020304" charset="0"/>
+                <a:ea typeface="微软雅黑" panose="020B0503020204020204" charset="-122"/>
+                <a:cs typeface="Times New Roman" panose="02020603050405020304" charset="0"/>
+              </a:rPr>
+              <a:t>个样本，一次也不要生成超过</a:t>
+            </a:r>
+            <a:r>
+              <a:rPr lang="en-US" altLang="zh-CN" sz="1400">
+                <a:latin typeface="Times New Roman" panose="02020603050405020304" charset="0"/>
+                <a:ea typeface="微软雅黑" panose="020B0503020204020204" charset="-122"/>
+                <a:cs typeface="Times New Roman" panose="02020603050405020304" charset="0"/>
+              </a:rPr>
+              <a:t> 4k</a:t>
+            </a:r>
+            <a:r>
+              <a:rPr lang="zh-CN" altLang="en-US" sz="1400">
+                <a:latin typeface="Times New Roman" panose="02020603050405020304" charset="0"/>
+                <a:ea typeface="微软雅黑" panose="020B0503020204020204" charset="-122"/>
+                <a:cs typeface="Times New Roman" panose="02020603050405020304" charset="0"/>
+              </a:rPr>
+              <a:t>，防止单次卡顿太久，</a:t>
+            </a:r>
+            <a:endParaRPr lang="zh-CN" altLang="en-US" sz="1400">
+              <a:latin typeface="Times New Roman" panose="02020603050405020304" charset="0"/>
+              <a:ea typeface="微软雅黑" panose="020B0503020204020204" charset="-122"/>
+              <a:cs typeface="Times New Roman" panose="02020603050405020304" charset="0"/>
+            </a:endParaRPr>
+          </a:p>
+          <a:p>
+            <a:pPr>
+              <a:lnSpc>
+                <a:spcPct val="130000"/>
+              </a:lnSpc>
+            </a:pPr>
+            <a:r>
+              <a:rPr lang="en-US" altLang="zh-CN" sz="1400" i="1">
+                <a:solidFill>
+                  <a:srgbClr val="FF0000"/>
+                </a:solidFill>
+                <a:latin typeface="Times New Roman" panose="02020603050405020304" charset="0"/>
+                <a:ea typeface="微软雅黑" panose="020B0503020204020204" charset="-122"/>
+                <a:cs typeface="Times New Roman" panose="02020603050405020304" charset="0"/>
+              </a:rPr>
+              <a:t>L</a:t>
+            </a:r>
+            <a:r>
+              <a:rPr lang="en-US" altLang="zh-CN" sz="1400" i="1" baseline="-25000">
+                <a:solidFill>
+                  <a:srgbClr val="FF0000"/>
+                </a:solidFill>
+                <a:latin typeface="Times New Roman" panose="02020603050405020304" charset="0"/>
+                <a:ea typeface="微软雅黑" panose="020B0503020204020204" charset="-122"/>
+                <a:cs typeface="Times New Roman" panose="02020603050405020304" charset="0"/>
+              </a:rPr>
+              <a:t>min</a:t>
+            </a:r>
+            <a:r>
+              <a:rPr lang="zh-CN" altLang="en-US" sz="1400">
+                <a:latin typeface="Times New Roman" panose="02020603050405020304" charset="0"/>
+                <a:ea typeface="微软雅黑" panose="020B0503020204020204" charset="-122"/>
+                <a:cs typeface="Times New Roman" panose="02020603050405020304" charset="0"/>
+              </a:rPr>
+              <a:t>：</a:t>
+            </a:r>
+            <a:r>
+              <a:rPr lang="en-US" altLang="zh-CN" sz="1400">
+                <a:latin typeface="Times New Roman" panose="02020603050405020304" charset="0"/>
+                <a:ea typeface="微软雅黑" panose="020B0503020204020204" charset="-122"/>
+                <a:cs typeface="Times New Roman" panose="02020603050405020304" charset="0"/>
+              </a:rPr>
+              <a:t>(</a:t>
+            </a:r>
+            <a:r>
+              <a:rPr lang="zh-CN" altLang="en-US" sz="1400">
+                <a:latin typeface="Times New Roman" panose="02020603050405020304" charset="0"/>
+                <a:ea typeface="微软雅黑" panose="020B0503020204020204" charset="-122"/>
+                <a:cs typeface="Times New Roman" panose="02020603050405020304" charset="0"/>
+              </a:rPr>
+              <a:t>单次最小步长</a:t>
+            </a:r>
+            <a:r>
+              <a:rPr lang="en-US" altLang="zh-CN" sz="1400">
+                <a:latin typeface="Times New Roman" panose="02020603050405020304" charset="0"/>
+                <a:ea typeface="微软雅黑" panose="020B0503020204020204" charset="-122"/>
+                <a:cs typeface="Times New Roman" panose="02020603050405020304" charset="0"/>
+              </a:rPr>
+              <a:t>)</a:t>
+            </a:r>
+            <a:r>
+              <a:rPr lang="zh-CN" altLang="en-US" sz="1400">
+                <a:latin typeface="Times New Roman" panose="02020603050405020304" charset="0"/>
+                <a:ea typeface="微软雅黑" panose="020B0503020204020204" charset="-122"/>
+                <a:cs typeface="Times New Roman" panose="02020603050405020304" charset="0"/>
+              </a:rPr>
+              <a:t>：</a:t>
+            </a:r>
+            <a:r>
+              <a:rPr lang="en-US" altLang="zh-CN" sz="1400">
+                <a:latin typeface="Times New Roman" panose="02020603050405020304" charset="0"/>
+                <a:ea typeface="微软雅黑" panose="020B0503020204020204" charset="-122"/>
+                <a:cs typeface="Times New Roman" panose="02020603050405020304" charset="0"/>
+              </a:rPr>
+              <a:t>64</a:t>
+            </a:r>
+            <a:r>
+              <a:rPr lang="zh-CN" altLang="en-US" sz="1400">
+                <a:latin typeface="Times New Roman" panose="02020603050405020304" charset="0"/>
+                <a:ea typeface="微软雅黑" panose="020B0503020204020204" charset="-122"/>
+                <a:cs typeface="Times New Roman" panose="02020603050405020304" charset="0"/>
+              </a:rPr>
+              <a:t>。</a:t>
+            </a:r>
+            <a:r>
+              <a:rPr lang="en-US" altLang="zh-CN" sz="1400">
+                <a:latin typeface="Times New Roman" panose="02020603050405020304" charset="0"/>
+                <a:ea typeface="微软雅黑" panose="020B0503020204020204" charset="-122"/>
+                <a:cs typeface="Times New Roman" panose="02020603050405020304" charset="0"/>
+              </a:rPr>
+              <a:t> (</a:t>
+            </a:r>
+            <a:r>
+              <a:rPr lang="zh-CN" altLang="en-US" sz="1400">
+                <a:latin typeface="Times New Roman" panose="02020603050405020304" charset="0"/>
+                <a:ea typeface="微软雅黑" panose="020B0503020204020204" charset="-122"/>
+                <a:cs typeface="Times New Roman" panose="02020603050405020304" charset="0"/>
+              </a:rPr>
+              <a:t>太短了会导致</a:t>
+            </a:r>
+            <a:r>
+              <a:rPr lang="en-US" altLang="zh-CN" sz="1400">
+                <a:latin typeface="Times New Roman" panose="02020603050405020304" charset="0"/>
+                <a:ea typeface="微软雅黑" panose="020B0503020204020204" charset="-122"/>
+                <a:cs typeface="Times New Roman" panose="02020603050405020304" charset="0"/>
+              </a:rPr>
+              <a:t> Python </a:t>
+            </a:r>
+            <a:r>
+              <a:rPr lang="zh-CN" altLang="en-US" sz="1400">
+                <a:latin typeface="Times New Roman" panose="02020603050405020304" charset="0"/>
+                <a:ea typeface="微软雅黑" panose="020B0503020204020204" charset="-122"/>
+                <a:cs typeface="Times New Roman" panose="02020603050405020304" charset="0"/>
+              </a:rPr>
+              <a:t>循环开销大于</a:t>
+            </a:r>
+            <a:r>
+              <a:rPr lang="en-US" altLang="zh-CN" sz="1400">
+                <a:latin typeface="Times New Roman" panose="02020603050405020304" charset="0"/>
+                <a:ea typeface="微软雅黑" panose="020B0503020204020204" charset="-122"/>
+                <a:cs typeface="Times New Roman" panose="02020603050405020304" charset="0"/>
+              </a:rPr>
+              <a:t> GPU </a:t>
+            </a:r>
+            <a:r>
+              <a:rPr lang="zh-CN" altLang="en-US" sz="1400">
+                <a:latin typeface="Times New Roman" panose="02020603050405020304" charset="0"/>
+                <a:ea typeface="微软雅黑" panose="020B0503020204020204" charset="-122"/>
+                <a:cs typeface="Times New Roman" panose="02020603050405020304" charset="0"/>
+              </a:rPr>
+              <a:t>计算时间，得不偿失。</a:t>
+            </a:r>
+            <a:r>
+              <a:rPr lang="en-US" altLang="zh-CN" sz="1400">
+                <a:latin typeface="Times New Roman" panose="02020603050405020304" charset="0"/>
+                <a:ea typeface="微软雅黑" panose="020B0503020204020204" charset="-122"/>
+                <a:cs typeface="Times New Roman" panose="02020603050405020304" charset="0"/>
+              </a:rPr>
+              <a:t>)</a:t>
+            </a:r>
+            <a:endParaRPr lang="en-US" altLang="zh-CN" sz="1400">
+              <a:latin typeface="Times New Roman" panose="02020603050405020304" charset="0"/>
+              <a:ea typeface="微软雅黑" panose="020B0503020204020204" charset="-122"/>
+              <a:cs typeface="Times New Roman" panose="02020603050405020304" charset="0"/>
+            </a:endParaRPr>
+          </a:p>
+        </p:txBody>
+      </p:sp>
+      <p:sp>
+        <p:nvSpPr>
+          <p:cNvPr id="6" name="文本框 5"/>
+          <p:cNvSpPr txBox="1"/>
+          <p:nvPr/>
+        </p:nvSpPr>
+        <p:spPr>
+          <a:xfrm>
+            <a:off x="488950" y="5562600"/>
+            <a:ext cx="10953750" cy="730885"/>
+          </a:xfrm>
+          <a:prstGeom prst="rect">
+            <a:avLst/>
+          </a:prstGeom>
+          <a:noFill/>
+        </p:spPr>
+        <p:txBody>
+          <a:bodyPr wrap="square" rtlCol="0">
+            <a:spAutoFit/>
+          </a:bodyPr>
+          <a:p>
+            <a:pPr>
+              <a:lnSpc>
+                <a:spcPct val="130000"/>
+              </a:lnSpc>
+            </a:pPr>
+            <a:r>
+              <a:rPr lang="zh-CN" altLang="en-US" sz="1600">
+                <a:latin typeface="Times New Roman" panose="02020603050405020304" charset="0"/>
+                <a:sym typeface="+mn-ea"/>
+              </a:rPr>
+              <a:t>流程：起步阶段（</a:t>
+            </a:r>
+            <a:r>
+              <a:rPr lang="en-US" altLang="zh-CN" sz="1600" b="1" i="1">
+                <a:solidFill>
+                  <a:srgbClr val="FF0000"/>
+                </a:solidFill>
+                <a:latin typeface="Times New Roman" panose="02020603050405020304" charset="0"/>
+                <a:sym typeface="+mn-ea"/>
+              </a:rPr>
+              <a:t>N</a:t>
+            </a:r>
+            <a:r>
+              <a:rPr lang="en-US" altLang="zh-CN" sz="1600" b="1" i="1" baseline="-25000">
+                <a:solidFill>
+                  <a:srgbClr val="FF0000"/>
+                </a:solidFill>
+                <a:latin typeface="Times New Roman" panose="02020603050405020304" charset="0"/>
+                <a:sym typeface="+mn-ea"/>
+              </a:rPr>
+              <a:t>active </a:t>
+            </a:r>
+            <a:r>
+              <a:rPr lang="zh-CN" altLang="en-US" sz="1600">
+                <a:latin typeface="Times New Roman" panose="02020603050405020304" charset="0"/>
+                <a:sym typeface="+mn-ea"/>
+              </a:rPr>
+              <a:t>大）用极短步长（如</a:t>
+            </a:r>
+            <a:r>
+              <a:rPr lang="en-US" altLang="zh-CN" sz="1600">
+                <a:latin typeface="Times New Roman" panose="02020603050405020304" charset="0"/>
+                <a:sym typeface="+mn-ea"/>
+              </a:rPr>
+              <a:t> 64</a:t>
+            </a:r>
+            <a:r>
+              <a:rPr lang="zh-CN" altLang="en-US" sz="1600">
+                <a:latin typeface="Times New Roman" panose="02020603050405020304" charset="0"/>
+                <a:sym typeface="+mn-ea"/>
+              </a:rPr>
+              <a:t>）快速清洗简单题；收尾阶段（</a:t>
+            </a:r>
+            <a:r>
+              <a:rPr lang="en-US" altLang="zh-CN" sz="1600" b="1" i="1">
+                <a:solidFill>
+                  <a:srgbClr val="FF0000"/>
+                </a:solidFill>
+                <a:latin typeface="Times New Roman" panose="02020603050405020304" charset="0"/>
+                <a:sym typeface="+mn-ea"/>
+              </a:rPr>
+              <a:t>N</a:t>
+            </a:r>
+            <a:r>
+              <a:rPr lang="en-US" altLang="zh-CN" sz="1600" b="1" i="1" baseline="-25000">
+                <a:solidFill>
+                  <a:srgbClr val="FF0000"/>
+                </a:solidFill>
+                <a:latin typeface="Times New Roman" panose="02020603050405020304" charset="0"/>
+                <a:sym typeface="+mn-ea"/>
+              </a:rPr>
+              <a:t>active </a:t>
+            </a:r>
+            <a:r>
+              <a:rPr lang="zh-CN" altLang="en-US" sz="1600">
+                <a:latin typeface="Times New Roman" panose="02020603050405020304" charset="0"/>
+                <a:sym typeface="+mn-ea"/>
+              </a:rPr>
+              <a:t>小）步长自动拉满，让长尾任务全速跑完。</a:t>
+            </a:r>
+            <a:endParaRPr lang="en-US" altLang="zh-CN" sz="1600" b="1">
+              <a:latin typeface="Times New Roman" panose="02020603050405020304" charset="0"/>
+              <a:ea typeface="微软雅黑" panose="020B0503020204020204" charset="-122"/>
+              <a:cs typeface="Times New Roman" panose="02020603050405020304" charset="0"/>
+            </a:endParaRPr>
+          </a:p>
+        </p:txBody>
+      </p:sp>
+    </p:spTree>
+    <p:custDataLst>
+      <p:tags r:id="rId2"/>
+    </p:custDataLst>
+  </p:cSld>
+  <p:clrMapOvr>
+    <a:masterClrMapping/>
+  </p:clrMapOvr>
+</p:sld>
+</file>
+
+<file path=ppt/slides/slide8.xml><?xml version="1.0" encoding="utf-8"?>
+<p:sld xmlns:a="http://schemas.openxmlformats.org/drawingml/2006/main" xmlns:r="http://schemas.openxmlformats.org/officeDocument/2006/relationships" xmlns:p="http://schemas.openxmlformats.org/presentationml/2006/main">
+  <p:cSld>
+    <p:spTree>
+      <p:nvGrpSpPr>
+        <p:cNvPr id="1" name=""/>
+        <p:cNvGrpSpPr/>
+        <p:nvPr/>
+      </p:nvGrpSpPr>
+      <p:grpSpPr/>
+      <p:sp>
+        <p:nvSpPr>
+          <p:cNvPr id="18" name="矩形 17"/>
+          <p:cNvSpPr/>
+          <p:nvPr/>
+        </p:nvSpPr>
+        <p:spPr>
+          <a:xfrm>
+            <a:off x="0" y="135620"/>
+            <a:ext cx="89452" cy="526774"/>
+          </a:xfrm>
+          <a:prstGeom prst="rect">
+            <a:avLst/>
+          </a:prstGeom>
+          <a:solidFill>
+            <a:srgbClr val="C00000"/>
+          </a:solidFill>
+          <a:ln>
+            <a:noFill/>
+          </a:ln>
+        </p:spPr>
+        <p:style>
+          <a:lnRef idx="2">
+            <a:schemeClr val="accent1">
+              <a:shade val="50000"/>
+            </a:schemeClr>
+          </a:lnRef>
+          <a:fillRef idx="1">
+            <a:schemeClr val="accent1"/>
+          </a:fillRef>
+          <a:effectRef idx="0">
+            <a:schemeClr val="accent1"/>
+          </a:effectRef>
+          <a:fontRef idx="minor">
+            <a:schemeClr val="lt1"/>
+          </a:fontRef>
+        </p:style>
+        <p:txBody>
+          <a:bodyPr rtlCol="0" anchor="ctr"/>
+          <a:p>
+            <a:pPr algn="ctr"/>
+            <a:endParaRPr lang="zh-CN" altLang="en-US" b="1">
+              <a:latin typeface="Times New Roman" panose="02020603050405020304" charset="0"/>
+              <a:cs typeface="Times New Roman" panose="02020603050405020304" charset="0"/>
+            </a:endParaRPr>
+          </a:p>
+        </p:txBody>
+      </p:sp>
+      <p:sp>
+        <p:nvSpPr>
+          <p:cNvPr id="19" name="文本框 37"/>
+          <p:cNvSpPr txBox="1"/>
+          <p:nvPr/>
+        </p:nvSpPr>
+        <p:spPr>
+          <a:xfrm>
+            <a:off x="173355" y="165735"/>
+            <a:ext cx="6948805" cy="520700"/>
+          </a:xfrm>
+          <a:prstGeom prst="rect">
+            <a:avLst/>
+          </a:prstGeom>
+          <a:noFill/>
+        </p:spPr>
+        <p:txBody>
+          <a:bodyPr wrap="square" lIns="91431" tIns="45716" rIns="91431" bIns="45716" rtlCol="0">
+            <a:spAutoFit/>
+          </a:bodyPr>
+          <a:p>
+            <a:r>
+              <a:rPr lang="zh-CN" altLang="en-US" sz="2800" b="1" dirty="0">
+                <a:latin typeface="Times New Roman" panose="02020603050405020304" charset="0"/>
+                <a:cs typeface="Times New Roman" panose="02020603050405020304" charset="0"/>
+                <a:sym typeface="+mn-ea"/>
+              </a:rPr>
+              <a:t>三、最终</a:t>
+            </a:r>
+            <a:r>
+              <a:rPr lang="zh-CN" altLang="en-US" sz="2800" b="1" dirty="0">
+                <a:latin typeface="Times New Roman" panose="02020603050405020304" charset="0"/>
+                <a:cs typeface="Times New Roman" panose="02020603050405020304" charset="0"/>
+                <a:sym typeface="+mn-ea"/>
+              </a:rPr>
+              <a:t>方案</a:t>
+            </a:r>
+            <a:endParaRPr lang="zh-CN" altLang="en-US" sz="2800" b="1" dirty="0">
+              <a:latin typeface="Times New Roman" panose="02020603050405020304" charset="0"/>
+              <a:cs typeface="Times New Roman" panose="02020603050405020304" charset="0"/>
+              <a:sym typeface="+mn-ea"/>
+            </a:endParaRPr>
+          </a:p>
+        </p:txBody>
+      </p:sp>
+      <p:pic>
+        <p:nvPicPr>
+          <p:cNvPr id="5" name="图片 4"/>
+          <p:cNvPicPr>
+            <a:picLocks noChangeAspect="1"/>
+          </p:cNvPicPr>
+          <p:nvPr/>
+        </p:nvPicPr>
+        <p:blipFill>
+          <a:blip r:embed="rId1"/>
+          <a:stretch>
+            <a:fillRect/>
+          </a:stretch>
+        </p:blipFill>
+        <p:spPr>
+          <a:xfrm>
+            <a:off x="406400" y="901700"/>
+            <a:ext cx="5805170" cy="2801620"/>
+          </a:xfrm>
+          <a:prstGeom prst="rect">
+            <a:avLst/>
+          </a:prstGeom>
+        </p:spPr>
+      </p:pic>
+      <p:pic>
+        <p:nvPicPr>
+          <p:cNvPr id="6" name="图片 5"/>
+          <p:cNvPicPr>
+            <a:picLocks noChangeAspect="1"/>
+          </p:cNvPicPr>
+          <p:nvPr/>
+        </p:nvPicPr>
+        <p:blipFill>
+          <a:blip r:embed="rId2"/>
+          <a:stretch>
+            <a:fillRect/>
+          </a:stretch>
+        </p:blipFill>
+        <p:spPr>
+          <a:xfrm>
+            <a:off x="406400" y="3792855"/>
+            <a:ext cx="4432935" cy="2930525"/>
+          </a:xfrm>
+          <a:prstGeom prst="rect">
+            <a:avLst/>
+          </a:prstGeom>
+        </p:spPr>
+      </p:pic>
+      <p:pic>
+        <p:nvPicPr>
+          <p:cNvPr id="7" name="图片 6"/>
+          <p:cNvPicPr>
+            <a:picLocks noChangeAspect="1"/>
+          </p:cNvPicPr>
+          <p:nvPr/>
+        </p:nvPicPr>
+        <p:blipFill>
+          <a:blip r:embed="rId3"/>
+          <a:stretch>
+            <a:fillRect/>
+          </a:stretch>
+        </p:blipFill>
+        <p:spPr>
+          <a:xfrm>
+            <a:off x="6716395" y="901700"/>
+            <a:ext cx="4133215" cy="2982595"/>
+          </a:xfrm>
+          <a:prstGeom prst="rect">
+            <a:avLst/>
+          </a:prstGeom>
+        </p:spPr>
+      </p:pic>
     </p:spTree>
     <p:custDataLst>
       <p:tags r:id="rId4"/>
+    </p:custDataLst>
+  </p:cSld>
+  <p:clrMapOvr>
+    <a:masterClrMapping/>
+  </p:clrMapOvr>
+</p:sld>
+</file>
+
+<file path=ppt/slides/slide9.xml><?xml version="1.0" encoding="utf-8"?>
+<p:sld xmlns:a="http://schemas.openxmlformats.org/drawingml/2006/main" xmlns:r="http://schemas.openxmlformats.org/officeDocument/2006/relationships" xmlns:p="http://schemas.openxmlformats.org/presentationml/2006/main">
+  <p:cSld>
+    <p:spTree>
+      <p:nvGrpSpPr>
+        <p:cNvPr id="1" name=""/>
+        <p:cNvGrpSpPr/>
+        <p:nvPr/>
+      </p:nvGrpSpPr>
+      <p:grpSpPr/>
+      <p:sp>
+        <p:nvSpPr>
+          <p:cNvPr id="18" name="矩形 17"/>
+          <p:cNvSpPr/>
+          <p:nvPr/>
+        </p:nvSpPr>
+        <p:spPr>
+          <a:xfrm>
+            <a:off x="0" y="135620"/>
+            <a:ext cx="89452" cy="526774"/>
+          </a:xfrm>
+          <a:prstGeom prst="rect">
+            <a:avLst/>
+          </a:prstGeom>
+          <a:solidFill>
+            <a:srgbClr val="C00000"/>
+          </a:solidFill>
+          <a:ln>
+            <a:noFill/>
+          </a:ln>
+        </p:spPr>
+        <p:style>
+          <a:lnRef idx="2">
+            <a:schemeClr val="accent1">
+              <a:shade val="50000"/>
+            </a:schemeClr>
+          </a:lnRef>
+          <a:fillRef idx="1">
+            <a:schemeClr val="accent1"/>
+          </a:fillRef>
+          <a:effectRef idx="0">
+            <a:schemeClr val="accent1"/>
+          </a:effectRef>
+          <a:fontRef idx="minor">
+            <a:schemeClr val="lt1"/>
+          </a:fontRef>
+        </p:style>
+        <p:txBody>
+          <a:bodyPr rtlCol="0" anchor="ctr"/>
+          <a:p>
+            <a:pPr algn="ctr"/>
+            <a:endParaRPr lang="zh-CN" altLang="en-US" b="1">
+              <a:latin typeface="Times New Roman" panose="02020603050405020304" charset="0"/>
+              <a:cs typeface="Times New Roman" panose="02020603050405020304" charset="0"/>
+            </a:endParaRPr>
+          </a:p>
+        </p:txBody>
+      </p:sp>
+      <p:sp>
+        <p:nvSpPr>
+          <p:cNvPr id="19" name="文本框 37"/>
+          <p:cNvSpPr txBox="1"/>
+          <p:nvPr/>
+        </p:nvSpPr>
+        <p:spPr>
+          <a:xfrm>
+            <a:off x="173355" y="165735"/>
+            <a:ext cx="6948805" cy="520700"/>
+          </a:xfrm>
+          <a:prstGeom prst="rect">
+            <a:avLst/>
+          </a:prstGeom>
+          <a:noFill/>
+        </p:spPr>
+        <p:txBody>
+          <a:bodyPr wrap="square" lIns="91431" tIns="45716" rIns="91431" bIns="45716" rtlCol="0">
+            <a:spAutoFit/>
+          </a:bodyPr>
+          <a:p>
+            <a:r>
+              <a:rPr lang="zh-CN" altLang="en-US" sz="2800" b="1" dirty="0">
+                <a:latin typeface="Times New Roman" panose="02020603050405020304" charset="0"/>
+                <a:cs typeface="Times New Roman" panose="02020603050405020304" charset="0"/>
+                <a:sym typeface="+mn-ea"/>
+              </a:rPr>
+              <a:t>三、</a:t>
+            </a:r>
+            <a:r>
+              <a:rPr lang="zh-CN" altLang="en-US" sz="2800" b="1" dirty="0">
+                <a:solidFill>
+                  <a:schemeClr val="tx1"/>
+                </a:solidFill>
+                <a:latin typeface="Times New Roman" panose="02020603050405020304" charset="0"/>
+                <a:cs typeface="Times New Roman" panose="02020603050405020304" charset="0"/>
+                <a:sym typeface="+mn-ea"/>
+              </a:rPr>
+              <a:t>完整工作流推演</a:t>
+            </a:r>
+            <a:endParaRPr lang="en-US" altLang="zh-CN" sz="2800" b="1" dirty="0">
+              <a:solidFill>
+                <a:schemeClr val="tx1"/>
+              </a:solidFill>
+              <a:latin typeface="Times New Roman" panose="02020603050405020304" charset="0"/>
+              <a:cs typeface="Times New Roman" panose="02020603050405020304" charset="0"/>
+              <a:sym typeface="+mn-ea"/>
+            </a:endParaRPr>
+          </a:p>
+        </p:txBody>
+      </p:sp>
+      <p:sp>
+        <p:nvSpPr>
+          <p:cNvPr id="2" name="文本框 1"/>
+          <p:cNvSpPr txBox="1"/>
+          <p:nvPr/>
+        </p:nvSpPr>
+        <p:spPr>
+          <a:xfrm>
+            <a:off x="304800" y="1038860"/>
+            <a:ext cx="11682730" cy="4570730"/>
+          </a:xfrm>
+          <a:prstGeom prst="rect">
+            <a:avLst/>
+          </a:prstGeom>
+          <a:noFill/>
+        </p:spPr>
+        <p:txBody>
+          <a:bodyPr wrap="square" rtlCol="0">
+            <a:spAutoFit/>
+          </a:bodyPr>
+          <a:p>
+            <a:pPr>
+              <a:lnSpc>
+                <a:spcPct val="130000"/>
+              </a:lnSpc>
+            </a:pPr>
+            <a:r>
+              <a:rPr lang="zh-CN" altLang="en-US" sz="1600">
+                <a:latin typeface="Times New Roman" panose="02020603050405020304" charset="0"/>
+                <a:ea typeface="微软雅黑" panose="020B0503020204020204" charset="-122"/>
+                <a:cs typeface="Times New Roman" panose="02020603050405020304" charset="0"/>
+              </a:rPr>
+              <a:t>假设一个</a:t>
+            </a:r>
+            <a:r>
+              <a:rPr lang="en-US" altLang="zh-CN" sz="1600">
+                <a:latin typeface="Times New Roman" panose="02020603050405020304" charset="0"/>
+                <a:ea typeface="微软雅黑" panose="020B0503020204020204" charset="-122"/>
+                <a:cs typeface="Times New Roman" panose="02020603050405020304" charset="0"/>
+              </a:rPr>
+              <a:t> Prompt </a:t>
+            </a:r>
+            <a:r>
+              <a:rPr lang="zh-CN" altLang="en-US" sz="1600">
+                <a:latin typeface="Times New Roman" panose="02020603050405020304" charset="0"/>
+                <a:ea typeface="微软雅黑" panose="020B0503020204020204" charset="-122"/>
+                <a:cs typeface="Times New Roman" panose="02020603050405020304" charset="0"/>
+              </a:rPr>
+              <a:t>需要生成</a:t>
+            </a:r>
+            <a:r>
+              <a:rPr lang="en-US" altLang="zh-CN" sz="1600">
+                <a:latin typeface="Times New Roman" panose="02020603050405020304" charset="0"/>
+                <a:ea typeface="微软雅黑" panose="020B0503020204020204" charset="-122"/>
+                <a:cs typeface="Times New Roman" panose="02020603050405020304" charset="0"/>
+              </a:rPr>
+              <a:t> 8 </a:t>
+            </a:r>
+            <a:r>
+              <a:rPr lang="zh-CN" altLang="en-US" sz="1600">
+                <a:latin typeface="Times New Roman" panose="02020603050405020304" charset="0"/>
+                <a:ea typeface="微软雅黑" panose="020B0503020204020204" charset="-122"/>
+                <a:cs typeface="Times New Roman" panose="02020603050405020304" charset="0"/>
+              </a:rPr>
+              <a:t>条，</a:t>
+            </a:r>
+            <a:r>
+              <a:rPr lang="en-US" altLang="zh-CN" sz="1600">
+                <a:latin typeface="Times New Roman" panose="02020603050405020304" charset="0"/>
+                <a:ea typeface="微软雅黑" panose="020B0503020204020204" charset="-122"/>
+                <a:cs typeface="Times New Roman" panose="02020603050405020304" charset="0"/>
+              </a:rPr>
+              <a:t>Batch Size 128</a:t>
+            </a:r>
+            <a:r>
+              <a:rPr lang="zh-CN" altLang="en-US" sz="1600">
+                <a:latin typeface="Times New Roman" panose="02020603050405020304" charset="0"/>
+                <a:ea typeface="微软雅黑" panose="020B0503020204020204" charset="-122"/>
+                <a:cs typeface="Times New Roman" panose="02020603050405020304" charset="0"/>
+              </a:rPr>
+              <a:t>。</a:t>
+            </a:r>
+            <a:endParaRPr lang="zh-CN" altLang="en-US" sz="1600">
+              <a:latin typeface="Times New Roman" panose="02020603050405020304" charset="0"/>
+              <a:ea typeface="微软雅黑" panose="020B0503020204020204" charset="-122"/>
+              <a:cs typeface="Times New Roman" panose="02020603050405020304" charset="0"/>
+            </a:endParaRPr>
+          </a:p>
+          <a:p>
+            <a:pPr>
+              <a:lnSpc>
+                <a:spcPct val="130000"/>
+              </a:lnSpc>
+            </a:pPr>
+            <a:r>
+              <a:rPr lang="en-US" altLang="zh-CN" sz="1600" b="1">
+                <a:latin typeface="Times New Roman" panose="02020603050405020304" charset="0"/>
+                <a:ea typeface="微软雅黑" panose="020B0503020204020204" charset="-122"/>
+                <a:cs typeface="Times New Roman" panose="02020603050405020304" charset="0"/>
+              </a:rPr>
+              <a:t>1. </a:t>
+            </a:r>
+            <a:r>
+              <a:rPr lang="zh-CN" altLang="en-US" sz="1600" b="1">
+                <a:latin typeface="Times New Roman" panose="02020603050405020304" charset="0"/>
+                <a:ea typeface="微软雅黑" panose="020B0503020204020204" charset="-122"/>
+                <a:cs typeface="Times New Roman" panose="02020603050405020304" charset="0"/>
+              </a:rPr>
+              <a:t>分发：</a:t>
+            </a:r>
+            <a:r>
+              <a:rPr lang="en-US" altLang="zh-CN" sz="1600">
+                <a:latin typeface="Times New Roman" panose="02020603050405020304" charset="0"/>
+                <a:ea typeface="微软雅黑" panose="020B0503020204020204" charset="-122"/>
+                <a:cs typeface="Times New Roman" panose="02020603050405020304" charset="0"/>
+              </a:rPr>
+              <a:t>Dispatcher </a:t>
+            </a:r>
+            <a:r>
+              <a:rPr lang="zh-CN" altLang="en-US" sz="1600">
+                <a:latin typeface="Times New Roman" panose="02020603050405020304" charset="0"/>
+                <a:ea typeface="微软雅黑" panose="020B0503020204020204" charset="-122"/>
+                <a:cs typeface="Times New Roman" panose="02020603050405020304" charset="0"/>
+              </a:rPr>
+              <a:t>发出</a:t>
+            </a:r>
+            <a:r>
+              <a:rPr lang="en-US" altLang="zh-CN" sz="1600">
+                <a:latin typeface="Times New Roman" panose="02020603050405020304" charset="0"/>
+                <a:ea typeface="微软雅黑" panose="020B0503020204020204" charset="-122"/>
+                <a:cs typeface="Times New Roman" panose="02020603050405020304" charset="0"/>
+              </a:rPr>
+              <a:t> 128 </a:t>
+            </a:r>
+            <a:r>
+              <a:rPr lang="zh-CN" altLang="en-US" sz="1600">
+                <a:latin typeface="微软雅黑" panose="020B0503020204020204" charset="-122"/>
+                <a:ea typeface="微软雅黑" panose="020B0503020204020204" charset="-122"/>
+                <a:cs typeface="微软雅黑" panose="020B0503020204020204" charset="-122"/>
+              </a:rPr>
+              <a:t>个</a:t>
+            </a:r>
+            <a:r>
+              <a:rPr lang="en-US" altLang="zh-CN" sz="1600">
+                <a:latin typeface="微软雅黑" panose="020B0503020204020204" charset="-122"/>
+                <a:ea typeface="微软雅黑" panose="020B0503020204020204" charset="-122"/>
+                <a:cs typeface="微软雅黑" panose="020B0503020204020204" charset="-122"/>
+              </a:rPr>
+              <a:t>“</a:t>
+            </a:r>
+            <a:r>
+              <a:rPr lang="zh-CN" altLang="en-US" sz="1600">
+                <a:latin typeface="微软雅黑" panose="020B0503020204020204" charset="-122"/>
+                <a:ea typeface="微软雅黑" panose="020B0503020204020204" charset="-122"/>
+                <a:cs typeface="微软雅黑" panose="020B0503020204020204" charset="-122"/>
+              </a:rPr>
+              <a:t>探路者</a:t>
+            </a:r>
+            <a:r>
+              <a:rPr lang="en-US" altLang="zh-CN" sz="1600">
+                <a:latin typeface="微软雅黑" panose="020B0503020204020204" charset="-122"/>
+                <a:ea typeface="微软雅黑" panose="020B0503020204020204" charset="-122"/>
+                <a:cs typeface="微软雅黑" panose="020B0503020204020204" charset="-122"/>
+              </a:rPr>
+              <a:t>”</a:t>
+            </a:r>
+            <a:r>
+              <a:rPr lang="zh-CN" altLang="en-US" sz="1600">
+                <a:latin typeface="微软雅黑" panose="020B0503020204020204" charset="-122"/>
+                <a:ea typeface="微软雅黑" panose="020B0503020204020204" charset="-122"/>
+                <a:cs typeface="微软雅黑" panose="020B0503020204020204" charset="-122"/>
+              </a:rPr>
+              <a:t>到</a:t>
+            </a:r>
+            <a:r>
+              <a:rPr lang="en-US" altLang="zh-CN" sz="1600">
+                <a:latin typeface="Times New Roman" panose="02020603050405020304" charset="0"/>
+                <a:ea typeface="微软雅黑" panose="020B0503020204020204" charset="-122"/>
+                <a:cs typeface="Times New Roman" panose="02020603050405020304" charset="0"/>
+              </a:rPr>
+              <a:t> Fast Worker</a:t>
+            </a:r>
+            <a:r>
+              <a:rPr lang="zh-CN" altLang="en-US" sz="1600">
+                <a:latin typeface="Times New Roman" panose="02020603050405020304" charset="0"/>
+                <a:ea typeface="微软雅黑" panose="020B0503020204020204" charset="-122"/>
+                <a:cs typeface="Times New Roman" panose="02020603050405020304" charset="0"/>
+              </a:rPr>
+              <a:t>。</a:t>
+            </a:r>
+            <a:endParaRPr lang="zh-CN" altLang="en-US" sz="1600">
+              <a:latin typeface="Times New Roman" panose="02020603050405020304" charset="0"/>
+              <a:ea typeface="微软雅黑" panose="020B0503020204020204" charset="-122"/>
+              <a:cs typeface="Times New Roman" panose="02020603050405020304" charset="0"/>
+            </a:endParaRPr>
+          </a:p>
+          <a:p>
+            <a:pPr>
+              <a:lnSpc>
+                <a:spcPct val="130000"/>
+              </a:lnSpc>
+            </a:pPr>
+            <a:r>
+              <a:rPr lang="en-US" altLang="zh-CN" sz="1600" b="1">
+                <a:latin typeface="Times New Roman" panose="02020603050405020304" charset="0"/>
+                <a:ea typeface="微软雅黑" panose="020B0503020204020204" charset="-122"/>
+                <a:cs typeface="Times New Roman" panose="02020603050405020304" charset="0"/>
+              </a:rPr>
+              <a:t>2. </a:t>
+            </a:r>
+            <a:r>
+              <a:rPr lang="zh-CN" altLang="en-US" sz="1600" b="1">
+                <a:latin typeface="Times New Roman" panose="02020603050405020304" charset="0"/>
+                <a:ea typeface="微软雅黑" panose="020B0503020204020204" charset="-122"/>
+                <a:cs typeface="Times New Roman" panose="02020603050405020304" charset="0"/>
+              </a:rPr>
+              <a:t>探路执行：</a:t>
+            </a:r>
+            <a:r>
+              <a:rPr lang="en-US" altLang="zh-CN" sz="1600">
+                <a:latin typeface="Times New Roman" panose="02020603050405020304" charset="0"/>
+                <a:ea typeface="微软雅黑" panose="020B0503020204020204" charset="-122"/>
+                <a:cs typeface="Times New Roman" panose="02020603050405020304" charset="0"/>
+              </a:rPr>
+              <a:t>Fast Worker </a:t>
+            </a:r>
+            <a:r>
+              <a:rPr lang="zh-CN" altLang="en-US" sz="1600">
+                <a:latin typeface="Times New Roman" panose="02020603050405020304" charset="0"/>
+                <a:ea typeface="微软雅黑" panose="020B0503020204020204" charset="-122"/>
+                <a:cs typeface="Times New Roman" panose="02020603050405020304" charset="0"/>
+              </a:rPr>
+              <a:t>启动</a:t>
+            </a:r>
+            <a:r>
+              <a:rPr lang="en-US" altLang="zh-CN" sz="1600">
+                <a:latin typeface="Times New Roman" panose="02020603050405020304" charset="0"/>
+                <a:ea typeface="微软雅黑" panose="020B0503020204020204" charset="-122"/>
+                <a:cs typeface="Times New Roman" panose="02020603050405020304" charset="0"/>
+              </a:rPr>
+              <a:t> Dynamic Rollout</a:t>
+            </a:r>
+            <a:r>
+              <a:rPr lang="zh-CN" altLang="en-US" sz="1600">
+                <a:latin typeface="Times New Roman" panose="02020603050405020304" charset="0"/>
+                <a:ea typeface="微软雅黑" panose="020B0503020204020204" charset="-122"/>
+                <a:cs typeface="Times New Roman" panose="02020603050405020304" charset="0"/>
+              </a:rPr>
+              <a:t>，步长</a:t>
+            </a:r>
+            <a:r>
+              <a:rPr lang="en-US" altLang="zh-CN" sz="1600">
+                <a:latin typeface="Times New Roman" panose="02020603050405020304" charset="0"/>
+                <a:ea typeface="微软雅黑" panose="020B0503020204020204" charset="-122"/>
+                <a:cs typeface="Times New Roman" panose="02020603050405020304" charset="0"/>
+              </a:rPr>
+              <a:t> L=64</a:t>
+            </a:r>
+            <a:r>
+              <a:rPr lang="zh-CN" altLang="en-US" sz="1600">
+                <a:latin typeface="Times New Roman" panose="02020603050405020304" charset="0"/>
+                <a:ea typeface="微软雅黑" panose="020B0503020204020204" charset="-122"/>
+                <a:cs typeface="Times New Roman" panose="02020603050405020304" charset="0"/>
+              </a:rPr>
+              <a:t>。</a:t>
+            </a:r>
+            <a:endParaRPr lang="zh-CN" altLang="en-US" sz="1600">
+              <a:latin typeface="Times New Roman" panose="02020603050405020304" charset="0"/>
+              <a:ea typeface="微软雅黑" panose="020B0503020204020204" charset="-122"/>
+              <a:cs typeface="Times New Roman" panose="02020603050405020304" charset="0"/>
+            </a:endParaRPr>
+          </a:p>
+          <a:p>
+            <a:pPr marL="742950" lvl="1" indent="-285750">
+              <a:lnSpc>
+                <a:spcPct val="130000"/>
+              </a:lnSpc>
+              <a:buFont typeface="Arial" panose="020B0604020202020204" pitchFamily="34" charset="0"/>
+              <a:buChar char="•"/>
+            </a:pPr>
+            <a:r>
+              <a:rPr lang="zh-CN" altLang="en-US" sz="1600" b="1">
+                <a:latin typeface="Times New Roman" panose="02020603050405020304" charset="0"/>
+                <a:ea typeface="微软雅黑" panose="020B0503020204020204" charset="-122"/>
+                <a:cs typeface="Times New Roman" panose="02020603050405020304" charset="0"/>
+              </a:rPr>
+              <a:t>结果</a:t>
+            </a:r>
+            <a:r>
+              <a:rPr lang="en-US" altLang="zh-CN" sz="1600" b="1">
+                <a:latin typeface="Times New Roman" panose="02020603050405020304" charset="0"/>
+                <a:ea typeface="微软雅黑" panose="020B0503020204020204" charset="-122"/>
+                <a:cs typeface="Times New Roman" panose="02020603050405020304" charset="0"/>
+              </a:rPr>
+              <a:t> A</a:t>
+            </a:r>
+            <a:r>
+              <a:rPr lang="zh-CN" altLang="en-US" sz="1600" b="1">
+                <a:latin typeface="Times New Roman" panose="02020603050405020304" charset="0"/>
+                <a:ea typeface="微软雅黑" panose="020B0503020204020204" charset="-122"/>
+                <a:cs typeface="Times New Roman" panose="02020603050405020304" charset="0"/>
+              </a:rPr>
+              <a:t>：</a:t>
+            </a:r>
+            <a:r>
+              <a:rPr lang="en-US" altLang="zh-CN" sz="1600">
+                <a:latin typeface="Times New Roman" panose="02020603050405020304" charset="0"/>
+                <a:ea typeface="微软雅黑" panose="020B0503020204020204" charset="-122"/>
+                <a:cs typeface="Times New Roman" panose="02020603050405020304" charset="0"/>
+              </a:rPr>
+              <a:t>100 </a:t>
+            </a:r>
+            <a:r>
+              <a:rPr lang="zh-CN" altLang="en-US" sz="1600">
+                <a:latin typeface="Times New Roman" panose="02020603050405020304" charset="0"/>
+                <a:ea typeface="微软雅黑" panose="020B0503020204020204" charset="-122"/>
+                <a:cs typeface="Times New Roman" panose="02020603050405020304" charset="0"/>
+              </a:rPr>
+              <a:t>个样本在</a:t>
+            </a:r>
+            <a:r>
+              <a:rPr lang="en-US" altLang="zh-CN" sz="1600">
+                <a:latin typeface="Times New Roman" panose="02020603050405020304" charset="0"/>
+                <a:ea typeface="微软雅黑" panose="020B0503020204020204" charset="-122"/>
+                <a:cs typeface="Times New Roman" panose="02020603050405020304" charset="0"/>
+              </a:rPr>
+              <a:t> 64 </a:t>
+            </a:r>
+            <a:r>
+              <a:rPr lang="zh-CN" altLang="en-US" sz="1600">
+                <a:latin typeface="Times New Roman" panose="02020603050405020304" charset="0"/>
+                <a:ea typeface="微软雅黑" panose="020B0503020204020204" charset="-122"/>
+                <a:cs typeface="Times New Roman" panose="02020603050405020304" charset="0"/>
+              </a:rPr>
+              <a:t>步内结束</a:t>
+            </a:r>
+            <a:r>
+              <a:rPr lang="en-US" altLang="zh-CN" sz="1600">
+                <a:latin typeface="Times New Roman" panose="02020603050405020304" charset="0"/>
+                <a:ea typeface="微软雅黑" panose="020B0503020204020204" charset="-122"/>
+                <a:cs typeface="Times New Roman" panose="02020603050405020304" charset="0"/>
+              </a:rPr>
+              <a:t> </a:t>
+            </a:r>
+            <a:r>
+              <a:rPr lang="en-US" altLang="zh-CN" sz="1600">
+                <a:latin typeface="Times New Roman" panose="02020603050405020304" charset="0"/>
+                <a:ea typeface="微软雅黑" panose="020B0503020204020204" charset="-122"/>
+                <a:cs typeface="Times New Roman" panose="02020603050405020304" charset="0"/>
+                <a:sym typeface="+mn-ea"/>
+              </a:rPr>
+              <a:t>——&gt;</a:t>
+            </a:r>
+            <a:r>
+              <a:rPr lang="en-US" altLang="zh-CN" sz="1600">
+                <a:latin typeface="Times New Roman" panose="02020603050405020304" charset="0"/>
+                <a:ea typeface="微软雅黑" panose="020B0503020204020204" charset="-122"/>
+                <a:cs typeface="Times New Roman" panose="02020603050405020304" charset="0"/>
+              </a:rPr>
+              <a:t> </a:t>
+            </a:r>
+            <a:r>
+              <a:rPr lang="zh-CN" altLang="en-US" sz="1600">
+                <a:latin typeface="Times New Roman" panose="02020603050405020304" charset="0"/>
+                <a:ea typeface="微软雅黑" panose="020B0503020204020204" charset="-122"/>
+                <a:cs typeface="Times New Roman" panose="02020603050405020304" charset="0"/>
+              </a:rPr>
+              <a:t>判定为</a:t>
+            </a:r>
+            <a:r>
+              <a:rPr lang="en-US" altLang="zh-CN" sz="1600">
+                <a:latin typeface="Times New Roman" panose="02020603050405020304" charset="0"/>
+                <a:ea typeface="微软雅黑" panose="020B0503020204020204" charset="-122"/>
+                <a:cs typeface="Times New Roman" panose="02020603050405020304" charset="0"/>
+              </a:rPr>
+              <a:t> Simple</a:t>
+            </a:r>
+            <a:r>
+              <a:rPr lang="zh-CN" altLang="en-US" sz="1600">
+                <a:latin typeface="Times New Roman" panose="02020603050405020304" charset="0"/>
+                <a:ea typeface="微软雅黑" panose="020B0503020204020204" charset="-122"/>
+                <a:cs typeface="Times New Roman" panose="02020603050405020304" charset="0"/>
+              </a:rPr>
+              <a:t>。</a:t>
+            </a:r>
+            <a:endParaRPr lang="zh-CN" altLang="en-US" sz="1600">
+              <a:latin typeface="Times New Roman" panose="02020603050405020304" charset="0"/>
+              <a:ea typeface="微软雅黑" panose="020B0503020204020204" charset="-122"/>
+              <a:cs typeface="Times New Roman" panose="02020603050405020304" charset="0"/>
+            </a:endParaRPr>
+          </a:p>
+          <a:p>
+            <a:pPr marL="742950" lvl="1" indent="-285750">
+              <a:lnSpc>
+                <a:spcPct val="130000"/>
+              </a:lnSpc>
+              <a:buFont typeface="Arial" panose="020B0604020202020204" pitchFamily="34" charset="0"/>
+              <a:buChar char="•"/>
+            </a:pPr>
+            <a:r>
+              <a:rPr lang="zh-CN" altLang="en-US" sz="1600" b="1">
+                <a:latin typeface="Times New Roman" panose="02020603050405020304" charset="0"/>
+                <a:ea typeface="微软雅黑" panose="020B0503020204020204" charset="-122"/>
+                <a:cs typeface="Times New Roman" panose="02020603050405020304" charset="0"/>
+              </a:rPr>
+              <a:t>结果</a:t>
+            </a:r>
+            <a:r>
+              <a:rPr lang="en-US" altLang="zh-CN" sz="1600" b="1">
+                <a:latin typeface="Times New Roman" panose="02020603050405020304" charset="0"/>
+                <a:ea typeface="微软雅黑" panose="020B0503020204020204" charset="-122"/>
+                <a:cs typeface="Times New Roman" panose="02020603050405020304" charset="0"/>
+              </a:rPr>
+              <a:t> B</a:t>
+            </a:r>
+            <a:r>
+              <a:rPr lang="zh-CN" altLang="en-US" sz="1600" b="1">
+                <a:latin typeface="Times New Roman" panose="02020603050405020304" charset="0"/>
+                <a:ea typeface="微软雅黑" panose="020B0503020204020204" charset="-122"/>
+                <a:cs typeface="Times New Roman" panose="02020603050405020304" charset="0"/>
+              </a:rPr>
+              <a:t>：</a:t>
+            </a:r>
+            <a:r>
+              <a:rPr lang="en-US" altLang="zh-CN" sz="1600">
+                <a:latin typeface="Times New Roman" panose="02020603050405020304" charset="0"/>
+                <a:ea typeface="微软雅黑" panose="020B0503020204020204" charset="-122"/>
+                <a:cs typeface="Times New Roman" panose="02020603050405020304" charset="0"/>
+              </a:rPr>
+              <a:t>28 </a:t>
+            </a:r>
+            <a:r>
+              <a:rPr lang="zh-CN" altLang="en-US" sz="1600">
+                <a:latin typeface="Times New Roman" panose="02020603050405020304" charset="0"/>
+                <a:ea typeface="微软雅黑" panose="020B0503020204020204" charset="-122"/>
+                <a:cs typeface="Times New Roman" panose="02020603050405020304" charset="0"/>
+              </a:rPr>
+              <a:t>个样本没结束，且随后触发熔断</a:t>
+            </a:r>
+            <a:r>
+              <a:rPr lang="en-US" altLang="zh-CN" sz="1600">
+                <a:latin typeface="Times New Roman" panose="02020603050405020304" charset="0"/>
+                <a:ea typeface="微软雅黑" panose="020B0503020204020204" charset="-122"/>
+                <a:cs typeface="Times New Roman" panose="02020603050405020304" charset="0"/>
+              </a:rPr>
+              <a:t> $</a:t>
+            </a:r>
+            <a:r>
+              <a:rPr lang="en-US" altLang="zh-CN" sz="1600">
+                <a:latin typeface="Times New Roman" panose="02020603050405020304" charset="0"/>
+                <a:ea typeface="微软雅黑" panose="020B0503020204020204" charset="-122"/>
+                <a:cs typeface="Times New Roman" panose="02020603050405020304" charset="0"/>
+                <a:sym typeface="+mn-ea"/>
+              </a:rPr>
+              <a:t>——&gt;</a:t>
+            </a:r>
+            <a:r>
+              <a:rPr lang="en-US" altLang="zh-CN" sz="1600">
+                <a:latin typeface="Times New Roman" panose="02020603050405020304" charset="0"/>
+                <a:ea typeface="微软雅黑" panose="020B0503020204020204" charset="-122"/>
+                <a:cs typeface="Times New Roman" panose="02020603050405020304" charset="0"/>
+              </a:rPr>
+              <a:t> </a:t>
+            </a:r>
+            <a:r>
+              <a:rPr lang="zh-CN" altLang="en-US" sz="1600">
+                <a:latin typeface="Times New Roman" panose="02020603050405020304" charset="0"/>
+                <a:ea typeface="微软雅黑" panose="020B0503020204020204" charset="-122"/>
+                <a:cs typeface="Times New Roman" panose="02020603050405020304" charset="0"/>
+              </a:rPr>
+              <a:t>判定为</a:t>
+            </a:r>
+            <a:r>
+              <a:rPr lang="en-US" altLang="zh-CN" sz="1600">
+                <a:latin typeface="Times New Roman" panose="02020603050405020304" charset="0"/>
+                <a:ea typeface="微软雅黑" panose="020B0503020204020204" charset="-122"/>
+                <a:cs typeface="Times New Roman" panose="02020603050405020304" charset="0"/>
+              </a:rPr>
+              <a:t> Hard</a:t>
+            </a:r>
+            <a:r>
+              <a:rPr lang="zh-CN" altLang="en-US" sz="1600">
+                <a:latin typeface="Times New Roman" panose="02020603050405020304" charset="0"/>
+                <a:ea typeface="微软雅黑" panose="020B0503020204020204" charset="-122"/>
+                <a:cs typeface="Times New Roman" panose="02020603050405020304" charset="0"/>
+              </a:rPr>
+              <a:t>。</a:t>
+            </a:r>
+            <a:endParaRPr lang="zh-CN" altLang="en-US" sz="1600">
+              <a:latin typeface="Times New Roman" panose="02020603050405020304" charset="0"/>
+              <a:ea typeface="微软雅黑" panose="020B0503020204020204" charset="-122"/>
+              <a:cs typeface="Times New Roman" panose="02020603050405020304" charset="0"/>
+            </a:endParaRPr>
+          </a:p>
+          <a:p>
+            <a:pPr indent="0">
+              <a:lnSpc>
+                <a:spcPct val="130000"/>
+              </a:lnSpc>
+              <a:buFont typeface="Arial" panose="020B0604020202020204" pitchFamily="34" charset="0"/>
+              <a:buNone/>
+            </a:pPr>
+            <a:r>
+              <a:rPr lang="en-US" altLang="zh-CN" sz="1600" b="1">
+                <a:latin typeface="Times New Roman" panose="02020603050405020304" charset="0"/>
+                <a:ea typeface="微软雅黑" panose="020B0503020204020204" charset="-122"/>
+                <a:cs typeface="Times New Roman" panose="02020603050405020304" charset="0"/>
+              </a:rPr>
+              <a:t>3. </a:t>
+            </a:r>
+            <a:r>
+              <a:rPr lang="zh-CN" altLang="en-US" sz="1600" b="1">
+                <a:latin typeface="Times New Roman" panose="02020603050405020304" charset="0"/>
+                <a:ea typeface="微软雅黑" panose="020B0503020204020204" charset="-122"/>
+                <a:cs typeface="Times New Roman" panose="02020603050405020304" charset="0"/>
+              </a:rPr>
+              <a:t>路由</a:t>
+            </a:r>
+            <a:endParaRPr lang="en-US" altLang="zh-CN" sz="1600" b="1">
+              <a:latin typeface="Times New Roman" panose="02020603050405020304" charset="0"/>
+              <a:ea typeface="微软雅黑" panose="020B0503020204020204" charset="-122"/>
+              <a:cs typeface="Times New Roman" panose="02020603050405020304" charset="0"/>
+            </a:endParaRPr>
+          </a:p>
+          <a:p>
+            <a:pPr indent="0">
+              <a:lnSpc>
+                <a:spcPct val="130000"/>
+              </a:lnSpc>
+              <a:buFont typeface="Arial" panose="020B0604020202020204" pitchFamily="34" charset="0"/>
+              <a:buNone/>
+            </a:pPr>
+            <a:r>
+              <a:rPr lang="en-US" altLang="zh-CN" sz="1600">
+                <a:latin typeface="Times New Roman" panose="02020603050405020304" charset="0"/>
+                <a:ea typeface="微软雅黑" panose="020B0503020204020204" charset="-122"/>
+                <a:cs typeface="Times New Roman" panose="02020603050405020304" charset="0"/>
+              </a:rPr>
+              <a:t>100 </a:t>
+            </a:r>
+            <a:r>
+              <a:rPr lang="zh-CN" altLang="en-US" sz="1600">
+                <a:latin typeface="Times New Roman" panose="02020603050405020304" charset="0"/>
+                <a:ea typeface="微软雅黑" panose="020B0503020204020204" charset="-122"/>
+                <a:cs typeface="Times New Roman" panose="02020603050405020304" charset="0"/>
+              </a:rPr>
+              <a:t>个</a:t>
+            </a:r>
+            <a:r>
+              <a:rPr lang="en-US" altLang="zh-CN" sz="1600">
+                <a:latin typeface="Times New Roman" panose="02020603050405020304" charset="0"/>
+                <a:ea typeface="微软雅黑" panose="020B0503020204020204" charset="-122"/>
+                <a:cs typeface="Times New Roman" panose="02020603050405020304" charset="0"/>
+              </a:rPr>
+              <a:t> Simple Prompt </a:t>
+            </a:r>
+            <a:r>
+              <a:rPr lang="zh-CN" altLang="en-US" sz="1600">
+                <a:latin typeface="Times New Roman" panose="02020603050405020304" charset="0"/>
+                <a:ea typeface="微软雅黑" panose="020B0503020204020204" charset="-122"/>
+                <a:cs typeface="Times New Roman" panose="02020603050405020304" charset="0"/>
+              </a:rPr>
+              <a:t>的剩余</a:t>
+            </a:r>
+            <a:r>
+              <a:rPr lang="en-US" altLang="zh-CN" sz="1600">
+                <a:latin typeface="Times New Roman" panose="02020603050405020304" charset="0"/>
+                <a:ea typeface="微软雅黑" panose="020B0503020204020204" charset="-122"/>
+                <a:cs typeface="Times New Roman" panose="02020603050405020304" charset="0"/>
+              </a:rPr>
+              <a:t> 700 </a:t>
+            </a:r>
+            <a:r>
+              <a:rPr lang="zh-CN" altLang="en-US" sz="1600">
+                <a:latin typeface="Times New Roman" panose="02020603050405020304" charset="0"/>
+                <a:ea typeface="微软雅黑" panose="020B0503020204020204" charset="-122"/>
+                <a:cs typeface="Times New Roman" panose="02020603050405020304" charset="0"/>
+              </a:rPr>
+              <a:t>条采样</a:t>
+            </a:r>
+            <a:r>
+              <a:rPr lang="en-US" altLang="zh-CN" sz="1600">
+                <a:latin typeface="Times New Roman" panose="02020603050405020304" charset="0"/>
+                <a:ea typeface="微软雅黑" panose="020B0503020204020204" charset="-122"/>
+                <a:cs typeface="Times New Roman" panose="02020603050405020304" charset="0"/>
+              </a:rPr>
+              <a:t> ——&gt; Fast Queue</a:t>
+            </a:r>
+            <a:r>
+              <a:rPr lang="zh-CN" altLang="en-US" sz="1600">
+                <a:latin typeface="Times New Roman" panose="02020603050405020304" charset="0"/>
+                <a:ea typeface="微软雅黑" panose="020B0503020204020204" charset="-122"/>
+                <a:cs typeface="Times New Roman" panose="02020603050405020304" charset="0"/>
+              </a:rPr>
+              <a:t>。</a:t>
+            </a:r>
+            <a:endParaRPr lang="zh-CN" altLang="en-US" sz="1600">
+              <a:latin typeface="Times New Roman" panose="02020603050405020304" charset="0"/>
+              <a:ea typeface="微软雅黑" panose="020B0503020204020204" charset="-122"/>
+              <a:cs typeface="Times New Roman" panose="02020603050405020304" charset="0"/>
+            </a:endParaRPr>
+          </a:p>
+          <a:p>
+            <a:pPr indent="0">
+              <a:lnSpc>
+                <a:spcPct val="130000"/>
+              </a:lnSpc>
+              <a:buFont typeface="Arial" panose="020B0604020202020204" pitchFamily="34" charset="0"/>
+              <a:buNone/>
+            </a:pPr>
+            <a:r>
+              <a:rPr lang="en-US" altLang="zh-CN" sz="1600">
+                <a:latin typeface="Times New Roman" panose="02020603050405020304" charset="0"/>
+                <a:ea typeface="微软雅黑" panose="020B0503020204020204" charset="-122"/>
+                <a:cs typeface="Times New Roman" panose="02020603050405020304" charset="0"/>
+              </a:rPr>
+              <a:t>28 </a:t>
+            </a:r>
+            <a:r>
+              <a:rPr lang="zh-CN" altLang="en-US" sz="1600">
+                <a:latin typeface="Times New Roman" panose="02020603050405020304" charset="0"/>
+                <a:ea typeface="微软雅黑" panose="020B0503020204020204" charset="-122"/>
+                <a:cs typeface="Times New Roman" panose="02020603050405020304" charset="0"/>
+              </a:rPr>
+              <a:t>个</a:t>
+            </a:r>
+            <a:r>
+              <a:rPr lang="en-US" altLang="zh-CN" sz="1600">
+                <a:latin typeface="Times New Roman" panose="02020603050405020304" charset="0"/>
+                <a:ea typeface="微软雅黑" panose="020B0503020204020204" charset="-122"/>
+                <a:cs typeface="Times New Roman" panose="02020603050405020304" charset="0"/>
+              </a:rPr>
+              <a:t> Hard Prompt </a:t>
+            </a:r>
+            <a:r>
+              <a:rPr lang="zh-CN" altLang="en-US" sz="1600">
+                <a:latin typeface="Times New Roman" panose="02020603050405020304" charset="0"/>
+                <a:ea typeface="微软雅黑" panose="020B0503020204020204" charset="-122"/>
+                <a:cs typeface="Times New Roman" panose="02020603050405020304" charset="0"/>
+              </a:rPr>
+              <a:t>的剩余</a:t>
+            </a:r>
+            <a:r>
+              <a:rPr lang="en-US" altLang="zh-CN" sz="1600">
+                <a:latin typeface="Times New Roman" panose="02020603050405020304" charset="0"/>
+                <a:ea typeface="微软雅黑" panose="020B0503020204020204" charset="-122"/>
+                <a:cs typeface="Times New Roman" panose="02020603050405020304" charset="0"/>
+              </a:rPr>
+              <a:t> 196 </a:t>
+            </a:r>
+            <a:r>
+              <a:rPr lang="zh-CN" altLang="en-US" sz="1600">
+                <a:latin typeface="Times New Roman" panose="02020603050405020304" charset="0"/>
+                <a:ea typeface="微软雅黑" panose="020B0503020204020204" charset="-122"/>
+                <a:cs typeface="Times New Roman" panose="02020603050405020304" charset="0"/>
+              </a:rPr>
+              <a:t>条采样</a:t>
+            </a:r>
+            <a:r>
+              <a:rPr lang="en-US" altLang="zh-CN" sz="1600">
+                <a:latin typeface="Times New Roman" panose="02020603050405020304" charset="0"/>
+                <a:ea typeface="微软雅黑" panose="020B0503020204020204" charset="-122"/>
+                <a:cs typeface="Times New Roman" panose="02020603050405020304" charset="0"/>
+              </a:rPr>
+              <a:t> </a:t>
+            </a:r>
+            <a:r>
+              <a:rPr lang="en-US" altLang="zh-CN" sz="1600">
+                <a:latin typeface="Times New Roman" panose="02020603050405020304" charset="0"/>
+                <a:ea typeface="微软雅黑" panose="020B0503020204020204" charset="-122"/>
+                <a:cs typeface="Times New Roman" panose="02020603050405020304" charset="0"/>
+                <a:sym typeface="+mn-ea"/>
+              </a:rPr>
+              <a:t>——&gt;</a:t>
+            </a:r>
+            <a:r>
+              <a:rPr lang="en-US" altLang="zh-CN" sz="1600">
+                <a:latin typeface="Times New Roman" panose="02020603050405020304" charset="0"/>
+                <a:ea typeface="微软雅黑" panose="020B0503020204020204" charset="-122"/>
+                <a:cs typeface="Times New Roman" panose="02020603050405020304" charset="0"/>
+              </a:rPr>
+              <a:t> Heavy Queue</a:t>
+            </a:r>
+            <a:r>
+              <a:rPr lang="zh-CN" altLang="en-US" sz="1600">
+                <a:latin typeface="Times New Roman" panose="02020603050405020304" charset="0"/>
+                <a:ea typeface="微软雅黑" panose="020B0503020204020204" charset="-122"/>
+                <a:cs typeface="Times New Roman" panose="02020603050405020304" charset="0"/>
+              </a:rPr>
+              <a:t>。</a:t>
+            </a:r>
+            <a:endParaRPr lang="zh-CN" altLang="en-US" sz="1600">
+              <a:latin typeface="Times New Roman" panose="02020603050405020304" charset="0"/>
+              <a:ea typeface="微软雅黑" panose="020B0503020204020204" charset="-122"/>
+              <a:cs typeface="Times New Roman" panose="02020603050405020304" charset="0"/>
+            </a:endParaRPr>
+          </a:p>
+          <a:p>
+            <a:pPr indent="0">
+              <a:lnSpc>
+                <a:spcPct val="130000"/>
+              </a:lnSpc>
+              <a:buFont typeface="Arial" panose="020B0604020202020204" pitchFamily="34" charset="0"/>
+              <a:buNone/>
+            </a:pPr>
+            <a:r>
+              <a:rPr lang="zh-CN" altLang="en-US" sz="1600">
+                <a:latin typeface="Times New Roman" panose="02020603050405020304" charset="0"/>
+                <a:ea typeface="微软雅黑" panose="020B0503020204020204" charset="-122"/>
+                <a:cs typeface="Times New Roman" panose="02020603050405020304" charset="0"/>
+              </a:rPr>
+              <a:t>那</a:t>
+            </a:r>
+            <a:r>
+              <a:rPr lang="en-US" altLang="zh-CN" sz="1600">
+                <a:latin typeface="Times New Roman" panose="02020603050405020304" charset="0"/>
+                <a:ea typeface="微软雅黑" panose="020B0503020204020204" charset="-122"/>
+                <a:cs typeface="Times New Roman" panose="02020603050405020304" charset="0"/>
+              </a:rPr>
+              <a:t> 28 </a:t>
+            </a:r>
+            <a:r>
+              <a:rPr lang="zh-CN" altLang="en-US" sz="1600">
+                <a:latin typeface="Times New Roman" panose="02020603050405020304" charset="0"/>
+                <a:ea typeface="微软雅黑" panose="020B0503020204020204" charset="-122"/>
+                <a:cs typeface="Times New Roman" panose="02020603050405020304" charset="0"/>
+              </a:rPr>
+              <a:t>个熔断</a:t>
+            </a:r>
+            <a:r>
+              <a:rPr lang="zh-CN" altLang="en-US" sz="1600">
+                <a:latin typeface="微软雅黑" panose="020B0503020204020204" charset="-122"/>
+                <a:ea typeface="微软雅黑" panose="020B0503020204020204" charset="-122"/>
+                <a:cs typeface="微软雅黑" panose="020B0503020204020204" charset="-122"/>
+              </a:rPr>
+              <a:t>的“探路者”</a:t>
+            </a:r>
+            <a:r>
+              <a:rPr lang="en-US" altLang="zh-CN" sz="1600">
+                <a:latin typeface="Times New Roman" panose="02020603050405020304" charset="0"/>
+                <a:ea typeface="微软雅黑" panose="020B0503020204020204" charset="-122"/>
+                <a:cs typeface="Times New Roman" panose="02020603050405020304" charset="0"/>
+              </a:rPr>
+              <a:t> </a:t>
+            </a:r>
+            <a:r>
+              <a:rPr lang="en-US" altLang="zh-CN" sz="1600">
+                <a:latin typeface="Times New Roman" panose="02020603050405020304" charset="0"/>
+                <a:ea typeface="微软雅黑" panose="020B0503020204020204" charset="-122"/>
+                <a:cs typeface="Times New Roman" panose="02020603050405020304" charset="0"/>
+                <a:sym typeface="+mn-ea"/>
+              </a:rPr>
+              <a:t>——&gt;</a:t>
+            </a:r>
+            <a:r>
+              <a:rPr lang="en-US" altLang="zh-CN" sz="1600">
+                <a:latin typeface="Times New Roman" panose="02020603050405020304" charset="0"/>
+                <a:ea typeface="微软雅黑" panose="020B0503020204020204" charset="-122"/>
+                <a:cs typeface="Times New Roman" panose="02020603050405020304" charset="0"/>
+              </a:rPr>
+              <a:t> Repack </a:t>
+            </a:r>
+            <a:r>
+              <a:rPr lang="zh-CN" altLang="en-US" sz="1600">
+                <a:latin typeface="Times New Roman" panose="02020603050405020304" charset="0"/>
+                <a:ea typeface="微软雅黑" panose="020B0503020204020204" charset="-122"/>
+                <a:cs typeface="Times New Roman" panose="02020603050405020304" charset="0"/>
+              </a:rPr>
+              <a:t>到</a:t>
+            </a:r>
+            <a:r>
+              <a:rPr lang="en-US" altLang="zh-CN" sz="1600">
+                <a:latin typeface="Times New Roman" panose="02020603050405020304" charset="0"/>
+                <a:ea typeface="微软雅黑" panose="020B0503020204020204" charset="-122"/>
+                <a:cs typeface="Times New Roman" panose="02020603050405020304" charset="0"/>
+              </a:rPr>
+              <a:t> Heavy Queue</a:t>
+            </a:r>
+            <a:r>
+              <a:rPr lang="zh-CN" altLang="en-US" sz="1600">
+                <a:latin typeface="Times New Roman" panose="02020603050405020304" charset="0"/>
+                <a:ea typeface="微软雅黑" panose="020B0503020204020204" charset="-122"/>
+                <a:cs typeface="Times New Roman" panose="02020603050405020304" charset="0"/>
+              </a:rPr>
+              <a:t>。</a:t>
+            </a:r>
+            <a:endParaRPr lang="zh-CN" altLang="en-US" sz="1600">
+              <a:latin typeface="Times New Roman" panose="02020603050405020304" charset="0"/>
+              <a:ea typeface="微软雅黑" panose="020B0503020204020204" charset="-122"/>
+              <a:cs typeface="Times New Roman" panose="02020603050405020304" charset="0"/>
+            </a:endParaRPr>
+          </a:p>
+          <a:p>
+            <a:pPr indent="0">
+              <a:lnSpc>
+                <a:spcPct val="130000"/>
+              </a:lnSpc>
+              <a:buFont typeface="Arial" panose="020B0604020202020204" pitchFamily="34" charset="0"/>
+              <a:buNone/>
+            </a:pPr>
+            <a:endParaRPr lang="zh-CN" altLang="en-US" sz="1600">
+              <a:latin typeface="Times New Roman" panose="02020603050405020304" charset="0"/>
+              <a:ea typeface="微软雅黑" panose="020B0503020204020204" charset="-122"/>
+              <a:cs typeface="Times New Roman" panose="02020603050405020304" charset="0"/>
+            </a:endParaRPr>
+          </a:p>
+          <a:p>
+            <a:pPr indent="0">
+              <a:lnSpc>
+                <a:spcPct val="130000"/>
+              </a:lnSpc>
+              <a:buFont typeface="Arial" panose="020B0604020202020204" pitchFamily="34" charset="0"/>
+              <a:buNone/>
+            </a:pPr>
+            <a:r>
+              <a:rPr lang="en-US" altLang="zh-CN" sz="1600" b="1">
+                <a:latin typeface="Times New Roman" panose="02020603050405020304" charset="0"/>
+                <a:ea typeface="微软雅黑" panose="020B0503020204020204" charset="-122"/>
+                <a:cs typeface="Times New Roman" panose="02020603050405020304" charset="0"/>
+              </a:rPr>
+              <a:t>4. </a:t>
+            </a:r>
+            <a:r>
+              <a:rPr lang="zh-CN" altLang="en-US" sz="1600" b="1">
+                <a:latin typeface="Times New Roman" panose="02020603050405020304" charset="0"/>
+                <a:ea typeface="微软雅黑" panose="020B0503020204020204" charset="-122"/>
+                <a:cs typeface="Times New Roman" panose="02020603050405020304" charset="0"/>
+              </a:rPr>
+              <a:t>分开推理：</a:t>
+            </a:r>
+            <a:endParaRPr lang="zh-CN" altLang="en-US" sz="1600" b="1">
+              <a:latin typeface="Times New Roman" panose="02020603050405020304" charset="0"/>
+              <a:ea typeface="微软雅黑" panose="020B0503020204020204" charset="-122"/>
+              <a:cs typeface="Times New Roman" panose="02020603050405020304" charset="0"/>
+            </a:endParaRPr>
+          </a:p>
+          <a:p>
+            <a:pPr indent="0">
+              <a:lnSpc>
+                <a:spcPct val="130000"/>
+              </a:lnSpc>
+              <a:buFont typeface="Arial" panose="020B0604020202020204" pitchFamily="34" charset="0"/>
+              <a:buNone/>
+            </a:pPr>
+            <a:r>
+              <a:rPr lang="en-US" altLang="zh-CN" sz="1600">
+                <a:latin typeface="Times New Roman" panose="02020603050405020304" charset="0"/>
+                <a:ea typeface="微软雅黑" panose="020B0503020204020204" charset="-122"/>
+                <a:cs typeface="Times New Roman" panose="02020603050405020304" charset="0"/>
+              </a:rPr>
+              <a:t>Fast Worker</a:t>
+            </a:r>
+            <a:r>
+              <a:rPr lang="zh-CN" altLang="en-US" sz="1600">
+                <a:latin typeface="Times New Roman" panose="02020603050405020304" charset="0"/>
+                <a:ea typeface="微软雅黑" panose="020B0503020204020204" charset="-122"/>
+                <a:cs typeface="Times New Roman" panose="02020603050405020304" charset="0"/>
+              </a:rPr>
+              <a:t>：高并发吞吐，像机关枪一样处理短任务。</a:t>
+            </a:r>
+            <a:endParaRPr lang="en-US" altLang="zh-CN" sz="1600">
+              <a:latin typeface="Times New Roman" panose="02020603050405020304" charset="0"/>
+              <a:ea typeface="微软雅黑" panose="020B0503020204020204" charset="-122"/>
+              <a:cs typeface="Times New Roman" panose="02020603050405020304" charset="0"/>
+            </a:endParaRPr>
+          </a:p>
+          <a:p>
+            <a:pPr indent="0">
+              <a:lnSpc>
+                <a:spcPct val="130000"/>
+              </a:lnSpc>
+              <a:buFont typeface="Arial" panose="020B0604020202020204" pitchFamily="34" charset="0"/>
+              <a:buNone/>
+            </a:pPr>
+            <a:r>
+              <a:rPr lang="en-US" altLang="zh-CN" sz="1600">
+                <a:latin typeface="Times New Roman" panose="02020603050405020304" charset="0"/>
+                <a:ea typeface="微软雅黑" panose="020B0503020204020204" charset="-122"/>
+                <a:cs typeface="Times New Roman" panose="02020603050405020304" charset="0"/>
+              </a:rPr>
+              <a:t>Heavy Worker</a:t>
+            </a:r>
+            <a:r>
+              <a:rPr lang="zh-CN" altLang="en-US" sz="1600">
+                <a:latin typeface="Times New Roman" panose="02020603050405020304" charset="0"/>
+                <a:ea typeface="微软雅黑" panose="020B0503020204020204" charset="-122"/>
+                <a:cs typeface="Times New Roman" panose="02020603050405020304" charset="0"/>
+              </a:rPr>
+              <a:t>：稳扎稳打，利用长步长处理长任务。</a:t>
+            </a:r>
+            <a:endParaRPr lang="zh-CN" altLang="en-US" sz="1600">
+              <a:latin typeface="Times New Roman" panose="02020603050405020304" charset="0"/>
+              <a:ea typeface="微软雅黑" panose="020B0503020204020204" charset="-122"/>
+              <a:cs typeface="Times New Roman" panose="02020603050405020304" charset="0"/>
+            </a:endParaRPr>
+          </a:p>
+          <a:p>
+            <a:pPr indent="0">
+              <a:lnSpc>
+                <a:spcPct val="130000"/>
+              </a:lnSpc>
+              <a:buFont typeface="Arial" panose="020B0604020202020204" pitchFamily="34" charset="0"/>
+              <a:buNone/>
+            </a:pPr>
+            <a:r>
+              <a:rPr lang="en-US" altLang="zh-CN" sz="1600" b="1">
+                <a:latin typeface="Times New Roman" panose="02020603050405020304" charset="0"/>
+                <a:ea typeface="微软雅黑" panose="020B0503020204020204" charset="-122"/>
+                <a:cs typeface="Times New Roman" panose="02020603050405020304" charset="0"/>
+              </a:rPr>
+              <a:t>5. </a:t>
+            </a:r>
+            <a:r>
+              <a:rPr lang="zh-CN" altLang="en-US" sz="1600" b="1">
+                <a:latin typeface="Times New Roman" panose="02020603050405020304" charset="0"/>
+                <a:ea typeface="微软雅黑" panose="020B0503020204020204" charset="-122"/>
+                <a:cs typeface="Times New Roman" panose="02020603050405020304" charset="0"/>
+              </a:rPr>
+              <a:t>训练：</a:t>
+            </a:r>
+            <a:r>
+              <a:rPr lang="zh-CN" altLang="en-US" sz="1600">
+                <a:latin typeface="Times New Roman" panose="02020603050405020304" charset="0"/>
+                <a:ea typeface="微软雅黑" panose="020B0503020204020204" charset="-122"/>
+                <a:cs typeface="Times New Roman" panose="02020603050405020304" charset="0"/>
+              </a:rPr>
+              <a:t>所有轨迹汇入</a:t>
+            </a:r>
+            <a:r>
+              <a:rPr lang="en-US" altLang="zh-CN" sz="1600">
+                <a:latin typeface="Times New Roman" panose="02020603050405020304" charset="0"/>
+                <a:ea typeface="微软雅黑" panose="020B0503020204020204" charset="-122"/>
+                <a:cs typeface="Times New Roman" panose="02020603050405020304" charset="0"/>
+              </a:rPr>
+              <a:t> Global Buffer</a:t>
+            </a:r>
+            <a:r>
+              <a:rPr lang="zh-CN" altLang="en-US" sz="1600">
+                <a:latin typeface="Times New Roman" panose="02020603050405020304" charset="0"/>
+                <a:ea typeface="微软雅黑" panose="020B0503020204020204" charset="-122"/>
+                <a:cs typeface="Times New Roman" panose="02020603050405020304" charset="0"/>
+              </a:rPr>
+              <a:t>，</a:t>
+            </a:r>
+            <a:r>
+              <a:rPr lang="en-US" altLang="zh-CN" sz="1600">
+                <a:latin typeface="Times New Roman" panose="02020603050405020304" charset="0"/>
+                <a:ea typeface="微软雅黑" panose="020B0503020204020204" charset="-122"/>
+                <a:cs typeface="Times New Roman" panose="02020603050405020304" charset="0"/>
+              </a:rPr>
+              <a:t>Learner </a:t>
+            </a:r>
+            <a:r>
+              <a:rPr lang="zh-CN" altLang="en-US" sz="1600">
+                <a:latin typeface="Times New Roman" panose="02020603050405020304" charset="0"/>
+                <a:ea typeface="微软雅黑" panose="020B0503020204020204" charset="-122"/>
+                <a:cs typeface="Times New Roman" panose="02020603050405020304" charset="0"/>
+              </a:rPr>
+              <a:t>取出数据，修正</a:t>
+            </a:r>
+            <a:r>
+              <a:rPr lang="en-US" altLang="zh-CN" sz="1600">
+                <a:latin typeface="Times New Roman" panose="02020603050405020304" charset="0"/>
+                <a:ea typeface="微软雅黑" panose="020B0503020204020204" charset="-122"/>
+                <a:cs typeface="Times New Roman" panose="02020603050405020304" charset="0"/>
+              </a:rPr>
+              <a:t> Off-policy </a:t>
+            </a:r>
+            <a:r>
+              <a:rPr lang="zh-CN" altLang="en-US" sz="1600">
+                <a:latin typeface="Times New Roman" panose="02020603050405020304" charset="0"/>
+                <a:ea typeface="微软雅黑" panose="020B0503020204020204" charset="-122"/>
+                <a:cs typeface="Times New Roman" panose="02020603050405020304" charset="0"/>
+              </a:rPr>
+              <a:t>偏差，更新模型。</a:t>
+            </a:r>
+            <a:endParaRPr lang="zh-CN" altLang="en-US" sz="1600">
+              <a:latin typeface="Times New Roman" panose="02020603050405020304" charset="0"/>
+              <a:ea typeface="微软雅黑" panose="020B0503020204020204" charset="-122"/>
+              <a:cs typeface="Times New Roman" panose="02020603050405020304" charset="0"/>
+            </a:endParaRPr>
+          </a:p>
+        </p:txBody>
+      </p:sp>
+    </p:spTree>
+    <p:custDataLst>
+      <p:tags r:id="rId1"/>
     </p:custDataLst>
   </p:cSld>
   <p:clrMapOvr>
@@ -9279,26 +9449,21 @@
 
 <file path=ppt/tags/tag66.xml><?xml version="1.0" encoding="utf-8"?>
 <p:tagLst xmlns:p="http://schemas.openxmlformats.org/presentationml/2006/main">
-  <p:tag name="KSO_WM_SLIDE_ID" val="custom20205081_1"/>
-  <p:tag name="KSO_WM_TEMPLATE_SUBCATEGORY" val="19"/>
-  <p:tag name="KSO_WM_TEMPLATE_MASTER_TYPE" val="0"/>
-  <p:tag name="KSO_WM_TEMPLATE_COLOR_TYPE" val="1"/>
-  <p:tag name="KSO_WM_SLIDE_TYPE" val="title"/>
-  <p:tag name="KSO_WM_SLIDE_SUBTYPE" val="defaultBlank"/>
-  <p:tag name="KSO_WM_SLIDE_ITEM_CNT" val="0"/>
-  <p:tag name="KSO_WM_SLIDE_INDEX" val="1"/>
-  <p:tag name="KSO_WM_TAG_VERSION" val="1.0"/>
   <p:tag name="KSO_WM_BEAUTIFY_FLAG" val="#wm#"/>
   <p:tag name="KSO_WM_TEMPLATE_CATEGORY" val="custom"/>
   <p:tag name="KSO_WM_TEMPLATE_INDEX" val="20205081"/>
-  <p:tag name="KSO_WM_SLIDE_LAYOUT" val="a_b"/>
-  <p:tag name="KSO_WM_SLIDE_LAYOUT_CNT" val="1_1"/>
-  <p:tag name="KSO_WM_UNIT_SHOW_EDIT_AREA_INDICATION" val="1"/>
-  <p:tag name="KSO_WM_TEMPLATE_THUMBS_INDEX" val="1、4、7、12、13、14、15、16、17、18、20、24、25、28、33、36、40、43、44"/>
 </p:tagLst>
 </file>
 
 <file path=ppt/tags/tag67.xml><?xml version="1.0" encoding="utf-8"?>
+<p:tagLst xmlns:p="http://schemas.openxmlformats.org/presentationml/2006/main">
+  <p:tag name="KSO_WM_BEAUTIFY_FLAG" val="#wm#"/>
+  <p:tag name="KSO_WM_TEMPLATE_CATEGORY" val="custom"/>
+  <p:tag name="KSO_WM_TEMPLATE_INDEX" val="20205081"/>
+</p:tagLst>
+</file>
+
+<file path=ppt/tags/tag68.xml><?xml version="1.0" encoding="utf-8"?>
 <p:tagLst xmlns:p="http://schemas.openxmlformats.org/presentationml/2006/main">
   <p:tag name="KSO_WM_SLIDE_ID" val="custom20205081_1"/>
   <p:tag name="KSO_WM_TEMPLATE_SUBCATEGORY" val="19"/>
@@ -9319,36 +9484,7 @@
 </p:tagLst>
 </file>
 
-<file path=ppt/tags/tag68.xml><?xml version="1.0" encoding="utf-8"?>
-<p:tagLst xmlns:p="http://schemas.openxmlformats.org/presentationml/2006/main">
-  <p:tag name="KSO_WM_BEAUTIFY_FLAG" val="#wm#"/>
-  <p:tag name="KSO_WM_TEMPLATE_CATEGORY" val="custom"/>
-  <p:tag name="KSO_WM_TEMPLATE_INDEX" val="20205081"/>
-</p:tagLst>
-</file>
-
 <file path=ppt/tags/tag69.xml><?xml version="1.0" encoding="utf-8"?>
-<p:tagLst xmlns:p="http://schemas.openxmlformats.org/presentationml/2006/main">
-  <p:tag name="KSO_WM_BEAUTIFY_FLAG" val="#wm#"/>
-  <p:tag name="KSO_WM_TEMPLATE_CATEGORY" val="custom"/>
-  <p:tag name="KSO_WM_TEMPLATE_INDEX" val="20205081"/>
-</p:tagLst>
-</file>
-
-<file path=ppt/tags/tag7.xml><?xml version="1.0" encoding="utf-8"?>
-<p:tagLst xmlns:p="http://schemas.openxmlformats.org/presentationml/2006/main">
-  <p:tag name="KSO_WM_UNIT_HIGHLIGHT" val="0"/>
-  <p:tag name="KSO_WM_UNIT_COMPATIBLE" val="0"/>
-  <p:tag name="KSO_WM_UNIT_DIAGRAM_ISNUMVISUAL" val="0"/>
-  <p:tag name="KSO_WM_UNIT_DIAGRAM_ISREFERUNIT" val="0"/>
-  <p:tag name="KSO_WM_UNIT_ID" val="_2**"/>
-  <p:tag name="KSO_WM_UNIT_LAYERLEVEL" val="1"/>
-  <p:tag name="KSO_WM_TAG_VERSION" val="1.0"/>
-  <p:tag name="KSO_WM_BEAUTIFY_FLAG" val="#wm#"/>
-</p:tagLst>
-</file>
-
-<file path=ppt/tags/tag70.xml><?xml version="1.0" encoding="utf-8"?>
 <p:tagLst xmlns:p="http://schemas.openxmlformats.org/presentationml/2006/main">
   <p:tag name="KSO_WM_SLIDE_ID" val="custom20205081_1"/>
   <p:tag name="KSO_WM_TEMPLATE_SUBCATEGORY" val="19"/>
@@ -9369,7 +9505,57 @@
 </p:tagLst>
 </file>
 
+<file path=ppt/tags/tag7.xml><?xml version="1.0" encoding="utf-8"?>
+<p:tagLst xmlns:p="http://schemas.openxmlformats.org/presentationml/2006/main">
+  <p:tag name="KSO_WM_UNIT_HIGHLIGHT" val="0"/>
+  <p:tag name="KSO_WM_UNIT_COMPATIBLE" val="0"/>
+  <p:tag name="KSO_WM_UNIT_DIAGRAM_ISNUMVISUAL" val="0"/>
+  <p:tag name="KSO_WM_UNIT_DIAGRAM_ISREFERUNIT" val="0"/>
+  <p:tag name="KSO_WM_UNIT_ID" val="_2**"/>
+  <p:tag name="KSO_WM_UNIT_LAYERLEVEL" val="1"/>
+  <p:tag name="KSO_WM_TAG_VERSION" val="1.0"/>
+  <p:tag name="KSO_WM_BEAUTIFY_FLAG" val="#wm#"/>
+</p:tagLst>
+</file>
+
+<file path=ppt/tags/tag70.xml><?xml version="1.0" encoding="utf-8"?>
+<p:tagLst xmlns:p="http://schemas.openxmlformats.org/presentationml/2006/main">
+  <p:tag name="KSO_WM_BEAUTIFY_FLAG" val="#wm#"/>
+  <p:tag name="KSO_WM_TEMPLATE_CATEGORY" val="custom"/>
+  <p:tag name="KSO_WM_TEMPLATE_INDEX" val="20205081"/>
+</p:tagLst>
+</file>
+
 <file path=ppt/tags/tag71.xml><?xml version="1.0" encoding="utf-8"?>
+<p:tagLst xmlns:p="http://schemas.openxmlformats.org/presentationml/2006/main">
+  <p:tag name="KSO_WM_BEAUTIFY_FLAG" val="#wm#"/>
+  <p:tag name="KSO_WM_TEMPLATE_CATEGORY" val="custom"/>
+  <p:tag name="KSO_WM_TEMPLATE_INDEX" val="20205081"/>
+</p:tagLst>
+</file>
+
+<file path=ppt/tags/tag72.xml><?xml version="1.0" encoding="utf-8"?>
+<p:tagLst xmlns:p="http://schemas.openxmlformats.org/presentationml/2006/main">
+  <p:tag name="KSO_WM_SLIDE_ID" val="custom20205081_1"/>
+  <p:tag name="KSO_WM_TEMPLATE_SUBCATEGORY" val="19"/>
+  <p:tag name="KSO_WM_TEMPLATE_MASTER_TYPE" val="0"/>
+  <p:tag name="KSO_WM_TEMPLATE_COLOR_TYPE" val="1"/>
+  <p:tag name="KSO_WM_SLIDE_TYPE" val="title"/>
+  <p:tag name="KSO_WM_SLIDE_SUBTYPE" val="defaultBlank"/>
+  <p:tag name="KSO_WM_SLIDE_ITEM_CNT" val="0"/>
+  <p:tag name="KSO_WM_SLIDE_INDEX" val="1"/>
+  <p:tag name="KSO_WM_TAG_VERSION" val="1.0"/>
+  <p:tag name="KSO_WM_BEAUTIFY_FLAG" val="#wm#"/>
+  <p:tag name="KSO_WM_TEMPLATE_CATEGORY" val="custom"/>
+  <p:tag name="KSO_WM_TEMPLATE_INDEX" val="20205081"/>
+  <p:tag name="KSO_WM_SLIDE_LAYOUT" val="a_b"/>
+  <p:tag name="KSO_WM_SLIDE_LAYOUT_CNT" val="1_1"/>
+  <p:tag name="KSO_WM_UNIT_SHOW_EDIT_AREA_INDICATION" val="1"/>
+  <p:tag name="KSO_WM_TEMPLATE_THUMBS_INDEX" val="1、4、7、12、13、14、15、16、17、18、20、24、25、28、33、36、40、43、44"/>
+</p:tagLst>
+</file>
+
+<file path=ppt/tags/tag73.xml><?xml version="1.0" encoding="utf-8"?>
 <p:tagLst xmlns:p="http://schemas.openxmlformats.org/presentationml/2006/main">
   <p:tag name="commondata" val="eyJoZGlkIjoiZDU2NmY3YmI0NTdjYTVjNmVlZTJlYzYxYjRiYTNmNzQifQ=="/>
   <p:tag name="resource_record_key" val="{&quot;10&quot;:[21576116],&quot;29&quot;:[50000199],&quot;65&quot;:[20205081]}"/>
